--- a/DDSAnalytics_CaseStudy2_Updated.pptx
+++ b/DDSAnalytics_CaseStudy2_Updated.pptx
@@ -13,8 +13,14 @@
     <p:sldId id="265" r:id="rId7"/>
     <p:sldId id="259" r:id="rId8"/>
     <p:sldId id="266" r:id="rId9"/>
-    <p:sldId id="269" r:id="rId10"/>
-    <p:sldId id="263" r:id="rId11"/>
+    <p:sldId id="270" r:id="rId10"/>
+    <p:sldId id="271" r:id="rId11"/>
+    <p:sldId id="272" r:id="rId12"/>
+    <p:sldId id="273" r:id="rId13"/>
+    <p:sldId id="275" r:id="rId14"/>
+    <p:sldId id="274" r:id="rId15"/>
+    <p:sldId id="269" r:id="rId16"/>
+    <p:sldId id="263" r:id="rId17"/>
   </p:sldIdLst>
   <p:sldSz cx="9144000" cy="6858000" type="screen4x3"/>
   <p:notesSz cx="6858000" cy="9144000"/>
@@ -115,7 +121,7 @@
   </p:defaultTextStyle>
   <p:extLst>
     <p:ext uri="{EFAFB233-063F-42B5-8137-9DF3F51BA10A}">
-      <p15:sldGuideLst xmlns:p15="http://schemas.microsoft.com/office/powerpoint/2012/main" xmlns="">
+      <p15:sldGuideLst xmlns:p15="http://schemas.microsoft.com/office/powerpoint/2012/main">
         <p15:guide id="1" orient="horz" pos="2160">
           <p15:clr>
             <a:srgbClr val="A4A3A4"/>
@@ -187,17 +193,16 @@
           </a:lstStyle>
           <a:p>
             <a:r>
-              <a:rPr lang="en-US" dirty="0" smtClean="0"/>
+              <a:rPr lang="en-US" dirty="0"/>
               <a:t>Click to edit </a:t>
             </a:r>
             <a:br>
-              <a:rPr lang="en-US" dirty="0" smtClean="0"/>
+              <a:rPr lang="en-US" dirty="0"/>
             </a:br>
             <a:r>
-              <a:rPr lang="en-US" dirty="0" smtClean="0"/>
+              <a:rPr lang="en-US" dirty="0"/>
               <a:t>Master title style</a:t>
             </a:r>
-            <a:endParaRPr lang="en-US" dirty="0"/>
           </a:p>
         </p:txBody>
       </p:sp>
@@ -315,16 +320,15 @@
           </a:lstStyle>
           <a:p>
             <a:r>
-              <a:rPr lang="en-US" dirty="0" smtClean="0"/>
+              <a:rPr lang="en-US" dirty="0"/>
               <a:t>Click to edit </a:t>
             </a:r>
           </a:p>
           <a:p>
             <a:r>
-              <a:rPr lang="en-US" dirty="0" smtClean="0"/>
+              <a:rPr lang="en-US" dirty="0"/>
               <a:t>Master subtitle style</a:t>
             </a:r>
-            <a:endParaRPr lang="en-US" dirty="0"/>
           </a:p>
         </p:txBody>
       </p:sp>
@@ -346,7 +350,7 @@
             <a:fld id="{53074F12-AA26-4AC8-9962-C36BB8F32554}" type="datetimeFigureOut">
               <a:rPr lang="en-US" smtClean="0"/>
               <a:pPr/>
-              <a:t>4/12/19</a:t>
+              <a:t>4/12/2019</a:t>
             </a:fld>
             <a:endParaRPr lang="en-US"/>
           </a:p>
@@ -450,10 +454,9 @@
           </a:lstStyle>
           <a:p>
             <a:r>
-              <a:rPr lang="en-US" smtClean="0"/>
+              <a:rPr lang="en-US"/>
               <a:t>Click to edit Master title style</a:t>
             </a:r>
-            <a:endParaRPr lang="en-US"/>
           </a:p>
         </p:txBody>
       </p:sp>
@@ -577,7 +580,7 @@
           <a:p>
             <a:pPr lvl="0"/>
             <a:r>
-              <a:rPr lang="en-US" smtClean="0"/>
+              <a:rPr lang="en-US"/>
               <a:t>Click to edit Master text styles</a:t>
             </a:r>
           </a:p>
@@ -601,7 +604,7 @@
             <a:fld id="{53074F12-AA26-4AC8-9962-C36BB8F32554}" type="datetimeFigureOut">
               <a:rPr lang="en-US" smtClean="0"/>
               <a:pPr/>
-              <a:t>4/12/19</a:t>
+              <a:t>4/12/2019</a:t>
             </a:fld>
             <a:endParaRPr lang="en-US"/>
           </a:p>
@@ -696,10 +699,9 @@
           <a:lstStyle/>
           <a:p>
             <a:r>
-              <a:rPr lang="en-US" smtClean="0"/>
+              <a:rPr lang="en-US"/>
               <a:t>Click to edit Master title style</a:t>
             </a:r>
-            <a:endParaRPr lang="en-US"/>
           </a:p>
         </p:txBody>
       </p:sp>
@@ -720,38 +722,37 @@
           <a:p>
             <a:pPr lvl="0"/>
             <a:r>
-              <a:rPr lang="en-US" smtClean="0"/>
+              <a:rPr lang="en-US"/>
               <a:t>Click to edit Master text styles</a:t>
             </a:r>
           </a:p>
           <a:p>
             <a:pPr lvl="1"/>
             <a:r>
-              <a:rPr lang="en-US" smtClean="0"/>
+              <a:rPr lang="en-US"/>
               <a:t>Second level</a:t>
             </a:r>
           </a:p>
           <a:p>
             <a:pPr lvl="2"/>
             <a:r>
-              <a:rPr lang="en-US" smtClean="0"/>
+              <a:rPr lang="en-US"/>
               <a:t>Third level</a:t>
             </a:r>
           </a:p>
           <a:p>
             <a:pPr lvl="3"/>
             <a:r>
-              <a:rPr lang="en-US" smtClean="0"/>
+              <a:rPr lang="en-US"/>
               <a:t>Fourth level</a:t>
             </a:r>
           </a:p>
           <a:p>
             <a:pPr lvl="4"/>
             <a:r>
-              <a:rPr lang="en-US" smtClean="0"/>
+              <a:rPr lang="en-US"/>
               <a:t>Fifth level</a:t>
             </a:r>
-            <a:endParaRPr lang="en-US"/>
           </a:p>
         </p:txBody>
       </p:sp>
@@ -773,7 +774,7 @@
             <a:fld id="{53074F12-AA26-4AC8-9962-C36BB8F32554}" type="datetimeFigureOut">
               <a:rPr lang="en-US" smtClean="0"/>
               <a:pPr/>
-              <a:t>4/12/19</a:t>
+              <a:t>4/12/2019</a:t>
             </a:fld>
             <a:endParaRPr lang="en-US"/>
           </a:p>
@@ -873,10 +874,9 @@
           <a:lstStyle/>
           <a:p>
             <a:r>
-              <a:rPr lang="en-US" smtClean="0"/>
+              <a:rPr lang="en-US"/>
               <a:t>Click to edit Master title style</a:t>
             </a:r>
-            <a:endParaRPr lang="en-US"/>
           </a:p>
         </p:txBody>
       </p:sp>
@@ -902,38 +902,37 @@
           <a:p>
             <a:pPr lvl="0"/>
             <a:r>
-              <a:rPr lang="en-US" smtClean="0"/>
+              <a:rPr lang="en-US"/>
               <a:t>Click to edit Master text styles</a:t>
             </a:r>
           </a:p>
           <a:p>
             <a:pPr lvl="1"/>
             <a:r>
-              <a:rPr lang="en-US" smtClean="0"/>
+              <a:rPr lang="en-US"/>
               <a:t>Second level</a:t>
             </a:r>
           </a:p>
           <a:p>
             <a:pPr lvl="2"/>
             <a:r>
-              <a:rPr lang="en-US" smtClean="0"/>
+              <a:rPr lang="en-US"/>
               <a:t>Third level</a:t>
             </a:r>
           </a:p>
           <a:p>
             <a:pPr lvl="3"/>
             <a:r>
-              <a:rPr lang="en-US" smtClean="0"/>
+              <a:rPr lang="en-US"/>
               <a:t>Fourth level</a:t>
             </a:r>
           </a:p>
           <a:p>
             <a:pPr lvl="4"/>
             <a:r>
-              <a:rPr lang="en-US" smtClean="0"/>
+              <a:rPr lang="en-US"/>
               <a:t>Fifth level</a:t>
             </a:r>
-            <a:endParaRPr lang="en-US"/>
           </a:p>
         </p:txBody>
       </p:sp>
@@ -955,7 +954,7 @@
             <a:fld id="{53074F12-AA26-4AC8-9962-C36BB8F32554}" type="datetimeFigureOut">
               <a:rPr lang="en-US" smtClean="0"/>
               <a:pPr/>
-              <a:t>4/12/19</a:t>
+              <a:t>4/12/2019</a:t>
             </a:fld>
             <a:endParaRPr lang="en-US"/>
           </a:p>
@@ -1067,10 +1066,9 @@
           </a:lstStyle>
           <a:p>
             <a:r>
-              <a:rPr lang="en-US" dirty="0" smtClean="0"/>
+              <a:rPr lang="en-US" dirty="0"/>
               <a:t>Click to edit Master title style</a:t>
             </a:r>
-            <a:endParaRPr lang="en-US" dirty="0"/>
           </a:p>
         </p:txBody>
       </p:sp>
@@ -1132,38 +1130,37 @@
           <a:p>
             <a:pPr lvl="0"/>
             <a:r>
-              <a:rPr lang="en-US" dirty="0" smtClean="0"/>
+              <a:rPr lang="en-US" dirty="0"/>
               <a:t>Click to edit Master text styles</a:t>
             </a:r>
           </a:p>
           <a:p>
             <a:pPr lvl="1"/>
             <a:r>
-              <a:rPr lang="en-US" dirty="0" smtClean="0"/>
+              <a:rPr lang="en-US" dirty="0"/>
               <a:t>Second level</a:t>
             </a:r>
           </a:p>
           <a:p>
             <a:pPr lvl="2"/>
             <a:r>
-              <a:rPr lang="en-US" dirty="0" smtClean="0"/>
+              <a:rPr lang="en-US" dirty="0"/>
               <a:t>Third level</a:t>
             </a:r>
           </a:p>
           <a:p>
             <a:pPr lvl="3"/>
             <a:r>
-              <a:rPr lang="en-US" dirty="0" smtClean="0"/>
+              <a:rPr lang="en-US" dirty="0"/>
               <a:t>Fourth level</a:t>
             </a:r>
           </a:p>
           <a:p>
             <a:pPr lvl="4"/>
             <a:r>
-              <a:rPr lang="en-US" dirty="0" smtClean="0"/>
+              <a:rPr lang="en-US" dirty="0"/>
               <a:t>Fifth level</a:t>
             </a:r>
-            <a:endParaRPr lang="en-US" dirty="0"/>
           </a:p>
         </p:txBody>
       </p:sp>
@@ -1185,7 +1182,7 @@
             <a:fld id="{53074F12-AA26-4AC8-9962-C36BB8F32554}" type="datetimeFigureOut">
               <a:rPr lang="en-US" smtClean="0"/>
               <a:pPr/>
-              <a:t>4/12/19</a:t>
+              <a:t>4/12/2019</a:t>
             </a:fld>
             <a:endParaRPr lang="en-US"/>
           </a:p>
@@ -1295,10 +1292,9 @@
           </a:lstStyle>
           <a:p>
             <a:r>
-              <a:rPr lang="en-US" dirty="0" smtClean="0"/>
+              <a:rPr lang="en-US" dirty="0"/>
               <a:t>Click to edit Master title style</a:t>
             </a:r>
-            <a:endParaRPr lang="en-US" dirty="0"/>
           </a:p>
         </p:txBody>
       </p:sp>
@@ -1370,38 +1366,37 @@
           <a:p>
             <a:pPr lvl="0"/>
             <a:r>
-              <a:rPr lang="en-US" dirty="0" smtClean="0"/>
+              <a:rPr lang="en-US" dirty="0"/>
               <a:t>Click to edit Master text styles</a:t>
             </a:r>
           </a:p>
           <a:p>
             <a:pPr lvl="1"/>
             <a:r>
-              <a:rPr lang="en-US" dirty="0" smtClean="0"/>
+              <a:rPr lang="en-US" dirty="0"/>
               <a:t>Second level</a:t>
             </a:r>
           </a:p>
           <a:p>
             <a:pPr lvl="2"/>
             <a:r>
-              <a:rPr lang="en-US" dirty="0" smtClean="0"/>
+              <a:rPr lang="en-US" dirty="0"/>
               <a:t>Third level</a:t>
             </a:r>
           </a:p>
           <a:p>
             <a:pPr lvl="3"/>
             <a:r>
-              <a:rPr lang="en-US" dirty="0" smtClean="0"/>
+              <a:rPr lang="en-US" dirty="0"/>
               <a:t>Fourth level</a:t>
             </a:r>
           </a:p>
           <a:p>
             <a:pPr lvl="4"/>
             <a:r>
-              <a:rPr lang="en-US" dirty="0" smtClean="0"/>
+              <a:rPr lang="en-US" dirty="0"/>
               <a:t>Fifth level</a:t>
             </a:r>
-            <a:endParaRPr lang="en-US" dirty="0"/>
           </a:p>
         </p:txBody>
       </p:sp>
@@ -1423,7 +1418,7 @@
             <a:fld id="{53074F12-AA26-4AC8-9962-C36BB8F32554}" type="datetimeFigureOut">
               <a:rPr lang="en-US" smtClean="0"/>
               <a:pPr/>
-              <a:t>4/12/19</a:t>
+              <a:t>4/12/2019</a:t>
             </a:fld>
             <a:endParaRPr lang="en-US"/>
           </a:p>
@@ -1527,10 +1522,9 @@
           </a:lstStyle>
           <a:p>
             <a:r>
-              <a:rPr lang="en-US" smtClean="0"/>
+              <a:rPr lang="en-US"/>
               <a:t>Click to edit Master title style</a:t>
             </a:r>
-            <a:endParaRPr lang="en-US"/>
           </a:p>
         </p:txBody>
       </p:sp>
@@ -1647,7 +1641,7 @@
           <a:p>
             <a:pPr lvl="0"/>
             <a:r>
-              <a:rPr lang="en-US" smtClean="0"/>
+              <a:rPr lang="en-US"/>
               <a:t>Click to edit Master text styles</a:t>
             </a:r>
           </a:p>
@@ -1671,7 +1665,7 @@
             <a:fld id="{53074F12-AA26-4AC8-9962-C36BB8F32554}" type="datetimeFigureOut">
               <a:rPr lang="en-US" smtClean="0"/>
               <a:pPr/>
-              <a:t>4/12/19</a:t>
+              <a:t>4/12/2019</a:t>
             </a:fld>
             <a:endParaRPr lang="en-US"/>
           </a:p>
@@ -1766,10 +1760,9 @@
           <a:lstStyle/>
           <a:p>
             <a:r>
-              <a:rPr lang="en-US" smtClean="0"/>
+              <a:rPr lang="en-US"/>
               <a:t>Click to edit Master title style</a:t>
             </a:r>
-            <a:endParaRPr lang="en-US"/>
           </a:p>
         </p:txBody>
       </p:sp>
@@ -1823,38 +1816,37 @@
           <a:p>
             <a:pPr lvl="0"/>
             <a:r>
-              <a:rPr lang="en-US" smtClean="0"/>
+              <a:rPr lang="en-US"/>
               <a:t>Click to edit Master text styles</a:t>
             </a:r>
           </a:p>
           <a:p>
             <a:pPr lvl="1"/>
             <a:r>
-              <a:rPr lang="en-US" smtClean="0"/>
+              <a:rPr lang="en-US"/>
               <a:t>Second level</a:t>
             </a:r>
           </a:p>
           <a:p>
             <a:pPr lvl="2"/>
             <a:r>
-              <a:rPr lang="en-US" smtClean="0"/>
+              <a:rPr lang="en-US"/>
               <a:t>Third level</a:t>
             </a:r>
           </a:p>
           <a:p>
             <a:pPr lvl="3"/>
             <a:r>
-              <a:rPr lang="en-US" smtClean="0"/>
+              <a:rPr lang="en-US"/>
               <a:t>Fourth level</a:t>
             </a:r>
           </a:p>
           <a:p>
             <a:pPr lvl="4"/>
             <a:r>
-              <a:rPr lang="en-US" smtClean="0"/>
+              <a:rPr lang="en-US"/>
               <a:t>Fifth level</a:t>
             </a:r>
-            <a:endParaRPr lang="en-US"/>
           </a:p>
         </p:txBody>
       </p:sp>
@@ -1908,38 +1900,37 @@
           <a:p>
             <a:pPr lvl="0"/>
             <a:r>
-              <a:rPr lang="en-US" smtClean="0"/>
+              <a:rPr lang="en-US"/>
               <a:t>Click to edit Master text styles</a:t>
             </a:r>
           </a:p>
           <a:p>
             <a:pPr lvl="1"/>
             <a:r>
-              <a:rPr lang="en-US" smtClean="0"/>
+              <a:rPr lang="en-US"/>
               <a:t>Second level</a:t>
             </a:r>
           </a:p>
           <a:p>
             <a:pPr lvl="2"/>
             <a:r>
-              <a:rPr lang="en-US" smtClean="0"/>
+              <a:rPr lang="en-US"/>
               <a:t>Third level</a:t>
             </a:r>
           </a:p>
           <a:p>
             <a:pPr lvl="3"/>
             <a:r>
-              <a:rPr lang="en-US" smtClean="0"/>
+              <a:rPr lang="en-US"/>
               <a:t>Fourth level</a:t>
             </a:r>
           </a:p>
           <a:p>
             <a:pPr lvl="4"/>
             <a:r>
-              <a:rPr lang="en-US" smtClean="0"/>
+              <a:rPr lang="en-US"/>
               <a:t>Fifth level</a:t>
             </a:r>
-            <a:endParaRPr lang="en-US"/>
           </a:p>
         </p:txBody>
       </p:sp>
@@ -1961,7 +1952,7 @@
             <a:fld id="{53074F12-AA26-4AC8-9962-C36BB8F32554}" type="datetimeFigureOut">
               <a:rPr lang="en-US" smtClean="0"/>
               <a:pPr/>
-              <a:t>4/12/19</a:t>
+              <a:t>4/12/2019</a:t>
             </a:fld>
             <a:endParaRPr lang="en-US"/>
           </a:p>
@@ -2073,10 +2064,9 @@
           </a:lstStyle>
           <a:p>
             <a:r>
-              <a:rPr lang="en-US" dirty="0" smtClean="0"/>
+              <a:rPr lang="en-US" dirty="0"/>
               <a:t>Click to edit Master title style</a:t>
             </a:r>
-            <a:endParaRPr lang="en-US" dirty="0"/>
           </a:p>
         </p:txBody>
       </p:sp>
@@ -2143,7 +2133,7 @@
           <a:p>
             <a:pPr lvl="0"/>
             <a:r>
-              <a:rPr lang="en-US" dirty="0" smtClean="0"/>
+              <a:rPr lang="en-US" dirty="0"/>
               <a:t>Click to edit Master text styles</a:t>
             </a:r>
           </a:p>
@@ -2229,38 +2219,37 @@
           <a:p>
             <a:pPr lvl="0"/>
             <a:r>
-              <a:rPr lang="en-US" dirty="0" smtClean="0"/>
+              <a:rPr lang="en-US" dirty="0"/>
               <a:t>Click to edit Master text styles</a:t>
             </a:r>
           </a:p>
           <a:p>
             <a:pPr lvl="1"/>
             <a:r>
-              <a:rPr lang="en-US" dirty="0" smtClean="0"/>
+              <a:rPr lang="en-US" dirty="0"/>
               <a:t>Second level</a:t>
             </a:r>
           </a:p>
           <a:p>
             <a:pPr lvl="2"/>
             <a:r>
-              <a:rPr lang="en-US" dirty="0" smtClean="0"/>
+              <a:rPr lang="en-US" dirty="0"/>
               <a:t>Third level</a:t>
             </a:r>
           </a:p>
           <a:p>
             <a:pPr lvl="3"/>
             <a:r>
-              <a:rPr lang="en-US" dirty="0" smtClean="0"/>
+              <a:rPr lang="en-US" dirty="0"/>
               <a:t>Fourth level</a:t>
             </a:r>
           </a:p>
           <a:p>
             <a:pPr lvl="4"/>
             <a:r>
-              <a:rPr lang="en-US" dirty="0" smtClean="0"/>
+              <a:rPr lang="en-US" dirty="0"/>
               <a:t>Fifth level</a:t>
             </a:r>
-            <a:endParaRPr lang="en-US" dirty="0"/>
           </a:p>
         </p:txBody>
       </p:sp>
@@ -2327,7 +2316,7 @@
           <a:p>
             <a:pPr lvl="0"/>
             <a:r>
-              <a:rPr lang="en-US" dirty="0" smtClean="0"/>
+              <a:rPr lang="en-US" dirty="0"/>
               <a:t>Click to edit Master text styles</a:t>
             </a:r>
           </a:p>
@@ -2413,38 +2402,37 @@
           <a:p>
             <a:pPr lvl="0"/>
             <a:r>
-              <a:rPr lang="en-US" dirty="0" smtClean="0"/>
+              <a:rPr lang="en-US" dirty="0"/>
               <a:t>Click to edit Master text styles</a:t>
             </a:r>
           </a:p>
           <a:p>
             <a:pPr lvl="1"/>
             <a:r>
-              <a:rPr lang="en-US" dirty="0" smtClean="0"/>
+              <a:rPr lang="en-US" dirty="0"/>
               <a:t>Second level</a:t>
             </a:r>
           </a:p>
           <a:p>
             <a:pPr lvl="2"/>
             <a:r>
-              <a:rPr lang="en-US" dirty="0" smtClean="0"/>
+              <a:rPr lang="en-US" dirty="0"/>
               <a:t>Third level</a:t>
             </a:r>
           </a:p>
           <a:p>
             <a:pPr lvl="3"/>
             <a:r>
-              <a:rPr lang="en-US" dirty="0" smtClean="0"/>
+              <a:rPr lang="en-US" dirty="0"/>
               <a:t>Fourth level</a:t>
             </a:r>
           </a:p>
           <a:p>
             <a:pPr lvl="4"/>
             <a:r>
-              <a:rPr lang="en-US" dirty="0" smtClean="0"/>
+              <a:rPr lang="en-US" dirty="0"/>
               <a:t>Fifth level</a:t>
             </a:r>
-            <a:endParaRPr lang="en-US" dirty="0"/>
           </a:p>
         </p:txBody>
       </p:sp>
@@ -2466,7 +2454,7 @@
             <a:fld id="{53074F12-AA26-4AC8-9962-C36BB8F32554}" type="datetimeFigureOut">
               <a:rPr lang="en-US" smtClean="0"/>
               <a:pPr/>
-              <a:t>4/12/19</a:t>
+              <a:t>4/12/2019</a:t>
             </a:fld>
             <a:endParaRPr lang="en-US"/>
           </a:p>
@@ -2561,10 +2549,9 @@
           <a:lstStyle/>
           <a:p>
             <a:r>
-              <a:rPr lang="en-US" smtClean="0"/>
+              <a:rPr lang="en-US"/>
               <a:t>Click to edit Master title style</a:t>
             </a:r>
-            <a:endParaRPr lang="en-US"/>
           </a:p>
         </p:txBody>
       </p:sp>
@@ -2586,7 +2573,7 @@
             <a:fld id="{53074F12-AA26-4AC8-9962-C36BB8F32554}" type="datetimeFigureOut">
               <a:rPr lang="en-US" smtClean="0"/>
               <a:pPr/>
-              <a:t>4/12/19</a:t>
+              <a:t>4/12/2019</a:t>
             </a:fld>
             <a:endParaRPr lang="en-US"/>
           </a:p>
@@ -2683,7 +2670,7 @@
             <a:fld id="{53074F12-AA26-4AC8-9962-C36BB8F32554}" type="datetimeFigureOut">
               <a:rPr lang="en-US" smtClean="0"/>
               <a:pPr/>
-              <a:t>4/12/19</a:t>
+              <a:t>4/12/2019</a:t>
             </a:fld>
             <a:endParaRPr lang="en-US"/>
           </a:p>
@@ -2787,10 +2774,9 @@
           </a:lstStyle>
           <a:p>
             <a:r>
-              <a:rPr lang="en-US" smtClean="0"/>
+              <a:rPr lang="en-US"/>
               <a:t>Click to edit Master title style</a:t>
             </a:r>
-            <a:endParaRPr lang="en-US"/>
           </a:p>
         </p:txBody>
       </p:sp>
@@ -2844,38 +2830,37 @@
           <a:p>
             <a:pPr lvl="0"/>
             <a:r>
-              <a:rPr lang="en-US" smtClean="0"/>
+              <a:rPr lang="en-US"/>
               <a:t>Click to edit Master text styles</a:t>
             </a:r>
           </a:p>
           <a:p>
             <a:pPr lvl="1"/>
             <a:r>
-              <a:rPr lang="en-US" smtClean="0"/>
+              <a:rPr lang="en-US"/>
               <a:t>Second level</a:t>
             </a:r>
           </a:p>
           <a:p>
             <a:pPr lvl="2"/>
             <a:r>
-              <a:rPr lang="en-US" smtClean="0"/>
+              <a:rPr lang="en-US"/>
               <a:t>Third level</a:t>
             </a:r>
           </a:p>
           <a:p>
             <a:pPr lvl="3"/>
             <a:r>
-              <a:rPr lang="en-US" smtClean="0"/>
+              <a:rPr lang="en-US"/>
               <a:t>Fourth level</a:t>
             </a:r>
           </a:p>
           <a:p>
             <a:pPr lvl="4"/>
             <a:r>
-              <a:rPr lang="en-US" smtClean="0"/>
+              <a:rPr lang="en-US"/>
               <a:t>Fifth level</a:t>
             </a:r>
-            <a:endParaRPr lang="en-US"/>
           </a:p>
         </p:txBody>
       </p:sp>
@@ -2938,7 +2923,7 @@
           <a:p>
             <a:pPr lvl="0"/>
             <a:r>
-              <a:rPr lang="en-US" smtClean="0"/>
+              <a:rPr lang="en-US"/>
               <a:t>Click to edit Master text styles</a:t>
             </a:r>
           </a:p>
@@ -2962,7 +2947,7 @@
             <a:fld id="{53074F12-AA26-4AC8-9962-C36BB8F32554}" type="datetimeFigureOut">
               <a:rPr lang="en-US" smtClean="0"/>
               <a:pPr/>
-              <a:t>4/12/19</a:t>
+              <a:t>4/12/2019</a:t>
             </a:fld>
             <a:endParaRPr lang="en-US"/>
           </a:p>
@@ -3081,10 +3066,9 @@
           <a:lstStyle/>
           <a:p>
             <a:r>
-              <a:rPr lang="en-US" smtClean="0"/>
+              <a:rPr lang="en-US"/>
               <a:t>Click to edit Master title style</a:t>
             </a:r>
-            <a:endParaRPr lang="en-US"/>
           </a:p>
         </p:txBody>
       </p:sp>
@@ -3115,38 +3099,37 @@
           <a:p>
             <a:pPr lvl="0"/>
             <a:r>
-              <a:rPr lang="en-US" smtClean="0"/>
+              <a:rPr lang="en-US"/>
               <a:t>Click to edit Master text styles</a:t>
             </a:r>
           </a:p>
           <a:p>
             <a:pPr lvl="1"/>
             <a:r>
-              <a:rPr lang="en-US" smtClean="0"/>
+              <a:rPr lang="en-US"/>
               <a:t>Second level</a:t>
             </a:r>
           </a:p>
           <a:p>
             <a:pPr lvl="2"/>
             <a:r>
-              <a:rPr lang="en-US" smtClean="0"/>
+              <a:rPr lang="en-US"/>
               <a:t>Third level</a:t>
             </a:r>
           </a:p>
           <a:p>
             <a:pPr lvl="3"/>
             <a:r>
-              <a:rPr lang="en-US" smtClean="0"/>
+              <a:rPr lang="en-US"/>
               <a:t>Fourth level</a:t>
             </a:r>
           </a:p>
           <a:p>
             <a:pPr lvl="4"/>
             <a:r>
-              <a:rPr lang="en-US" smtClean="0"/>
+              <a:rPr lang="en-US"/>
               <a:t>Fifth level</a:t>
             </a:r>
-            <a:endParaRPr lang="en-US"/>
           </a:p>
         </p:txBody>
       </p:sp>
@@ -3186,7 +3169,7 @@
             <a:fld id="{53074F12-AA26-4AC8-9962-C36BB8F32554}" type="datetimeFigureOut">
               <a:rPr lang="en-US" smtClean="0"/>
               <a:pPr/>
-              <a:t>4/12/19</a:t>
+              <a:t>4/12/2019</a:t>
             </a:fld>
             <a:endParaRPr lang="en-US"/>
           </a:p>
@@ -3595,28 +3578,23 @@
           <a:lstStyle/>
           <a:p>
             <a:r>
-              <a:rPr lang="en-US" sz="5300" dirty="0" err="1" smtClean="0"/>
+              <a:rPr lang="en-US" sz="5300" dirty="0" err="1"/>
               <a:t>DDSAnalitics</a:t>
             </a:r>
-            <a:r>
-              <a:rPr lang="en-US" sz="5300" dirty="0" smtClean="0"/>
-              <a:t/>
-            </a:r>
             <a:br>
-              <a:rPr lang="en-US" sz="5300" dirty="0" smtClean="0"/>
+              <a:rPr lang="en-US" sz="5300" dirty="0"/>
             </a:br>
             <a:r>
-              <a:rPr lang="en-US" dirty="0" smtClean="0"/>
+              <a:rPr lang="en-US" dirty="0"/>
               <a:t>Talent Management</a:t>
             </a:r>
             <a:br>
-              <a:rPr lang="en-US" dirty="0" smtClean="0"/>
+              <a:rPr lang="en-US" dirty="0"/>
             </a:br>
             <a:r>
-              <a:rPr lang="en-US" dirty="0" smtClean="0"/>
+              <a:rPr lang="en-US" dirty="0"/>
               <a:t>for a Changing World</a:t>
             </a:r>
-            <a:endParaRPr lang="en-US" dirty="0"/>
           </a:p>
         </p:txBody>
       </p:sp>
@@ -3638,16 +3616,15 @@
           <a:lstStyle/>
           <a:p>
             <a:r>
-              <a:rPr lang="en-US" dirty="0" smtClean="0"/>
+              <a:rPr lang="en-US" dirty="0"/>
               <a:t>Predicting Employee Turnover</a:t>
             </a:r>
           </a:p>
           <a:p>
             <a:r>
-              <a:rPr lang="en-US" sz="2000" dirty="0" smtClean="0"/>
+              <a:rPr lang="en-US" sz="2000" dirty="0"/>
               <a:t>Presenters: Amy, Andy, Richard &amp; Tom</a:t>
             </a:r>
-            <a:endParaRPr lang="en-US" sz="2000" dirty="0"/>
           </a:p>
         </p:txBody>
       </p:sp>
@@ -3691,18 +3668,4090 @@
             <p:ph type="title"/>
           </p:nvPr>
         </p:nvSpPr>
-        <p:spPr/>
+        <p:spPr>
+          <a:xfrm>
+            <a:off x="448965" y="527605"/>
+            <a:ext cx="8229600" cy="610820"/>
+          </a:xfrm>
+        </p:spPr>
         <p:txBody>
           <a:bodyPr>
             <a:normAutofit fontScale="90000"/>
           </a:bodyPr>
           <a:lstStyle/>
           <a:p>
-            <a:r>
-              <a:rPr lang="en-US" dirty="0" smtClean="0"/>
+            <a:pPr algn="ctr"/>
+            <a:r>
+              <a:rPr lang="en-US" dirty="0"/>
+              <a:t>Comparative Analysis</a:t>
+            </a:r>
+            <a:br>
+              <a:rPr lang="en-US" dirty="0"/>
+            </a:br>
+            <a:r>
+              <a:rPr lang="en-US" sz="3100" dirty="0"/>
+              <a:t>Attrition Percentages</a:t>
+            </a:r>
+            <a:endParaRPr lang="en-US" dirty="0"/>
+          </a:p>
+        </p:txBody>
+      </p:sp>
+      <p:pic>
+        <p:nvPicPr>
+          <p:cNvPr id="3" name="Picture 2">
+            <a:extLst>
+              <a:ext uri="{FF2B5EF4-FFF2-40B4-BE49-F238E27FC236}">
+                <a16:creationId xmlns:a16="http://schemas.microsoft.com/office/drawing/2014/main" id="{58CB6DB6-4899-433C-9588-E105827CCFD2}"/>
+              </a:ext>
+            </a:extLst>
+          </p:cNvPr>
+          <p:cNvPicPr>
+            <a:picLocks noChangeAspect="1"/>
+          </p:cNvPicPr>
+          <p:nvPr/>
+        </p:nvPicPr>
+        <p:blipFill>
+          <a:blip r:embed="rId2">
+            <a:clrChange>
+              <a:clrFrom>
+                <a:srgbClr val="FFFFFF"/>
+              </a:clrFrom>
+              <a:clrTo>
+                <a:srgbClr val="FFFFFF">
+                  <a:alpha val="0"/>
+                </a:srgbClr>
+              </a:clrTo>
+            </a:clrChange>
+            <a:extLst>
+              <a:ext uri="{28A0092B-C50C-407E-A947-70E740481C1C}">
+                <a14:useLocalDpi xmlns:a14="http://schemas.microsoft.com/office/drawing/2010/main" val="0"/>
+              </a:ext>
+            </a:extLst>
+          </a:blip>
+          <a:stretch>
+            <a:fillRect/>
+          </a:stretch>
+        </p:blipFill>
+        <p:spPr>
+          <a:xfrm>
+            <a:off x="448965" y="1291130"/>
+            <a:ext cx="4289134" cy="3063667"/>
+          </a:xfrm>
+          <a:prstGeom prst="rect">
+            <a:avLst/>
+          </a:prstGeom>
+        </p:spPr>
+      </p:pic>
+      <p:pic>
+        <p:nvPicPr>
+          <p:cNvPr id="7" name="Picture 6">
+            <a:extLst>
+              <a:ext uri="{FF2B5EF4-FFF2-40B4-BE49-F238E27FC236}">
+                <a16:creationId xmlns:a16="http://schemas.microsoft.com/office/drawing/2014/main" id="{4020E95C-9F46-4C7B-8360-ECDABE602960}"/>
+              </a:ext>
+            </a:extLst>
+          </p:cNvPr>
+          <p:cNvPicPr>
+            <a:picLocks noChangeAspect="1"/>
+          </p:cNvPicPr>
+          <p:nvPr/>
+        </p:nvPicPr>
+        <p:blipFill>
+          <a:blip r:embed="rId3">
+            <a:clrChange>
+              <a:clrFrom>
+                <a:srgbClr val="FFFFFF"/>
+              </a:clrFrom>
+              <a:clrTo>
+                <a:srgbClr val="FFFFFF">
+                  <a:alpha val="0"/>
+                </a:srgbClr>
+              </a:clrTo>
+            </a:clrChange>
+            <a:extLst>
+              <a:ext uri="{28A0092B-C50C-407E-A947-70E740481C1C}">
+                <a14:useLocalDpi xmlns:a14="http://schemas.microsoft.com/office/drawing/2010/main" val="0"/>
+              </a:ext>
+            </a:extLst>
+          </a:blip>
+          <a:stretch>
+            <a:fillRect/>
+          </a:stretch>
+        </p:blipFill>
+        <p:spPr>
+          <a:xfrm>
+            <a:off x="4359768" y="3504130"/>
+            <a:ext cx="4289134" cy="3063667"/>
+          </a:xfrm>
+          <a:prstGeom prst="rect">
+            <a:avLst/>
+          </a:prstGeom>
+        </p:spPr>
+      </p:pic>
+    </p:spTree>
+    <p:extLst>
+      <p:ext uri="{BB962C8B-B14F-4D97-AF65-F5344CB8AC3E}">
+        <p14:creationId xmlns:p14="http://schemas.microsoft.com/office/powerpoint/2010/main" val="3915642939"/>
+      </p:ext>
+    </p:extLst>
+  </p:cSld>
+  <p:clrMapOvr>
+    <a:masterClrMapping/>
+  </p:clrMapOvr>
+</p:sld>
+</file>
+
+<file path=ppt/slides/slide11.xml><?xml version="1.0" encoding="utf-8"?>
+<p:sld xmlns:a="http://schemas.openxmlformats.org/drawingml/2006/main" xmlns:r="http://schemas.openxmlformats.org/officeDocument/2006/relationships" xmlns:p="http://schemas.openxmlformats.org/presentationml/2006/main">
+  <p:cSld>
+    <p:spTree>
+      <p:nvGrpSpPr>
+        <p:cNvPr id="1" name=""/>
+        <p:cNvGrpSpPr/>
+        <p:nvPr/>
+      </p:nvGrpSpPr>
+      <p:grpSpPr>
+        <a:xfrm>
+          <a:off x="0" y="0"/>
+          <a:ext cx="0" cy="0"/>
+          <a:chOff x="0" y="0"/>
+          <a:chExt cx="0" cy="0"/>
+        </a:xfrm>
+      </p:grpSpPr>
+      <p:sp>
+        <p:nvSpPr>
+          <p:cNvPr id="4" name="Title 3"/>
+          <p:cNvSpPr>
+            <a:spLocks noGrp="1"/>
+          </p:cNvSpPr>
+          <p:nvPr>
+            <p:ph type="title"/>
+          </p:nvPr>
+        </p:nvSpPr>
+        <p:spPr>
+          <a:xfrm>
+            <a:off x="448965" y="527605"/>
+            <a:ext cx="8229600" cy="610820"/>
+          </a:xfrm>
+        </p:spPr>
+        <p:txBody>
+          <a:bodyPr>
+            <a:normAutofit fontScale="90000"/>
+          </a:bodyPr>
+          <a:lstStyle/>
+          <a:p>
+            <a:pPr algn="ctr"/>
+            <a:r>
+              <a:rPr lang="en-US" dirty="0"/>
+              <a:t>Comparative Analysis</a:t>
+            </a:r>
+            <a:br>
+              <a:rPr lang="en-US" dirty="0"/>
+            </a:br>
+            <a:r>
+              <a:rPr lang="en-US" sz="3100" dirty="0"/>
+              <a:t>Attrition Percentages</a:t>
+            </a:r>
+            <a:endParaRPr lang="en-US" dirty="0"/>
+          </a:p>
+        </p:txBody>
+      </p:sp>
+      <p:pic>
+        <p:nvPicPr>
+          <p:cNvPr id="5" name="Picture 4">
+            <a:extLst>
+              <a:ext uri="{FF2B5EF4-FFF2-40B4-BE49-F238E27FC236}">
+                <a16:creationId xmlns:a16="http://schemas.microsoft.com/office/drawing/2014/main" id="{1F7771D5-DD24-47CC-8EA2-6FFF445661B9}"/>
+              </a:ext>
+            </a:extLst>
+          </p:cNvPr>
+          <p:cNvPicPr>
+            <a:picLocks noChangeAspect="1"/>
+          </p:cNvPicPr>
+          <p:nvPr/>
+        </p:nvPicPr>
+        <p:blipFill>
+          <a:blip r:embed="rId2">
+            <a:clrChange>
+              <a:clrFrom>
+                <a:srgbClr val="FFFFFF"/>
+              </a:clrFrom>
+              <a:clrTo>
+                <a:srgbClr val="FFFFFF">
+                  <a:alpha val="0"/>
+                </a:srgbClr>
+              </a:clrTo>
+            </a:clrChange>
+            <a:extLst>
+              <a:ext uri="{28A0092B-C50C-407E-A947-70E740481C1C}">
+                <a14:useLocalDpi xmlns:a14="http://schemas.microsoft.com/office/drawing/2010/main" val="0"/>
+              </a:ext>
+            </a:extLst>
+          </a:blip>
+          <a:stretch>
+            <a:fillRect/>
+          </a:stretch>
+        </p:blipFill>
+        <p:spPr>
+          <a:xfrm>
+            <a:off x="441196" y="1291130"/>
+            <a:ext cx="4289134" cy="3063667"/>
+          </a:xfrm>
+          <a:prstGeom prst="rect">
+            <a:avLst/>
+          </a:prstGeom>
+        </p:spPr>
+      </p:pic>
+      <p:pic>
+        <p:nvPicPr>
+          <p:cNvPr id="8" name="Picture 7">
+            <a:extLst>
+              <a:ext uri="{FF2B5EF4-FFF2-40B4-BE49-F238E27FC236}">
+                <a16:creationId xmlns:a16="http://schemas.microsoft.com/office/drawing/2014/main" id="{E10743F2-03B0-4ACF-9B29-2AD23530A025}"/>
+              </a:ext>
+            </a:extLst>
+          </p:cNvPr>
+          <p:cNvPicPr>
+            <a:picLocks noChangeAspect="1"/>
+          </p:cNvPicPr>
+          <p:nvPr/>
+        </p:nvPicPr>
+        <p:blipFill>
+          <a:blip r:embed="rId3">
+            <a:clrChange>
+              <a:clrFrom>
+                <a:srgbClr val="FFFFFF"/>
+              </a:clrFrom>
+              <a:clrTo>
+                <a:srgbClr val="FFFFFF">
+                  <a:alpha val="0"/>
+                </a:srgbClr>
+              </a:clrTo>
+            </a:clrChange>
+            <a:extLst>
+              <a:ext uri="{28A0092B-C50C-407E-A947-70E740481C1C}">
+                <a14:useLocalDpi xmlns:a14="http://schemas.microsoft.com/office/drawing/2010/main" val="0"/>
+              </a:ext>
+            </a:extLst>
+          </a:blip>
+          <a:stretch>
+            <a:fillRect/>
+          </a:stretch>
+        </p:blipFill>
+        <p:spPr>
+          <a:xfrm>
+            <a:off x="4389431" y="3429000"/>
+            <a:ext cx="4289134" cy="3063667"/>
+          </a:xfrm>
+          <a:prstGeom prst="rect">
+            <a:avLst/>
+          </a:prstGeom>
+        </p:spPr>
+      </p:pic>
+    </p:spTree>
+    <p:extLst>
+      <p:ext uri="{BB962C8B-B14F-4D97-AF65-F5344CB8AC3E}">
+        <p14:creationId xmlns:p14="http://schemas.microsoft.com/office/powerpoint/2010/main" val="3236222227"/>
+      </p:ext>
+    </p:extLst>
+  </p:cSld>
+  <p:clrMapOvr>
+    <a:masterClrMapping/>
+  </p:clrMapOvr>
+</p:sld>
+</file>
+
+<file path=ppt/slides/slide12.xml><?xml version="1.0" encoding="utf-8"?>
+<p:sld xmlns:a="http://schemas.openxmlformats.org/drawingml/2006/main" xmlns:r="http://schemas.openxmlformats.org/officeDocument/2006/relationships" xmlns:p="http://schemas.openxmlformats.org/presentationml/2006/main">
+  <p:cSld>
+    <p:spTree>
+      <p:nvGrpSpPr>
+        <p:cNvPr id="1" name=""/>
+        <p:cNvGrpSpPr/>
+        <p:nvPr/>
+      </p:nvGrpSpPr>
+      <p:grpSpPr>
+        <a:xfrm>
+          <a:off x="0" y="0"/>
+          <a:ext cx="0" cy="0"/>
+          <a:chOff x="0" y="0"/>
+          <a:chExt cx="0" cy="0"/>
+        </a:xfrm>
+      </p:grpSpPr>
+      <p:sp>
+        <p:nvSpPr>
+          <p:cNvPr id="4" name="Title 3"/>
+          <p:cNvSpPr>
+            <a:spLocks noGrp="1"/>
+          </p:cNvSpPr>
+          <p:nvPr>
+            <p:ph type="title"/>
+          </p:nvPr>
+        </p:nvSpPr>
+        <p:spPr>
+          <a:xfrm>
+            <a:off x="448965" y="527605"/>
+            <a:ext cx="8229600" cy="610820"/>
+          </a:xfrm>
+        </p:spPr>
+        <p:txBody>
+          <a:bodyPr>
+            <a:normAutofit fontScale="90000"/>
+          </a:bodyPr>
+          <a:lstStyle/>
+          <a:p>
+            <a:pPr algn="ctr"/>
+            <a:r>
+              <a:rPr lang="en-US" dirty="0"/>
+              <a:t>Comparative Analysis</a:t>
+            </a:r>
+            <a:br>
+              <a:rPr lang="en-US" dirty="0"/>
+            </a:br>
+            <a:r>
+              <a:rPr lang="en-US" sz="3100" dirty="0"/>
+              <a:t>Attrition Percentages</a:t>
+            </a:r>
+            <a:endParaRPr lang="en-US" dirty="0"/>
+          </a:p>
+        </p:txBody>
+      </p:sp>
+      <p:pic>
+        <p:nvPicPr>
+          <p:cNvPr id="3" name="Picture 2">
+            <a:extLst>
+              <a:ext uri="{FF2B5EF4-FFF2-40B4-BE49-F238E27FC236}">
+                <a16:creationId xmlns:a16="http://schemas.microsoft.com/office/drawing/2014/main" id="{60D93743-C519-4097-A066-530F9F9176A3}"/>
+              </a:ext>
+            </a:extLst>
+          </p:cNvPr>
+          <p:cNvPicPr>
+            <a:picLocks noChangeAspect="1"/>
+          </p:cNvPicPr>
+          <p:nvPr/>
+        </p:nvPicPr>
+        <p:blipFill>
+          <a:blip r:embed="rId2">
+            <a:clrChange>
+              <a:clrFrom>
+                <a:srgbClr val="FFFFFF"/>
+              </a:clrFrom>
+              <a:clrTo>
+                <a:srgbClr val="FFFFFF">
+                  <a:alpha val="0"/>
+                </a:srgbClr>
+              </a:clrTo>
+            </a:clrChange>
+            <a:extLst>
+              <a:ext uri="{28A0092B-C50C-407E-A947-70E740481C1C}">
+                <a14:useLocalDpi xmlns:a14="http://schemas.microsoft.com/office/drawing/2010/main" val="0"/>
+              </a:ext>
+            </a:extLst>
+          </a:blip>
+          <a:stretch>
+            <a:fillRect/>
+          </a:stretch>
+        </p:blipFill>
+        <p:spPr>
+          <a:xfrm>
+            <a:off x="1517900" y="1757757"/>
+            <a:ext cx="6401693" cy="4572638"/>
+          </a:xfrm>
+          <a:prstGeom prst="rect">
+            <a:avLst/>
+          </a:prstGeom>
+        </p:spPr>
+      </p:pic>
+    </p:spTree>
+    <p:extLst>
+      <p:ext uri="{BB962C8B-B14F-4D97-AF65-F5344CB8AC3E}">
+        <p14:creationId xmlns:p14="http://schemas.microsoft.com/office/powerpoint/2010/main" val="2741335131"/>
+      </p:ext>
+    </p:extLst>
+  </p:cSld>
+  <p:clrMapOvr>
+    <a:masterClrMapping/>
+  </p:clrMapOvr>
+</p:sld>
+</file>
+
+<file path=ppt/slides/slide13.xml><?xml version="1.0" encoding="utf-8"?>
+<p:sld xmlns:a="http://schemas.openxmlformats.org/drawingml/2006/main" xmlns:r="http://schemas.openxmlformats.org/officeDocument/2006/relationships" xmlns:p="http://schemas.openxmlformats.org/presentationml/2006/main">
+  <p:cSld>
+    <p:spTree>
+      <p:nvGrpSpPr>
+        <p:cNvPr id="1" name=""/>
+        <p:cNvGrpSpPr/>
+        <p:nvPr/>
+      </p:nvGrpSpPr>
+      <p:grpSpPr>
+        <a:xfrm>
+          <a:off x="0" y="0"/>
+          <a:ext cx="0" cy="0"/>
+          <a:chOff x="0" y="0"/>
+          <a:chExt cx="0" cy="0"/>
+        </a:xfrm>
+      </p:grpSpPr>
+      <p:sp>
+        <p:nvSpPr>
+          <p:cNvPr id="4" name="Title 3"/>
+          <p:cNvSpPr>
+            <a:spLocks noGrp="1"/>
+          </p:cNvSpPr>
+          <p:nvPr>
+            <p:ph type="title"/>
+          </p:nvPr>
+        </p:nvSpPr>
+        <p:spPr>
+          <a:xfrm>
+            <a:off x="448965" y="527605"/>
+            <a:ext cx="8229600" cy="610820"/>
+          </a:xfrm>
+        </p:spPr>
+        <p:txBody>
+          <a:bodyPr>
+            <a:normAutofit fontScale="90000"/>
+          </a:bodyPr>
+          <a:lstStyle/>
+          <a:p>
+            <a:pPr algn="ctr"/>
+            <a:r>
+              <a:rPr lang="en-US" dirty="0"/>
+              <a:t>Comparative Analysis</a:t>
+            </a:r>
+            <a:br>
+              <a:rPr lang="en-US" dirty="0"/>
+            </a:br>
+            <a:r>
+              <a:rPr lang="en-US" sz="3100" dirty="0"/>
+              <a:t>Correlation and Relationships</a:t>
+            </a:r>
+            <a:endParaRPr lang="en-US" dirty="0"/>
+          </a:p>
+        </p:txBody>
+      </p:sp>
+      <p:pic>
+        <p:nvPicPr>
+          <p:cNvPr id="5" name="Picture 4">
+            <a:extLst>
+              <a:ext uri="{FF2B5EF4-FFF2-40B4-BE49-F238E27FC236}">
+                <a16:creationId xmlns:a16="http://schemas.microsoft.com/office/drawing/2014/main" id="{89BB4C68-10AA-462C-88D1-E13850378523}"/>
+              </a:ext>
+            </a:extLst>
+          </p:cNvPr>
+          <p:cNvPicPr>
+            <a:picLocks noChangeAspect="1"/>
+          </p:cNvPicPr>
+          <p:nvPr/>
+        </p:nvPicPr>
+        <p:blipFill>
+          <a:blip r:embed="rId2">
+            <a:clrChange>
+              <a:clrFrom>
+                <a:srgbClr val="FFFFFF"/>
+              </a:clrFrom>
+              <a:clrTo>
+                <a:srgbClr val="FFFFFF">
+                  <a:alpha val="0"/>
+                </a:srgbClr>
+              </a:clrTo>
+            </a:clrChange>
+            <a:extLst>
+              <a:ext uri="{28A0092B-C50C-407E-A947-70E740481C1C}">
+                <a14:useLocalDpi xmlns:a14="http://schemas.microsoft.com/office/drawing/2010/main" val="0"/>
+              </a:ext>
+            </a:extLst>
+          </a:blip>
+          <a:stretch>
+            <a:fillRect/>
+          </a:stretch>
+        </p:blipFill>
+        <p:spPr>
+          <a:xfrm>
+            <a:off x="1738722" y="1291130"/>
+            <a:ext cx="5650085" cy="5191970"/>
+          </a:xfrm>
+          <a:prstGeom prst="rect">
+            <a:avLst/>
+          </a:prstGeom>
+        </p:spPr>
+      </p:pic>
+    </p:spTree>
+    <p:extLst>
+      <p:ext uri="{BB962C8B-B14F-4D97-AF65-F5344CB8AC3E}">
+        <p14:creationId xmlns:p14="http://schemas.microsoft.com/office/powerpoint/2010/main" val="3043558202"/>
+      </p:ext>
+    </p:extLst>
+  </p:cSld>
+  <p:clrMapOvr>
+    <a:masterClrMapping/>
+  </p:clrMapOvr>
+</p:sld>
+</file>
+
+<file path=ppt/slides/slide14.xml><?xml version="1.0" encoding="utf-8"?>
+<p:sld xmlns:a="http://schemas.openxmlformats.org/drawingml/2006/main" xmlns:r="http://schemas.openxmlformats.org/officeDocument/2006/relationships" xmlns:p="http://schemas.openxmlformats.org/presentationml/2006/main">
+  <p:cSld>
+    <p:spTree>
+      <p:nvGrpSpPr>
+        <p:cNvPr id="1" name=""/>
+        <p:cNvGrpSpPr/>
+        <p:nvPr/>
+      </p:nvGrpSpPr>
+      <p:grpSpPr>
+        <a:xfrm>
+          <a:off x="0" y="0"/>
+          <a:ext cx="0" cy="0"/>
+          <a:chOff x="0" y="0"/>
+          <a:chExt cx="0" cy="0"/>
+        </a:xfrm>
+      </p:grpSpPr>
+      <p:sp>
+        <p:nvSpPr>
+          <p:cNvPr id="4" name="Title 3"/>
+          <p:cNvSpPr>
+            <a:spLocks noGrp="1"/>
+          </p:cNvSpPr>
+          <p:nvPr>
+            <p:ph type="title"/>
+          </p:nvPr>
+        </p:nvSpPr>
+        <p:spPr>
+          <a:xfrm>
+            <a:off x="448965" y="527605"/>
+            <a:ext cx="8229600" cy="610820"/>
+          </a:xfrm>
+        </p:spPr>
+        <p:txBody>
+          <a:bodyPr>
+            <a:normAutofit fontScale="90000"/>
+          </a:bodyPr>
+          <a:lstStyle/>
+          <a:p>
+            <a:pPr algn="ctr"/>
+            <a:r>
+              <a:rPr lang="en-US" dirty="0"/>
+              <a:t>Comparative Analysis</a:t>
+            </a:r>
+            <a:br>
+              <a:rPr lang="en-US" dirty="0"/>
+            </a:br>
+            <a:r>
+              <a:rPr lang="en-US" sz="2200" dirty="0"/>
+              <a:t>Multiple Linear Regression via Stepwise Variable Selection</a:t>
+            </a:r>
+            <a:endParaRPr lang="en-US" dirty="0"/>
+          </a:p>
+        </p:txBody>
+      </p:sp>
+      <p:sp>
+        <p:nvSpPr>
+          <p:cNvPr id="6" name="Title 3">
+            <a:extLst>
+              <a:ext uri="{FF2B5EF4-FFF2-40B4-BE49-F238E27FC236}">
+                <a16:creationId xmlns:a16="http://schemas.microsoft.com/office/drawing/2014/main" id="{9583A6A4-2D21-4507-B328-95C927702653}"/>
+              </a:ext>
+            </a:extLst>
+          </p:cNvPr>
+          <p:cNvSpPr txBox="1">
+            <a:spLocks/>
+          </p:cNvSpPr>
+          <p:nvPr/>
+        </p:nvSpPr>
+        <p:spPr>
+          <a:xfrm>
+            <a:off x="2281425" y="1146992"/>
+            <a:ext cx="5043383" cy="610820"/>
+          </a:xfrm>
+          <a:prstGeom prst="rect">
+            <a:avLst/>
+          </a:prstGeom>
+        </p:spPr>
+        <p:txBody>
+          <a:bodyPr vert="horz" lIns="91440" tIns="45720" rIns="91440" bIns="45720" rtlCol="0" anchor="ctr">
+            <a:normAutofit fontScale="97500"/>
+          </a:bodyPr>
+          <a:lstStyle>
+            <a:lvl1pPr algn="l" defTabSz="914400" rtl="0" eaLnBrk="1" latinLnBrk="0" hangingPunct="1">
+              <a:spcBef>
+                <a:spcPct val="0"/>
+              </a:spcBef>
+              <a:buNone/>
+              <a:defRPr sz="3600" kern="1200">
+                <a:solidFill>
+                  <a:schemeClr val="accent1">
+                    <a:lumMod val="75000"/>
+                  </a:schemeClr>
+                </a:solidFill>
+                <a:latin typeface="+mj-lt"/>
+                <a:ea typeface="+mj-ea"/>
+                <a:cs typeface="+mj-cs"/>
+              </a:defRPr>
+            </a:lvl1pPr>
+          </a:lstStyle>
+          <a:p>
+            <a:pPr algn="ctr"/>
+            <a:r>
+              <a:rPr lang="en-US" sz="1600" dirty="0"/>
+              <a:t>Selected Model at Step 10 Using AIC as Stop Criteria</a:t>
+            </a:r>
+            <a:endParaRPr lang="en-US" sz="2400" dirty="0"/>
+          </a:p>
+        </p:txBody>
+      </p:sp>
+      <p:graphicFrame>
+        <p:nvGraphicFramePr>
+          <p:cNvPr id="9" name="Table 8">
+            <a:extLst>
+              <a:ext uri="{FF2B5EF4-FFF2-40B4-BE49-F238E27FC236}">
+                <a16:creationId xmlns:a16="http://schemas.microsoft.com/office/drawing/2014/main" id="{AA79B504-A602-45A0-BBBB-BAF4AEF19100}"/>
+              </a:ext>
+            </a:extLst>
+          </p:cNvPr>
+          <p:cNvGraphicFramePr>
+            <a:graphicFrameLocks noGrp="1"/>
+          </p:cNvGraphicFramePr>
+          <p:nvPr>
+            <p:extLst/>
+          </p:nvPr>
+        </p:nvGraphicFramePr>
+        <p:xfrm>
+          <a:off x="1498600" y="3429000"/>
+          <a:ext cx="3073400" cy="571500"/>
+        </p:xfrm>
+        <a:graphic>
+          <a:graphicData uri="http://schemas.openxmlformats.org/drawingml/2006/table">
+            <a:tbl>
+              <a:tblPr>
+                <a:tableStyleId>{B301B821-A1FF-4177-AEE7-76D212191A09}</a:tableStyleId>
+              </a:tblPr>
+              <a:tblGrid>
+                <a:gridCol w="1246487">
+                  <a:extLst>
+                    <a:ext uri="{9D8B030D-6E8A-4147-A177-3AD203B41FA5}">
+                      <a16:colId xmlns:a16="http://schemas.microsoft.com/office/drawing/2014/main" val="2465482271"/>
+                    </a:ext>
+                  </a:extLst>
+                </a:gridCol>
+                <a:gridCol w="1826913">
+                  <a:extLst>
+                    <a:ext uri="{9D8B030D-6E8A-4147-A177-3AD203B41FA5}">
+                      <a16:colId xmlns:a16="http://schemas.microsoft.com/office/drawing/2014/main" val="459322838"/>
+                    </a:ext>
+                  </a:extLst>
+                </a:gridCol>
+              </a:tblGrid>
+              <a:tr h="190500">
+                <a:tc>
+                  <a:txBody>
+                    <a:bodyPr/>
+                    <a:lstStyle/>
+                    <a:p>
+                      <a:pPr algn="l" fontAlgn="b"/>
+                      <a:r>
+                        <a:rPr lang="en-US" sz="1100" u="none" strike="noStrike" dirty="0">
+                          <a:effectLst/>
+                        </a:rPr>
+                        <a:t>F-stat (22, 1447 DF):</a:t>
+                      </a:r>
+                      <a:endParaRPr lang="en-US" sz="1100" b="0" i="0" u="none" strike="noStrike" dirty="0">
+                        <a:solidFill>
+                          <a:srgbClr val="000000"/>
+                        </a:solidFill>
+                        <a:effectLst/>
+                        <a:latin typeface="Calibri" panose="020F0502020204030204" pitchFamily="34" charset="0"/>
+                      </a:endParaRPr>
+                    </a:p>
+                  </a:txBody>
+                  <a:tcPr marL="9525" marR="9525" marT="9525" marB="0" anchor="b"/>
+                </a:tc>
+                <a:tc>
+                  <a:txBody>
+                    <a:bodyPr/>
+                    <a:lstStyle/>
+                    <a:p>
+                      <a:pPr algn="ctr" fontAlgn="b"/>
+                      <a:r>
+                        <a:rPr lang="en-US" sz="1100" u="none" strike="noStrike" dirty="0">
+                          <a:effectLst/>
+                        </a:rPr>
+                        <a:t>19.36 </a:t>
+                      </a:r>
+                      <a:r>
+                        <a:rPr lang="en-US" sz="1100" u="none" strike="noStrike" dirty="0" err="1">
+                          <a:effectLst/>
+                        </a:rPr>
+                        <a:t>Pvalue</a:t>
+                      </a:r>
+                      <a:r>
+                        <a:rPr lang="en-US" sz="1100" u="none" strike="noStrike" dirty="0">
+                          <a:effectLst/>
+                        </a:rPr>
+                        <a:t>: &lt;2.2E-16</a:t>
+                      </a:r>
+                      <a:endParaRPr lang="en-US" sz="1100" b="0" i="0" u="none" strike="noStrike" dirty="0">
+                        <a:solidFill>
+                          <a:srgbClr val="000000"/>
+                        </a:solidFill>
+                        <a:effectLst/>
+                        <a:latin typeface="Calibri" panose="020F0502020204030204" pitchFamily="34" charset="0"/>
+                      </a:endParaRPr>
+                    </a:p>
+                  </a:txBody>
+                  <a:tcPr marL="9525" marR="9525" marT="9525" marB="0" anchor="b"/>
+                </a:tc>
+                <a:extLst>
+                  <a:ext uri="{0D108BD9-81ED-4DB2-BD59-A6C34878D82A}">
+                    <a16:rowId xmlns:a16="http://schemas.microsoft.com/office/drawing/2014/main" val="2821046416"/>
+                  </a:ext>
+                </a:extLst>
+              </a:tr>
+              <a:tr h="190500">
+                <a:tc>
+                  <a:txBody>
+                    <a:bodyPr/>
+                    <a:lstStyle/>
+                    <a:p>
+                      <a:pPr algn="l" fontAlgn="b"/>
+                      <a:r>
+                        <a:rPr lang="en-US" sz="1100" u="none" strike="noStrike" dirty="0">
+                          <a:effectLst/>
+                        </a:rPr>
+                        <a:t>R-squared:</a:t>
+                      </a:r>
+                      <a:endParaRPr lang="en-US" sz="1100" b="0" i="0" u="none" strike="noStrike" dirty="0">
+                        <a:solidFill>
+                          <a:srgbClr val="000000"/>
+                        </a:solidFill>
+                        <a:effectLst/>
+                        <a:latin typeface="Calibri" panose="020F0502020204030204" pitchFamily="34" charset="0"/>
+                      </a:endParaRPr>
+                    </a:p>
+                  </a:txBody>
+                  <a:tcPr marL="9525" marR="9525" marT="9525" marB="0" anchor="b"/>
+                </a:tc>
+                <a:tc>
+                  <a:txBody>
+                    <a:bodyPr/>
+                    <a:lstStyle/>
+                    <a:p>
+                      <a:pPr algn="ctr" fontAlgn="b"/>
+                      <a:r>
+                        <a:rPr lang="en-US" sz="1100" u="none" strike="noStrike">
+                          <a:effectLst/>
+                        </a:rPr>
+                        <a:t>0.2274</a:t>
+                      </a:r>
+                      <a:endParaRPr lang="en-US" sz="1100" b="0" i="0" u="none" strike="noStrike">
+                        <a:solidFill>
+                          <a:srgbClr val="000000"/>
+                        </a:solidFill>
+                        <a:effectLst/>
+                        <a:latin typeface="Calibri" panose="020F0502020204030204" pitchFamily="34" charset="0"/>
+                      </a:endParaRPr>
+                    </a:p>
+                  </a:txBody>
+                  <a:tcPr marL="9525" marR="9525" marT="9525" marB="0" anchor="b"/>
+                </a:tc>
+                <a:extLst>
+                  <a:ext uri="{0D108BD9-81ED-4DB2-BD59-A6C34878D82A}">
+                    <a16:rowId xmlns:a16="http://schemas.microsoft.com/office/drawing/2014/main" val="259125149"/>
+                  </a:ext>
+                </a:extLst>
+              </a:tr>
+              <a:tr h="190500">
+                <a:tc>
+                  <a:txBody>
+                    <a:bodyPr/>
+                    <a:lstStyle/>
+                    <a:p>
+                      <a:pPr algn="l" fontAlgn="b"/>
+                      <a:r>
+                        <a:rPr lang="en-US" sz="1100" u="none" strike="noStrike" dirty="0">
+                          <a:effectLst/>
+                        </a:rPr>
+                        <a:t>Adjusted R-squared:</a:t>
+                      </a:r>
+                      <a:endParaRPr lang="en-US" sz="1100" b="0" i="0" u="none" strike="noStrike" dirty="0">
+                        <a:solidFill>
+                          <a:srgbClr val="000000"/>
+                        </a:solidFill>
+                        <a:effectLst/>
+                        <a:latin typeface="Calibri" panose="020F0502020204030204" pitchFamily="34" charset="0"/>
+                      </a:endParaRPr>
+                    </a:p>
+                  </a:txBody>
+                  <a:tcPr marL="9525" marR="9525" marT="9525" marB="0" anchor="b"/>
+                </a:tc>
+                <a:tc>
+                  <a:txBody>
+                    <a:bodyPr/>
+                    <a:lstStyle/>
+                    <a:p>
+                      <a:pPr algn="ctr" fontAlgn="b"/>
+                      <a:r>
+                        <a:rPr lang="en-US" sz="1100" u="none" strike="noStrike" dirty="0">
+                          <a:effectLst/>
+                        </a:rPr>
+                        <a:t>0.2156</a:t>
+                      </a:r>
+                      <a:endParaRPr lang="en-US" sz="1100" b="0" i="0" u="none" strike="noStrike" dirty="0">
+                        <a:solidFill>
+                          <a:srgbClr val="000000"/>
+                        </a:solidFill>
+                        <a:effectLst/>
+                        <a:latin typeface="Calibri" panose="020F0502020204030204" pitchFamily="34" charset="0"/>
+                      </a:endParaRPr>
+                    </a:p>
+                  </a:txBody>
+                  <a:tcPr marL="9525" marR="9525" marT="9525" marB="0" anchor="b"/>
+                </a:tc>
+                <a:extLst>
+                  <a:ext uri="{0D108BD9-81ED-4DB2-BD59-A6C34878D82A}">
+                    <a16:rowId xmlns:a16="http://schemas.microsoft.com/office/drawing/2014/main" val="599798767"/>
+                  </a:ext>
+                </a:extLst>
+              </a:tr>
+            </a:tbl>
+          </a:graphicData>
+        </a:graphic>
+      </p:graphicFrame>
+      <p:graphicFrame>
+        <p:nvGraphicFramePr>
+          <p:cNvPr id="7" name="Table 6">
+            <a:extLst>
+              <a:ext uri="{FF2B5EF4-FFF2-40B4-BE49-F238E27FC236}">
+                <a16:creationId xmlns:a16="http://schemas.microsoft.com/office/drawing/2014/main" id="{6CC8A5B3-A829-4073-83A7-8DEEB204CB10}"/>
+              </a:ext>
+            </a:extLst>
+          </p:cNvPr>
+          <p:cNvGraphicFramePr>
+            <a:graphicFrameLocks noGrp="1"/>
+          </p:cNvGraphicFramePr>
+          <p:nvPr>
+            <p:extLst>
+              <p:ext uri="{D42A27DB-BD31-4B8C-83A1-F6EECF244321}">
+                <p14:modId xmlns:p14="http://schemas.microsoft.com/office/powerpoint/2010/main" val="2675449248"/>
+              </p:ext>
+            </p:extLst>
+          </p:nvPr>
+        </p:nvGraphicFramePr>
+        <p:xfrm>
+          <a:off x="5182820" y="1961005"/>
+          <a:ext cx="3495745" cy="4078989"/>
+        </p:xfrm>
+        <a:graphic>
+          <a:graphicData uri="http://schemas.openxmlformats.org/drawingml/2006/table">
+            <a:tbl>
+              <a:tblPr>
+                <a:tableStyleId>{B301B821-A1FF-4177-AEE7-76D212191A09}</a:tableStyleId>
+              </a:tblPr>
+              <a:tblGrid>
+                <a:gridCol w="953385">
+                  <a:extLst>
+                    <a:ext uri="{9D8B030D-6E8A-4147-A177-3AD203B41FA5}">
+                      <a16:colId xmlns:a16="http://schemas.microsoft.com/office/drawing/2014/main" val="880838215"/>
+                    </a:ext>
+                  </a:extLst>
+                </a:gridCol>
+                <a:gridCol w="635590">
+                  <a:extLst>
+                    <a:ext uri="{9D8B030D-6E8A-4147-A177-3AD203B41FA5}">
+                      <a16:colId xmlns:a16="http://schemas.microsoft.com/office/drawing/2014/main" val="2529509929"/>
+                    </a:ext>
+                  </a:extLst>
+                </a:gridCol>
+                <a:gridCol w="635590">
+                  <a:extLst>
+                    <a:ext uri="{9D8B030D-6E8A-4147-A177-3AD203B41FA5}">
+                      <a16:colId xmlns:a16="http://schemas.microsoft.com/office/drawing/2014/main" val="895837762"/>
+                    </a:ext>
+                  </a:extLst>
+                </a:gridCol>
+                <a:gridCol w="635590">
+                  <a:extLst>
+                    <a:ext uri="{9D8B030D-6E8A-4147-A177-3AD203B41FA5}">
+                      <a16:colId xmlns:a16="http://schemas.microsoft.com/office/drawing/2014/main" val="3414946318"/>
+                    </a:ext>
+                  </a:extLst>
+                </a:gridCol>
+                <a:gridCol w="635590">
+                  <a:extLst>
+                    <a:ext uri="{9D8B030D-6E8A-4147-A177-3AD203B41FA5}">
+                      <a16:colId xmlns:a16="http://schemas.microsoft.com/office/drawing/2014/main" val="3746756332"/>
+                    </a:ext>
+                  </a:extLst>
+                </a:gridCol>
+              </a:tblGrid>
+              <a:tr h="171243">
+                <a:tc>
+                  <a:txBody>
+                    <a:bodyPr/>
+                    <a:lstStyle/>
+                    <a:p>
+                      <a:pPr algn="ctr" fontAlgn="b"/>
+                      <a:r>
+                        <a:rPr lang="en-US" sz="1000" b="1" u="none" strike="noStrike" dirty="0">
+                          <a:effectLst/>
+                        </a:rPr>
+                        <a:t>Coefficients</a:t>
+                      </a:r>
+                      <a:endParaRPr lang="en-US" sz="1000" b="1" i="0" u="none" strike="noStrike" dirty="0">
+                        <a:solidFill>
+                          <a:srgbClr val="000000"/>
+                        </a:solidFill>
+                        <a:effectLst/>
+                        <a:latin typeface="Calibri" panose="020F0502020204030204" pitchFamily="34" charset="0"/>
+                      </a:endParaRPr>
+                    </a:p>
+                  </a:txBody>
+                  <a:tcPr marL="8562" marR="8562" marT="8562" marB="0" anchor="b"/>
+                </a:tc>
+                <a:tc>
+                  <a:txBody>
+                    <a:bodyPr/>
+                    <a:lstStyle/>
+                    <a:p>
+                      <a:pPr algn="ctr" fontAlgn="b"/>
+                      <a:r>
+                        <a:rPr lang="en-US" sz="1000" b="1" u="none" strike="noStrike" dirty="0">
+                          <a:effectLst/>
+                        </a:rPr>
+                        <a:t>Estimate</a:t>
+                      </a:r>
+                      <a:endParaRPr lang="en-US" sz="1000" b="1" i="0" u="none" strike="noStrike" dirty="0">
+                        <a:solidFill>
+                          <a:srgbClr val="000000"/>
+                        </a:solidFill>
+                        <a:effectLst/>
+                        <a:latin typeface="Calibri" panose="020F0502020204030204" pitchFamily="34" charset="0"/>
+                      </a:endParaRPr>
+                    </a:p>
+                  </a:txBody>
+                  <a:tcPr marL="8562" marR="8562" marT="8562" marB="0" anchor="b"/>
+                </a:tc>
+                <a:tc>
+                  <a:txBody>
+                    <a:bodyPr/>
+                    <a:lstStyle/>
+                    <a:p>
+                      <a:pPr algn="ctr" fontAlgn="b"/>
+                      <a:r>
+                        <a:rPr lang="en-US" sz="1000" b="1" u="none" strike="noStrike" dirty="0">
+                          <a:effectLst/>
+                        </a:rPr>
+                        <a:t>Std. Error</a:t>
+                      </a:r>
+                      <a:endParaRPr lang="en-US" sz="1000" b="1" i="0" u="none" strike="noStrike" dirty="0">
+                        <a:solidFill>
+                          <a:srgbClr val="000000"/>
+                        </a:solidFill>
+                        <a:effectLst/>
+                        <a:latin typeface="Calibri" panose="020F0502020204030204" pitchFamily="34" charset="0"/>
+                      </a:endParaRPr>
+                    </a:p>
+                  </a:txBody>
+                  <a:tcPr marL="8562" marR="8562" marT="8562" marB="0" anchor="b"/>
+                </a:tc>
+                <a:tc>
+                  <a:txBody>
+                    <a:bodyPr/>
+                    <a:lstStyle/>
+                    <a:p>
+                      <a:pPr algn="ctr" fontAlgn="b"/>
+                      <a:r>
+                        <a:rPr lang="en-US" sz="1000" b="1" u="none" strike="noStrike" dirty="0">
+                          <a:effectLst/>
+                        </a:rPr>
+                        <a:t>t value</a:t>
+                      </a:r>
+                      <a:endParaRPr lang="en-US" sz="1000" b="1" i="0" u="none" strike="noStrike" dirty="0">
+                        <a:solidFill>
+                          <a:srgbClr val="000000"/>
+                        </a:solidFill>
+                        <a:effectLst/>
+                        <a:latin typeface="Calibri" panose="020F0502020204030204" pitchFamily="34" charset="0"/>
+                      </a:endParaRPr>
+                    </a:p>
+                  </a:txBody>
+                  <a:tcPr marL="8562" marR="8562" marT="8562" marB="0" anchor="b"/>
+                </a:tc>
+                <a:tc>
+                  <a:txBody>
+                    <a:bodyPr/>
+                    <a:lstStyle/>
+                    <a:p>
+                      <a:pPr algn="ctr" fontAlgn="b"/>
+                      <a:r>
+                        <a:rPr lang="en-US" sz="1000" b="1" u="none" strike="noStrike" dirty="0" err="1">
+                          <a:effectLst/>
+                        </a:rPr>
+                        <a:t>Pr</a:t>
+                      </a:r>
+                      <a:r>
+                        <a:rPr lang="en-US" sz="1000" b="1" u="none" strike="noStrike" dirty="0">
+                          <a:effectLst/>
+                        </a:rPr>
+                        <a:t>(&gt;|t|)</a:t>
+                      </a:r>
+                      <a:endParaRPr lang="en-US" sz="1000" b="1" i="0" u="none" strike="noStrike" dirty="0">
+                        <a:solidFill>
+                          <a:srgbClr val="000000"/>
+                        </a:solidFill>
+                        <a:effectLst/>
+                        <a:latin typeface="Calibri" panose="020F0502020204030204" pitchFamily="34" charset="0"/>
+                      </a:endParaRPr>
+                    </a:p>
+                  </a:txBody>
+                  <a:tcPr marL="8562" marR="8562" marT="8562" marB="0" anchor="b"/>
+                </a:tc>
+                <a:extLst>
+                  <a:ext uri="{0D108BD9-81ED-4DB2-BD59-A6C34878D82A}">
+                    <a16:rowId xmlns:a16="http://schemas.microsoft.com/office/drawing/2014/main" val="1329674258"/>
+                  </a:ext>
+                </a:extLst>
+              </a:tr>
+              <a:tr h="171243">
+                <a:tc>
+                  <a:txBody>
+                    <a:bodyPr/>
+                    <a:lstStyle/>
+                    <a:p>
+                      <a:pPr algn="l" fontAlgn="b"/>
+                      <a:r>
+                        <a:rPr lang="en-US" sz="1000" u="none" strike="noStrike">
+                          <a:effectLst/>
+                        </a:rPr>
+                        <a:t>(Intercept)</a:t>
+                      </a:r>
+                      <a:endParaRPr lang="en-US" sz="1000" b="0" i="0" u="none" strike="noStrike">
+                        <a:solidFill>
+                          <a:srgbClr val="000000"/>
+                        </a:solidFill>
+                        <a:effectLst/>
+                        <a:latin typeface="Calibri" panose="020F0502020204030204" pitchFamily="34" charset="0"/>
+                      </a:endParaRPr>
+                    </a:p>
+                  </a:txBody>
+                  <a:tcPr marL="8562" marR="8562" marT="8562" marB="0" anchor="b"/>
+                </a:tc>
+                <a:tc>
+                  <a:txBody>
+                    <a:bodyPr/>
+                    <a:lstStyle/>
+                    <a:p>
+                      <a:pPr algn="r" fontAlgn="b"/>
+                      <a:r>
+                        <a:rPr lang="en-US" sz="1000" u="none" strike="noStrike">
+                          <a:effectLst/>
+                        </a:rPr>
+                        <a:t>6.90E-01</a:t>
+                      </a:r>
+                      <a:endParaRPr lang="en-US" sz="1000" b="0" i="0" u="none" strike="noStrike">
+                        <a:solidFill>
+                          <a:srgbClr val="000000"/>
+                        </a:solidFill>
+                        <a:effectLst/>
+                        <a:latin typeface="Calibri" panose="020F0502020204030204" pitchFamily="34" charset="0"/>
+                      </a:endParaRPr>
+                    </a:p>
+                  </a:txBody>
+                  <a:tcPr marL="8562" marR="8562" marT="8562" marB="0" anchor="b"/>
+                </a:tc>
+                <a:tc>
+                  <a:txBody>
+                    <a:bodyPr/>
+                    <a:lstStyle/>
+                    <a:p>
+                      <a:pPr algn="r" fontAlgn="b"/>
+                      <a:r>
+                        <a:rPr lang="en-US" sz="1000" u="none" strike="noStrike">
+                          <a:effectLst/>
+                        </a:rPr>
+                        <a:t>9.33E-02</a:t>
+                      </a:r>
+                      <a:endParaRPr lang="en-US" sz="1000" b="0" i="0" u="none" strike="noStrike">
+                        <a:solidFill>
+                          <a:srgbClr val="000000"/>
+                        </a:solidFill>
+                        <a:effectLst/>
+                        <a:latin typeface="Calibri" panose="020F0502020204030204" pitchFamily="34" charset="0"/>
+                      </a:endParaRPr>
+                    </a:p>
+                  </a:txBody>
+                  <a:tcPr marL="8562" marR="8562" marT="8562" marB="0" anchor="b"/>
+                </a:tc>
+                <a:tc>
+                  <a:txBody>
+                    <a:bodyPr/>
+                    <a:lstStyle/>
+                    <a:p>
+                      <a:pPr algn="r" fontAlgn="b"/>
+                      <a:r>
+                        <a:rPr lang="en-US" sz="1000" u="none" strike="noStrike">
+                          <a:effectLst/>
+                        </a:rPr>
+                        <a:t>7.39</a:t>
+                      </a:r>
+                      <a:endParaRPr lang="en-US" sz="1000" b="0" i="0" u="none" strike="noStrike">
+                        <a:solidFill>
+                          <a:srgbClr val="000000"/>
+                        </a:solidFill>
+                        <a:effectLst/>
+                        <a:latin typeface="Calibri" panose="020F0502020204030204" pitchFamily="34" charset="0"/>
+                      </a:endParaRPr>
+                    </a:p>
+                  </a:txBody>
+                  <a:tcPr marL="8562" marR="8562" marT="8562" marB="0" anchor="b"/>
+                </a:tc>
+                <a:tc>
+                  <a:txBody>
+                    <a:bodyPr/>
+                    <a:lstStyle/>
+                    <a:p>
+                      <a:pPr algn="r" fontAlgn="b"/>
+                      <a:r>
+                        <a:rPr lang="en-US" sz="1000" u="none" strike="noStrike">
+                          <a:effectLst/>
+                        </a:rPr>
+                        <a:t>2.46E-13</a:t>
+                      </a:r>
+                      <a:endParaRPr lang="en-US" sz="1000" b="0" i="0" u="none" strike="noStrike">
+                        <a:solidFill>
+                          <a:srgbClr val="000000"/>
+                        </a:solidFill>
+                        <a:effectLst/>
+                        <a:latin typeface="Calibri" panose="020F0502020204030204" pitchFamily="34" charset="0"/>
+                      </a:endParaRPr>
+                    </a:p>
+                  </a:txBody>
+                  <a:tcPr marL="8562" marR="8562" marT="8562" marB="0" anchor="b"/>
+                </a:tc>
+                <a:extLst>
+                  <a:ext uri="{0D108BD9-81ED-4DB2-BD59-A6C34878D82A}">
+                    <a16:rowId xmlns:a16="http://schemas.microsoft.com/office/drawing/2014/main" val="4240691640"/>
+                  </a:ext>
+                </a:extLst>
+              </a:tr>
+              <a:tr h="171243">
+                <a:tc>
+                  <a:txBody>
+                    <a:bodyPr/>
+                    <a:lstStyle/>
+                    <a:p>
+                      <a:pPr algn="l" fontAlgn="b"/>
+                      <a:r>
+                        <a:rPr lang="en-US" sz="1000" u="none" strike="noStrike">
+                          <a:effectLst/>
+                        </a:rPr>
+                        <a:t>Age</a:t>
+                      </a:r>
+                      <a:endParaRPr lang="en-US" sz="1000" b="0" i="0" u="none" strike="noStrike">
+                        <a:solidFill>
+                          <a:srgbClr val="000000"/>
+                        </a:solidFill>
+                        <a:effectLst/>
+                        <a:latin typeface="Calibri" panose="020F0502020204030204" pitchFamily="34" charset="0"/>
+                      </a:endParaRPr>
+                    </a:p>
+                  </a:txBody>
+                  <a:tcPr marL="8562" marR="8562" marT="8562" marB="0" anchor="b"/>
+                </a:tc>
+                <a:tc>
+                  <a:txBody>
+                    <a:bodyPr/>
+                    <a:lstStyle/>
+                    <a:p>
+                      <a:pPr algn="r" fontAlgn="b"/>
+                      <a:r>
+                        <a:rPr lang="en-US" sz="1000" u="none" strike="noStrike">
+                          <a:effectLst/>
+                        </a:rPr>
+                        <a:t>-4.82E-03</a:t>
+                      </a:r>
+                      <a:endParaRPr lang="en-US" sz="1000" b="0" i="0" u="none" strike="noStrike">
+                        <a:solidFill>
+                          <a:srgbClr val="000000"/>
+                        </a:solidFill>
+                        <a:effectLst/>
+                        <a:latin typeface="Calibri" panose="020F0502020204030204" pitchFamily="34" charset="0"/>
+                      </a:endParaRPr>
+                    </a:p>
+                  </a:txBody>
+                  <a:tcPr marL="8562" marR="8562" marT="8562" marB="0" anchor="b"/>
+                </a:tc>
+                <a:tc>
+                  <a:txBody>
+                    <a:bodyPr/>
+                    <a:lstStyle/>
+                    <a:p>
+                      <a:pPr algn="r" fontAlgn="b"/>
+                      <a:r>
+                        <a:rPr lang="en-US" sz="1000" u="none" strike="noStrike">
+                          <a:effectLst/>
+                        </a:rPr>
+                        <a:t>1.14E-03</a:t>
+                      </a:r>
+                      <a:endParaRPr lang="en-US" sz="1000" b="0" i="0" u="none" strike="noStrike">
+                        <a:solidFill>
+                          <a:srgbClr val="000000"/>
+                        </a:solidFill>
+                        <a:effectLst/>
+                        <a:latin typeface="Calibri" panose="020F0502020204030204" pitchFamily="34" charset="0"/>
+                      </a:endParaRPr>
+                    </a:p>
+                  </a:txBody>
+                  <a:tcPr marL="8562" marR="8562" marT="8562" marB="0" anchor="b"/>
+                </a:tc>
+                <a:tc>
+                  <a:txBody>
+                    <a:bodyPr/>
+                    <a:lstStyle/>
+                    <a:p>
+                      <a:pPr algn="r" fontAlgn="b"/>
+                      <a:r>
+                        <a:rPr lang="en-US" sz="1000" u="none" strike="noStrike">
+                          <a:effectLst/>
+                        </a:rPr>
+                        <a:t>-4.223</a:t>
+                      </a:r>
+                      <a:endParaRPr lang="en-US" sz="1000" b="0" i="0" u="none" strike="noStrike">
+                        <a:solidFill>
+                          <a:srgbClr val="000000"/>
+                        </a:solidFill>
+                        <a:effectLst/>
+                        <a:latin typeface="Calibri" panose="020F0502020204030204" pitchFamily="34" charset="0"/>
+                      </a:endParaRPr>
+                    </a:p>
+                  </a:txBody>
+                  <a:tcPr marL="8562" marR="8562" marT="8562" marB="0" anchor="b"/>
+                </a:tc>
+                <a:tc>
+                  <a:txBody>
+                    <a:bodyPr/>
+                    <a:lstStyle/>
+                    <a:p>
+                      <a:pPr algn="r" fontAlgn="b"/>
+                      <a:r>
+                        <a:rPr lang="en-US" sz="1000" u="none" strike="noStrike">
+                          <a:effectLst/>
+                        </a:rPr>
+                        <a:t>2.56E-05</a:t>
+                      </a:r>
+                      <a:endParaRPr lang="en-US" sz="1000" b="0" i="0" u="none" strike="noStrike">
+                        <a:solidFill>
+                          <a:srgbClr val="000000"/>
+                        </a:solidFill>
+                        <a:effectLst/>
+                        <a:latin typeface="Calibri" panose="020F0502020204030204" pitchFamily="34" charset="0"/>
+                      </a:endParaRPr>
+                    </a:p>
+                  </a:txBody>
+                  <a:tcPr marL="8562" marR="8562" marT="8562" marB="0" anchor="b"/>
+                </a:tc>
+                <a:extLst>
+                  <a:ext uri="{0D108BD9-81ED-4DB2-BD59-A6C34878D82A}">
+                    <a16:rowId xmlns:a16="http://schemas.microsoft.com/office/drawing/2014/main" val="1732450860"/>
+                  </a:ext>
+                </a:extLst>
+              </a:tr>
+              <a:tr h="171243">
+                <a:tc>
+                  <a:txBody>
+                    <a:bodyPr/>
+                    <a:lstStyle/>
+                    <a:p>
+                      <a:pPr algn="l" fontAlgn="b"/>
+                      <a:r>
+                        <a:rPr lang="en-US" sz="1000" u="none" strike="noStrike">
+                          <a:effectLst/>
+                        </a:rPr>
+                        <a:t>Travel</a:t>
+                      </a:r>
+                      <a:endParaRPr lang="en-US" sz="1000" b="0" i="0" u="none" strike="noStrike">
+                        <a:solidFill>
+                          <a:srgbClr val="000000"/>
+                        </a:solidFill>
+                        <a:effectLst/>
+                        <a:latin typeface="Calibri" panose="020F0502020204030204" pitchFamily="34" charset="0"/>
+                      </a:endParaRPr>
+                    </a:p>
+                  </a:txBody>
+                  <a:tcPr marL="8562" marR="8562" marT="8562" marB="0" anchor="b"/>
+                </a:tc>
+                <a:tc>
+                  <a:txBody>
+                    <a:bodyPr/>
+                    <a:lstStyle/>
+                    <a:p>
+                      <a:pPr algn="r" fontAlgn="b"/>
+                      <a:r>
+                        <a:rPr lang="en-US" sz="1000" u="none" strike="noStrike">
+                          <a:effectLst/>
+                        </a:rPr>
+                        <a:t>8.17E-02</a:t>
+                      </a:r>
+                      <a:endParaRPr lang="en-US" sz="1000" b="0" i="0" u="none" strike="noStrike">
+                        <a:solidFill>
+                          <a:srgbClr val="000000"/>
+                        </a:solidFill>
+                        <a:effectLst/>
+                        <a:latin typeface="Calibri" panose="020F0502020204030204" pitchFamily="34" charset="0"/>
+                      </a:endParaRPr>
+                    </a:p>
+                  </a:txBody>
+                  <a:tcPr marL="8562" marR="8562" marT="8562" marB="0" anchor="b"/>
+                </a:tc>
+                <a:tc>
+                  <a:txBody>
+                    <a:bodyPr/>
+                    <a:lstStyle/>
+                    <a:p>
+                      <a:pPr algn="r" fontAlgn="b"/>
+                      <a:r>
+                        <a:rPr lang="en-US" sz="1000" u="none" strike="noStrike">
+                          <a:effectLst/>
+                        </a:rPr>
+                        <a:t>1.60E-02</a:t>
+                      </a:r>
+                      <a:endParaRPr lang="en-US" sz="1000" b="0" i="0" u="none" strike="noStrike">
+                        <a:solidFill>
+                          <a:srgbClr val="000000"/>
+                        </a:solidFill>
+                        <a:effectLst/>
+                        <a:latin typeface="Calibri" panose="020F0502020204030204" pitchFamily="34" charset="0"/>
+                      </a:endParaRPr>
+                    </a:p>
+                  </a:txBody>
+                  <a:tcPr marL="8562" marR="8562" marT="8562" marB="0" anchor="b"/>
+                </a:tc>
+                <a:tc>
+                  <a:txBody>
+                    <a:bodyPr/>
+                    <a:lstStyle/>
+                    <a:p>
+                      <a:pPr algn="r" fontAlgn="b"/>
+                      <a:r>
+                        <a:rPr lang="en-US" sz="1000" u="none" strike="noStrike">
+                          <a:effectLst/>
+                        </a:rPr>
+                        <a:t>5.094</a:t>
+                      </a:r>
+                      <a:endParaRPr lang="en-US" sz="1000" b="0" i="0" u="none" strike="noStrike">
+                        <a:solidFill>
+                          <a:srgbClr val="000000"/>
+                        </a:solidFill>
+                        <a:effectLst/>
+                        <a:latin typeface="Calibri" panose="020F0502020204030204" pitchFamily="34" charset="0"/>
+                      </a:endParaRPr>
+                    </a:p>
+                  </a:txBody>
+                  <a:tcPr marL="8562" marR="8562" marT="8562" marB="0" anchor="b"/>
+                </a:tc>
+                <a:tc>
+                  <a:txBody>
+                    <a:bodyPr/>
+                    <a:lstStyle/>
+                    <a:p>
+                      <a:pPr algn="r" fontAlgn="b"/>
+                      <a:r>
+                        <a:rPr lang="en-US" sz="1000" u="none" strike="noStrike">
+                          <a:effectLst/>
+                        </a:rPr>
+                        <a:t>3.96E-07</a:t>
+                      </a:r>
+                      <a:endParaRPr lang="en-US" sz="1000" b="0" i="0" u="none" strike="noStrike">
+                        <a:solidFill>
+                          <a:srgbClr val="000000"/>
+                        </a:solidFill>
+                        <a:effectLst/>
+                        <a:latin typeface="Calibri" panose="020F0502020204030204" pitchFamily="34" charset="0"/>
+                      </a:endParaRPr>
+                    </a:p>
+                  </a:txBody>
+                  <a:tcPr marL="8562" marR="8562" marT="8562" marB="0" anchor="b"/>
+                </a:tc>
+                <a:extLst>
+                  <a:ext uri="{0D108BD9-81ED-4DB2-BD59-A6C34878D82A}">
+                    <a16:rowId xmlns:a16="http://schemas.microsoft.com/office/drawing/2014/main" val="3678558747"/>
+                  </a:ext>
+                </a:extLst>
+              </a:tr>
+              <a:tr h="171243">
+                <a:tc>
+                  <a:txBody>
+                    <a:bodyPr/>
+                    <a:lstStyle/>
+                    <a:p>
+                      <a:pPr algn="l" fontAlgn="b"/>
+                      <a:r>
+                        <a:rPr lang="en-US" sz="1000" u="none" strike="noStrike">
+                          <a:effectLst/>
+                        </a:rPr>
+                        <a:t>DailyRate</a:t>
+                      </a:r>
+                      <a:endParaRPr lang="en-US" sz="1000" b="0" i="0" u="none" strike="noStrike">
+                        <a:solidFill>
+                          <a:srgbClr val="000000"/>
+                        </a:solidFill>
+                        <a:effectLst/>
+                        <a:latin typeface="Calibri" panose="020F0502020204030204" pitchFamily="34" charset="0"/>
+                      </a:endParaRPr>
+                    </a:p>
+                  </a:txBody>
+                  <a:tcPr marL="8562" marR="8562" marT="8562" marB="0" anchor="b"/>
+                </a:tc>
+                <a:tc>
+                  <a:txBody>
+                    <a:bodyPr/>
+                    <a:lstStyle/>
+                    <a:p>
+                      <a:pPr algn="r" fontAlgn="b"/>
+                      <a:r>
+                        <a:rPr lang="en-US" sz="1000" u="none" strike="noStrike">
+                          <a:effectLst/>
+                        </a:rPr>
+                        <a:t>-3.26E-05</a:t>
+                      </a:r>
+                      <a:endParaRPr lang="en-US" sz="1000" b="0" i="0" u="none" strike="noStrike">
+                        <a:solidFill>
+                          <a:srgbClr val="000000"/>
+                        </a:solidFill>
+                        <a:effectLst/>
+                        <a:latin typeface="Calibri" panose="020F0502020204030204" pitchFamily="34" charset="0"/>
+                      </a:endParaRPr>
+                    </a:p>
+                  </a:txBody>
+                  <a:tcPr marL="8562" marR="8562" marT="8562" marB="0" anchor="b"/>
+                </a:tc>
+                <a:tc>
+                  <a:txBody>
+                    <a:bodyPr/>
+                    <a:lstStyle/>
+                    <a:p>
+                      <a:pPr algn="r" fontAlgn="b"/>
+                      <a:r>
+                        <a:rPr lang="en-US" sz="1000" u="none" strike="noStrike">
+                          <a:effectLst/>
+                        </a:rPr>
+                        <a:t>2.13E-05</a:t>
+                      </a:r>
+                      <a:endParaRPr lang="en-US" sz="1000" b="0" i="0" u="none" strike="noStrike">
+                        <a:solidFill>
+                          <a:srgbClr val="000000"/>
+                        </a:solidFill>
+                        <a:effectLst/>
+                        <a:latin typeface="Calibri" panose="020F0502020204030204" pitchFamily="34" charset="0"/>
+                      </a:endParaRPr>
+                    </a:p>
+                  </a:txBody>
+                  <a:tcPr marL="8562" marR="8562" marT="8562" marB="0" anchor="b"/>
+                </a:tc>
+                <a:tc>
+                  <a:txBody>
+                    <a:bodyPr/>
+                    <a:lstStyle/>
+                    <a:p>
+                      <a:pPr algn="r" fontAlgn="b"/>
+                      <a:r>
+                        <a:rPr lang="en-US" sz="1000" u="none" strike="noStrike">
+                          <a:effectLst/>
+                        </a:rPr>
+                        <a:t>-1.534</a:t>
+                      </a:r>
+                      <a:endParaRPr lang="en-US" sz="1000" b="0" i="0" u="none" strike="noStrike">
+                        <a:solidFill>
+                          <a:srgbClr val="000000"/>
+                        </a:solidFill>
+                        <a:effectLst/>
+                        <a:latin typeface="Calibri" panose="020F0502020204030204" pitchFamily="34" charset="0"/>
+                      </a:endParaRPr>
+                    </a:p>
+                  </a:txBody>
+                  <a:tcPr marL="8562" marR="8562" marT="8562" marB="0" anchor="b"/>
+                </a:tc>
+                <a:tc>
+                  <a:txBody>
+                    <a:bodyPr/>
+                    <a:lstStyle/>
+                    <a:p>
+                      <a:pPr algn="r" fontAlgn="b"/>
+                      <a:r>
+                        <a:rPr lang="en-US" sz="1000" u="none" strike="noStrike">
+                          <a:effectLst/>
+                        </a:rPr>
+                        <a:t>0.125267</a:t>
+                      </a:r>
+                      <a:endParaRPr lang="en-US" sz="1000" b="0" i="0" u="none" strike="noStrike">
+                        <a:solidFill>
+                          <a:srgbClr val="000000"/>
+                        </a:solidFill>
+                        <a:effectLst/>
+                        <a:latin typeface="Calibri" panose="020F0502020204030204" pitchFamily="34" charset="0"/>
+                      </a:endParaRPr>
+                    </a:p>
+                  </a:txBody>
+                  <a:tcPr marL="8562" marR="8562" marT="8562" marB="0" anchor="b"/>
+                </a:tc>
+                <a:extLst>
+                  <a:ext uri="{0D108BD9-81ED-4DB2-BD59-A6C34878D82A}">
+                    <a16:rowId xmlns:a16="http://schemas.microsoft.com/office/drawing/2014/main" val="2004686189"/>
+                  </a:ext>
+                </a:extLst>
+              </a:tr>
+              <a:tr h="171243">
+                <a:tc>
+                  <a:txBody>
+                    <a:bodyPr/>
+                    <a:lstStyle/>
+                    <a:p>
+                      <a:pPr algn="l" fontAlgn="b"/>
+                      <a:r>
+                        <a:rPr lang="en-US" sz="1000" u="none" strike="noStrike">
+                          <a:effectLst/>
+                        </a:rPr>
+                        <a:t>Department</a:t>
+                      </a:r>
+                      <a:endParaRPr lang="en-US" sz="1000" b="0" i="0" u="none" strike="noStrike">
+                        <a:solidFill>
+                          <a:srgbClr val="000000"/>
+                        </a:solidFill>
+                        <a:effectLst/>
+                        <a:latin typeface="Calibri" panose="020F0502020204030204" pitchFamily="34" charset="0"/>
+                      </a:endParaRPr>
+                    </a:p>
+                  </a:txBody>
+                  <a:tcPr marL="8562" marR="8562" marT="8562" marB="0" anchor="b"/>
+                </a:tc>
+                <a:tc>
+                  <a:txBody>
+                    <a:bodyPr/>
+                    <a:lstStyle/>
+                    <a:p>
+                      <a:pPr algn="r" fontAlgn="b"/>
+                      <a:r>
+                        <a:rPr lang="en-US" sz="1000" u="none" strike="noStrike" dirty="0">
+                          <a:effectLst/>
+                        </a:rPr>
+                        <a:t>7.64E-02</a:t>
+                      </a:r>
+                      <a:endParaRPr lang="en-US" sz="1000" b="0" i="0" u="none" strike="noStrike" dirty="0">
+                        <a:solidFill>
+                          <a:srgbClr val="000000"/>
+                        </a:solidFill>
+                        <a:effectLst/>
+                        <a:latin typeface="Calibri" panose="020F0502020204030204" pitchFamily="34" charset="0"/>
+                      </a:endParaRPr>
+                    </a:p>
+                  </a:txBody>
+                  <a:tcPr marL="8562" marR="8562" marT="8562" marB="0" anchor="b"/>
+                </a:tc>
+                <a:tc>
+                  <a:txBody>
+                    <a:bodyPr/>
+                    <a:lstStyle/>
+                    <a:p>
+                      <a:pPr algn="r" fontAlgn="b"/>
+                      <a:r>
+                        <a:rPr lang="en-US" sz="1000" u="none" strike="noStrike">
+                          <a:effectLst/>
+                        </a:rPr>
+                        <a:t>2.38E-02</a:t>
+                      </a:r>
+                      <a:endParaRPr lang="en-US" sz="1000" b="0" i="0" u="none" strike="noStrike">
+                        <a:solidFill>
+                          <a:srgbClr val="000000"/>
+                        </a:solidFill>
+                        <a:effectLst/>
+                        <a:latin typeface="Calibri" panose="020F0502020204030204" pitchFamily="34" charset="0"/>
+                      </a:endParaRPr>
+                    </a:p>
+                  </a:txBody>
+                  <a:tcPr marL="8562" marR="8562" marT="8562" marB="0" anchor="b"/>
+                </a:tc>
+                <a:tc>
+                  <a:txBody>
+                    <a:bodyPr/>
+                    <a:lstStyle/>
+                    <a:p>
+                      <a:pPr algn="r" fontAlgn="b"/>
+                      <a:r>
+                        <a:rPr lang="en-US" sz="1000" u="none" strike="noStrike">
+                          <a:effectLst/>
+                        </a:rPr>
+                        <a:t>3.214</a:t>
+                      </a:r>
+                      <a:endParaRPr lang="en-US" sz="1000" b="0" i="0" u="none" strike="noStrike">
+                        <a:solidFill>
+                          <a:srgbClr val="000000"/>
+                        </a:solidFill>
+                        <a:effectLst/>
+                        <a:latin typeface="Calibri" panose="020F0502020204030204" pitchFamily="34" charset="0"/>
+                      </a:endParaRPr>
+                    </a:p>
+                  </a:txBody>
+                  <a:tcPr marL="8562" marR="8562" marT="8562" marB="0" anchor="b"/>
+                </a:tc>
+                <a:tc>
+                  <a:txBody>
+                    <a:bodyPr/>
+                    <a:lstStyle/>
+                    <a:p>
+                      <a:pPr algn="r" fontAlgn="b"/>
+                      <a:r>
+                        <a:rPr lang="en-US" sz="1000" u="none" strike="noStrike">
+                          <a:effectLst/>
+                        </a:rPr>
+                        <a:t>0.001339</a:t>
+                      </a:r>
+                      <a:endParaRPr lang="en-US" sz="1000" b="0" i="0" u="none" strike="noStrike">
+                        <a:solidFill>
+                          <a:srgbClr val="000000"/>
+                        </a:solidFill>
+                        <a:effectLst/>
+                        <a:latin typeface="Calibri" panose="020F0502020204030204" pitchFamily="34" charset="0"/>
+                      </a:endParaRPr>
+                    </a:p>
+                  </a:txBody>
+                  <a:tcPr marL="8562" marR="8562" marT="8562" marB="0" anchor="b"/>
+                </a:tc>
+                <a:extLst>
+                  <a:ext uri="{0D108BD9-81ED-4DB2-BD59-A6C34878D82A}">
+                    <a16:rowId xmlns:a16="http://schemas.microsoft.com/office/drawing/2014/main" val="279164385"/>
+                  </a:ext>
+                </a:extLst>
+              </a:tr>
+              <a:tr h="171243">
+                <a:tc>
+                  <a:txBody>
+                    <a:bodyPr/>
+                    <a:lstStyle/>
+                    <a:p>
+                      <a:pPr algn="l" fontAlgn="b"/>
+                      <a:r>
+                        <a:rPr lang="en-US" sz="1000" u="none" strike="noStrike">
+                          <a:effectLst/>
+                        </a:rPr>
+                        <a:t>DisFromHome</a:t>
+                      </a:r>
+                      <a:endParaRPr lang="en-US" sz="1000" b="0" i="0" u="none" strike="noStrike">
+                        <a:solidFill>
+                          <a:srgbClr val="000000"/>
+                        </a:solidFill>
+                        <a:effectLst/>
+                        <a:latin typeface="Calibri" panose="020F0502020204030204" pitchFamily="34" charset="0"/>
+                      </a:endParaRPr>
+                    </a:p>
+                  </a:txBody>
+                  <a:tcPr marL="8562" marR="8562" marT="8562" marB="0" anchor="b"/>
+                </a:tc>
+                <a:tc>
+                  <a:txBody>
+                    <a:bodyPr/>
+                    <a:lstStyle/>
+                    <a:p>
+                      <a:pPr algn="r" fontAlgn="b"/>
+                      <a:r>
+                        <a:rPr lang="en-US" sz="1000" u="none" strike="noStrike">
+                          <a:effectLst/>
+                        </a:rPr>
+                        <a:t>3.47E-03</a:t>
+                      </a:r>
+                      <a:endParaRPr lang="en-US" sz="1000" b="0" i="0" u="none" strike="noStrike">
+                        <a:solidFill>
+                          <a:srgbClr val="000000"/>
+                        </a:solidFill>
+                        <a:effectLst/>
+                        <a:latin typeface="Calibri" panose="020F0502020204030204" pitchFamily="34" charset="0"/>
+                      </a:endParaRPr>
+                    </a:p>
+                  </a:txBody>
+                  <a:tcPr marL="8562" marR="8562" marT="8562" marB="0" anchor="b"/>
+                </a:tc>
+                <a:tc>
+                  <a:txBody>
+                    <a:bodyPr/>
+                    <a:lstStyle/>
+                    <a:p>
+                      <a:pPr algn="r" fontAlgn="b"/>
+                      <a:r>
+                        <a:rPr lang="en-US" sz="1000" u="none" strike="noStrike">
+                          <a:effectLst/>
+                        </a:rPr>
+                        <a:t>1.05E-03</a:t>
+                      </a:r>
+                      <a:endParaRPr lang="en-US" sz="1000" b="0" i="0" u="none" strike="noStrike">
+                        <a:solidFill>
+                          <a:srgbClr val="000000"/>
+                        </a:solidFill>
+                        <a:effectLst/>
+                        <a:latin typeface="Calibri" panose="020F0502020204030204" pitchFamily="34" charset="0"/>
+                      </a:endParaRPr>
+                    </a:p>
+                  </a:txBody>
+                  <a:tcPr marL="8562" marR="8562" marT="8562" marB="0" anchor="b"/>
+                </a:tc>
+                <a:tc>
+                  <a:txBody>
+                    <a:bodyPr/>
+                    <a:lstStyle/>
+                    <a:p>
+                      <a:pPr algn="r" fontAlgn="b"/>
+                      <a:r>
+                        <a:rPr lang="en-US" sz="1000" u="none" strike="noStrike">
+                          <a:effectLst/>
+                        </a:rPr>
+                        <a:t>3.293</a:t>
+                      </a:r>
+                      <a:endParaRPr lang="en-US" sz="1000" b="0" i="0" u="none" strike="noStrike">
+                        <a:solidFill>
+                          <a:srgbClr val="000000"/>
+                        </a:solidFill>
+                        <a:effectLst/>
+                        <a:latin typeface="Calibri" panose="020F0502020204030204" pitchFamily="34" charset="0"/>
+                      </a:endParaRPr>
+                    </a:p>
+                  </a:txBody>
+                  <a:tcPr marL="8562" marR="8562" marT="8562" marB="0" anchor="b"/>
+                </a:tc>
+                <a:tc>
+                  <a:txBody>
+                    <a:bodyPr/>
+                    <a:lstStyle/>
+                    <a:p>
+                      <a:pPr algn="r" fontAlgn="b"/>
+                      <a:r>
+                        <a:rPr lang="en-US" sz="1000" u="none" strike="noStrike">
+                          <a:effectLst/>
+                        </a:rPr>
+                        <a:t>0.001016</a:t>
+                      </a:r>
+                      <a:endParaRPr lang="en-US" sz="1000" b="0" i="0" u="none" strike="noStrike">
+                        <a:solidFill>
+                          <a:srgbClr val="000000"/>
+                        </a:solidFill>
+                        <a:effectLst/>
+                        <a:latin typeface="Calibri" panose="020F0502020204030204" pitchFamily="34" charset="0"/>
+                      </a:endParaRPr>
+                    </a:p>
+                  </a:txBody>
+                  <a:tcPr marL="8562" marR="8562" marT="8562" marB="0" anchor="b"/>
+                </a:tc>
+                <a:extLst>
+                  <a:ext uri="{0D108BD9-81ED-4DB2-BD59-A6C34878D82A}">
+                    <a16:rowId xmlns:a16="http://schemas.microsoft.com/office/drawing/2014/main" val="487630636"/>
+                  </a:ext>
+                </a:extLst>
+              </a:tr>
+              <a:tr h="171243">
+                <a:tc>
+                  <a:txBody>
+                    <a:bodyPr/>
+                    <a:lstStyle/>
+                    <a:p>
+                      <a:pPr algn="l" fontAlgn="b"/>
+                      <a:r>
+                        <a:rPr lang="en-US" sz="1000" u="none" strike="noStrike">
+                          <a:effectLst/>
+                        </a:rPr>
+                        <a:t>EnvSatis</a:t>
+                      </a:r>
+                      <a:endParaRPr lang="en-US" sz="1000" b="0" i="0" u="none" strike="noStrike">
+                        <a:solidFill>
+                          <a:srgbClr val="000000"/>
+                        </a:solidFill>
+                        <a:effectLst/>
+                        <a:latin typeface="Calibri" panose="020F0502020204030204" pitchFamily="34" charset="0"/>
+                      </a:endParaRPr>
+                    </a:p>
+                  </a:txBody>
+                  <a:tcPr marL="8562" marR="8562" marT="8562" marB="0" anchor="b"/>
+                </a:tc>
+                <a:tc>
+                  <a:txBody>
+                    <a:bodyPr/>
+                    <a:lstStyle/>
+                    <a:p>
+                      <a:pPr algn="r" fontAlgn="b"/>
+                      <a:r>
+                        <a:rPr lang="en-US" sz="1000" u="none" strike="noStrike">
+                          <a:effectLst/>
+                        </a:rPr>
+                        <a:t>-3.94E-02</a:t>
+                      </a:r>
+                      <a:endParaRPr lang="en-US" sz="1000" b="0" i="0" u="none" strike="noStrike">
+                        <a:solidFill>
+                          <a:srgbClr val="000000"/>
+                        </a:solidFill>
+                        <a:effectLst/>
+                        <a:latin typeface="Calibri" panose="020F0502020204030204" pitchFamily="34" charset="0"/>
+                      </a:endParaRPr>
+                    </a:p>
+                  </a:txBody>
+                  <a:tcPr marL="8562" marR="8562" marT="8562" marB="0" anchor="b"/>
+                </a:tc>
+                <a:tc>
+                  <a:txBody>
+                    <a:bodyPr/>
+                    <a:lstStyle/>
+                    <a:p>
+                      <a:pPr algn="r" fontAlgn="b"/>
+                      <a:r>
+                        <a:rPr lang="en-US" sz="1000" u="none" strike="noStrike">
+                          <a:effectLst/>
+                        </a:rPr>
+                        <a:t>7.81E-03</a:t>
+                      </a:r>
+                      <a:endParaRPr lang="en-US" sz="1000" b="0" i="0" u="none" strike="noStrike">
+                        <a:solidFill>
+                          <a:srgbClr val="000000"/>
+                        </a:solidFill>
+                        <a:effectLst/>
+                        <a:latin typeface="Calibri" panose="020F0502020204030204" pitchFamily="34" charset="0"/>
+                      </a:endParaRPr>
+                    </a:p>
+                  </a:txBody>
+                  <a:tcPr marL="8562" marR="8562" marT="8562" marB="0" anchor="b"/>
+                </a:tc>
+                <a:tc>
+                  <a:txBody>
+                    <a:bodyPr/>
+                    <a:lstStyle/>
+                    <a:p>
+                      <a:pPr algn="r" fontAlgn="b"/>
+                      <a:r>
+                        <a:rPr lang="en-US" sz="1000" u="none" strike="noStrike">
+                          <a:effectLst/>
+                        </a:rPr>
+                        <a:t>-5.043</a:t>
+                      </a:r>
+                      <a:endParaRPr lang="en-US" sz="1000" b="0" i="0" u="none" strike="noStrike">
+                        <a:solidFill>
+                          <a:srgbClr val="000000"/>
+                        </a:solidFill>
+                        <a:effectLst/>
+                        <a:latin typeface="Calibri" panose="020F0502020204030204" pitchFamily="34" charset="0"/>
+                      </a:endParaRPr>
+                    </a:p>
+                  </a:txBody>
+                  <a:tcPr marL="8562" marR="8562" marT="8562" marB="0" anchor="b"/>
+                </a:tc>
+                <a:tc>
+                  <a:txBody>
+                    <a:bodyPr/>
+                    <a:lstStyle/>
+                    <a:p>
+                      <a:pPr algn="r" fontAlgn="b"/>
+                      <a:r>
+                        <a:rPr lang="en-US" sz="1000" u="none" strike="noStrike">
+                          <a:effectLst/>
+                        </a:rPr>
+                        <a:t>5.16E-07</a:t>
+                      </a:r>
+                      <a:endParaRPr lang="en-US" sz="1000" b="0" i="0" u="none" strike="noStrike">
+                        <a:solidFill>
+                          <a:srgbClr val="000000"/>
+                        </a:solidFill>
+                        <a:effectLst/>
+                        <a:latin typeface="Calibri" panose="020F0502020204030204" pitchFamily="34" charset="0"/>
+                      </a:endParaRPr>
+                    </a:p>
+                  </a:txBody>
+                  <a:tcPr marL="8562" marR="8562" marT="8562" marB="0" anchor="b"/>
+                </a:tc>
+                <a:extLst>
+                  <a:ext uri="{0D108BD9-81ED-4DB2-BD59-A6C34878D82A}">
+                    <a16:rowId xmlns:a16="http://schemas.microsoft.com/office/drawing/2014/main" val="3565446120"/>
+                  </a:ext>
+                </a:extLst>
+              </a:tr>
+              <a:tr h="171243">
+                <a:tc>
+                  <a:txBody>
+                    <a:bodyPr/>
+                    <a:lstStyle/>
+                    <a:p>
+                      <a:pPr algn="l" fontAlgn="b"/>
+                      <a:r>
+                        <a:rPr lang="en-US" sz="1000" u="none" strike="noStrike">
+                          <a:effectLst/>
+                        </a:rPr>
+                        <a:t>Gender</a:t>
+                      </a:r>
+                      <a:endParaRPr lang="en-US" sz="1000" b="0" i="0" u="none" strike="noStrike">
+                        <a:solidFill>
+                          <a:srgbClr val="000000"/>
+                        </a:solidFill>
+                        <a:effectLst/>
+                        <a:latin typeface="Calibri" panose="020F0502020204030204" pitchFamily="34" charset="0"/>
+                      </a:endParaRPr>
+                    </a:p>
+                  </a:txBody>
+                  <a:tcPr marL="8562" marR="8562" marT="8562" marB="0" anchor="b"/>
+                </a:tc>
+                <a:tc>
+                  <a:txBody>
+                    <a:bodyPr/>
+                    <a:lstStyle/>
+                    <a:p>
+                      <a:pPr algn="r" fontAlgn="b"/>
+                      <a:r>
+                        <a:rPr lang="en-US" sz="1000" u="none" strike="noStrike">
+                          <a:effectLst/>
+                        </a:rPr>
+                        <a:t>3.85E-02</a:t>
+                      </a:r>
+                      <a:endParaRPr lang="en-US" sz="1000" b="0" i="0" u="none" strike="noStrike">
+                        <a:solidFill>
+                          <a:srgbClr val="000000"/>
+                        </a:solidFill>
+                        <a:effectLst/>
+                        <a:latin typeface="Calibri" panose="020F0502020204030204" pitchFamily="34" charset="0"/>
+                      </a:endParaRPr>
+                    </a:p>
+                  </a:txBody>
+                  <a:tcPr marL="8562" marR="8562" marT="8562" marB="0" anchor="b"/>
+                </a:tc>
+                <a:tc>
+                  <a:txBody>
+                    <a:bodyPr/>
+                    <a:lstStyle/>
+                    <a:p>
+                      <a:pPr algn="r" fontAlgn="b"/>
+                      <a:r>
+                        <a:rPr lang="en-US" sz="1000" u="none" strike="noStrike">
+                          <a:effectLst/>
+                        </a:rPr>
+                        <a:t>1.75E-02</a:t>
+                      </a:r>
+                      <a:endParaRPr lang="en-US" sz="1000" b="0" i="0" u="none" strike="noStrike">
+                        <a:solidFill>
+                          <a:srgbClr val="000000"/>
+                        </a:solidFill>
+                        <a:effectLst/>
+                        <a:latin typeface="Calibri" panose="020F0502020204030204" pitchFamily="34" charset="0"/>
+                      </a:endParaRPr>
+                    </a:p>
+                  </a:txBody>
+                  <a:tcPr marL="8562" marR="8562" marT="8562" marB="0" anchor="b"/>
+                </a:tc>
+                <a:tc>
+                  <a:txBody>
+                    <a:bodyPr/>
+                    <a:lstStyle/>
+                    <a:p>
+                      <a:pPr algn="r" fontAlgn="b"/>
+                      <a:r>
+                        <a:rPr lang="en-US" sz="1000" u="none" strike="noStrike">
+                          <a:effectLst/>
+                        </a:rPr>
+                        <a:t>2.201</a:t>
+                      </a:r>
+                      <a:endParaRPr lang="en-US" sz="1000" b="0" i="0" u="none" strike="noStrike">
+                        <a:solidFill>
+                          <a:srgbClr val="000000"/>
+                        </a:solidFill>
+                        <a:effectLst/>
+                        <a:latin typeface="Calibri" panose="020F0502020204030204" pitchFamily="34" charset="0"/>
+                      </a:endParaRPr>
+                    </a:p>
+                  </a:txBody>
+                  <a:tcPr marL="8562" marR="8562" marT="8562" marB="0" anchor="b"/>
+                </a:tc>
+                <a:tc>
+                  <a:txBody>
+                    <a:bodyPr/>
+                    <a:lstStyle/>
+                    <a:p>
+                      <a:pPr algn="r" fontAlgn="b"/>
+                      <a:r>
+                        <a:rPr lang="en-US" sz="1000" u="none" strike="noStrike">
+                          <a:effectLst/>
+                        </a:rPr>
+                        <a:t>0.027864</a:t>
+                      </a:r>
+                      <a:endParaRPr lang="en-US" sz="1000" b="0" i="0" u="none" strike="noStrike">
+                        <a:solidFill>
+                          <a:srgbClr val="000000"/>
+                        </a:solidFill>
+                        <a:effectLst/>
+                        <a:latin typeface="Calibri" panose="020F0502020204030204" pitchFamily="34" charset="0"/>
+                      </a:endParaRPr>
+                    </a:p>
+                  </a:txBody>
+                  <a:tcPr marL="8562" marR="8562" marT="8562" marB="0" anchor="b"/>
+                </a:tc>
+                <a:extLst>
+                  <a:ext uri="{0D108BD9-81ED-4DB2-BD59-A6C34878D82A}">
+                    <a16:rowId xmlns:a16="http://schemas.microsoft.com/office/drawing/2014/main" val="352114911"/>
+                  </a:ext>
+                </a:extLst>
+              </a:tr>
+              <a:tr h="171243">
+                <a:tc>
+                  <a:txBody>
+                    <a:bodyPr/>
+                    <a:lstStyle/>
+                    <a:p>
+                      <a:pPr algn="l" fontAlgn="b"/>
+                      <a:r>
+                        <a:rPr lang="en-US" sz="1000" u="none" strike="noStrike">
+                          <a:effectLst/>
+                        </a:rPr>
+                        <a:t>JobInvolve</a:t>
+                      </a:r>
+                      <a:endParaRPr lang="en-US" sz="1000" b="0" i="0" u="none" strike="noStrike">
+                        <a:solidFill>
+                          <a:srgbClr val="000000"/>
+                        </a:solidFill>
+                        <a:effectLst/>
+                        <a:latin typeface="Calibri" panose="020F0502020204030204" pitchFamily="34" charset="0"/>
+                      </a:endParaRPr>
+                    </a:p>
+                  </a:txBody>
+                  <a:tcPr marL="8562" marR="8562" marT="8562" marB="0" anchor="b"/>
+                </a:tc>
+                <a:tc>
+                  <a:txBody>
+                    <a:bodyPr/>
+                    <a:lstStyle/>
+                    <a:p>
+                      <a:pPr algn="r" fontAlgn="b"/>
+                      <a:r>
+                        <a:rPr lang="en-US" sz="1000" u="none" strike="noStrike">
+                          <a:effectLst/>
+                        </a:rPr>
+                        <a:t>-6.14E-02</a:t>
+                      </a:r>
+                      <a:endParaRPr lang="en-US" sz="1000" b="0" i="0" u="none" strike="noStrike">
+                        <a:solidFill>
+                          <a:srgbClr val="000000"/>
+                        </a:solidFill>
+                        <a:effectLst/>
+                        <a:latin typeface="Calibri" panose="020F0502020204030204" pitchFamily="34" charset="0"/>
+                      </a:endParaRPr>
+                    </a:p>
+                  </a:txBody>
+                  <a:tcPr marL="8562" marR="8562" marT="8562" marB="0" anchor="b"/>
+                </a:tc>
+                <a:tc>
+                  <a:txBody>
+                    <a:bodyPr/>
+                    <a:lstStyle/>
+                    <a:p>
+                      <a:pPr algn="r" fontAlgn="b"/>
+                      <a:r>
+                        <a:rPr lang="en-US" sz="1000" u="none" strike="noStrike">
+                          <a:effectLst/>
+                        </a:rPr>
+                        <a:t>1.20E-02</a:t>
+                      </a:r>
+                      <a:endParaRPr lang="en-US" sz="1000" b="0" i="0" u="none" strike="noStrike">
+                        <a:solidFill>
+                          <a:srgbClr val="000000"/>
+                        </a:solidFill>
+                        <a:effectLst/>
+                        <a:latin typeface="Calibri" panose="020F0502020204030204" pitchFamily="34" charset="0"/>
+                      </a:endParaRPr>
+                    </a:p>
+                  </a:txBody>
+                  <a:tcPr marL="8562" marR="8562" marT="8562" marB="0" anchor="b"/>
+                </a:tc>
+                <a:tc>
+                  <a:txBody>
+                    <a:bodyPr/>
+                    <a:lstStyle/>
+                    <a:p>
+                      <a:pPr algn="r" fontAlgn="b"/>
+                      <a:r>
+                        <a:rPr lang="en-US" sz="1000" u="none" strike="noStrike">
+                          <a:effectLst/>
+                        </a:rPr>
+                        <a:t>-5.102</a:t>
+                      </a:r>
+                      <a:endParaRPr lang="en-US" sz="1000" b="0" i="0" u="none" strike="noStrike">
+                        <a:solidFill>
+                          <a:srgbClr val="000000"/>
+                        </a:solidFill>
+                        <a:effectLst/>
+                        <a:latin typeface="Calibri" panose="020F0502020204030204" pitchFamily="34" charset="0"/>
+                      </a:endParaRPr>
+                    </a:p>
+                  </a:txBody>
+                  <a:tcPr marL="8562" marR="8562" marT="8562" marB="0" anchor="b"/>
+                </a:tc>
+                <a:tc>
+                  <a:txBody>
+                    <a:bodyPr/>
+                    <a:lstStyle/>
+                    <a:p>
+                      <a:pPr algn="r" fontAlgn="b"/>
+                      <a:r>
+                        <a:rPr lang="en-US" sz="1000" u="none" strike="noStrike">
+                          <a:effectLst/>
+                        </a:rPr>
+                        <a:t>3.81E-07</a:t>
+                      </a:r>
+                      <a:endParaRPr lang="en-US" sz="1000" b="0" i="0" u="none" strike="noStrike">
+                        <a:solidFill>
+                          <a:srgbClr val="000000"/>
+                        </a:solidFill>
+                        <a:effectLst/>
+                        <a:latin typeface="Calibri" panose="020F0502020204030204" pitchFamily="34" charset="0"/>
+                      </a:endParaRPr>
+                    </a:p>
+                  </a:txBody>
+                  <a:tcPr marL="8562" marR="8562" marT="8562" marB="0" anchor="b"/>
+                </a:tc>
+                <a:extLst>
+                  <a:ext uri="{0D108BD9-81ED-4DB2-BD59-A6C34878D82A}">
+                    <a16:rowId xmlns:a16="http://schemas.microsoft.com/office/drawing/2014/main" val="386690825"/>
+                  </a:ext>
+                </a:extLst>
+              </a:tr>
+              <a:tr h="171243">
+                <a:tc>
+                  <a:txBody>
+                    <a:bodyPr/>
+                    <a:lstStyle/>
+                    <a:p>
+                      <a:pPr algn="l" fontAlgn="b"/>
+                      <a:r>
+                        <a:rPr lang="en-US" sz="1000" u="none" strike="noStrike">
+                          <a:effectLst/>
+                        </a:rPr>
+                        <a:t>JobLevel</a:t>
+                      </a:r>
+                      <a:endParaRPr lang="en-US" sz="1000" b="0" i="0" u="none" strike="noStrike">
+                        <a:solidFill>
+                          <a:srgbClr val="000000"/>
+                        </a:solidFill>
+                        <a:effectLst/>
+                        <a:latin typeface="Calibri" panose="020F0502020204030204" pitchFamily="34" charset="0"/>
+                      </a:endParaRPr>
+                    </a:p>
+                  </a:txBody>
+                  <a:tcPr marL="8562" marR="8562" marT="8562" marB="0" anchor="b"/>
+                </a:tc>
+                <a:tc>
+                  <a:txBody>
+                    <a:bodyPr/>
+                    <a:lstStyle/>
+                    <a:p>
+                      <a:pPr algn="r" fontAlgn="b"/>
+                      <a:r>
+                        <a:rPr lang="en-US" sz="1000" u="none" strike="noStrike">
+                          <a:effectLst/>
+                        </a:rPr>
+                        <a:t>-4.12E-02</a:t>
+                      </a:r>
+                      <a:endParaRPr lang="en-US" sz="1000" b="0" i="0" u="none" strike="noStrike">
+                        <a:solidFill>
+                          <a:srgbClr val="000000"/>
+                        </a:solidFill>
+                        <a:effectLst/>
+                        <a:latin typeface="Calibri" panose="020F0502020204030204" pitchFamily="34" charset="0"/>
+                      </a:endParaRPr>
+                    </a:p>
+                  </a:txBody>
+                  <a:tcPr marL="8562" marR="8562" marT="8562" marB="0" anchor="b"/>
+                </a:tc>
+                <a:tc>
+                  <a:txBody>
+                    <a:bodyPr/>
+                    <a:lstStyle/>
+                    <a:p>
+                      <a:pPr algn="r" fontAlgn="b"/>
+                      <a:r>
+                        <a:rPr lang="en-US" sz="1000" u="none" strike="noStrike">
+                          <a:effectLst/>
+                        </a:rPr>
+                        <a:t>1.03E-02</a:t>
+                      </a:r>
+                      <a:endParaRPr lang="en-US" sz="1000" b="0" i="0" u="none" strike="noStrike">
+                        <a:solidFill>
+                          <a:srgbClr val="000000"/>
+                        </a:solidFill>
+                        <a:effectLst/>
+                        <a:latin typeface="Calibri" panose="020F0502020204030204" pitchFamily="34" charset="0"/>
+                      </a:endParaRPr>
+                    </a:p>
+                  </a:txBody>
+                  <a:tcPr marL="8562" marR="8562" marT="8562" marB="0" anchor="b"/>
+                </a:tc>
+                <a:tc>
+                  <a:txBody>
+                    <a:bodyPr/>
+                    <a:lstStyle/>
+                    <a:p>
+                      <a:pPr algn="r" fontAlgn="b"/>
+                      <a:r>
+                        <a:rPr lang="en-US" sz="1000" u="none" strike="noStrike">
+                          <a:effectLst/>
+                        </a:rPr>
+                        <a:t>-3.989</a:t>
+                      </a:r>
+                      <a:endParaRPr lang="en-US" sz="1000" b="0" i="0" u="none" strike="noStrike">
+                        <a:solidFill>
+                          <a:srgbClr val="000000"/>
+                        </a:solidFill>
+                        <a:effectLst/>
+                        <a:latin typeface="Calibri" panose="020F0502020204030204" pitchFamily="34" charset="0"/>
+                      </a:endParaRPr>
+                    </a:p>
+                  </a:txBody>
+                  <a:tcPr marL="8562" marR="8562" marT="8562" marB="0" anchor="b"/>
+                </a:tc>
+                <a:tc>
+                  <a:txBody>
+                    <a:bodyPr/>
+                    <a:lstStyle/>
+                    <a:p>
+                      <a:pPr algn="r" fontAlgn="b"/>
+                      <a:r>
+                        <a:rPr lang="en-US" sz="1000" u="none" strike="noStrike">
+                          <a:effectLst/>
+                        </a:rPr>
+                        <a:t>6.98E-05</a:t>
+                      </a:r>
+                      <a:endParaRPr lang="en-US" sz="1000" b="0" i="0" u="none" strike="noStrike">
+                        <a:solidFill>
+                          <a:srgbClr val="000000"/>
+                        </a:solidFill>
+                        <a:effectLst/>
+                        <a:latin typeface="Calibri" panose="020F0502020204030204" pitchFamily="34" charset="0"/>
+                      </a:endParaRPr>
+                    </a:p>
+                  </a:txBody>
+                  <a:tcPr marL="8562" marR="8562" marT="8562" marB="0" anchor="b"/>
+                </a:tc>
+                <a:extLst>
+                  <a:ext uri="{0D108BD9-81ED-4DB2-BD59-A6C34878D82A}">
+                    <a16:rowId xmlns:a16="http://schemas.microsoft.com/office/drawing/2014/main" val="1000163892"/>
+                  </a:ext>
+                </a:extLst>
+              </a:tr>
+              <a:tr h="171243">
+                <a:tc>
+                  <a:txBody>
+                    <a:bodyPr/>
+                    <a:lstStyle/>
+                    <a:p>
+                      <a:pPr algn="l" fontAlgn="b"/>
+                      <a:r>
+                        <a:rPr lang="en-US" sz="1000" u="none" strike="noStrike">
+                          <a:effectLst/>
+                        </a:rPr>
+                        <a:t>JobRole</a:t>
+                      </a:r>
+                      <a:endParaRPr lang="en-US" sz="1000" b="0" i="0" u="none" strike="noStrike">
+                        <a:solidFill>
+                          <a:srgbClr val="000000"/>
+                        </a:solidFill>
+                        <a:effectLst/>
+                        <a:latin typeface="Calibri" panose="020F0502020204030204" pitchFamily="34" charset="0"/>
+                      </a:endParaRPr>
+                    </a:p>
+                  </a:txBody>
+                  <a:tcPr marL="8562" marR="8562" marT="8562" marB="0" anchor="b"/>
+                </a:tc>
+                <a:tc>
+                  <a:txBody>
+                    <a:bodyPr/>
+                    <a:lstStyle/>
+                    <a:p>
+                      <a:pPr algn="r" fontAlgn="b"/>
+                      <a:r>
+                        <a:rPr lang="en-US" sz="1000" u="none" strike="noStrike">
+                          <a:effectLst/>
+                        </a:rPr>
+                        <a:t>-7.91E-03</a:t>
+                      </a:r>
+                      <a:endParaRPr lang="en-US" sz="1000" b="0" i="0" u="none" strike="noStrike">
+                        <a:solidFill>
+                          <a:srgbClr val="000000"/>
+                        </a:solidFill>
+                        <a:effectLst/>
+                        <a:latin typeface="Calibri" panose="020F0502020204030204" pitchFamily="34" charset="0"/>
+                      </a:endParaRPr>
+                    </a:p>
+                  </a:txBody>
+                  <a:tcPr marL="8562" marR="8562" marT="8562" marB="0" anchor="b"/>
+                </a:tc>
+                <a:tc>
+                  <a:txBody>
+                    <a:bodyPr/>
+                    <a:lstStyle/>
+                    <a:p>
+                      <a:pPr algn="r" fontAlgn="b"/>
+                      <a:r>
+                        <a:rPr lang="en-US" sz="1000" u="none" strike="noStrike">
+                          <a:effectLst/>
+                        </a:rPr>
+                        <a:t>5.11E-03</a:t>
+                      </a:r>
+                      <a:endParaRPr lang="en-US" sz="1000" b="0" i="0" u="none" strike="noStrike">
+                        <a:solidFill>
+                          <a:srgbClr val="000000"/>
+                        </a:solidFill>
+                        <a:effectLst/>
+                        <a:latin typeface="Calibri" panose="020F0502020204030204" pitchFamily="34" charset="0"/>
+                      </a:endParaRPr>
+                    </a:p>
+                  </a:txBody>
+                  <a:tcPr marL="8562" marR="8562" marT="8562" marB="0" anchor="b"/>
+                </a:tc>
+                <a:tc>
+                  <a:txBody>
+                    <a:bodyPr/>
+                    <a:lstStyle/>
+                    <a:p>
+                      <a:pPr algn="r" fontAlgn="b"/>
+                      <a:r>
+                        <a:rPr lang="en-US" sz="1000" u="none" strike="noStrike">
+                          <a:effectLst/>
+                        </a:rPr>
+                        <a:t>-1.55</a:t>
+                      </a:r>
+                      <a:endParaRPr lang="en-US" sz="1000" b="0" i="0" u="none" strike="noStrike">
+                        <a:solidFill>
+                          <a:srgbClr val="000000"/>
+                        </a:solidFill>
+                        <a:effectLst/>
+                        <a:latin typeface="Calibri" panose="020F0502020204030204" pitchFamily="34" charset="0"/>
+                      </a:endParaRPr>
+                    </a:p>
+                  </a:txBody>
+                  <a:tcPr marL="8562" marR="8562" marT="8562" marB="0" anchor="b"/>
+                </a:tc>
+                <a:tc>
+                  <a:txBody>
+                    <a:bodyPr/>
+                    <a:lstStyle/>
+                    <a:p>
+                      <a:pPr algn="r" fontAlgn="b"/>
+                      <a:r>
+                        <a:rPr lang="en-US" sz="1000" u="none" strike="noStrike">
+                          <a:effectLst/>
+                        </a:rPr>
+                        <a:t>0.121469</a:t>
+                      </a:r>
+                      <a:endParaRPr lang="en-US" sz="1000" b="0" i="0" u="none" strike="noStrike">
+                        <a:solidFill>
+                          <a:srgbClr val="000000"/>
+                        </a:solidFill>
+                        <a:effectLst/>
+                        <a:latin typeface="Calibri" panose="020F0502020204030204" pitchFamily="34" charset="0"/>
+                      </a:endParaRPr>
+                    </a:p>
+                  </a:txBody>
+                  <a:tcPr marL="8562" marR="8562" marT="8562" marB="0" anchor="b"/>
+                </a:tc>
+                <a:extLst>
+                  <a:ext uri="{0D108BD9-81ED-4DB2-BD59-A6C34878D82A}">
+                    <a16:rowId xmlns:a16="http://schemas.microsoft.com/office/drawing/2014/main" val="3113454548"/>
+                  </a:ext>
+                </a:extLst>
+              </a:tr>
+              <a:tr h="171243">
+                <a:tc>
+                  <a:txBody>
+                    <a:bodyPr/>
+                    <a:lstStyle/>
+                    <a:p>
+                      <a:pPr algn="l" fontAlgn="b"/>
+                      <a:r>
+                        <a:rPr lang="en-US" sz="1000" u="none" strike="noStrike">
+                          <a:effectLst/>
+                        </a:rPr>
+                        <a:t>JobSatis</a:t>
+                      </a:r>
+                      <a:endParaRPr lang="en-US" sz="1000" b="0" i="0" u="none" strike="noStrike">
+                        <a:solidFill>
+                          <a:srgbClr val="000000"/>
+                        </a:solidFill>
+                        <a:effectLst/>
+                        <a:latin typeface="Calibri" panose="020F0502020204030204" pitchFamily="34" charset="0"/>
+                      </a:endParaRPr>
+                    </a:p>
+                  </a:txBody>
+                  <a:tcPr marL="8562" marR="8562" marT="8562" marB="0" anchor="b"/>
+                </a:tc>
+                <a:tc>
+                  <a:txBody>
+                    <a:bodyPr/>
+                    <a:lstStyle/>
+                    <a:p>
+                      <a:pPr algn="r" fontAlgn="b"/>
+                      <a:r>
+                        <a:rPr lang="en-US" sz="1000" u="none" strike="noStrike">
+                          <a:effectLst/>
+                        </a:rPr>
+                        <a:t>-3.85E-02</a:t>
+                      </a:r>
+                      <a:endParaRPr lang="en-US" sz="1000" b="0" i="0" u="none" strike="noStrike">
+                        <a:solidFill>
+                          <a:srgbClr val="000000"/>
+                        </a:solidFill>
+                        <a:effectLst/>
+                        <a:latin typeface="Calibri" panose="020F0502020204030204" pitchFamily="34" charset="0"/>
+                      </a:endParaRPr>
+                    </a:p>
+                  </a:txBody>
+                  <a:tcPr marL="8562" marR="8562" marT="8562" marB="0" anchor="b"/>
+                </a:tc>
+                <a:tc>
+                  <a:txBody>
+                    <a:bodyPr/>
+                    <a:lstStyle/>
+                    <a:p>
+                      <a:pPr algn="r" fontAlgn="b"/>
+                      <a:r>
+                        <a:rPr lang="en-US" sz="1000" u="none" strike="noStrike">
+                          <a:effectLst/>
+                        </a:rPr>
+                        <a:t>7.75E-03</a:t>
+                      </a:r>
+                      <a:endParaRPr lang="en-US" sz="1000" b="0" i="0" u="none" strike="noStrike">
+                        <a:solidFill>
+                          <a:srgbClr val="000000"/>
+                        </a:solidFill>
+                        <a:effectLst/>
+                        <a:latin typeface="Calibri" panose="020F0502020204030204" pitchFamily="34" charset="0"/>
+                      </a:endParaRPr>
+                    </a:p>
+                  </a:txBody>
+                  <a:tcPr marL="8562" marR="8562" marT="8562" marB="0" anchor="b"/>
+                </a:tc>
+                <a:tc>
+                  <a:txBody>
+                    <a:bodyPr/>
+                    <a:lstStyle/>
+                    <a:p>
+                      <a:pPr algn="r" fontAlgn="b"/>
+                      <a:r>
+                        <a:rPr lang="en-US" sz="1000" u="none" strike="noStrike">
+                          <a:effectLst/>
+                        </a:rPr>
+                        <a:t>-4.958</a:t>
+                      </a:r>
+                      <a:endParaRPr lang="en-US" sz="1000" b="0" i="0" u="none" strike="noStrike">
+                        <a:solidFill>
+                          <a:srgbClr val="000000"/>
+                        </a:solidFill>
+                        <a:effectLst/>
+                        <a:latin typeface="Calibri" panose="020F0502020204030204" pitchFamily="34" charset="0"/>
+                      </a:endParaRPr>
+                    </a:p>
+                  </a:txBody>
+                  <a:tcPr marL="8562" marR="8562" marT="8562" marB="0" anchor="b"/>
+                </a:tc>
+                <a:tc>
+                  <a:txBody>
+                    <a:bodyPr/>
+                    <a:lstStyle/>
+                    <a:p>
+                      <a:pPr algn="r" fontAlgn="b"/>
+                      <a:r>
+                        <a:rPr lang="en-US" sz="1000" u="none" strike="noStrike">
+                          <a:effectLst/>
+                        </a:rPr>
+                        <a:t>7.95E-07</a:t>
+                      </a:r>
+                      <a:endParaRPr lang="en-US" sz="1000" b="0" i="0" u="none" strike="noStrike">
+                        <a:solidFill>
+                          <a:srgbClr val="000000"/>
+                        </a:solidFill>
+                        <a:effectLst/>
+                        <a:latin typeface="Calibri" panose="020F0502020204030204" pitchFamily="34" charset="0"/>
+                      </a:endParaRPr>
+                    </a:p>
+                  </a:txBody>
+                  <a:tcPr marL="8562" marR="8562" marT="8562" marB="0" anchor="b"/>
+                </a:tc>
+                <a:extLst>
+                  <a:ext uri="{0D108BD9-81ED-4DB2-BD59-A6C34878D82A}">
+                    <a16:rowId xmlns:a16="http://schemas.microsoft.com/office/drawing/2014/main" val="3103038098"/>
+                  </a:ext>
+                </a:extLst>
+              </a:tr>
+              <a:tr h="171243">
+                <a:tc>
+                  <a:txBody>
+                    <a:bodyPr/>
+                    <a:lstStyle/>
+                    <a:p>
+                      <a:pPr algn="l" fontAlgn="b"/>
+                      <a:r>
+                        <a:rPr lang="en-US" sz="1000" u="none" strike="noStrike">
+                          <a:effectLst/>
+                        </a:rPr>
+                        <a:t>MaritalStat</a:t>
+                      </a:r>
+                      <a:endParaRPr lang="en-US" sz="1000" b="0" i="0" u="none" strike="noStrike">
+                        <a:solidFill>
+                          <a:srgbClr val="000000"/>
+                        </a:solidFill>
+                        <a:effectLst/>
+                        <a:latin typeface="Calibri" panose="020F0502020204030204" pitchFamily="34" charset="0"/>
+                      </a:endParaRPr>
+                    </a:p>
+                  </a:txBody>
+                  <a:tcPr marL="8562" marR="8562" marT="8562" marB="0" anchor="b"/>
+                </a:tc>
+                <a:tc>
+                  <a:txBody>
+                    <a:bodyPr/>
+                    <a:lstStyle/>
+                    <a:p>
+                      <a:pPr algn="r" fontAlgn="b"/>
+                      <a:r>
+                        <a:rPr lang="en-US" sz="1000" u="none" strike="noStrike">
+                          <a:effectLst/>
+                        </a:rPr>
+                        <a:t>-5.28E-02</a:t>
+                      </a:r>
+                      <a:endParaRPr lang="en-US" sz="1000" b="0" i="0" u="none" strike="noStrike">
+                        <a:solidFill>
+                          <a:srgbClr val="000000"/>
+                        </a:solidFill>
+                        <a:effectLst/>
+                        <a:latin typeface="Calibri" panose="020F0502020204030204" pitchFamily="34" charset="0"/>
+                      </a:endParaRPr>
+                    </a:p>
+                  </a:txBody>
+                  <a:tcPr marL="8562" marR="8562" marT="8562" marB="0" anchor="b"/>
+                </a:tc>
+                <a:tc>
+                  <a:txBody>
+                    <a:bodyPr/>
+                    <a:lstStyle/>
+                    <a:p>
+                      <a:pPr algn="r" fontAlgn="b"/>
+                      <a:r>
+                        <a:rPr lang="en-US" sz="1000" u="none" strike="noStrike">
+                          <a:effectLst/>
+                        </a:rPr>
+                        <a:t>1.58E-02</a:t>
+                      </a:r>
+                      <a:endParaRPr lang="en-US" sz="1000" b="0" i="0" u="none" strike="noStrike">
+                        <a:solidFill>
+                          <a:srgbClr val="000000"/>
+                        </a:solidFill>
+                        <a:effectLst/>
+                        <a:latin typeface="Calibri" panose="020F0502020204030204" pitchFamily="34" charset="0"/>
+                      </a:endParaRPr>
+                    </a:p>
+                  </a:txBody>
+                  <a:tcPr marL="8562" marR="8562" marT="8562" marB="0" anchor="b"/>
+                </a:tc>
+                <a:tc>
+                  <a:txBody>
+                    <a:bodyPr/>
+                    <a:lstStyle/>
+                    <a:p>
+                      <a:pPr algn="r" fontAlgn="b"/>
+                      <a:r>
+                        <a:rPr lang="en-US" sz="1000" u="none" strike="noStrike">
+                          <a:effectLst/>
+                        </a:rPr>
+                        <a:t>-3.344</a:t>
+                      </a:r>
+                      <a:endParaRPr lang="en-US" sz="1000" b="0" i="0" u="none" strike="noStrike">
+                        <a:solidFill>
+                          <a:srgbClr val="000000"/>
+                        </a:solidFill>
+                        <a:effectLst/>
+                        <a:latin typeface="Calibri" panose="020F0502020204030204" pitchFamily="34" charset="0"/>
+                      </a:endParaRPr>
+                    </a:p>
+                  </a:txBody>
+                  <a:tcPr marL="8562" marR="8562" marT="8562" marB="0" anchor="b"/>
+                </a:tc>
+                <a:tc>
+                  <a:txBody>
+                    <a:bodyPr/>
+                    <a:lstStyle/>
+                    <a:p>
+                      <a:pPr algn="r" fontAlgn="b"/>
+                      <a:r>
+                        <a:rPr lang="en-US" sz="1000" u="none" strike="noStrike">
+                          <a:effectLst/>
+                        </a:rPr>
+                        <a:t>0.000847</a:t>
+                      </a:r>
+                      <a:endParaRPr lang="en-US" sz="1000" b="0" i="0" u="none" strike="noStrike">
+                        <a:solidFill>
+                          <a:srgbClr val="000000"/>
+                        </a:solidFill>
+                        <a:effectLst/>
+                        <a:latin typeface="Calibri" panose="020F0502020204030204" pitchFamily="34" charset="0"/>
+                      </a:endParaRPr>
+                    </a:p>
+                  </a:txBody>
+                  <a:tcPr marL="8562" marR="8562" marT="8562" marB="0" anchor="b"/>
+                </a:tc>
+                <a:extLst>
+                  <a:ext uri="{0D108BD9-81ED-4DB2-BD59-A6C34878D82A}">
+                    <a16:rowId xmlns:a16="http://schemas.microsoft.com/office/drawing/2014/main" val="1068511064"/>
+                  </a:ext>
+                </a:extLst>
+              </a:tr>
+              <a:tr h="171243">
+                <a:tc>
+                  <a:txBody>
+                    <a:bodyPr/>
+                    <a:lstStyle/>
+                    <a:p>
+                      <a:pPr algn="l" fontAlgn="b"/>
+                      <a:r>
+                        <a:rPr lang="en-US" sz="1000" u="none" strike="noStrike">
+                          <a:effectLst/>
+                        </a:rPr>
+                        <a:t>NumCoWork</a:t>
+                      </a:r>
+                      <a:endParaRPr lang="en-US" sz="1000" b="0" i="0" u="none" strike="noStrike">
+                        <a:solidFill>
+                          <a:srgbClr val="000000"/>
+                        </a:solidFill>
+                        <a:effectLst/>
+                        <a:latin typeface="Calibri" panose="020F0502020204030204" pitchFamily="34" charset="0"/>
+                      </a:endParaRPr>
+                    </a:p>
+                  </a:txBody>
+                  <a:tcPr marL="8562" marR="8562" marT="8562" marB="0" anchor="b"/>
+                </a:tc>
+                <a:tc>
+                  <a:txBody>
+                    <a:bodyPr/>
+                    <a:lstStyle/>
+                    <a:p>
+                      <a:pPr algn="r" fontAlgn="b"/>
+                      <a:r>
+                        <a:rPr lang="en-US" sz="1000" u="none" strike="noStrike">
+                          <a:effectLst/>
+                        </a:rPr>
+                        <a:t>1.58E-02</a:t>
+                      </a:r>
+                      <a:endParaRPr lang="en-US" sz="1000" b="0" i="0" u="none" strike="noStrike">
+                        <a:solidFill>
+                          <a:srgbClr val="000000"/>
+                        </a:solidFill>
+                        <a:effectLst/>
+                        <a:latin typeface="Calibri" panose="020F0502020204030204" pitchFamily="34" charset="0"/>
+                      </a:endParaRPr>
+                    </a:p>
+                  </a:txBody>
+                  <a:tcPr marL="8562" marR="8562" marT="8562" marB="0" anchor="b"/>
+                </a:tc>
+                <a:tc>
+                  <a:txBody>
+                    <a:bodyPr/>
+                    <a:lstStyle/>
+                    <a:p>
+                      <a:pPr algn="r" fontAlgn="b"/>
+                      <a:r>
+                        <a:rPr lang="en-US" sz="1000" u="none" strike="noStrike">
+                          <a:effectLst/>
+                        </a:rPr>
+                        <a:t>3.72E-03</a:t>
+                      </a:r>
+                      <a:endParaRPr lang="en-US" sz="1000" b="0" i="0" u="none" strike="noStrike">
+                        <a:solidFill>
+                          <a:srgbClr val="000000"/>
+                        </a:solidFill>
+                        <a:effectLst/>
+                        <a:latin typeface="Calibri" panose="020F0502020204030204" pitchFamily="34" charset="0"/>
+                      </a:endParaRPr>
+                    </a:p>
+                  </a:txBody>
+                  <a:tcPr marL="8562" marR="8562" marT="8562" marB="0" anchor="b"/>
+                </a:tc>
+                <a:tc>
+                  <a:txBody>
+                    <a:bodyPr/>
+                    <a:lstStyle/>
+                    <a:p>
+                      <a:pPr algn="r" fontAlgn="b"/>
+                      <a:r>
+                        <a:rPr lang="en-US" sz="1000" u="none" strike="noStrike">
+                          <a:effectLst/>
+                        </a:rPr>
+                        <a:t>4.24</a:t>
+                      </a:r>
+                      <a:endParaRPr lang="en-US" sz="1000" b="0" i="0" u="none" strike="noStrike">
+                        <a:solidFill>
+                          <a:srgbClr val="000000"/>
+                        </a:solidFill>
+                        <a:effectLst/>
+                        <a:latin typeface="Calibri" panose="020F0502020204030204" pitchFamily="34" charset="0"/>
+                      </a:endParaRPr>
+                    </a:p>
+                  </a:txBody>
+                  <a:tcPr marL="8562" marR="8562" marT="8562" marB="0" anchor="b"/>
+                </a:tc>
+                <a:tc>
+                  <a:txBody>
+                    <a:bodyPr/>
+                    <a:lstStyle/>
+                    <a:p>
+                      <a:pPr algn="r" fontAlgn="b"/>
+                      <a:r>
+                        <a:rPr lang="en-US" sz="1000" u="none" strike="noStrike">
+                          <a:effectLst/>
+                        </a:rPr>
+                        <a:t>2.38E-05</a:t>
+                      </a:r>
+                      <a:endParaRPr lang="en-US" sz="1000" b="0" i="0" u="none" strike="noStrike">
+                        <a:solidFill>
+                          <a:srgbClr val="000000"/>
+                        </a:solidFill>
+                        <a:effectLst/>
+                        <a:latin typeface="Calibri" panose="020F0502020204030204" pitchFamily="34" charset="0"/>
+                      </a:endParaRPr>
+                    </a:p>
+                  </a:txBody>
+                  <a:tcPr marL="8562" marR="8562" marT="8562" marB="0" anchor="b"/>
+                </a:tc>
+                <a:extLst>
+                  <a:ext uri="{0D108BD9-81ED-4DB2-BD59-A6C34878D82A}">
+                    <a16:rowId xmlns:a16="http://schemas.microsoft.com/office/drawing/2014/main" val="347837285"/>
+                  </a:ext>
+                </a:extLst>
+              </a:tr>
+              <a:tr h="171243">
+                <a:tc>
+                  <a:txBody>
+                    <a:bodyPr/>
+                    <a:lstStyle/>
+                    <a:p>
+                      <a:pPr algn="l" fontAlgn="b"/>
+                      <a:r>
+                        <a:rPr lang="en-US" sz="1000" u="none" strike="noStrike">
+                          <a:effectLst/>
+                        </a:rPr>
+                        <a:t>OverTime</a:t>
+                      </a:r>
+                      <a:endParaRPr lang="en-US" sz="1000" b="0" i="0" u="none" strike="noStrike">
+                        <a:solidFill>
+                          <a:srgbClr val="000000"/>
+                        </a:solidFill>
+                        <a:effectLst/>
+                        <a:latin typeface="Calibri" panose="020F0502020204030204" pitchFamily="34" charset="0"/>
+                      </a:endParaRPr>
+                    </a:p>
+                  </a:txBody>
+                  <a:tcPr marL="8562" marR="8562" marT="8562" marB="0" anchor="b"/>
+                </a:tc>
+                <a:tc>
+                  <a:txBody>
+                    <a:bodyPr/>
+                    <a:lstStyle/>
+                    <a:p>
+                      <a:pPr algn="r" fontAlgn="b"/>
+                      <a:r>
+                        <a:rPr lang="en-US" sz="1000" u="none" strike="noStrike">
+                          <a:effectLst/>
+                        </a:rPr>
+                        <a:t>2.08E-01</a:t>
+                      </a:r>
+                      <a:endParaRPr lang="en-US" sz="1000" b="0" i="0" u="none" strike="noStrike">
+                        <a:solidFill>
+                          <a:srgbClr val="000000"/>
+                        </a:solidFill>
+                        <a:effectLst/>
+                        <a:latin typeface="Calibri" panose="020F0502020204030204" pitchFamily="34" charset="0"/>
+                      </a:endParaRPr>
+                    </a:p>
+                  </a:txBody>
+                  <a:tcPr marL="8562" marR="8562" marT="8562" marB="0" anchor="b"/>
+                </a:tc>
+                <a:tc>
+                  <a:txBody>
+                    <a:bodyPr/>
+                    <a:lstStyle/>
+                    <a:p>
+                      <a:pPr algn="r" fontAlgn="b"/>
+                      <a:r>
+                        <a:rPr lang="en-US" sz="1000" u="none" strike="noStrike">
+                          <a:effectLst/>
+                        </a:rPr>
+                        <a:t>1.91E-02</a:t>
+                      </a:r>
+                      <a:endParaRPr lang="en-US" sz="1000" b="0" i="0" u="none" strike="noStrike">
+                        <a:solidFill>
+                          <a:srgbClr val="000000"/>
+                        </a:solidFill>
+                        <a:effectLst/>
+                        <a:latin typeface="Calibri" panose="020F0502020204030204" pitchFamily="34" charset="0"/>
+                      </a:endParaRPr>
+                    </a:p>
+                  </a:txBody>
+                  <a:tcPr marL="8562" marR="8562" marT="8562" marB="0" anchor="b"/>
+                </a:tc>
+                <a:tc>
+                  <a:txBody>
+                    <a:bodyPr/>
+                    <a:lstStyle/>
+                    <a:p>
+                      <a:pPr algn="r" fontAlgn="b"/>
+                      <a:r>
+                        <a:rPr lang="en-US" sz="1000" u="none" strike="noStrike">
+                          <a:effectLst/>
+                        </a:rPr>
+                        <a:t>10.847</a:t>
+                      </a:r>
+                      <a:endParaRPr lang="en-US" sz="1000" b="0" i="0" u="none" strike="noStrike">
+                        <a:solidFill>
+                          <a:srgbClr val="000000"/>
+                        </a:solidFill>
+                        <a:effectLst/>
+                        <a:latin typeface="Calibri" panose="020F0502020204030204" pitchFamily="34" charset="0"/>
+                      </a:endParaRPr>
+                    </a:p>
+                  </a:txBody>
+                  <a:tcPr marL="8562" marR="8562" marT="8562" marB="0" anchor="b"/>
+                </a:tc>
+                <a:tc>
+                  <a:txBody>
+                    <a:bodyPr/>
+                    <a:lstStyle/>
+                    <a:p>
+                      <a:pPr algn="l" fontAlgn="b"/>
+                      <a:r>
+                        <a:rPr lang="en-US" sz="1000" u="none" strike="noStrike" dirty="0">
+                          <a:effectLst/>
+                        </a:rPr>
+                        <a:t>     &lt; 2e-16 </a:t>
+                      </a:r>
+                      <a:endParaRPr lang="en-US" sz="1000" b="0" i="0" u="none" strike="noStrike" dirty="0">
+                        <a:solidFill>
+                          <a:srgbClr val="000000"/>
+                        </a:solidFill>
+                        <a:effectLst/>
+                        <a:latin typeface="Calibri" panose="020F0502020204030204" pitchFamily="34" charset="0"/>
+                      </a:endParaRPr>
+                    </a:p>
+                  </a:txBody>
+                  <a:tcPr marL="8562" marR="8562" marT="8562" marB="0" anchor="b"/>
+                </a:tc>
+                <a:extLst>
+                  <a:ext uri="{0D108BD9-81ED-4DB2-BD59-A6C34878D82A}">
+                    <a16:rowId xmlns:a16="http://schemas.microsoft.com/office/drawing/2014/main" val="1551749157"/>
+                  </a:ext>
+                </a:extLst>
+              </a:tr>
+              <a:tr h="171243">
+                <a:tc>
+                  <a:txBody>
+                    <a:bodyPr/>
+                    <a:lstStyle/>
+                    <a:p>
+                      <a:pPr algn="l" fontAlgn="b"/>
+                      <a:r>
+                        <a:rPr lang="en-US" sz="1000" u="none" strike="noStrike">
+                          <a:effectLst/>
+                        </a:rPr>
+                        <a:t>RelateSatis</a:t>
+                      </a:r>
+                      <a:endParaRPr lang="en-US" sz="1000" b="0" i="0" u="none" strike="noStrike">
+                        <a:solidFill>
+                          <a:srgbClr val="000000"/>
+                        </a:solidFill>
+                        <a:effectLst/>
+                        <a:latin typeface="Calibri" panose="020F0502020204030204" pitchFamily="34" charset="0"/>
+                      </a:endParaRPr>
+                    </a:p>
+                  </a:txBody>
+                  <a:tcPr marL="8562" marR="8562" marT="8562" marB="0" anchor="b"/>
+                </a:tc>
+                <a:tc>
+                  <a:txBody>
+                    <a:bodyPr/>
+                    <a:lstStyle/>
+                    <a:p>
+                      <a:pPr algn="r" fontAlgn="b"/>
+                      <a:r>
+                        <a:rPr lang="en-US" sz="1000" u="none" strike="noStrike">
+                          <a:effectLst/>
+                        </a:rPr>
+                        <a:t>-2.14E-02</a:t>
+                      </a:r>
+                      <a:endParaRPr lang="en-US" sz="1000" b="0" i="0" u="none" strike="noStrike">
+                        <a:solidFill>
+                          <a:srgbClr val="000000"/>
+                        </a:solidFill>
+                        <a:effectLst/>
+                        <a:latin typeface="Calibri" panose="020F0502020204030204" pitchFamily="34" charset="0"/>
+                      </a:endParaRPr>
+                    </a:p>
+                  </a:txBody>
+                  <a:tcPr marL="8562" marR="8562" marT="8562" marB="0" anchor="b"/>
+                </a:tc>
+                <a:tc>
+                  <a:txBody>
+                    <a:bodyPr/>
+                    <a:lstStyle/>
+                    <a:p>
+                      <a:pPr algn="r" fontAlgn="b"/>
+                      <a:r>
+                        <a:rPr lang="en-US" sz="1000" u="none" strike="noStrike">
+                          <a:effectLst/>
+                        </a:rPr>
+                        <a:t>7.92E-03</a:t>
+                      </a:r>
+                      <a:endParaRPr lang="en-US" sz="1000" b="0" i="0" u="none" strike="noStrike">
+                        <a:solidFill>
+                          <a:srgbClr val="000000"/>
+                        </a:solidFill>
+                        <a:effectLst/>
+                        <a:latin typeface="Calibri" panose="020F0502020204030204" pitchFamily="34" charset="0"/>
+                      </a:endParaRPr>
+                    </a:p>
+                  </a:txBody>
+                  <a:tcPr marL="8562" marR="8562" marT="8562" marB="0" anchor="b"/>
+                </a:tc>
+                <a:tc>
+                  <a:txBody>
+                    <a:bodyPr/>
+                    <a:lstStyle/>
+                    <a:p>
+                      <a:pPr algn="r" fontAlgn="b"/>
+                      <a:r>
+                        <a:rPr lang="en-US" sz="1000" u="none" strike="noStrike">
+                          <a:effectLst/>
+                        </a:rPr>
+                        <a:t>-2.704</a:t>
+                      </a:r>
+                      <a:endParaRPr lang="en-US" sz="1000" b="0" i="0" u="none" strike="noStrike">
+                        <a:solidFill>
+                          <a:srgbClr val="000000"/>
+                        </a:solidFill>
+                        <a:effectLst/>
+                        <a:latin typeface="Calibri" panose="020F0502020204030204" pitchFamily="34" charset="0"/>
+                      </a:endParaRPr>
+                    </a:p>
+                  </a:txBody>
+                  <a:tcPr marL="8562" marR="8562" marT="8562" marB="0" anchor="b"/>
+                </a:tc>
+                <a:tc>
+                  <a:txBody>
+                    <a:bodyPr/>
+                    <a:lstStyle/>
+                    <a:p>
+                      <a:pPr algn="r" fontAlgn="b"/>
+                      <a:r>
+                        <a:rPr lang="en-US" sz="1000" u="none" strike="noStrike" dirty="0">
+                          <a:effectLst/>
+                        </a:rPr>
+                        <a:t>0.006929</a:t>
+                      </a:r>
+                      <a:endParaRPr lang="en-US" sz="1000" b="0" i="0" u="none" strike="noStrike" dirty="0">
+                        <a:solidFill>
+                          <a:srgbClr val="000000"/>
+                        </a:solidFill>
+                        <a:effectLst/>
+                        <a:latin typeface="Calibri" panose="020F0502020204030204" pitchFamily="34" charset="0"/>
+                      </a:endParaRPr>
+                    </a:p>
+                  </a:txBody>
+                  <a:tcPr marL="8562" marR="8562" marT="8562" marB="0" anchor="b"/>
+                </a:tc>
+                <a:extLst>
+                  <a:ext uri="{0D108BD9-81ED-4DB2-BD59-A6C34878D82A}">
+                    <a16:rowId xmlns:a16="http://schemas.microsoft.com/office/drawing/2014/main" val="1221700048"/>
+                  </a:ext>
+                </a:extLst>
+              </a:tr>
+              <a:tr h="125835">
+                <a:tc>
+                  <a:txBody>
+                    <a:bodyPr/>
+                    <a:lstStyle/>
+                    <a:p>
+                      <a:pPr algn="l" fontAlgn="b"/>
+                      <a:r>
+                        <a:rPr lang="en-US" sz="1000" u="none" strike="noStrike">
+                          <a:effectLst/>
+                        </a:rPr>
+                        <a:t>StockOption</a:t>
+                      </a:r>
+                      <a:endParaRPr lang="en-US" sz="1000" b="0" i="0" u="none" strike="noStrike">
+                        <a:solidFill>
+                          <a:srgbClr val="000000"/>
+                        </a:solidFill>
+                        <a:effectLst/>
+                        <a:latin typeface="Calibri" panose="020F0502020204030204" pitchFamily="34" charset="0"/>
+                      </a:endParaRPr>
+                    </a:p>
+                  </a:txBody>
+                  <a:tcPr marL="8562" marR="8562" marT="8562" marB="0" anchor="b"/>
+                </a:tc>
+                <a:tc>
+                  <a:txBody>
+                    <a:bodyPr/>
+                    <a:lstStyle/>
+                    <a:p>
+                      <a:pPr algn="r" fontAlgn="b"/>
+                      <a:r>
+                        <a:rPr lang="en-US" sz="1000" u="none" strike="noStrike">
+                          <a:effectLst/>
+                        </a:rPr>
+                        <a:t>-2.43E-02</a:t>
+                      </a:r>
+                      <a:endParaRPr lang="en-US" sz="1000" b="0" i="0" u="none" strike="noStrike">
+                        <a:solidFill>
+                          <a:srgbClr val="000000"/>
+                        </a:solidFill>
+                        <a:effectLst/>
+                        <a:latin typeface="Calibri" panose="020F0502020204030204" pitchFamily="34" charset="0"/>
+                      </a:endParaRPr>
+                    </a:p>
+                  </a:txBody>
+                  <a:tcPr marL="8562" marR="8562" marT="8562" marB="0" anchor="b"/>
+                </a:tc>
+                <a:tc>
+                  <a:txBody>
+                    <a:bodyPr/>
+                    <a:lstStyle/>
+                    <a:p>
+                      <a:pPr algn="r" fontAlgn="b"/>
+                      <a:r>
+                        <a:rPr lang="en-US" sz="1000" u="none" strike="noStrike">
+                          <a:effectLst/>
+                        </a:rPr>
+                        <a:t>1.34E-02</a:t>
+                      </a:r>
+                      <a:endParaRPr lang="en-US" sz="1000" b="0" i="0" u="none" strike="noStrike">
+                        <a:solidFill>
+                          <a:srgbClr val="000000"/>
+                        </a:solidFill>
+                        <a:effectLst/>
+                        <a:latin typeface="Calibri" panose="020F0502020204030204" pitchFamily="34" charset="0"/>
+                      </a:endParaRPr>
+                    </a:p>
+                  </a:txBody>
+                  <a:tcPr marL="8562" marR="8562" marT="8562" marB="0" anchor="b"/>
+                </a:tc>
+                <a:tc>
+                  <a:txBody>
+                    <a:bodyPr/>
+                    <a:lstStyle/>
+                    <a:p>
+                      <a:pPr algn="r" fontAlgn="b"/>
+                      <a:r>
+                        <a:rPr lang="en-US" sz="1000" u="none" strike="noStrike">
+                          <a:effectLst/>
+                        </a:rPr>
+                        <a:t>-1.813</a:t>
+                      </a:r>
+                      <a:endParaRPr lang="en-US" sz="1000" b="0" i="0" u="none" strike="noStrike">
+                        <a:solidFill>
+                          <a:srgbClr val="000000"/>
+                        </a:solidFill>
+                        <a:effectLst/>
+                        <a:latin typeface="Calibri" panose="020F0502020204030204" pitchFamily="34" charset="0"/>
+                      </a:endParaRPr>
+                    </a:p>
+                  </a:txBody>
+                  <a:tcPr marL="8562" marR="8562" marT="8562" marB="0" anchor="b"/>
+                </a:tc>
+                <a:tc>
+                  <a:txBody>
+                    <a:bodyPr/>
+                    <a:lstStyle/>
+                    <a:p>
+                      <a:pPr algn="l" fontAlgn="b"/>
+                      <a:r>
+                        <a:rPr lang="en-US" sz="1000" u="none" strike="noStrike" dirty="0">
+                          <a:effectLst/>
+                        </a:rPr>
+                        <a:t>    0.069978</a:t>
+                      </a:r>
+                      <a:endParaRPr lang="en-US" sz="1000" b="0" i="0" u="none" strike="noStrike" dirty="0">
+                        <a:solidFill>
+                          <a:srgbClr val="000000"/>
+                        </a:solidFill>
+                        <a:effectLst/>
+                        <a:latin typeface="Calibri" panose="020F0502020204030204" pitchFamily="34" charset="0"/>
+                      </a:endParaRPr>
+                    </a:p>
+                  </a:txBody>
+                  <a:tcPr marL="8562" marR="8562" marT="8562" marB="0" anchor="b"/>
+                </a:tc>
+                <a:extLst>
+                  <a:ext uri="{0D108BD9-81ED-4DB2-BD59-A6C34878D82A}">
+                    <a16:rowId xmlns:a16="http://schemas.microsoft.com/office/drawing/2014/main" val="992461386"/>
+                  </a:ext>
+                </a:extLst>
+              </a:tr>
+              <a:tr h="117578">
+                <a:tc>
+                  <a:txBody>
+                    <a:bodyPr/>
+                    <a:lstStyle/>
+                    <a:p>
+                      <a:pPr algn="l" fontAlgn="b"/>
+                      <a:r>
+                        <a:rPr lang="en-US" sz="1000" u="none" strike="noStrike">
+                          <a:effectLst/>
+                        </a:rPr>
+                        <a:t>TrainTime</a:t>
+                      </a:r>
+                      <a:endParaRPr lang="en-US" sz="1000" b="0" i="0" u="none" strike="noStrike">
+                        <a:solidFill>
+                          <a:srgbClr val="000000"/>
+                        </a:solidFill>
+                        <a:effectLst/>
+                        <a:latin typeface="Calibri" panose="020F0502020204030204" pitchFamily="34" charset="0"/>
+                      </a:endParaRPr>
+                    </a:p>
+                  </a:txBody>
+                  <a:tcPr marL="8562" marR="8562" marT="8562" marB="0" anchor="b"/>
+                </a:tc>
+                <a:tc>
+                  <a:txBody>
+                    <a:bodyPr/>
+                    <a:lstStyle/>
+                    <a:p>
+                      <a:pPr algn="r" fontAlgn="b"/>
+                      <a:r>
+                        <a:rPr lang="en-US" sz="1000" u="none" strike="noStrike">
+                          <a:effectLst/>
+                        </a:rPr>
+                        <a:t>-1.21E-02</a:t>
+                      </a:r>
+                      <a:endParaRPr lang="en-US" sz="1000" b="0" i="0" u="none" strike="noStrike">
+                        <a:solidFill>
+                          <a:srgbClr val="000000"/>
+                        </a:solidFill>
+                        <a:effectLst/>
+                        <a:latin typeface="Calibri" panose="020F0502020204030204" pitchFamily="34" charset="0"/>
+                      </a:endParaRPr>
+                    </a:p>
+                  </a:txBody>
+                  <a:tcPr marL="8562" marR="8562" marT="8562" marB="0" anchor="b"/>
+                </a:tc>
+                <a:tc>
+                  <a:txBody>
+                    <a:bodyPr/>
+                    <a:lstStyle/>
+                    <a:p>
+                      <a:pPr algn="r" fontAlgn="b"/>
+                      <a:r>
+                        <a:rPr lang="en-US" sz="1000" u="none" strike="noStrike">
+                          <a:effectLst/>
+                        </a:rPr>
+                        <a:t>6.66E-03</a:t>
+                      </a:r>
+                      <a:endParaRPr lang="en-US" sz="1000" b="0" i="0" u="none" strike="noStrike">
+                        <a:solidFill>
+                          <a:srgbClr val="000000"/>
+                        </a:solidFill>
+                        <a:effectLst/>
+                        <a:latin typeface="Calibri" panose="020F0502020204030204" pitchFamily="34" charset="0"/>
+                      </a:endParaRPr>
+                    </a:p>
+                  </a:txBody>
+                  <a:tcPr marL="8562" marR="8562" marT="8562" marB="0" anchor="b"/>
+                </a:tc>
+                <a:tc>
+                  <a:txBody>
+                    <a:bodyPr/>
+                    <a:lstStyle/>
+                    <a:p>
+                      <a:pPr algn="r" fontAlgn="b"/>
+                      <a:r>
+                        <a:rPr lang="en-US" sz="1000" u="none" strike="noStrike">
+                          <a:effectLst/>
+                        </a:rPr>
+                        <a:t>-1.816</a:t>
+                      </a:r>
+                      <a:endParaRPr lang="en-US" sz="1000" b="0" i="0" u="none" strike="noStrike">
+                        <a:solidFill>
+                          <a:srgbClr val="000000"/>
+                        </a:solidFill>
+                        <a:effectLst/>
+                        <a:latin typeface="Calibri" panose="020F0502020204030204" pitchFamily="34" charset="0"/>
+                      </a:endParaRPr>
+                    </a:p>
+                  </a:txBody>
+                  <a:tcPr marL="8562" marR="8562" marT="8562" marB="0" anchor="b"/>
+                </a:tc>
+                <a:tc>
+                  <a:txBody>
+                    <a:bodyPr/>
+                    <a:lstStyle/>
+                    <a:p>
+                      <a:pPr algn="l" fontAlgn="b"/>
+                      <a:r>
+                        <a:rPr lang="en-US" sz="1000" u="none" strike="noStrike" dirty="0">
+                          <a:effectLst/>
+                        </a:rPr>
+                        <a:t>    0.069580</a:t>
+                      </a:r>
+                      <a:endParaRPr lang="en-US" sz="1000" b="0" i="0" u="none" strike="noStrike" dirty="0">
+                        <a:solidFill>
+                          <a:srgbClr val="000000"/>
+                        </a:solidFill>
+                        <a:effectLst/>
+                        <a:latin typeface="Calibri" panose="020F0502020204030204" pitchFamily="34" charset="0"/>
+                      </a:endParaRPr>
+                    </a:p>
+                  </a:txBody>
+                  <a:tcPr marL="8562" marR="8562" marT="8562" marB="0" anchor="b"/>
+                </a:tc>
+                <a:extLst>
+                  <a:ext uri="{0D108BD9-81ED-4DB2-BD59-A6C34878D82A}">
+                    <a16:rowId xmlns:a16="http://schemas.microsoft.com/office/drawing/2014/main" val="2240546293"/>
+                  </a:ext>
+                </a:extLst>
+              </a:tr>
+              <a:tr h="171243">
+                <a:tc>
+                  <a:txBody>
+                    <a:bodyPr/>
+                    <a:lstStyle/>
+                    <a:p>
+                      <a:pPr algn="l" fontAlgn="b"/>
+                      <a:r>
+                        <a:rPr lang="en-US" sz="1000" u="none" strike="noStrike">
+                          <a:effectLst/>
+                        </a:rPr>
+                        <a:t>WorkLifeBal</a:t>
+                      </a:r>
+                      <a:endParaRPr lang="en-US" sz="1000" b="0" i="0" u="none" strike="noStrike">
+                        <a:solidFill>
+                          <a:srgbClr val="000000"/>
+                        </a:solidFill>
+                        <a:effectLst/>
+                        <a:latin typeface="Calibri" panose="020F0502020204030204" pitchFamily="34" charset="0"/>
+                      </a:endParaRPr>
+                    </a:p>
+                  </a:txBody>
+                  <a:tcPr marL="8562" marR="8562" marT="8562" marB="0" anchor="b"/>
+                </a:tc>
+                <a:tc>
+                  <a:txBody>
+                    <a:bodyPr/>
+                    <a:lstStyle/>
+                    <a:p>
+                      <a:pPr algn="r" fontAlgn="b"/>
+                      <a:r>
+                        <a:rPr lang="en-US" sz="1000" u="none" strike="noStrike">
+                          <a:effectLst/>
+                        </a:rPr>
+                        <a:t>-2.70E-02</a:t>
+                      </a:r>
+                      <a:endParaRPr lang="en-US" sz="1000" b="0" i="0" u="none" strike="noStrike">
+                        <a:solidFill>
+                          <a:srgbClr val="000000"/>
+                        </a:solidFill>
+                        <a:effectLst/>
+                        <a:latin typeface="Calibri" panose="020F0502020204030204" pitchFamily="34" charset="0"/>
+                      </a:endParaRPr>
+                    </a:p>
+                  </a:txBody>
+                  <a:tcPr marL="8562" marR="8562" marT="8562" marB="0" anchor="b"/>
+                </a:tc>
+                <a:tc>
+                  <a:txBody>
+                    <a:bodyPr/>
+                    <a:lstStyle/>
+                    <a:p>
+                      <a:pPr algn="r" fontAlgn="b"/>
+                      <a:r>
+                        <a:rPr lang="en-US" sz="1000" u="none" strike="noStrike">
+                          <a:effectLst/>
+                        </a:rPr>
+                        <a:t>1.21E-02</a:t>
+                      </a:r>
+                      <a:endParaRPr lang="en-US" sz="1000" b="0" i="0" u="none" strike="noStrike">
+                        <a:solidFill>
+                          <a:srgbClr val="000000"/>
+                        </a:solidFill>
+                        <a:effectLst/>
+                        <a:latin typeface="Calibri" panose="020F0502020204030204" pitchFamily="34" charset="0"/>
+                      </a:endParaRPr>
+                    </a:p>
+                  </a:txBody>
+                  <a:tcPr marL="8562" marR="8562" marT="8562" marB="0" anchor="b"/>
+                </a:tc>
+                <a:tc>
+                  <a:txBody>
+                    <a:bodyPr/>
+                    <a:lstStyle/>
+                    <a:p>
+                      <a:pPr algn="r" fontAlgn="b"/>
+                      <a:r>
+                        <a:rPr lang="en-US" sz="1000" u="none" strike="noStrike">
+                          <a:effectLst/>
+                        </a:rPr>
+                        <a:t>-2.224</a:t>
+                      </a:r>
+                      <a:endParaRPr lang="en-US" sz="1000" b="0" i="0" u="none" strike="noStrike">
+                        <a:solidFill>
+                          <a:srgbClr val="000000"/>
+                        </a:solidFill>
+                        <a:effectLst/>
+                        <a:latin typeface="Calibri" panose="020F0502020204030204" pitchFamily="34" charset="0"/>
+                      </a:endParaRPr>
+                    </a:p>
+                  </a:txBody>
+                  <a:tcPr marL="8562" marR="8562" marT="8562" marB="0" anchor="b"/>
+                </a:tc>
+                <a:tc>
+                  <a:txBody>
+                    <a:bodyPr/>
+                    <a:lstStyle/>
+                    <a:p>
+                      <a:pPr algn="r" fontAlgn="b"/>
+                      <a:r>
+                        <a:rPr lang="en-US" sz="1000" u="none" strike="noStrike" dirty="0">
+                          <a:effectLst/>
+                        </a:rPr>
+                        <a:t>0.026299</a:t>
+                      </a:r>
+                      <a:endParaRPr lang="en-US" sz="1000" b="0" i="0" u="none" strike="noStrike" dirty="0">
+                        <a:solidFill>
+                          <a:srgbClr val="000000"/>
+                        </a:solidFill>
+                        <a:effectLst/>
+                        <a:latin typeface="Calibri" panose="020F0502020204030204" pitchFamily="34" charset="0"/>
+                      </a:endParaRPr>
+                    </a:p>
+                  </a:txBody>
+                  <a:tcPr marL="8562" marR="8562" marT="8562" marB="0" anchor="b"/>
+                </a:tc>
+                <a:extLst>
+                  <a:ext uri="{0D108BD9-81ED-4DB2-BD59-A6C34878D82A}">
+                    <a16:rowId xmlns:a16="http://schemas.microsoft.com/office/drawing/2014/main" val="1881982183"/>
+                  </a:ext>
+                </a:extLst>
+              </a:tr>
+              <a:tr h="90783">
+                <a:tc>
+                  <a:txBody>
+                    <a:bodyPr/>
+                    <a:lstStyle/>
+                    <a:p>
+                      <a:pPr algn="l" fontAlgn="b"/>
+                      <a:r>
+                        <a:rPr lang="en-US" sz="1000" u="none" strike="noStrike">
+                          <a:effectLst/>
+                        </a:rPr>
+                        <a:t>YearsAtCo</a:t>
+                      </a:r>
+                      <a:endParaRPr lang="en-US" sz="1000" b="0" i="0" u="none" strike="noStrike">
+                        <a:solidFill>
+                          <a:srgbClr val="000000"/>
+                        </a:solidFill>
+                        <a:effectLst/>
+                        <a:latin typeface="Calibri" panose="020F0502020204030204" pitchFamily="34" charset="0"/>
+                      </a:endParaRPr>
+                    </a:p>
+                  </a:txBody>
+                  <a:tcPr marL="8562" marR="8562" marT="8562" marB="0" anchor="b"/>
+                </a:tc>
+                <a:tc>
+                  <a:txBody>
+                    <a:bodyPr/>
+                    <a:lstStyle/>
+                    <a:p>
+                      <a:pPr algn="r" fontAlgn="b"/>
+                      <a:r>
+                        <a:rPr lang="en-US" sz="1000" u="none" strike="noStrike">
+                          <a:effectLst/>
+                        </a:rPr>
+                        <a:t>4.71E-03</a:t>
+                      </a:r>
+                      <a:endParaRPr lang="en-US" sz="1000" b="0" i="0" u="none" strike="noStrike">
+                        <a:solidFill>
+                          <a:srgbClr val="000000"/>
+                        </a:solidFill>
+                        <a:effectLst/>
+                        <a:latin typeface="Calibri" panose="020F0502020204030204" pitchFamily="34" charset="0"/>
+                      </a:endParaRPr>
+                    </a:p>
+                  </a:txBody>
+                  <a:tcPr marL="8562" marR="8562" marT="8562" marB="0" anchor="b"/>
+                </a:tc>
+                <a:tc>
+                  <a:txBody>
+                    <a:bodyPr/>
+                    <a:lstStyle/>
+                    <a:p>
+                      <a:pPr algn="r" fontAlgn="b"/>
+                      <a:r>
+                        <a:rPr lang="en-US" sz="1000" u="none" strike="noStrike">
+                          <a:effectLst/>
+                        </a:rPr>
+                        <a:t>2.83E-03</a:t>
+                      </a:r>
+                      <a:endParaRPr lang="en-US" sz="1000" b="0" i="0" u="none" strike="noStrike">
+                        <a:solidFill>
+                          <a:srgbClr val="000000"/>
+                        </a:solidFill>
+                        <a:effectLst/>
+                        <a:latin typeface="Calibri" panose="020F0502020204030204" pitchFamily="34" charset="0"/>
+                      </a:endParaRPr>
+                    </a:p>
+                  </a:txBody>
+                  <a:tcPr marL="8562" marR="8562" marT="8562" marB="0" anchor="b"/>
+                </a:tc>
+                <a:tc>
+                  <a:txBody>
+                    <a:bodyPr/>
+                    <a:lstStyle/>
+                    <a:p>
+                      <a:pPr algn="r" fontAlgn="b"/>
+                      <a:r>
+                        <a:rPr lang="en-US" sz="1000" u="none" strike="noStrike">
+                          <a:effectLst/>
+                        </a:rPr>
+                        <a:t>1.661</a:t>
+                      </a:r>
+                      <a:endParaRPr lang="en-US" sz="1000" b="0" i="0" u="none" strike="noStrike">
+                        <a:solidFill>
+                          <a:srgbClr val="000000"/>
+                        </a:solidFill>
+                        <a:effectLst/>
+                        <a:latin typeface="Calibri" panose="020F0502020204030204" pitchFamily="34" charset="0"/>
+                      </a:endParaRPr>
+                    </a:p>
+                  </a:txBody>
+                  <a:tcPr marL="8562" marR="8562" marT="8562" marB="0" anchor="b"/>
+                </a:tc>
+                <a:tc>
+                  <a:txBody>
+                    <a:bodyPr/>
+                    <a:lstStyle/>
+                    <a:p>
+                      <a:pPr algn="l" fontAlgn="b"/>
+                      <a:r>
+                        <a:rPr lang="en-US" sz="1000" u="none" strike="noStrike" dirty="0">
+                          <a:effectLst/>
+                        </a:rPr>
+                        <a:t>    0.096899</a:t>
+                      </a:r>
+                      <a:endParaRPr lang="en-US" sz="1000" b="0" i="0" u="none" strike="noStrike" dirty="0">
+                        <a:solidFill>
+                          <a:srgbClr val="000000"/>
+                        </a:solidFill>
+                        <a:effectLst/>
+                        <a:latin typeface="Calibri" panose="020F0502020204030204" pitchFamily="34" charset="0"/>
+                      </a:endParaRPr>
+                    </a:p>
+                  </a:txBody>
+                  <a:tcPr marL="8562" marR="8562" marT="8562" marB="0" anchor="b"/>
+                </a:tc>
+                <a:extLst>
+                  <a:ext uri="{0D108BD9-81ED-4DB2-BD59-A6C34878D82A}">
+                    <a16:rowId xmlns:a16="http://schemas.microsoft.com/office/drawing/2014/main" val="3506898974"/>
+                  </a:ext>
+                </a:extLst>
+              </a:tr>
+              <a:tr h="171243">
+                <a:tc>
+                  <a:txBody>
+                    <a:bodyPr/>
+                    <a:lstStyle/>
+                    <a:p>
+                      <a:pPr algn="l" fontAlgn="b"/>
+                      <a:r>
+                        <a:rPr lang="en-US" sz="1000" u="none" strike="noStrike">
+                          <a:effectLst/>
+                        </a:rPr>
+                        <a:t>DuraCurRole</a:t>
+                      </a:r>
+                      <a:endParaRPr lang="en-US" sz="1000" b="0" i="0" u="none" strike="noStrike">
+                        <a:solidFill>
+                          <a:srgbClr val="000000"/>
+                        </a:solidFill>
+                        <a:effectLst/>
+                        <a:latin typeface="Calibri" panose="020F0502020204030204" pitchFamily="34" charset="0"/>
+                      </a:endParaRPr>
+                    </a:p>
+                  </a:txBody>
+                  <a:tcPr marL="8562" marR="8562" marT="8562" marB="0" anchor="b"/>
+                </a:tc>
+                <a:tc>
+                  <a:txBody>
+                    <a:bodyPr/>
+                    <a:lstStyle/>
+                    <a:p>
+                      <a:pPr algn="r" fontAlgn="b"/>
+                      <a:r>
+                        <a:rPr lang="en-US" sz="1000" u="none" strike="noStrike">
+                          <a:effectLst/>
+                        </a:rPr>
+                        <a:t>-1.03E-02</a:t>
+                      </a:r>
+                      <a:endParaRPr lang="en-US" sz="1000" b="0" i="0" u="none" strike="noStrike">
+                        <a:solidFill>
+                          <a:srgbClr val="000000"/>
+                        </a:solidFill>
+                        <a:effectLst/>
+                        <a:latin typeface="Calibri" panose="020F0502020204030204" pitchFamily="34" charset="0"/>
+                      </a:endParaRPr>
+                    </a:p>
+                  </a:txBody>
+                  <a:tcPr marL="8562" marR="8562" marT="8562" marB="0" anchor="b"/>
+                </a:tc>
+                <a:tc>
+                  <a:txBody>
+                    <a:bodyPr/>
+                    <a:lstStyle/>
+                    <a:p>
+                      <a:pPr algn="r" fontAlgn="b"/>
+                      <a:r>
+                        <a:rPr lang="en-US" sz="1000" u="none" strike="noStrike">
+                          <a:effectLst/>
+                        </a:rPr>
+                        <a:t>3.87E-03</a:t>
+                      </a:r>
+                      <a:endParaRPr lang="en-US" sz="1000" b="0" i="0" u="none" strike="noStrike">
+                        <a:solidFill>
+                          <a:srgbClr val="000000"/>
+                        </a:solidFill>
+                        <a:effectLst/>
+                        <a:latin typeface="Calibri" panose="020F0502020204030204" pitchFamily="34" charset="0"/>
+                      </a:endParaRPr>
+                    </a:p>
+                  </a:txBody>
+                  <a:tcPr marL="8562" marR="8562" marT="8562" marB="0" anchor="b"/>
+                </a:tc>
+                <a:tc>
+                  <a:txBody>
+                    <a:bodyPr/>
+                    <a:lstStyle/>
+                    <a:p>
+                      <a:pPr algn="r" fontAlgn="b"/>
+                      <a:r>
+                        <a:rPr lang="en-US" sz="1000" u="none" strike="noStrike">
+                          <a:effectLst/>
+                        </a:rPr>
+                        <a:t>-2.654</a:t>
+                      </a:r>
+                      <a:endParaRPr lang="en-US" sz="1000" b="0" i="0" u="none" strike="noStrike">
+                        <a:solidFill>
+                          <a:srgbClr val="000000"/>
+                        </a:solidFill>
+                        <a:effectLst/>
+                        <a:latin typeface="Calibri" panose="020F0502020204030204" pitchFamily="34" charset="0"/>
+                      </a:endParaRPr>
+                    </a:p>
+                  </a:txBody>
+                  <a:tcPr marL="8562" marR="8562" marT="8562" marB="0" anchor="b"/>
+                </a:tc>
+                <a:tc>
+                  <a:txBody>
+                    <a:bodyPr/>
+                    <a:lstStyle/>
+                    <a:p>
+                      <a:pPr algn="r" fontAlgn="b"/>
+                      <a:r>
+                        <a:rPr lang="en-US" sz="1000" u="none" strike="noStrike">
+                          <a:effectLst/>
+                        </a:rPr>
+                        <a:t>0.008035</a:t>
+                      </a:r>
+                      <a:endParaRPr lang="en-US" sz="1000" b="0" i="0" u="none" strike="noStrike">
+                        <a:solidFill>
+                          <a:srgbClr val="000000"/>
+                        </a:solidFill>
+                        <a:effectLst/>
+                        <a:latin typeface="Calibri" panose="020F0502020204030204" pitchFamily="34" charset="0"/>
+                      </a:endParaRPr>
+                    </a:p>
+                  </a:txBody>
+                  <a:tcPr marL="8562" marR="8562" marT="8562" marB="0" anchor="b"/>
+                </a:tc>
+                <a:extLst>
+                  <a:ext uri="{0D108BD9-81ED-4DB2-BD59-A6C34878D82A}">
+                    <a16:rowId xmlns:a16="http://schemas.microsoft.com/office/drawing/2014/main" val="503462108"/>
+                  </a:ext>
+                </a:extLst>
+              </a:tr>
+              <a:tr h="171243">
+                <a:tc>
+                  <a:txBody>
+                    <a:bodyPr/>
+                    <a:lstStyle/>
+                    <a:p>
+                      <a:pPr algn="l" fontAlgn="b"/>
+                      <a:r>
+                        <a:rPr lang="en-US" sz="1000" u="none" strike="noStrike">
+                          <a:effectLst/>
+                        </a:rPr>
+                        <a:t>LastPromote</a:t>
+                      </a:r>
+                      <a:endParaRPr lang="en-US" sz="1000" b="0" i="0" u="none" strike="noStrike">
+                        <a:solidFill>
+                          <a:srgbClr val="000000"/>
+                        </a:solidFill>
+                        <a:effectLst/>
+                        <a:latin typeface="Calibri" panose="020F0502020204030204" pitchFamily="34" charset="0"/>
+                      </a:endParaRPr>
+                    </a:p>
+                  </a:txBody>
+                  <a:tcPr marL="8562" marR="8562" marT="8562" marB="0" anchor="b"/>
+                </a:tc>
+                <a:tc>
+                  <a:txBody>
+                    <a:bodyPr/>
+                    <a:lstStyle/>
+                    <a:p>
+                      <a:pPr algn="r" fontAlgn="b"/>
+                      <a:r>
+                        <a:rPr lang="en-US" sz="1000" u="none" strike="noStrike">
+                          <a:effectLst/>
+                        </a:rPr>
+                        <a:t>1.14E-02</a:t>
+                      </a:r>
+                      <a:endParaRPr lang="en-US" sz="1000" b="0" i="0" u="none" strike="noStrike">
+                        <a:solidFill>
+                          <a:srgbClr val="000000"/>
+                        </a:solidFill>
+                        <a:effectLst/>
+                        <a:latin typeface="Calibri" panose="020F0502020204030204" pitchFamily="34" charset="0"/>
+                      </a:endParaRPr>
+                    </a:p>
+                  </a:txBody>
+                  <a:tcPr marL="8562" marR="8562" marT="8562" marB="0" anchor="b"/>
+                </a:tc>
+                <a:tc>
+                  <a:txBody>
+                    <a:bodyPr/>
+                    <a:lstStyle/>
+                    <a:p>
+                      <a:pPr algn="r" fontAlgn="b"/>
+                      <a:r>
+                        <a:rPr lang="en-US" sz="1000" u="none" strike="noStrike">
+                          <a:effectLst/>
+                        </a:rPr>
+                        <a:t>3.41E-03</a:t>
+                      </a:r>
+                      <a:endParaRPr lang="en-US" sz="1000" b="0" i="0" u="none" strike="noStrike">
+                        <a:solidFill>
+                          <a:srgbClr val="000000"/>
+                        </a:solidFill>
+                        <a:effectLst/>
+                        <a:latin typeface="Calibri" panose="020F0502020204030204" pitchFamily="34" charset="0"/>
+                      </a:endParaRPr>
+                    </a:p>
+                  </a:txBody>
+                  <a:tcPr marL="8562" marR="8562" marT="8562" marB="0" anchor="b"/>
+                </a:tc>
+                <a:tc>
+                  <a:txBody>
+                    <a:bodyPr/>
+                    <a:lstStyle/>
+                    <a:p>
+                      <a:pPr algn="r" fontAlgn="b"/>
+                      <a:r>
+                        <a:rPr lang="en-US" sz="1000" u="none" strike="noStrike">
+                          <a:effectLst/>
+                        </a:rPr>
+                        <a:t>3.337</a:t>
+                      </a:r>
+                      <a:endParaRPr lang="en-US" sz="1000" b="0" i="0" u="none" strike="noStrike">
+                        <a:solidFill>
+                          <a:srgbClr val="000000"/>
+                        </a:solidFill>
+                        <a:effectLst/>
+                        <a:latin typeface="Calibri" panose="020F0502020204030204" pitchFamily="34" charset="0"/>
+                      </a:endParaRPr>
+                    </a:p>
+                  </a:txBody>
+                  <a:tcPr marL="8562" marR="8562" marT="8562" marB="0" anchor="b"/>
+                </a:tc>
+                <a:tc>
+                  <a:txBody>
+                    <a:bodyPr/>
+                    <a:lstStyle/>
+                    <a:p>
+                      <a:pPr algn="r" fontAlgn="b"/>
+                      <a:r>
+                        <a:rPr lang="en-US" sz="1000" u="none" strike="noStrike">
+                          <a:effectLst/>
+                        </a:rPr>
+                        <a:t>0.000869</a:t>
+                      </a:r>
+                      <a:endParaRPr lang="en-US" sz="1000" b="0" i="0" u="none" strike="noStrike">
+                        <a:solidFill>
+                          <a:srgbClr val="000000"/>
+                        </a:solidFill>
+                        <a:effectLst/>
+                        <a:latin typeface="Calibri" panose="020F0502020204030204" pitchFamily="34" charset="0"/>
+                      </a:endParaRPr>
+                    </a:p>
+                  </a:txBody>
+                  <a:tcPr marL="8562" marR="8562" marT="8562" marB="0" anchor="b"/>
+                </a:tc>
+                <a:extLst>
+                  <a:ext uri="{0D108BD9-81ED-4DB2-BD59-A6C34878D82A}">
+                    <a16:rowId xmlns:a16="http://schemas.microsoft.com/office/drawing/2014/main" val="3289877154"/>
+                  </a:ext>
+                </a:extLst>
+              </a:tr>
+              <a:tr h="171243">
+                <a:tc>
+                  <a:txBody>
+                    <a:bodyPr/>
+                    <a:lstStyle/>
+                    <a:p>
+                      <a:pPr algn="l" fontAlgn="b"/>
+                      <a:r>
+                        <a:rPr lang="en-US" sz="1000" u="none" strike="noStrike">
+                          <a:effectLst/>
+                        </a:rPr>
+                        <a:t>CurManage</a:t>
+                      </a:r>
+                      <a:endParaRPr lang="en-US" sz="1000" b="0" i="0" u="none" strike="noStrike">
+                        <a:solidFill>
+                          <a:srgbClr val="000000"/>
+                        </a:solidFill>
+                        <a:effectLst/>
+                        <a:latin typeface="Calibri" panose="020F0502020204030204" pitchFamily="34" charset="0"/>
+                      </a:endParaRPr>
+                    </a:p>
+                  </a:txBody>
+                  <a:tcPr marL="8562" marR="8562" marT="8562" marB="0" anchor="b"/>
+                </a:tc>
+                <a:tc>
+                  <a:txBody>
+                    <a:bodyPr/>
+                    <a:lstStyle/>
+                    <a:p>
+                      <a:pPr algn="r" fontAlgn="b"/>
+                      <a:r>
+                        <a:rPr lang="en-US" sz="1000" u="none" strike="noStrike">
+                          <a:effectLst/>
+                        </a:rPr>
+                        <a:t>-1.06E-02</a:t>
+                      </a:r>
+                      <a:endParaRPr lang="en-US" sz="1000" b="0" i="0" u="none" strike="noStrike">
+                        <a:solidFill>
+                          <a:srgbClr val="000000"/>
+                        </a:solidFill>
+                        <a:effectLst/>
+                        <a:latin typeface="Calibri" panose="020F0502020204030204" pitchFamily="34" charset="0"/>
+                      </a:endParaRPr>
+                    </a:p>
+                  </a:txBody>
+                  <a:tcPr marL="8562" marR="8562" marT="8562" marB="0" anchor="b"/>
+                </a:tc>
+                <a:tc>
+                  <a:txBody>
+                    <a:bodyPr/>
+                    <a:lstStyle/>
+                    <a:p>
+                      <a:pPr algn="r" fontAlgn="b"/>
+                      <a:r>
+                        <a:rPr lang="en-US" sz="1000" u="none" strike="noStrike">
+                          <a:effectLst/>
+                        </a:rPr>
+                        <a:t>3.96E-03</a:t>
+                      </a:r>
+                      <a:endParaRPr lang="en-US" sz="1000" b="0" i="0" u="none" strike="noStrike">
+                        <a:solidFill>
+                          <a:srgbClr val="000000"/>
+                        </a:solidFill>
+                        <a:effectLst/>
+                        <a:latin typeface="Calibri" panose="020F0502020204030204" pitchFamily="34" charset="0"/>
+                      </a:endParaRPr>
+                    </a:p>
+                  </a:txBody>
+                  <a:tcPr marL="8562" marR="8562" marT="8562" marB="0" anchor="b"/>
+                </a:tc>
+                <a:tc>
+                  <a:txBody>
+                    <a:bodyPr/>
+                    <a:lstStyle/>
+                    <a:p>
+                      <a:pPr algn="r" fontAlgn="b"/>
+                      <a:r>
+                        <a:rPr lang="en-US" sz="1000" u="none" strike="noStrike">
+                          <a:effectLst/>
+                        </a:rPr>
+                        <a:t>-2.686</a:t>
+                      </a:r>
+                      <a:endParaRPr lang="en-US" sz="1000" b="0" i="0" u="none" strike="noStrike">
+                        <a:solidFill>
+                          <a:srgbClr val="000000"/>
+                        </a:solidFill>
+                        <a:effectLst/>
+                        <a:latin typeface="Calibri" panose="020F0502020204030204" pitchFamily="34" charset="0"/>
+                      </a:endParaRPr>
+                    </a:p>
+                  </a:txBody>
+                  <a:tcPr marL="8562" marR="8562" marT="8562" marB="0" anchor="b"/>
+                </a:tc>
+                <a:tc>
+                  <a:txBody>
+                    <a:bodyPr/>
+                    <a:lstStyle/>
+                    <a:p>
+                      <a:pPr algn="r" fontAlgn="b"/>
+                      <a:r>
+                        <a:rPr lang="en-US" sz="1000" u="none" strike="noStrike" dirty="0">
+                          <a:effectLst/>
+                        </a:rPr>
+                        <a:t>0.00732</a:t>
+                      </a:r>
+                      <a:endParaRPr lang="en-US" sz="1000" b="0" i="0" u="none" strike="noStrike" dirty="0">
+                        <a:solidFill>
+                          <a:srgbClr val="000000"/>
+                        </a:solidFill>
+                        <a:effectLst/>
+                        <a:latin typeface="Calibri" panose="020F0502020204030204" pitchFamily="34" charset="0"/>
+                      </a:endParaRPr>
+                    </a:p>
+                  </a:txBody>
+                  <a:tcPr marL="8562" marR="8562" marT="8562" marB="0" anchor="b"/>
+                </a:tc>
+                <a:extLst>
+                  <a:ext uri="{0D108BD9-81ED-4DB2-BD59-A6C34878D82A}">
+                    <a16:rowId xmlns:a16="http://schemas.microsoft.com/office/drawing/2014/main" val="1837071868"/>
+                  </a:ext>
+                </a:extLst>
+              </a:tr>
+            </a:tbl>
+          </a:graphicData>
+        </a:graphic>
+      </p:graphicFrame>
+    </p:spTree>
+    <p:extLst>
+      <p:ext uri="{BB962C8B-B14F-4D97-AF65-F5344CB8AC3E}">
+        <p14:creationId xmlns:p14="http://schemas.microsoft.com/office/powerpoint/2010/main" val="217180358"/>
+      </p:ext>
+    </p:extLst>
+  </p:cSld>
+  <p:clrMapOvr>
+    <a:masterClrMapping/>
+  </p:clrMapOvr>
+</p:sld>
+</file>
+
+<file path=ppt/slides/slide15.xml><?xml version="1.0" encoding="utf-8"?>
+<p:sld xmlns:a="http://schemas.openxmlformats.org/drawingml/2006/main" xmlns:r="http://schemas.openxmlformats.org/officeDocument/2006/relationships" xmlns:p="http://schemas.openxmlformats.org/presentationml/2006/main">
+  <p:cSld>
+    <p:bg>
+      <p:bgPr>
+        <a:blipFill dpi="0" rotWithShape="1">
+          <a:blip r:embed="rId2">
+            <a:lum/>
+          </a:blip>
+          <a:srcRect/>
+          <a:stretch>
+            <a:fillRect/>
+          </a:stretch>
+        </a:blipFill>
+        <a:effectLst/>
+      </p:bgPr>
+    </p:bg>
+    <p:spTree>
+      <p:nvGrpSpPr>
+        <p:cNvPr id="1" name=""/>
+        <p:cNvGrpSpPr/>
+        <p:nvPr/>
+      </p:nvGrpSpPr>
+      <p:grpSpPr>
+        <a:xfrm>
+          <a:off x="0" y="0"/>
+          <a:ext cx="0" cy="0"/>
+          <a:chOff x="0" y="0"/>
+          <a:chExt cx="0" cy="0"/>
+        </a:xfrm>
+      </p:grpSpPr>
+      <p:sp>
+        <p:nvSpPr>
+          <p:cNvPr id="4" name="Title 3"/>
+          <p:cNvSpPr>
+            <a:spLocks noGrp="1"/>
+          </p:cNvSpPr>
+          <p:nvPr>
+            <p:ph type="title"/>
+          </p:nvPr>
+        </p:nvSpPr>
+        <p:spPr/>
+        <p:txBody>
+          <a:bodyPr>
+            <a:normAutofit fontScale="90000"/>
+          </a:bodyPr>
+          <a:lstStyle/>
+          <a:p>
+            <a:pPr algn="ctr"/>
+            <a:r>
+              <a:rPr lang="en-US" dirty="0"/>
+              <a:t>Cost of Turnover </a:t>
+            </a:r>
+            <a:r>
+              <a:rPr lang="mr-IN" dirty="0"/>
+              <a:t>–</a:t>
+            </a:r>
+            <a:r>
+              <a:rPr lang="en-US" dirty="0"/>
+              <a:t> Industry </a:t>
+            </a:r>
+            <a:r>
+              <a:rPr lang="en-US" dirty="0" err="1"/>
+              <a:t>Average</a:t>
+            </a:r>
+            <a:r>
+              <a:rPr lang="en-US" sz="2000" baseline="30000" dirty="0" err="1"/>
+              <a:t>Ϯ</a:t>
+            </a:r>
+            <a:endParaRPr lang="en-US" sz="2000" dirty="0"/>
+          </a:p>
+        </p:txBody>
+      </p:sp>
+      <p:sp>
+        <p:nvSpPr>
+          <p:cNvPr id="5" name="Content Placeholder 4"/>
+          <p:cNvSpPr>
+            <a:spLocks noGrp="1"/>
+          </p:cNvSpPr>
+          <p:nvPr>
+            <p:ph idx="1"/>
+          </p:nvPr>
+        </p:nvSpPr>
+        <p:spPr>
+          <a:xfrm>
+            <a:off x="1823310" y="1596540"/>
+            <a:ext cx="7016195" cy="3206805"/>
+          </a:xfrm>
+        </p:spPr>
+        <p:txBody>
+          <a:bodyPr>
+            <a:normAutofit/>
+          </a:bodyPr>
+          <a:lstStyle/>
+          <a:p>
+            <a:r>
+              <a:rPr lang="en-US" dirty="0">
+                <a:solidFill>
+                  <a:srgbClr val="FF0000"/>
+                </a:solidFill>
+              </a:rPr>
+              <a:t>&lt;&lt;Random Forest&gt;&gt; &lt;&lt;Tom&gt;&gt;</a:t>
+            </a:r>
+          </a:p>
+          <a:p>
+            <a:r>
+              <a:rPr lang="en-US" dirty="0">
+                <a:solidFill>
+                  <a:srgbClr val="FF0000"/>
+                </a:solidFill>
+              </a:rPr>
+              <a:t>&lt;&lt;correlation / probability </a:t>
+            </a:r>
+            <a:r>
+              <a:rPr lang="en-US" dirty="0" err="1">
+                <a:solidFill>
+                  <a:srgbClr val="FF0000"/>
+                </a:solidFill>
+              </a:rPr>
+              <a:t>empl</a:t>
+            </a:r>
+            <a:r>
+              <a:rPr lang="en-US" dirty="0">
+                <a:solidFill>
+                  <a:srgbClr val="FF0000"/>
+                </a:solidFill>
+              </a:rPr>
+              <a:t> will leave&gt;&gt;  &lt;&lt;false negative/false model prediction&gt;&gt;  &lt;&lt;Tom&gt;&gt;</a:t>
+            </a:r>
+          </a:p>
+        </p:txBody>
+      </p:sp>
+      <p:sp>
+        <p:nvSpPr>
+          <p:cNvPr id="6" name="TextBox 5"/>
+          <p:cNvSpPr txBox="1"/>
+          <p:nvPr/>
+        </p:nvSpPr>
+        <p:spPr>
+          <a:xfrm>
+            <a:off x="8153956" y="6568481"/>
+            <a:ext cx="963725" cy="276999"/>
+          </a:xfrm>
+          <a:prstGeom prst="rect">
+            <a:avLst/>
+          </a:prstGeom>
+          <a:solidFill>
+            <a:schemeClr val="bg1"/>
+          </a:solidFill>
+        </p:spPr>
+        <p:txBody>
+          <a:bodyPr wrap="none" rtlCol="0">
+            <a:spAutoFit/>
+          </a:bodyPr>
+          <a:lstStyle/>
+          <a:p>
+            <a:r>
+              <a:rPr lang="en-US" sz="1200" baseline="30000" dirty="0"/>
+              <a:t>Ϯ</a:t>
+            </a:r>
+            <a:r>
+              <a:rPr lang="en-US" sz="1200" dirty="0"/>
+              <a:t>2017 SHRM</a:t>
+            </a:r>
+          </a:p>
+        </p:txBody>
+      </p:sp>
+    </p:spTree>
+    <p:extLst>
+      <p:ext uri="{BB962C8B-B14F-4D97-AF65-F5344CB8AC3E}">
+        <p14:creationId xmlns:p14="http://schemas.microsoft.com/office/powerpoint/2010/main" val="3100936218"/>
+      </p:ext>
+    </p:extLst>
+  </p:cSld>
+  <p:clrMapOvr>
+    <a:masterClrMapping/>
+  </p:clrMapOvr>
+</p:sld>
+</file>
+
+<file path=ppt/slides/slide16.xml><?xml version="1.0" encoding="utf-8"?>
+<p:sld xmlns:a="http://schemas.openxmlformats.org/drawingml/2006/main" xmlns:r="http://schemas.openxmlformats.org/officeDocument/2006/relationships" xmlns:p="http://schemas.openxmlformats.org/presentationml/2006/main">
+  <p:cSld>
+    <p:spTree>
+      <p:nvGrpSpPr>
+        <p:cNvPr id="1" name=""/>
+        <p:cNvGrpSpPr/>
+        <p:nvPr/>
+      </p:nvGrpSpPr>
+      <p:grpSpPr>
+        <a:xfrm>
+          <a:off x="0" y="0"/>
+          <a:ext cx="0" cy="0"/>
+          <a:chOff x="0" y="0"/>
+          <a:chExt cx="0" cy="0"/>
+        </a:xfrm>
+      </p:grpSpPr>
+      <p:sp>
+        <p:nvSpPr>
+          <p:cNvPr id="4" name="Title 3"/>
+          <p:cNvSpPr>
+            <a:spLocks noGrp="1"/>
+          </p:cNvSpPr>
+          <p:nvPr>
+            <p:ph type="title"/>
+          </p:nvPr>
+        </p:nvSpPr>
+        <p:spPr/>
+        <p:txBody>
+          <a:bodyPr>
+            <a:normAutofit fontScale="90000"/>
+          </a:bodyPr>
+          <a:lstStyle/>
+          <a:p>
+            <a:r>
+              <a:rPr lang="en-US" dirty="0"/>
               <a:t>Summary</a:t>
             </a:r>
-            <a:endParaRPr lang="en-US" dirty="0"/>
           </a:p>
         </p:txBody>
       </p:sp>
@@ -3727,10 +7776,9 @@
           <a:lstStyle/>
           <a:p>
             <a:r>
-              <a:rPr lang="en-US" dirty="0" smtClean="0"/>
+              <a:rPr lang="en-US" dirty="0"/>
               <a:t>Insights</a:t>
             </a:r>
-            <a:endParaRPr lang="en-US" dirty="0"/>
           </a:p>
         </p:txBody>
       </p:sp>
@@ -3757,34 +7805,28 @@
           <a:lstStyle/>
           <a:p>
             <a:r>
-              <a:rPr lang="en-US" dirty="0" smtClean="0"/>
-              <a:t>Job Seekers </a:t>
-            </a:r>
-            <a:r>
-              <a:rPr lang="en-US" dirty="0" smtClean="0"/>
-              <a:t>Market</a:t>
-            </a:r>
-          </a:p>
-          <a:p>
-            <a:r>
-              <a:rPr lang="en-US" smtClean="0"/>
+              <a:rPr lang="en-US" dirty="0"/>
+              <a:t>Job Seekers Market</a:t>
+            </a:r>
+          </a:p>
+          <a:p>
+            <a:r>
+              <a:rPr lang="en-US"/>
               <a:t>Changing demographics</a:t>
             </a:r>
-            <a:endParaRPr lang="en-US" dirty="0" smtClean="0"/>
-          </a:p>
-          <a:p>
-            <a:r>
-              <a:rPr lang="en-US" dirty="0" smtClean="0"/>
+            <a:endParaRPr lang="en-US" dirty="0"/>
+          </a:p>
+          <a:p>
+            <a:r>
+              <a:rPr lang="en-US" dirty="0"/>
               <a:t>Need for empowerment</a:t>
             </a:r>
-            <a:endParaRPr lang="en-US" dirty="0" smtClean="0"/>
-          </a:p>
-          <a:p>
-            <a:r>
-              <a:rPr lang="en-US" dirty="0" smtClean="0"/>
+          </a:p>
+          <a:p>
+            <a:r>
+              <a:rPr lang="en-US" dirty="0"/>
               <a:t>Alternatives to traditional job/business dynamics an increased incentive</a:t>
             </a:r>
-            <a:endParaRPr lang="en-US" dirty="0"/>
           </a:p>
         </p:txBody>
       </p:sp>
@@ -3809,10 +7851,9 @@
           <a:lstStyle/>
           <a:p>
             <a:r>
-              <a:rPr lang="en-US" dirty="0" smtClean="0"/>
+              <a:rPr lang="en-US" dirty="0"/>
               <a:t>Recommendations</a:t>
             </a:r>
-            <a:endParaRPr lang="en-US" dirty="0"/>
           </a:p>
         </p:txBody>
       </p:sp>
@@ -3839,34 +7880,34 @@
           <a:lstStyle/>
           <a:p>
             <a:r>
-              <a:rPr lang="en-US" dirty="0" smtClean="0"/>
+              <a:rPr lang="en-US" dirty="0"/>
               <a:t>Offering increased development opportunities</a:t>
             </a:r>
           </a:p>
           <a:p>
             <a:pPr lvl="1"/>
             <a:r>
-              <a:rPr lang="en-US" dirty="0" smtClean="0"/>
+              <a:rPr lang="en-US" dirty="0"/>
               <a:t>Increased training</a:t>
             </a:r>
           </a:p>
           <a:p>
             <a:pPr lvl="1"/>
             <a:r>
-              <a:rPr lang="en-US" dirty="0" smtClean="0"/>
+              <a:rPr lang="en-US" dirty="0"/>
               <a:t>Improve promotion opportunities</a:t>
             </a:r>
           </a:p>
           <a:p>
             <a:r>
-              <a:rPr lang="en-US" dirty="0" smtClean="0"/>
+              <a:rPr lang="en-US" dirty="0"/>
               <a:t>Mitigate burdensome workload</a:t>
             </a:r>
           </a:p>
           <a:p>
             <a:pPr lvl="1"/>
             <a:r>
-              <a:rPr lang="en-US" dirty="0" smtClean="0"/>
+              <a:rPr lang="en-US" dirty="0"/>
               <a:t>Flex time / part time</a:t>
             </a:r>
           </a:p>
@@ -3874,33 +7915,28 @@
             <a:pPr lvl="1"/>
             <a:r>
               <a:rPr lang="en-US" dirty="0"/>
-              <a:t>T</a:t>
-            </a:r>
-            <a:r>
-              <a:rPr lang="en-US" dirty="0" smtClean="0"/>
-              <a:t>elecommuting</a:t>
-            </a:r>
-          </a:p>
-          <a:p>
-            <a:r>
-              <a:rPr lang="en-US" dirty="0" smtClean="0"/>
+              <a:t>Telecommuting</a:t>
+            </a:r>
+          </a:p>
+          <a:p>
+            <a:r>
+              <a:rPr lang="en-US" dirty="0"/>
               <a:t>Engage employees</a:t>
             </a:r>
           </a:p>
           <a:p>
             <a:pPr lvl="1"/>
             <a:r>
-              <a:rPr lang="en-US" dirty="0" smtClean="0"/>
+              <a:rPr lang="en-US" dirty="0"/>
               <a:t>Increase employee decision-making opportunities</a:t>
             </a:r>
           </a:p>
           <a:p>
             <a:pPr lvl="1"/>
             <a:r>
-              <a:rPr lang="en-US" dirty="0" smtClean="0"/>
+              <a:rPr lang="en-US" dirty="0"/>
               <a:t>Aggressively pursue and incorporate feedback</a:t>
             </a:r>
-            <a:endParaRPr lang="en-US" dirty="0"/>
           </a:p>
         </p:txBody>
       </p:sp>
@@ -4064,10 +8100,9 @@
           </a:lstStyle>
           <a:p>
             <a:r>
-              <a:rPr lang="en-US" dirty="0" smtClean="0"/>
+              <a:rPr lang="en-US" dirty="0"/>
               <a:t>Low Cost - Initial Hire</a:t>
             </a:r>
-            <a:endParaRPr lang="en-US" dirty="0"/>
           </a:p>
         </p:txBody>
       </p:sp>
@@ -4241,22 +8276,21 @@
           </a:lstStyle>
           <a:p>
             <a:r>
-              <a:rPr lang="en-US" dirty="0" smtClean="0"/>
+              <a:rPr lang="en-US" dirty="0"/>
               <a:t>Cultural fit</a:t>
             </a:r>
           </a:p>
           <a:p>
             <a:r>
-              <a:rPr lang="en-US" dirty="0" smtClean="0"/>
+              <a:rPr lang="en-US" dirty="0"/>
               <a:t>Manage expectations</a:t>
             </a:r>
           </a:p>
           <a:p>
             <a:r>
-              <a:rPr lang="en-US" dirty="0" smtClean="0"/>
+              <a:rPr lang="en-US" dirty="0"/>
               <a:t>Onboarding</a:t>
             </a:r>
-            <a:endParaRPr lang="en-US" dirty="0"/>
           </a:p>
         </p:txBody>
       </p:sp>
@@ -4314,16 +8348,12 @@
           <a:p>
             <a:pPr algn="ctr"/>
             <a:r>
-              <a:rPr lang="en-US" sz="6000" dirty="0" smtClean="0">
+              <a:rPr lang="en-US" sz="6000" dirty="0">
                 <a:latin typeface="Arial Rounded MT Bold"/>
                 <a:cs typeface="Arial Rounded MT Bold"/>
               </a:rPr>
               <a:t>Business Objectives</a:t>
             </a:r>
-            <a:endParaRPr lang="en-US" sz="6000" dirty="0">
-              <a:latin typeface="Arial Rounded MT Bold"/>
-              <a:cs typeface="Arial Rounded MT Bold"/>
-            </a:endParaRPr>
           </a:p>
         </p:txBody>
       </p:sp>
@@ -4393,12 +8423,8 @@
           </a:p>
           <a:p>
             <a:r>
-              <a:rPr lang="en-US" dirty="0" smtClean="0"/>
-              <a:t>Talent </a:t>
-            </a:r>
-            <a:r>
               <a:rPr lang="en-US" dirty="0"/>
-              <a:t>retention and acquisition are top employer concerns</a:t>
+              <a:t>Talent retention and acquisition are top employer concerns</a:t>
             </a:r>
           </a:p>
           <a:p>
@@ -4410,35 +8436,27 @@
           </a:p>
           <a:p>
             <a:r>
-              <a:rPr lang="en-US" dirty="0" smtClean="0"/>
-              <a:t>Data analysis can </a:t>
-            </a:r>
-            <a:r>
               <a:rPr lang="en-US" dirty="0"/>
-              <a:t>i</a:t>
-            </a:r>
-            <a:r>
-              <a:rPr lang="en-US" dirty="0" smtClean="0"/>
-              <a:t>mprove competitive advantage</a:t>
+              <a:t>Data analysis can improve competitive advantage</a:t>
             </a:r>
           </a:p>
           <a:p>
             <a:pPr lvl="1"/>
             <a:r>
-              <a:rPr lang="en-US" dirty="0" smtClean="0"/>
+              <a:rPr lang="en-US" dirty="0"/>
               <a:t>Objective identification of actual attrition rates/causes</a:t>
             </a:r>
           </a:p>
           <a:p>
             <a:r>
-              <a:rPr lang="en-US" dirty="0" smtClean="0"/>
+              <a:rPr lang="en-US" dirty="0"/>
               <a:t>Data analysis reduces waste</a:t>
             </a:r>
           </a:p>
           <a:p>
             <a:pPr lvl="1"/>
             <a:r>
-              <a:rPr lang="en-US" dirty="0" smtClean="0"/>
+              <a:rPr lang="en-US" dirty="0"/>
               <a:t>Solutions can be focused on areas guaranteed to get results</a:t>
             </a:r>
           </a:p>
@@ -4468,31 +8486,7 @@
           <a:p>
             <a:r>
               <a:rPr lang="en-US" sz="1400" dirty="0"/>
-              <a:t>"Data can say things that employees might not during exit interviews, and shed light on </a:t>
-            </a:r>
-            <a:r>
-              <a:rPr lang="en-US" sz="1400" dirty="0" smtClean="0"/>
-              <a:t>causes of </a:t>
-            </a:r>
-            <a:r>
-              <a:rPr lang="en-US" sz="1400" dirty="0"/>
-              <a:t>voluntary turnover that even the best expert may miss. In today's challenging talent </a:t>
-            </a:r>
-            <a:r>
-              <a:rPr lang="en-US" sz="1400" dirty="0" smtClean="0"/>
-              <a:t>market, unbiased</a:t>
-            </a:r>
-            <a:r>
-              <a:rPr lang="en-US" sz="1400" dirty="0"/>
-              <a:t>, insights derived from actual workforce data can enable employers to </a:t>
-            </a:r>
-            <a:r>
-              <a:rPr lang="en-US" sz="1400" dirty="0" smtClean="0"/>
-              <a:t>identify potential </a:t>
-            </a:r>
-            <a:r>
-              <a:rPr lang="en-US" sz="1400" dirty="0"/>
-              <a:t>flight risks before it's too late.“ - Marc Rind, chief data scientist at ADP</a:t>
+              <a:t>"Data can say things that employees might not during exit interviews, and shed light on causes of voluntary turnover that even the best expert may miss. In today's challenging talent market, unbiased, insights derived from actual workforce data can enable employers to identify potential flight risks before it's too late.“ - Marc Rind, chief data scientist at ADP</a:t>
             </a:r>
           </a:p>
           <a:p>
@@ -4553,16 +8547,12 @@
           <a:lstStyle/>
           <a:p>
             <a:r>
-              <a:rPr lang="en-US" sz="6000" dirty="0" smtClean="0">
+              <a:rPr lang="en-US" sz="6000" dirty="0">
                 <a:latin typeface="Arial Rounded MT Bold"/>
                 <a:cs typeface="Arial Rounded MT Bold"/>
               </a:rPr>
               <a:t>Data Source</a:t>
             </a:r>
-            <a:endParaRPr lang="en-US" sz="6000" dirty="0">
-              <a:latin typeface="Arial Rounded MT Bold"/>
-              <a:cs typeface="Arial Rounded MT Bold"/>
-            </a:endParaRPr>
           </a:p>
         </p:txBody>
       </p:sp>
@@ -4593,18 +8583,18 @@
               <a:buChar char="-"/>
             </a:pPr>
             <a:r>
-              <a:rPr lang="en-US" dirty="0" err="1" smtClean="0"/>
+              <a:rPr lang="en-US" dirty="0" err="1"/>
               <a:t>DDSAnalytics</a:t>
             </a:r>
             <a:r>
-              <a:rPr lang="en-US" dirty="0" smtClean="0"/>
+              <a:rPr lang="en-US" dirty="0"/>
               <a:t> provided employee records for 1470 current/previous employees with 35 identifying features </a:t>
             </a:r>
             <a:r>
-              <a:rPr lang="en-US" baseline="30000" dirty="0" err="1" smtClean="0"/>
+              <a:rPr lang="en-US" baseline="30000" dirty="0" err="1"/>
               <a:t>Ϯ</a:t>
             </a:r>
-            <a:endParaRPr lang="en-US" dirty="0" smtClean="0"/>
+            <a:endParaRPr lang="en-US" dirty="0"/>
           </a:p>
           <a:p>
             <a:pPr marL="800100" lvl="1" indent="-342900">
@@ -4615,7 +8605,7 @@
               <a:buChar char="-"/>
             </a:pPr>
             <a:r>
-              <a:rPr lang="en-US" dirty="0" smtClean="0"/>
+              <a:rPr lang="en-US" dirty="0"/>
               <a:t>16% overall attrition rate</a:t>
             </a:r>
           </a:p>
@@ -4628,16 +8618,8 @@
               <a:buChar char="-"/>
             </a:pPr>
             <a:r>
-              <a:rPr lang="en-US" dirty="0" smtClean="0"/>
-              <a:t>17% Male vs. </a:t>
-            </a:r>
-            <a:r>
-              <a:rPr lang="en-US" dirty="0" smtClean="0"/>
-              <a:t>15% </a:t>
-            </a:r>
-            <a:r>
-              <a:rPr lang="en-US" dirty="0" smtClean="0"/>
-              <a:t>Female attrition</a:t>
+              <a:rPr lang="en-US" dirty="0"/>
+              <a:t>17% Male vs. 15% Female attrition</a:t>
             </a:r>
           </a:p>
           <a:p>
@@ -4649,14 +8631,14 @@
               <a:buChar char="-"/>
             </a:pPr>
             <a:r>
-              <a:rPr lang="en-US" dirty="0" smtClean="0"/>
+              <a:rPr lang="en-US" dirty="0"/>
               <a:t>Jobs with highest turnover: </a:t>
             </a:r>
             <a:br>
-              <a:rPr lang="en-US" dirty="0" smtClean="0"/>
+              <a:rPr lang="en-US" dirty="0"/>
             </a:br>
             <a:r>
-              <a:rPr lang="en-US" dirty="0" smtClean="0"/>
+              <a:rPr lang="en-US" dirty="0"/>
               <a:t>Sales Representative(40%), </a:t>
             </a:r>
             <a:r>
@@ -4665,21 +8647,8 @@
             </a:r>
             <a:r>
               <a:rPr lang="en-US" dirty="0"/>
-              <a:t> (24%</a:t>
-            </a:r>
-            <a:r>
-              <a:rPr lang="en-US" dirty="0" smtClean="0"/>
-              <a:t>), and </a:t>
-            </a:r>
-            <a:r>
-              <a:rPr lang="en-US" dirty="0"/>
-              <a:t>Human Resources (23</a:t>
-            </a:r>
-            <a:r>
-              <a:rPr lang="en-US" dirty="0" smtClean="0"/>
-              <a:t>%)</a:t>
-            </a:r>
-            <a:endParaRPr lang="en-US" dirty="0"/>
+              <a:t> (24%), and Human Resources (23%)</a:t>
+            </a:r>
           </a:p>
           <a:p>
             <a:pPr marL="1257300" lvl="2" indent="-342900">
@@ -4690,23 +8659,23 @@
               <a:buChar char="-"/>
             </a:pPr>
             <a:r>
-              <a:rPr lang="en-US" dirty="0" smtClean="0"/>
+              <a:rPr lang="en-US" dirty="0"/>
               <a:t>Highest attrition is 18-20 </a:t>
             </a:r>
             <a:r>
-              <a:rPr lang="en-US" dirty="0" err="1" smtClean="0"/>
+              <a:rPr lang="en-US" dirty="0" err="1"/>
               <a:t>yr</a:t>
             </a:r>
             <a:r>
-              <a:rPr lang="en-US" dirty="0" smtClean="0"/>
+              <a:rPr lang="en-US" dirty="0"/>
               <a:t>-old (57%) and 21-30 </a:t>
             </a:r>
             <a:r>
-              <a:rPr lang="en-US" dirty="0" err="1" smtClean="0"/>
+              <a:rPr lang="en-US" dirty="0" err="1"/>
               <a:t>yr</a:t>
             </a:r>
             <a:r>
-              <a:rPr lang="en-US" dirty="0" smtClean="0"/>
+              <a:rPr lang="en-US" dirty="0"/>
               <a:t> old (26%)</a:t>
             </a:r>
           </a:p>
@@ -4719,7 +8688,7 @@
               <a:buChar char="-"/>
             </a:pPr>
             <a:r>
-              <a:rPr lang="en-US" dirty="0" smtClean="0"/>
+              <a:rPr lang="en-US" dirty="0"/>
               <a:t>Nine job categories that fall within three departments</a:t>
             </a:r>
           </a:p>
@@ -4728,7 +8697,6 @@
               <a:rPr lang="en-US" dirty="0"/>
               <a:t>	</a:t>
             </a:r>
-            <a:endParaRPr lang="en-US" dirty="0" smtClean="0"/>
           </a:p>
         </p:txBody>
       </p:sp>
@@ -4754,18 +8722,13 @@
           <a:lstStyle/>
           <a:p>
             <a:r>
-              <a:rPr lang="en-US" dirty="0" smtClean="0">
+              <a:rPr lang="en-US" dirty="0">
                 <a:solidFill>
                   <a:srgbClr val="FF0000"/>
                 </a:solidFill>
               </a:rPr>
               <a:t>&lt;&lt;quick overview of industry&gt;&gt; &lt;&lt;Amy&gt;&gt; </a:t>
             </a:r>
-            <a:endParaRPr lang="en-US" dirty="0">
-              <a:solidFill>
-                <a:srgbClr val="FF0000"/>
-              </a:solidFill>
-            </a:endParaRPr>
           </a:p>
         </p:txBody>
       </p:sp>
@@ -4794,15 +8757,15 @@
           <a:lstStyle/>
           <a:p>
             <a:r>
-              <a:rPr lang="en-US" sz="1200" baseline="30000" dirty="0" smtClean="0"/>
+              <a:rPr lang="en-US" sz="1200" baseline="30000" dirty="0"/>
               <a:t>Ϯ</a:t>
             </a:r>
             <a:r>
-              <a:rPr lang="en-US" sz="1200" dirty="0" smtClean="0"/>
+              <a:rPr lang="en-US" sz="1200" dirty="0"/>
               <a:t>2019 </a:t>
             </a:r>
             <a:r>
-              <a:rPr lang="en-US" sz="1200" dirty="0" err="1" smtClean="0"/>
+              <a:rPr lang="en-US" sz="1200" dirty="0" err="1"/>
               <a:t>DDSAnalytics</a:t>
             </a:r>
             <a:endParaRPr lang="en-US" sz="1200" dirty="0"/>
@@ -4862,18 +8825,18 @@
           <a:lstStyle/>
           <a:p>
             <a:r>
-              <a:rPr lang="en-US" sz="2400" dirty="0" smtClean="0"/>
+              <a:rPr lang="en-US" sz="2400" dirty="0"/>
               <a:t>Top reasons for attrition – industry (12-15%)</a:t>
             </a:r>
             <a:r>
-              <a:rPr lang="en-US" sz="1600" baseline="30000" dirty="0" smtClean="0"/>
+              <a:rPr lang="en-US" sz="1600" baseline="30000" dirty="0"/>
               <a:t>Ϯ</a:t>
             </a:r>
           </a:p>
           <a:p>
             <a:pPr lvl="1"/>
             <a:r>
-              <a:rPr lang="en-US" sz="2400" dirty="0" smtClean="0"/>
+              <a:rPr lang="en-US" sz="2400" dirty="0"/>
               <a:t>Leadership (up to 75%)</a:t>
             </a:r>
             <a:r>
@@ -4884,12 +8847,12 @@
               <a:rPr lang="en-US" sz="2000" baseline="30000" dirty="0"/>
               <a:t>*</a:t>
             </a:r>
-            <a:endParaRPr lang="en-US" sz="2000" dirty="0" smtClean="0"/>
+            <a:endParaRPr lang="en-US" sz="2000" dirty="0"/>
           </a:p>
           <a:p>
             <a:pPr lvl="1"/>
             <a:r>
-              <a:rPr lang="en-US" sz="2400" dirty="0" smtClean="0"/>
+              <a:rPr lang="en-US" sz="2400" dirty="0"/>
               <a:t>Overwork (82%)</a:t>
             </a:r>
             <a:r>
@@ -4900,12 +8863,12 @@
               <a:rPr lang="en-US" sz="2000" baseline="30000" dirty="0"/>
               <a:t>*</a:t>
             </a:r>
-            <a:endParaRPr lang="en-US" sz="2000" dirty="0" smtClean="0"/>
+            <a:endParaRPr lang="en-US" sz="2000" dirty="0"/>
           </a:p>
           <a:p>
             <a:pPr lvl="1"/>
             <a:r>
-              <a:rPr lang="en-US" sz="2400" dirty="0" smtClean="0"/>
+              <a:rPr lang="en-US" sz="2400" dirty="0"/>
               <a:t>Lack of recognition (59%)</a:t>
             </a:r>
             <a:r>
@@ -4916,12 +8879,12 @@
               <a:rPr lang="en-US" sz="2000" baseline="30000" dirty="0"/>
               <a:t>*</a:t>
             </a:r>
-            <a:endParaRPr lang="en-US" sz="2000" dirty="0" smtClean="0"/>
+            <a:endParaRPr lang="en-US" sz="2000" dirty="0"/>
           </a:p>
           <a:p>
             <a:pPr lvl="1"/>
             <a:r>
-              <a:rPr lang="en-US" sz="2400" dirty="0" smtClean="0"/>
+              <a:rPr lang="en-US" sz="2400" dirty="0"/>
               <a:t>Work/Life balance (37%)</a:t>
             </a:r>
             <a:r>
@@ -4932,12 +8895,12 @@
               <a:rPr lang="en-US" sz="2000" baseline="30000" dirty="0"/>
               <a:t>*</a:t>
             </a:r>
-            <a:endParaRPr lang="en-US" sz="2000" dirty="0" smtClean="0"/>
+            <a:endParaRPr lang="en-US" sz="2000" dirty="0"/>
           </a:p>
           <a:p>
             <a:pPr lvl="1"/>
             <a:r>
-              <a:rPr lang="en-US" sz="2400" dirty="0" smtClean="0"/>
+              <a:rPr lang="en-US" sz="2400" dirty="0"/>
               <a:t>Lack of development (32%)</a:t>
             </a:r>
             <a:r>
@@ -4945,19 +8908,19 @@
               <a:t> </a:t>
             </a:r>
             <a:r>
-              <a:rPr lang="en-US" sz="1800" baseline="30000" dirty="0" smtClean="0"/>
+              <a:rPr lang="en-US" sz="1800" baseline="30000" dirty="0"/>
               <a:t>*</a:t>
             </a:r>
-            <a:endParaRPr lang="en-US" sz="1800" dirty="0" smtClean="0"/>
+            <a:endParaRPr lang="en-US" sz="1800" dirty="0"/>
           </a:p>
           <a:p>
             <a:pPr lvl="1"/>
             <a:r>
-              <a:rPr lang="en-US" sz="2400" dirty="0" smtClean="0"/>
+              <a:rPr lang="en-US" sz="2400" dirty="0"/>
               <a:t>Lack of salary/promotion opportunities (20%)</a:t>
             </a:r>
             <a:r>
-              <a:rPr lang="en-US" sz="2000" baseline="30000" dirty="0" smtClean="0"/>
+              <a:rPr lang="en-US" sz="2000" baseline="30000" dirty="0"/>
               <a:t>*</a:t>
             </a:r>
           </a:p>
@@ -5133,66 +9096,63 @@
           </a:lstStyle>
           <a:p>
             <a:r>
-              <a:rPr lang="en-US" dirty="0" smtClean="0"/>
+              <a:rPr lang="en-US" dirty="0"/>
               <a:t>Top reasons for attrition – </a:t>
             </a:r>
             <a:r>
-              <a:rPr lang="en-US" dirty="0" err="1" smtClean="0"/>
+              <a:rPr lang="en-US" dirty="0" err="1"/>
               <a:t>DDSAnalytics</a:t>
             </a:r>
-            <a:endParaRPr lang="en-US" dirty="0" smtClean="0"/>
+            <a:endParaRPr lang="en-US" dirty="0"/>
           </a:p>
           <a:p>
             <a:pPr lvl="1"/>
             <a:r>
-              <a:rPr lang="en-US" dirty="0" smtClean="0"/>
+              <a:rPr lang="en-US" dirty="0"/>
               <a:t>Monthly Income</a:t>
             </a:r>
           </a:p>
           <a:p>
             <a:pPr lvl="1"/>
             <a:r>
-              <a:rPr lang="en-US" dirty="0" smtClean="0"/>
+              <a:rPr lang="en-US" dirty="0"/>
               <a:t>Overtime</a:t>
             </a:r>
           </a:p>
           <a:p>
             <a:pPr lvl="1"/>
             <a:r>
-              <a:rPr lang="en-US" dirty="0" smtClean="0"/>
+              <a:rPr lang="en-US" dirty="0"/>
               <a:t>Environment/Job satisfaction</a:t>
             </a:r>
           </a:p>
           <a:p>
             <a:pPr lvl="1"/>
             <a:r>
-              <a:rPr lang="en-US" dirty="0" smtClean="0"/>
+              <a:rPr lang="en-US" dirty="0"/>
               <a:t>Frequent travel for business</a:t>
             </a:r>
           </a:p>
           <a:p>
             <a:pPr lvl="1"/>
             <a:r>
-              <a:rPr lang="en-US" dirty="0" smtClean="0"/>
+              <a:rPr lang="en-US" dirty="0"/>
               <a:t>Commute distance</a:t>
             </a:r>
-            <a:endParaRPr lang="en-US" dirty="0" smtClean="0"/>
           </a:p>
           <a:p>
             <a:pPr lvl="1"/>
             <a:r>
-              <a:rPr lang="en-US" dirty="0" smtClean="0"/>
+              <a:rPr lang="en-US" dirty="0"/>
               <a:t>Job hopping</a:t>
             </a:r>
-            <a:endParaRPr lang="en-US" dirty="0" smtClean="0"/>
           </a:p>
           <a:p>
             <a:pPr lvl="1"/>
             <a:r>
-              <a:rPr lang="en-US" dirty="0" smtClean="0"/>
+              <a:rPr lang="en-US" dirty="0"/>
               <a:t>Marital status</a:t>
             </a:r>
-            <a:endParaRPr lang="en-US" dirty="0" smtClean="0"/>
           </a:p>
         </p:txBody>
       </p:sp>
@@ -5219,16 +9179,12 @@
           <a:lstStyle/>
           <a:p>
             <a:r>
-              <a:rPr lang="en-US" sz="6000" dirty="0" smtClean="0">
+              <a:rPr lang="en-US" sz="6000" dirty="0">
                 <a:latin typeface="Arial Rounded MT Bold"/>
                 <a:cs typeface="Arial Rounded MT Bold"/>
               </a:rPr>
               <a:t>Comparisons</a:t>
             </a:r>
-            <a:endParaRPr lang="en-US" sz="6000" dirty="0">
-              <a:latin typeface="Arial Rounded MT Bold"/>
-              <a:cs typeface="Arial Rounded MT Bold"/>
-            </a:endParaRPr>
           </a:p>
         </p:txBody>
       </p:sp>
@@ -5261,10 +9217,9 @@
               <a:t>*</a:t>
             </a:r>
             <a:r>
-              <a:rPr lang="en-US" sz="1200" dirty="0" smtClean="0"/>
+              <a:rPr lang="en-US" sz="1200" dirty="0"/>
               <a:t>2018 Mercer</a:t>
             </a:r>
-            <a:endParaRPr lang="en-US" sz="1200" dirty="0"/>
           </a:p>
         </p:txBody>
       </p:sp>
@@ -5293,14 +9248,13 @@
           <a:lstStyle/>
           <a:p>
             <a:r>
-              <a:rPr lang="en-US" sz="1200" baseline="30000" dirty="0" smtClean="0"/>
+              <a:rPr lang="en-US" sz="1200" baseline="30000" dirty="0"/>
               <a:t>Ϯ</a:t>
             </a:r>
             <a:r>
-              <a:rPr lang="en-US" sz="1200" dirty="0" smtClean="0"/>
+              <a:rPr lang="en-US" sz="1200" dirty="0"/>
               <a:t>2017 SHRM</a:t>
             </a:r>
-            <a:endParaRPr lang="en-US" sz="1200" dirty="0"/>
           </a:p>
         </p:txBody>
       </p:sp>
@@ -5327,26 +9281,17 @@
           <a:lstStyle/>
           <a:p>
             <a:r>
-              <a:rPr lang="en-US" dirty="0" smtClean="0"/>
+              <a:rPr lang="en-US" dirty="0"/>
               <a:t>18-25 </a:t>
             </a:r>
             <a:r>
-              <a:rPr lang="en-US" dirty="0" err="1" smtClean="0"/>
+              <a:rPr lang="en-US" dirty="0" err="1"/>
               <a:t>yr</a:t>
             </a:r>
             <a:r>
-              <a:rPr lang="en-US" dirty="0" smtClean="0"/>
-              <a:t>-old </a:t>
-            </a:r>
-            <a:r>
               <a:rPr lang="en-US" dirty="0"/>
-              <a:t>age group most likely to leave their </a:t>
-            </a:r>
-            <a:r>
-              <a:rPr lang="en-US" dirty="0" smtClean="0"/>
-              <a:t>job (46%)</a:t>
-            </a:r>
-            <a:endParaRPr lang="en-US" dirty="0"/>
+              <a:t>-old age group most likely to leave their job (46%)</a:t>
+            </a:r>
           </a:p>
         </p:txBody>
       </p:sp>
@@ -5404,16 +9349,12 @@
           <a:p>
             <a:pPr algn="ctr"/>
             <a:r>
-              <a:rPr lang="en-US" sz="6000" dirty="0" smtClean="0">
+              <a:rPr lang="en-US" sz="6000" dirty="0">
                 <a:latin typeface="Arial Rounded MT Bold"/>
                 <a:cs typeface="Arial Rounded MT Bold"/>
               </a:rPr>
               <a:t>Methodology</a:t>
             </a:r>
-            <a:endParaRPr lang="en-US" sz="6000" dirty="0">
-              <a:latin typeface="Arial Rounded MT Bold"/>
-              <a:cs typeface="Arial Rounded MT Bold"/>
-            </a:endParaRPr>
           </a:p>
         </p:txBody>
       </p:sp>
@@ -5480,7 +9421,7 @@
           <a:p>
             <a:pPr algn="ctr"/>
             <a:r>
-              <a:rPr lang="en-US" smtClean="0"/>
+              <a:rPr lang="en-US"/>
               <a:t>Comparative Analysis</a:t>
             </a:r>
             <a:endParaRPr lang="en-US" dirty="0"/>
@@ -5510,7 +9451,7 @@
           <a:lstStyle/>
           <a:p>
             <a:r>
-              <a:rPr lang="en-US" dirty="0" smtClean="0">
+              <a:rPr lang="en-US" dirty="0">
                 <a:solidFill>
                   <a:srgbClr val="FF0000"/>
                 </a:solidFill>
@@ -5520,7 +9461,7 @@
           </a:p>
           <a:p>
             <a:r>
-              <a:rPr lang="en-US" dirty="0" smtClean="0">
+              <a:rPr lang="en-US" dirty="0">
                 <a:solidFill>
                   <a:srgbClr val="FF0000"/>
                 </a:solidFill>
@@ -5530,7 +9471,7 @@
           </a:p>
           <a:p>
             <a:r>
-              <a:rPr lang="en-US" dirty="0" smtClean="0">
+              <a:rPr lang="en-US" dirty="0">
                 <a:solidFill>
                   <a:srgbClr val="FF0000"/>
                 </a:solidFill>
@@ -5540,26 +9481,13 @@
           </a:p>
           <a:p>
             <a:r>
-              <a:rPr lang="en-US" dirty="0" smtClean="0">
+              <a:rPr lang="en-US" dirty="0">
                 <a:solidFill>
                   <a:srgbClr val="FF0000"/>
                 </a:solidFill>
               </a:rPr>
-              <a:t>&lt;&lt;Random Forest/Hierarchy &gt;&gt;  &lt;&lt;Tom&gt;</a:t>
-            </a:r>
-            <a:r>
-              <a:rPr lang="en-US" dirty="0" smtClean="0">
-                <a:solidFill>
-                  <a:srgbClr val="FF0000"/>
-                </a:solidFill>
-              </a:rPr>
-              <a:t>&gt;</a:t>
-            </a:r>
-            <a:endParaRPr lang="en-US" dirty="0" smtClean="0">
-              <a:solidFill>
-                <a:srgbClr val="FF0000"/>
-              </a:solidFill>
-            </a:endParaRPr>
+              <a:t>&lt;&lt;Random Forest/Hierarchy &gt;&gt;  &lt;&lt;Tom&gt;&gt;</a:t>
+            </a:r>
           </a:p>
         </p:txBody>
       </p:sp>
@@ -5617,16 +9545,12 @@
           <a:p>
             <a:pPr algn="ctr"/>
             <a:r>
-              <a:rPr lang="en-US" sz="6000" dirty="0" smtClean="0">
+              <a:rPr lang="en-US" sz="6000" dirty="0">
                 <a:latin typeface="Arial Rounded MT Bold"/>
                 <a:cs typeface="Arial Rounded MT Bold"/>
               </a:rPr>
               <a:t>Evaluation/Results</a:t>
             </a:r>
-            <a:endParaRPr lang="en-US" sz="6000" dirty="0">
-              <a:latin typeface="Arial Rounded MT Bold"/>
-              <a:cs typeface="Arial Rounded MT Bold"/>
-            </a:endParaRPr>
           </a:p>
         </p:txBody>
       </p:sp>
@@ -5646,20 +9570,6 @@
 <file path=ppt/slides/slide9.xml><?xml version="1.0" encoding="utf-8"?>
 <p:sld xmlns:a="http://schemas.openxmlformats.org/drawingml/2006/main" xmlns:r="http://schemas.openxmlformats.org/officeDocument/2006/relationships" xmlns:p="http://schemas.openxmlformats.org/presentationml/2006/main">
   <p:cSld>
-    <p:bg>
-      <p:bgPr>
-        <a:blipFill dpi="0" rotWithShape="1">
-          <a:blip r:embed="rId2">
-            <a:lum/>
-          </a:blip>
-          <a:srcRect/>
-          <a:stretch>
-            <a:fillRect/>
-          </a:stretch>
-        </a:blipFill>
-        <a:effectLst/>
-      </p:bgPr>
-    </p:bg>
     <p:spTree>
       <p:nvGrpSpPr>
         <p:cNvPr id="1" name=""/>
@@ -5684,7 +9594,12 @@
             <p:ph type="title"/>
           </p:nvPr>
         </p:nvSpPr>
-        <p:spPr/>
+        <p:spPr>
+          <a:xfrm>
+            <a:off x="448965" y="527605"/>
+            <a:ext cx="8229600" cy="610820"/>
+          </a:xfrm>
+        </p:spPr>
         <p:txBody>
           <a:bodyPr>
             <a:normAutofit fontScale="90000"/>
@@ -5693,141 +9608,116 @@
           <a:p>
             <a:pPr algn="ctr"/>
             <a:r>
-              <a:rPr lang="en-US" dirty="0" smtClean="0"/>
-              <a:t>Cost of Turnover </a:t>
-            </a:r>
-            <a:r>
-              <a:rPr lang="mr-IN" dirty="0" smtClean="0"/>
-              <a:t>–</a:t>
-            </a:r>
-            <a:r>
-              <a:rPr lang="en-US" dirty="0" smtClean="0"/>
-              <a:t> Industry </a:t>
-            </a:r>
-            <a:r>
-              <a:rPr lang="en-US" dirty="0" err="1" smtClean="0"/>
-              <a:t>Average</a:t>
-            </a:r>
-            <a:r>
-              <a:rPr lang="en-US" sz="2000" baseline="30000" dirty="0" err="1" smtClean="0"/>
-              <a:t>Ϯ</a:t>
-            </a:r>
-            <a:endParaRPr lang="en-US" sz="2000" dirty="0"/>
-          </a:p>
-        </p:txBody>
-      </p:sp>
-      <p:sp>
-        <p:nvSpPr>
-          <p:cNvPr id="5" name="Content Placeholder 4"/>
-          <p:cNvSpPr>
-            <a:spLocks noGrp="1"/>
-          </p:cNvSpPr>
-          <p:nvPr>
-            <p:ph idx="1"/>
-          </p:nvPr>
-        </p:nvSpPr>
+              <a:rPr lang="en-US" dirty="0"/>
+              <a:t>Comparative Analysis</a:t>
+            </a:r>
+            <a:br>
+              <a:rPr lang="en-US" dirty="0"/>
+            </a:br>
+            <a:r>
+              <a:rPr lang="en-US" sz="3100" dirty="0"/>
+              <a:t>Attrition Percentages</a:t>
+            </a:r>
+            <a:endParaRPr lang="en-US" dirty="0"/>
+          </a:p>
+        </p:txBody>
+      </p:sp>
+      <p:pic>
+        <p:nvPicPr>
+          <p:cNvPr id="8" name="Picture 7">
+            <a:extLst>
+              <a:ext uri="{FF2B5EF4-FFF2-40B4-BE49-F238E27FC236}">
+                <a16:creationId xmlns:a16="http://schemas.microsoft.com/office/drawing/2014/main" id="{DB2C3199-C409-464D-B38D-D9D6AE877970}"/>
+              </a:ext>
+            </a:extLst>
+          </p:cNvPr>
+          <p:cNvPicPr>
+            <a:picLocks noChangeAspect="1"/>
+          </p:cNvPicPr>
+          <p:nvPr/>
+        </p:nvPicPr>
+        <p:blipFill>
+          <a:blip r:embed="rId2">
+            <a:clrChange>
+              <a:clrFrom>
+                <a:srgbClr val="FFFFFF"/>
+              </a:clrFrom>
+              <a:clrTo>
+                <a:srgbClr val="FFFFFF">
+                  <a:alpha val="0"/>
+                </a:srgbClr>
+              </a:clrTo>
+            </a:clrChange>
+            <a:extLst>
+              <a:ext uri="{28A0092B-C50C-407E-A947-70E740481C1C}">
+                <a14:useLocalDpi xmlns:a14="http://schemas.microsoft.com/office/drawing/2010/main" val="0"/>
+              </a:ext>
+            </a:extLst>
+          </a:blip>
+          <a:stretch>
+            <a:fillRect/>
+          </a:stretch>
+        </p:blipFill>
         <p:spPr>
           <a:xfrm>
-            <a:off x="1823310" y="1596540"/>
-            <a:ext cx="7016195" cy="3206805"/>
-          </a:xfrm>
-        </p:spPr>
-        <p:txBody>
-          <a:bodyPr>
-            <a:normAutofit/>
-          </a:bodyPr>
-          <a:lstStyle/>
-          <a:p>
-            <a:r>
-              <a:rPr lang="en-US" dirty="0" smtClean="0">
-                <a:solidFill>
-                  <a:srgbClr val="FF0000"/>
-                </a:solidFill>
-              </a:rPr>
-              <a:t>&lt;&lt;Random Forest&gt;&gt; &lt;&lt;Tom&gt;&gt;</a:t>
-            </a:r>
-          </a:p>
-          <a:p>
-            <a:r>
-              <a:rPr lang="en-US" dirty="0" smtClean="0">
-                <a:solidFill>
-                  <a:srgbClr val="FF0000"/>
-                </a:solidFill>
-              </a:rPr>
-              <a:t>&lt;&lt;correlation / probability </a:t>
-            </a:r>
-            <a:r>
-              <a:rPr lang="en-US" dirty="0" err="1" smtClean="0">
-                <a:solidFill>
-                  <a:srgbClr val="FF0000"/>
-                </a:solidFill>
-              </a:rPr>
-              <a:t>empl</a:t>
-            </a:r>
-            <a:r>
-              <a:rPr lang="en-US" dirty="0" smtClean="0">
-                <a:solidFill>
-                  <a:srgbClr val="FF0000"/>
-                </a:solidFill>
-              </a:rPr>
-              <a:t> will leave&gt;&gt;  &lt;&lt;false negative/false model prediction&gt;&gt;  &lt;&lt;Tom&gt;</a:t>
-            </a:r>
-            <a:r>
-              <a:rPr lang="en-US" dirty="0" smtClean="0">
-                <a:solidFill>
-                  <a:srgbClr val="FF0000"/>
-                </a:solidFill>
-              </a:rPr>
-              <a:t>&gt;</a:t>
-            </a:r>
-            <a:endParaRPr lang="en-US" dirty="0" smtClean="0">
-              <a:solidFill>
-                <a:srgbClr val="FF0000"/>
-              </a:solidFill>
-            </a:endParaRPr>
-          </a:p>
-        </p:txBody>
-      </p:sp>
-      <p:sp>
-        <p:nvSpPr>
-          <p:cNvPr id="6" name="TextBox 5"/>
-          <p:cNvSpPr txBox="1"/>
-          <p:nvPr/>
-        </p:nvSpPr>
-        <p:spPr>
-          <a:xfrm>
-            <a:off x="8153956" y="6568481"/>
-            <a:ext cx="963725" cy="276999"/>
+            <a:off x="497526" y="1291130"/>
+            <a:ext cx="4289134" cy="3063667"/>
           </a:xfrm>
           <a:prstGeom prst="rect">
             <a:avLst/>
           </a:prstGeom>
-          <a:solidFill>
-            <a:schemeClr val="bg1"/>
-          </a:solidFill>
         </p:spPr>
-        <p:txBody>
-          <a:bodyPr wrap="none" rtlCol="0">
-            <a:spAutoFit/>
-          </a:bodyPr>
-          <a:lstStyle/>
-          <a:p>
-            <a:r>
-              <a:rPr lang="en-US" sz="1200" baseline="30000" dirty="0" smtClean="0"/>
-              <a:t>Ϯ</a:t>
-            </a:r>
-            <a:r>
-              <a:rPr lang="en-US" sz="1200" dirty="0" smtClean="0"/>
-              <a:t>2017 SHRM</a:t>
-            </a:r>
-            <a:endParaRPr lang="en-US" sz="1200" dirty="0"/>
-          </a:p>
-        </p:txBody>
-      </p:sp>
+      </p:pic>
+      <p:pic>
+        <p:nvPicPr>
+          <p:cNvPr id="15" name="Picture 14">
+            <a:extLst>
+              <a:ext uri="{FF2B5EF4-FFF2-40B4-BE49-F238E27FC236}">
+                <a16:creationId xmlns:a16="http://schemas.microsoft.com/office/drawing/2014/main" id="{FA7EBE22-8578-472B-8A15-1D66317CA7EB}"/>
+              </a:ext>
+            </a:extLst>
+          </p:cNvPr>
+          <p:cNvPicPr>
+            <a:picLocks noChangeAspect="1"/>
+          </p:cNvPicPr>
+          <p:nvPr/>
+        </p:nvPicPr>
+        <p:blipFill>
+          <a:blip r:embed="rId3">
+            <a:clrChange>
+              <a:clrFrom>
+                <a:srgbClr val="FFFFFF"/>
+              </a:clrFrom>
+              <a:clrTo>
+                <a:srgbClr val="FFFFFF">
+                  <a:alpha val="0"/>
+                </a:srgbClr>
+              </a:clrTo>
+            </a:clrChange>
+            <a:extLst>
+              <a:ext uri="{28A0092B-C50C-407E-A947-70E740481C1C}">
+                <a14:useLocalDpi xmlns:a14="http://schemas.microsoft.com/office/drawing/2010/main" val="0"/>
+              </a:ext>
+            </a:extLst>
+          </a:blip>
+          <a:stretch>
+            <a:fillRect/>
+          </a:stretch>
+        </p:blipFill>
+        <p:spPr>
+          <a:xfrm>
+            <a:off x="4433318" y="3581705"/>
+            <a:ext cx="4289134" cy="3063667"/>
+          </a:xfrm>
+          <a:prstGeom prst="rect">
+            <a:avLst/>
+          </a:prstGeom>
+        </p:spPr>
+      </p:pic>
     </p:spTree>
     <p:extLst>
       <p:ext uri="{BB962C8B-B14F-4D97-AF65-F5344CB8AC3E}">
-        <p14:creationId xmlns:p14="http://schemas.microsoft.com/office/powerpoint/2010/main" val="3100936218"/>
+        <p14:creationId xmlns:p14="http://schemas.microsoft.com/office/powerpoint/2010/main" val="3529075781"/>
       </p:ext>
     </p:extLst>
   </p:cSld>

--- a/DDSAnalytics_CaseStudy2_Updated.pptx
+++ b/DDSAnalytics_CaseStudy2_Updated.pptx
@@ -4,17 +4,30 @@
   <p:sldMasterIdLst>
     <p:sldMasterId id="2147483648" r:id="rId1"/>
   </p:sldMasterIdLst>
+  <p:notesMasterIdLst>
+    <p:notesMasterId r:id="rId22"/>
+  </p:notesMasterIdLst>
   <p:sldIdLst>
     <p:sldId id="256" r:id="rId2"/>
     <p:sldId id="258" r:id="rId3"/>
-    <p:sldId id="268" r:id="rId4"/>
-    <p:sldId id="264" r:id="rId5"/>
-    <p:sldId id="267" r:id="rId6"/>
-    <p:sldId id="265" r:id="rId7"/>
-    <p:sldId id="259" r:id="rId8"/>
-    <p:sldId id="266" r:id="rId9"/>
-    <p:sldId id="269" r:id="rId10"/>
-    <p:sldId id="263" r:id="rId11"/>
+    <p:sldId id="276" r:id="rId4"/>
+    <p:sldId id="277" r:id="rId5"/>
+    <p:sldId id="278" r:id="rId6"/>
+    <p:sldId id="279" r:id="rId7"/>
+    <p:sldId id="264" r:id="rId8"/>
+    <p:sldId id="268" r:id="rId9"/>
+    <p:sldId id="267" r:id="rId10"/>
+    <p:sldId id="265" r:id="rId11"/>
+    <p:sldId id="259" r:id="rId12"/>
+    <p:sldId id="266" r:id="rId13"/>
+    <p:sldId id="270" r:id="rId14"/>
+    <p:sldId id="271" r:id="rId15"/>
+    <p:sldId id="272" r:id="rId16"/>
+    <p:sldId id="273" r:id="rId17"/>
+    <p:sldId id="275" r:id="rId18"/>
+    <p:sldId id="274" r:id="rId19"/>
+    <p:sldId id="269" r:id="rId20"/>
+    <p:sldId id="263" r:id="rId21"/>
   </p:sldIdLst>
   <p:sldSz cx="9144000" cy="6858000" type="screen4x3"/>
   <p:notesSz cx="6858000" cy="9144000"/>
@@ -115,7 +128,7 @@
   </p:defaultTextStyle>
   <p:extLst>
     <p:ext uri="{EFAFB233-063F-42B5-8137-9DF3F51BA10A}">
-      <p15:sldGuideLst xmlns:p15="http://schemas.microsoft.com/office/powerpoint/2012/main" xmlns="">
+      <p15:sldGuideLst xmlns:p15="http://schemas.microsoft.com/office/powerpoint/2012/main">
         <p15:guide id="1" orient="horz" pos="2160">
           <p15:clr>
             <a:srgbClr val="A4A3A4"/>
@@ -130,6 +143,1197 @@
     </p:ext>
   </p:extLst>
 </p:presentation>
+</file>
+
+<file path=ppt/notesMasters/notesMaster1.xml><?xml version="1.0" encoding="utf-8"?>
+<p:notesMaster xmlns:a="http://schemas.openxmlformats.org/drawingml/2006/main" xmlns:r="http://schemas.openxmlformats.org/officeDocument/2006/relationships" xmlns:p="http://schemas.openxmlformats.org/presentationml/2006/main">
+  <p:cSld>
+    <p:bg>
+      <p:bgRef idx="1001">
+        <a:schemeClr val="bg1"/>
+      </p:bgRef>
+    </p:bg>
+    <p:spTree>
+      <p:nvGrpSpPr>
+        <p:cNvPr id="1" name=""/>
+        <p:cNvGrpSpPr/>
+        <p:nvPr/>
+      </p:nvGrpSpPr>
+      <p:grpSpPr>
+        <a:xfrm>
+          <a:off x="0" y="0"/>
+          <a:ext cx="0" cy="0"/>
+          <a:chOff x="0" y="0"/>
+          <a:chExt cx="0" cy="0"/>
+        </a:xfrm>
+      </p:grpSpPr>
+      <p:sp>
+        <p:nvSpPr>
+          <p:cNvPr id="2" name="Header Placeholder 1"/>
+          <p:cNvSpPr>
+            <a:spLocks noGrp="1"/>
+          </p:cNvSpPr>
+          <p:nvPr>
+            <p:ph type="hdr" sz="quarter"/>
+          </p:nvPr>
+        </p:nvSpPr>
+        <p:spPr>
+          <a:xfrm>
+            <a:off x="0" y="0"/>
+            <a:ext cx="2971800" cy="458788"/>
+          </a:xfrm>
+          <a:prstGeom prst="rect">
+            <a:avLst/>
+          </a:prstGeom>
+        </p:spPr>
+        <p:txBody>
+          <a:bodyPr vert="horz" lIns="91440" tIns="45720" rIns="91440" bIns="45720" rtlCol="0"/>
+          <a:lstStyle>
+            <a:lvl1pPr algn="l">
+              <a:defRPr sz="1200"/>
+            </a:lvl1pPr>
+          </a:lstStyle>
+          <a:p>
+            <a:endParaRPr lang="en-US"/>
+          </a:p>
+        </p:txBody>
+      </p:sp>
+      <p:sp>
+        <p:nvSpPr>
+          <p:cNvPr id="3" name="Date Placeholder 2"/>
+          <p:cNvSpPr>
+            <a:spLocks noGrp="1"/>
+          </p:cNvSpPr>
+          <p:nvPr>
+            <p:ph type="dt" idx="1"/>
+          </p:nvPr>
+        </p:nvSpPr>
+        <p:spPr>
+          <a:xfrm>
+            <a:off x="3884613" y="0"/>
+            <a:ext cx="2971800" cy="458788"/>
+          </a:xfrm>
+          <a:prstGeom prst="rect">
+            <a:avLst/>
+          </a:prstGeom>
+        </p:spPr>
+        <p:txBody>
+          <a:bodyPr vert="horz" lIns="91440" tIns="45720" rIns="91440" bIns="45720" rtlCol="0"/>
+          <a:lstStyle>
+            <a:lvl1pPr algn="r">
+              <a:defRPr sz="1200"/>
+            </a:lvl1pPr>
+          </a:lstStyle>
+          <a:p>
+            <a:fld id="{167F8F20-95EB-1242-A2F1-50B4053D034F}" type="datetimeFigureOut">
+              <a:rPr lang="en-US" smtClean="0"/>
+              <a:t>4/12/19</a:t>
+            </a:fld>
+            <a:endParaRPr lang="en-US"/>
+          </a:p>
+        </p:txBody>
+      </p:sp>
+      <p:sp>
+        <p:nvSpPr>
+          <p:cNvPr id="4" name="Slide Image Placeholder 3"/>
+          <p:cNvSpPr>
+            <a:spLocks noGrp="1" noRot="1" noChangeAspect="1"/>
+          </p:cNvSpPr>
+          <p:nvPr>
+            <p:ph type="sldImg" idx="2"/>
+          </p:nvPr>
+        </p:nvSpPr>
+        <p:spPr>
+          <a:xfrm>
+            <a:off x="1371600" y="1143000"/>
+            <a:ext cx="4114800" cy="3086100"/>
+          </a:xfrm>
+          <a:prstGeom prst="rect">
+            <a:avLst/>
+          </a:prstGeom>
+          <a:noFill/>
+          <a:ln w="12700">
+            <a:solidFill>
+              <a:prstClr val="black"/>
+            </a:solidFill>
+          </a:ln>
+        </p:spPr>
+        <p:txBody>
+          <a:bodyPr vert="horz" lIns="91440" tIns="45720" rIns="91440" bIns="45720" rtlCol="0" anchor="ctr"/>
+          <a:lstStyle/>
+          <a:p>
+            <a:endParaRPr lang="en-US"/>
+          </a:p>
+        </p:txBody>
+      </p:sp>
+      <p:sp>
+        <p:nvSpPr>
+          <p:cNvPr id="5" name="Notes Placeholder 4"/>
+          <p:cNvSpPr>
+            <a:spLocks noGrp="1"/>
+          </p:cNvSpPr>
+          <p:nvPr>
+            <p:ph type="body" sz="quarter" idx="3"/>
+          </p:nvPr>
+        </p:nvSpPr>
+        <p:spPr>
+          <a:xfrm>
+            <a:off x="685800" y="4400550"/>
+            <a:ext cx="5486400" cy="3600450"/>
+          </a:xfrm>
+          <a:prstGeom prst="rect">
+            <a:avLst/>
+          </a:prstGeom>
+        </p:spPr>
+        <p:txBody>
+          <a:bodyPr vert="horz" lIns="91440" tIns="45720" rIns="91440" bIns="45720" rtlCol="0"/>
+          <a:lstStyle/>
+          <a:p>
+            <a:pPr lvl="0"/>
+            <a:r>
+              <a:rPr lang="en-US" smtClean="0"/>
+              <a:t>Click to edit Master text styles</a:t>
+            </a:r>
+          </a:p>
+          <a:p>
+            <a:pPr lvl="1"/>
+            <a:r>
+              <a:rPr lang="en-US" smtClean="0"/>
+              <a:t>Second level</a:t>
+            </a:r>
+          </a:p>
+          <a:p>
+            <a:pPr lvl="2"/>
+            <a:r>
+              <a:rPr lang="en-US" smtClean="0"/>
+              <a:t>Third level</a:t>
+            </a:r>
+          </a:p>
+          <a:p>
+            <a:pPr lvl="3"/>
+            <a:r>
+              <a:rPr lang="en-US" smtClean="0"/>
+              <a:t>Fourth level</a:t>
+            </a:r>
+          </a:p>
+          <a:p>
+            <a:pPr lvl="4"/>
+            <a:r>
+              <a:rPr lang="en-US" smtClean="0"/>
+              <a:t>Fifth level</a:t>
+            </a:r>
+            <a:endParaRPr lang="en-US"/>
+          </a:p>
+        </p:txBody>
+      </p:sp>
+      <p:sp>
+        <p:nvSpPr>
+          <p:cNvPr id="6" name="Footer Placeholder 5"/>
+          <p:cNvSpPr>
+            <a:spLocks noGrp="1"/>
+          </p:cNvSpPr>
+          <p:nvPr>
+            <p:ph type="ftr" sz="quarter" idx="4"/>
+          </p:nvPr>
+        </p:nvSpPr>
+        <p:spPr>
+          <a:xfrm>
+            <a:off x="0" y="8685213"/>
+            <a:ext cx="2971800" cy="458787"/>
+          </a:xfrm>
+          <a:prstGeom prst="rect">
+            <a:avLst/>
+          </a:prstGeom>
+        </p:spPr>
+        <p:txBody>
+          <a:bodyPr vert="horz" lIns="91440" tIns="45720" rIns="91440" bIns="45720" rtlCol="0" anchor="b"/>
+          <a:lstStyle>
+            <a:lvl1pPr algn="l">
+              <a:defRPr sz="1200"/>
+            </a:lvl1pPr>
+          </a:lstStyle>
+          <a:p>
+            <a:endParaRPr lang="en-US"/>
+          </a:p>
+        </p:txBody>
+      </p:sp>
+      <p:sp>
+        <p:nvSpPr>
+          <p:cNvPr id="7" name="Slide Number Placeholder 6"/>
+          <p:cNvSpPr>
+            <a:spLocks noGrp="1"/>
+          </p:cNvSpPr>
+          <p:nvPr>
+            <p:ph type="sldNum" sz="quarter" idx="5"/>
+          </p:nvPr>
+        </p:nvSpPr>
+        <p:spPr>
+          <a:xfrm>
+            <a:off x="3884613" y="8685213"/>
+            <a:ext cx="2971800" cy="458787"/>
+          </a:xfrm>
+          <a:prstGeom prst="rect">
+            <a:avLst/>
+          </a:prstGeom>
+        </p:spPr>
+        <p:txBody>
+          <a:bodyPr vert="horz" lIns="91440" tIns="45720" rIns="91440" bIns="45720" rtlCol="0" anchor="b"/>
+          <a:lstStyle>
+            <a:lvl1pPr algn="r">
+              <a:defRPr sz="1200"/>
+            </a:lvl1pPr>
+          </a:lstStyle>
+          <a:p>
+            <a:fld id="{ABFFC488-B87F-B04E-863D-D4EA78BD4399}" type="slidenum">
+              <a:rPr lang="en-US" smtClean="0"/>
+              <a:t>‹#›</a:t>
+            </a:fld>
+            <a:endParaRPr lang="en-US"/>
+          </a:p>
+        </p:txBody>
+      </p:sp>
+    </p:spTree>
+    <p:extLst>
+      <p:ext uri="{BB962C8B-B14F-4D97-AF65-F5344CB8AC3E}">
+        <p14:creationId xmlns:p14="http://schemas.microsoft.com/office/powerpoint/2010/main" val="1805436227"/>
+      </p:ext>
+    </p:extLst>
+  </p:cSld>
+  <p:clrMap bg1="lt1" tx1="dk1" bg2="lt2" tx2="dk2" accent1="accent1" accent2="accent2" accent3="accent3" accent4="accent4" accent5="accent5" accent6="accent6" hlink="hlink" folHlink="folHlink"/>
+  <p:notesStyle>
+    <a:lvl1pPr marL="0" algn="l" defTabSz="914400" rtl="0" eaLnBrk="1" latinLnBrk="0" hangingPunct="1">
+      <a:defRPr sz="1200" kern="1200">
+        <a:solidFill>
+          <a:schemeClr val="tx1"/>
+        </a:solidFill>
+        <a:latin typeface="+mn-lt"/>
+        <a:ea typeface="+mn-ea"/>
+        <a:cs typeface="+mn-cs"/>
+      </a:defRPr>
+    </a:lvl1pPr>
+    <a:lvl2pPr marL="457200" algn="l" defTabSz="914400" rtl="0" eaLnBrk="1" latinLnBrk="0" hangingPunct="1">
+      <a:defRPr sz="1200" kern="1200">
+        <a:solidFill>
+          <a:schemeClr val="tx1"/>
+        </a:solidFill>
+        <a:latin typeface="+mn-lt"/>
+        <a:ea typeface="+mn-ea"/>
+        <a:cs typeface="+mn-cs"/>
+      </a:defRPr>
+    </a:lvl2pPr>
+    <a:lvl3pPr marL="914400" algn="l" defTabSz="914400" rtl="0" eaLnBrk="1" latinLnBrk="0" hangingPunct="1">
+      <a:defRPr sz="1200" kern="1200">
+        <a:solidFill>
+          <a:schemeClr val="tx1"/>
+        </a:solidFill>
+        <a:latin typeface="+mn-lt"/>
+        <a:ea typeface="+mn-ea"/>
+        <a:cs typeface="+mn-cs"/>
+      </a:defRPr>
+    </a:lvl3pPr>
+    <a:lvl4pPr marL="1371600" algn="l" defTabSz="914400" rtl="0" eaLnBrk="1" latinLnBrk="0" hangingPunct="1">
+      <a:defRPr sz="1200" kern="1200">
+        <a:solidFill>
+          <a:schemeClr val="tx1"/>
+        </a:solidFill>
+        <a:latin typeface="+mn-lt"/>
+        <a:ea typeface="+mn-ea"/>
+        <a:cs typeface="+mn-cs"/>
+      </a:defRPr>
+    </a:lvl4pPr>
+    <a:lvl5pPr marL="1828800" algn="l" defTabSz="914400" rtl="0" eaLnBrk="1" latinLnBrk="0" hangingPunct="1">
+      <a:defRPr sz="1200" kern="1200">
+        <a:solidFill>
+          <a:schemeClr val="tx1"/>
+        </a:solidFill>
+        <a:latin typeface="+mn-lt"/>
+        <a:ea typeface="+mn-ea"/>
+        <a:cs typeface="+mn-cs"/>
+      </a:defRPr>
+    </a:lvl5pPr>
+    <a:lvl6pPr marL="2286000" algn="l" defTabSz="914400" rtl="0" eaLnBrk="1" latinLnBrk="0" hangingPunct="1">
+      <a:defRPr sz="1200" kern="1200">
+        <a:solidFill>
+          <a:schemeClr val="tx1"/>
+        </a:solidFill>
+        <a:latin typeface="+mn-lt"/>
+        <a:ea typeface="+mn-ea"/>
+        <a:cs typeface="+mn-cs"/>
+      </a:defRPr>
+    </a:lvl6pPr>
+    <a:lvl7pPr marL="2743200" algn="l" defTabSz="914400" rtl="0" eaLnBrk="1" latinLnBrk="0" hangingPunct="1">
+      <a:defRPr sz="1200" kern="1200">
+        <a:solidFill>
+          <a:schemeClr val="tx1"/>
+        </a:solidFill>
+        <a:latin typeface="+mn-lt"/>
+        <a:ea typeface="+mn-ea"/>
+        <a:cs typeface="+mn-cs"/>
+      </a:defRPr>
+    </a:lvl7pPr>
+    <a:lvl8pPr marL="3200400" algn="l" defTabSz="914400" rtl="0" eaLnBrk="1" latinLnBrk="0" hangingPunct="1">
+      <a:defRPr sz="1200" kern="1200">
+        <a:solidFill>
+          <a:schemeClr val="tx1"/>
+        </a:solidFill>
+        <a:latin typeface="+mn-lt"/>
+        <a:ea typeface="+mn-ea"/>
+        <a:cs typeface="+mn-cs"/>
+      </a:defRPr>
+    </a:lvl8pPr>
+    <a:lvl9pPr marL="3657600" algn="l" defTabSz="914400" rtl="0" eaLnBrk="1" latinLnBrk="0" hangingPunct="1">
+      <a:defRPr sz="1200" kern="1200">
+        <a:solidFill>
+          <a:schemeClr val="tx1"/>
+        </a:solidFill>
+        <a:latin typeface="+mn-lt"/>
+        <a:ea typeface="+mn-ea"/>
+        <a:cs typeface="+mn-cs"/>
+      </a:defRPr>
+    </a:lvl9pPr>
+  </p:notesStyle>
+</p:notesMaster>
+</file>
+
+<file path=ppt/notesSlides/notesSlide1.xml><?xml version="1.0" encoding="utf-8"?>
+<p:notes xmlns:a="http://schemas.openxmlformats.org/drawingml/2006/main" xmlns:r="http://schemas.openxmlformats.org/officeDocument/2006/relationships" xmlns:p="http://schemas.openxmlformats.org/presentationml/2006/main">
+  <p:cSld>
+    <p:spTree>
+      <p:nvGrpSpPr>
+        <p:cNvPr id="1" name=""/>
+        <p:cNvGrpSpPr/>
+        <p:nvPr/>
+      </p:nvGrpSpPr>
+      <p:grpSpPr>
+        <a:xfrm>
+          <a:off x="0" y="0"/>
+          <a:ext cx="0" cy="0"/>
+          <a:chOff x="0" y="0"/>
+          <a:chExt cx="0" cy="0"/>
+        </a:xfrm>
+      </p:grpSpPr>
+      <p:sp>
+        <p:nvSpPr>
+          <p:cNvPr id="2" name="Slide Image Placeholder 1"/>
+          <p:cNvSpPr>
+            <a:spLocks noGrp="1" noRot="1" noChangeAspect="1"/>
+          </p:cNvSpPr>
+          <p:nvPr>
+            <p:ph type="sldImg"/>
+          </p:nvPr>
+        </p:nvSpPr>
+        <p:spPr/>
+      </p:sp>
+      <p:sp>
+        <p:nvSpPr>
+          <p:cNvPr id="3" name="Notes Placeholder 2"/>
+          <p:cNvSpPr>
+            <a:spLocks noGrp="1"/>
+          </p:cNvSpPr>
+          <p:nvPr>
+            <p:ph type="body" idx="1"/>
+          </p:nvPr>
+        </p:nvSpPr>
+        <p:spPr/>
+        <p:txBody>
+          <a:bodyPr/>
+          <a:lstStyle/>
+          <a:p>
+            <a:r>
+              <a:rPr lang="en-US" dirty="0">
+                <a:hlinkClick r:id="rId3"/>
+              </a:rPr>
+              <a:t>https://www.thehrdigest.com/cost-of-employee-turnover-vs-retention-proposition/</a:t>
+            </a:r>
+            <a:endParaRPr lang="en-US"/>
+          </a:p>
+          <a:p>
+            <a:r>
+              <a:rPr lang="en-US" dirty="0">
+                <a:hlinkClick r:id="rId4"/>
+              </a:rPr>
+              <a:t>https://www.americanprogress.org/wp-content/uploads/2012/11/CostofTurnover.pdf</a:t>
+            </a:r>
+            <a:endParaRPr lang="en-US"/>
+          </a:p>
+          <a:p>
+            <a:r>
+              <a:rPr lang="en-US" dirty="0"/>
+              <a:t>Center for American Progress study</a:t>
+            </a:r>
+            <a:endParaRPr lang="en-US" dirty="0">
+              <a:cs typeface="Calibri"/>
+            </a:endParaRPr>
+          </a:p>
+          <a:p>
+            <a:endParaRPr lang="en-US" dirty="0">
+              <a:cs typeface="Calibri"/>
+            </a:endParaRPr>
+          </a:p>
+        </p:txBody>
+      </p:sp>
+      <p:sp>
+        <p:nvSpPr>
+          <p:cNvPr id="4" name="Slide Number Placeholder 3"/>
+          <p:cNvSpPr>
+            <a:spLocks noGrp="1"/>
+          </p:cNvSpPr>
+          <p:nvPr>
+            <p:ph type="sldNum" sz="quarter" idx="5"/>
+          </p:nvPr>
+        </p:nvSpPr>
+        <p:spPr/>
+        <p:txBody>
+          <a:bodyPr/>
+          <a:lstStyle/>
+          <a:p>
+            <a:fld id="{8DB1E9F2-10B0-C64C-B66A-10A21B1A1FF7}" type="slidenum">
+              <a:rPr lang="en-US" smtClean="0"/>
+              <a:t>3</a:t>
+            </a:fld>
+            <a:endParaRPr lang="en-US"/>
+          </a:p>
+        </p:txBody>
+      </p:sp>
+    </p:spTree>
+    <p:extLst>
+      <p:ext uri="{BB962C8B-B14F-4D97-AF65-F5344CB8AC3E}">
+        <p14:creationId xmlns:p14="http://schemas.microsoft.com/office/powerpoint/2010/main" val="22735079"/>
+      </p:ext>
+    </p:extLst>
+  </p:cSld>
+  <p:clrMapOvr>
+    <a:masterClrMapping/>
+  </p:clrMapOvr>
+</p:notes>
+</file>
+
+<file path=ppt/notesSlides/notesSlide2.xml><?xml version="1.0" encoding="utf-8"?>
+<p:notes xmlns:a="http://schemas.openxmlformats.org/drawingml/2006/main" xmlns:r="http://schemas.openxmlformats.org/officeDocument/2006/relationships" xmlns:p="http://schemas.openxmlformats.org/presentationml/2006/main">
+  <p:cSld>
+    <p:spTree>
+      <p:nvGrpSpPr>
+        <p:cNvPr id="1" name=""/>
+        <p:cNvGrpSpPr/>
+        <p:nvPr/>
+      </p:nvGrpSpPr>
+      <p:grpSpPr>
+        <a:xfrm>
+          <a:off x="0" y="0"/>
+          <a:ext cx="0" cy="0"/>
+          <a:chOff x="0" y="0"/>
+          <a:chExt cx="0" cy="0"/>
+        </a:xfrm>
+      </p:grpSpPr>
+      <p:sp>
+        <p:nvSpPr>
+          <p:cNvPr id="2" name="Slide Image Placeholder 1"/>
+          <p:cNvSpPr>
+            <a:spLocks noGrp="1" noRot="1" noChangeAspect="1"/>
+          </p:cNvSpPr>
+          <p:nvPr>
+            <p:ph type="sldImg"/>
+          </p:nvPr>
+        </p:nvSpPr>
+        <p:spPr/>
+      </p:sp>
+      <p:sp>
+        <p:nvSpPr>
+          <p:cNvPr id="3" name="Notes Placeholder 2"/>
+          <p:cNvSpPr>
+            <a:spLocks noGrp="1"/>
+          </p:cNvSpPr>
+          <p:nvPr>
+            <p:ph type="body" idx="1"/>
+          </p:nvPr>
+        </p:nvSpPr>
+        <p:spPr/>
+        <p:txBody>
+          <a:bodyPr/>
+          <a:lstStyle/>
+          <a:p>
+            <a:r>
+              <a:rPr lang="en-US" dirty="0"/>
+              <a:t>— Limit Voluntary Turnover of High-Performing Individuals</a:t>
+            </a:r>
+          </a:p>
+          <a:p>
+            <a:pPr marL="171450" indent="-171450">
+              <a:buFontTx/>
+              <a:buChar char="-"/>
+            </a:pPr>
+            <a:r>
+              <a:rPr lang="en-US" dirty="0"/>
+              <a:t>A survey from Accounting Principals and </a:t>
+            </a:r>
+            <a:r>
+              <a:rPr lang="en-US" dirty="0" err="1"/>
+              <a:t>Ajilon</a:t>
+            </a:r>
+            <a:r>
+              <a:rPr lang="en-US" dirty="0"/>
+              <a:t> (7/18/18) reported that 81.2% of full-time U.S. employees were open to new job opportunities.</a:t>
+            </a:r>
+          </a:p>
+          <a:p>
+            <a:pPr marL="171450" indent="-171450">
+              <a:buFontTx/>
+              <a:buChar char="-"/>
+            </a:pPr>
+            <a:r>
+              <a:rPr lang="en-US" dirty="0"/>
+              <a:t>A survey published by the American Institute of CPAs reported that 80% of workers would keep a job with benefits rather than take one that offered more pay and no benefits</a:t>
+            </a:r>
+          </a:p>
+          <a:p>
+            <a:pPr marL="628650" lvl="1" indent="-171450">
+              <a:buFontTx/>
+              <a:buChar char="-"/>
+            </a:pPr>
+            <a:r>
+              <a:rPr lang="en-US" dirty="0"/>
+              <a:t>401k match, health insurance, and paid time off were the top desired workplace benefits </a:t>
+            </a:r>
+          </a:p>
+          <a:p>
+            <a:r>
+              <a:rPr lang="en-US" dirty="0"/>
+              <a:t>https://</a:t>
+            </a:r>
+            <a:r>
+              <a:rPr lang="en-US" dirty="0" err="1"/>
+              <a:t>www.aicpa.org</a:t>
+            </a:r>
+            <a:r>
+              <a:rPr lang="en-US" dirty="0"/>
+              <a:t>/press/</a:t>
+            </a:r>
+            <a:r>
+              <a:rPr lang="en-US" dirty="0" err="1"/>
+              <a:t>pressreleases</a:t>
+            </a:r>
+            <a:r>
+              <a:rPr lang="en-US" dirty="0"/>
+              <a:t>/2018/americans-favor-workplace-benefits-over-extra-salary.html</a:t>
+            </a:r>
+          </a:p>
+          <a:p>
+            <a:endParaRPr lang="en-US" dirty="0"/>
+          </a:p>
+          <a:p>
+            <a:r>
+              <a:rPr lang="en-US" dirty="0"/>
+              <a:t>- Working to keep highly engaged and performing employees is much more cost-effective than </a:t>
+            </a:r>
+            <a:r>
+              <a:rPr lang="en-US" dirty="0" err="1"/>
+              <a:t>onboarding</a:t>
+            </a:r>
+            <a:r>
+              <a:rPr lang="en-US" dirty="0"/>
+              <a:t> and training new employees</a:t>
+            </a:r>
+          </a:p>
+          <a:p>
+            <a:endParaRPr lang="en-US" dirty="0"/>
+          </a:p>
+          <a:p>
+            <a:r>
+              <a:rPr lang="en-US" dirty="0"/>
+              <a:t>— Improve practices that the data does not quantify</a:t>
+            </a:r>
+          </a:p>
+          <a:p>
+            <a:r>
+              <a:rPr lang="en-US" dirty="0"/>
+              <a:t>- Hiring Practices must be aimed towards employees that are not only qualified, but also with those that align with the cultural fit and company vision.</a:t>
+            </a:r>
+          </a:p>
+          <a:p>
+            <a:pPr marL="171450" indent="-171450">
+              <a:buFontTx/>
+              <a:buChar char="-"/>
+            </a:pPr>
+            <a:r>
+              <a:rPr lang="en-US" dirty="0" err="1"/>
+              <a:t>Onboarding</a:t>
+            </a:r>
+            <a:r>
+              <a:rPr lang="en-US" dirty="0"/>
+              <a:t> processes must be aimed at making new employees feel welcomed and setting them up to succeed</a:t>
+            </a:r>
+          </a:p>
+          <a:p>
+            <a:pPr marL="628650" lvl="1" indent="-171450">
+              <a:buFontTx/>
+              <a:buChar char="-"/>
+            </a:pPr>
+            <a:r>
+              <a:rPr lang="en-US" dirty="0"/>
+              <a:t>set proper expectations, collect feedback, team introductions, clearly define roles</a:t>
+            </a:r>
+          </a:p>
+          <a:p>
+            <a:pPr marL="171450" lvl="0" indent="-171450">
+              <a:buFontTx/>
+              <a:buChar char="-"/>
+            </a:pPr>
+            <a:r>
+              <a:rPr lang="en-US" dirty="0"/>
+              <a:t>Train managers properly and regularly so that they are well-equipped to successfully lead their team</a:t>
+            </a:r>
+          </a:p>
+          <a:p>
+            <a:pPr marL="628650" lvl="1" indent="-171450">
+              <a:buFontTx/>
+              <a:buChar char="-"/>
+            </a:pPr>
+            <a:r>
+              <a:rPr lang="en-US" dirty="0"/>
+              <a:t>Management requires a different skill set reliant on a certain level emotional intelligence necessary to motivate and empower team members</a:t>
+            </a:r>
+          </a:p>
+          <a:p>
+            <a:pPr marL="171450" lvl="0" indent="-171450">
+              <a:buFontTx/>
+              <a:buChar char="-"/>
+            </a:pPr>
+            <a:endParaRPr lang="en-US" dirty="0"/>
+          </a:p>
+          <a:p>
+            <a:pPr marL="0" lvl="0" indent="0">
+              <a:buFontTx/>
+              <a:buNone/>
+            </a:pPr>
+            <a:r>
+              <a:rPr lang="en-US" dirty="0"/>
+              <a:t>https://</a:t>
+            </a:r>
+            <a:r>
+              <a:rPr lang="en-US" dirty="0" err="1"/>
+              <a:t>www.officevibe.com</a:t>
+            </a:r>
+            <a:r>
+              <a:rPr lang="en-US" dirty="0"/>
+              <a:t>/blog/how-to-calculate-employee-turnover</a:t>
+            </a:r>
+          </a:p>
+          <a:p>
+            <a:pPr marL="171450" lvl="0" indent="-171450">
+              <a:buFontTx/>
+              <a:buChar char="-"/>
+            </a:pPr>
+            <a:endParaRPr lang="en-US" dirty="0"/>
+          </a:p>
+          <a:p>
+            <a:pPr marL="0" lvl="0" indent="0">
+              <a:buFontTx/>
+              <a:buNone/>
+            </a:pPr>
+            <a:r>
+              <a:rPr lang="en-US" dirty="0"/>
+              <a:t>— Our data reports 32.32% of employees turnover when working less than 1 year under their current manager (percentage steadily declines with each additional year)</a:t>
+            </a:r>
+          </a:p>
+          <a:p>
+            <a:pPr marL="628650" lvl="1" indent="-171450">
+              <a:buFontTx/>
+              <a:buChar char="-"/>
+            </a:pPr>
+            <a:r>
+              <a:rPr lang="en-US" dirty="0"/>
+              <a:t>This is in alignment with the need for proper </a:t>
+            </a:r>
+            <a:r>
+              <a:rPr lang="en-US" dirty="0" err="1"/>
+              <a:t>onboarding</a:t>
+            </a:r>
+            <a:r>
+              <a:rPr lang="en-US" dirty="0"/>
+              <a:t> techniques for new incoming employees and highlights the importance of the manager-employee relationship.</a:t>
+            </a:r>
+          </a:p>
+          <a:p>
+            <a:pPr marL="171450" lvl="0" indent="-171450">
+              <a:buFontTx/>
+              <a:buChar char="-"/>
+            </a:pPr>
+            <a:r>
+              <a:rPr lang="en-US" dirty="0"/>
+              <a:t> Our data reports that 96% of Managers in the company are trained at least twice a year</a:t>
+            </a:r>
+          </a:p>
+          <a:p>
+            <a:pPr marL="171450" lvl="0" indent="-171450">
+              <a:buFontTx/>
+              <a:buChar char="-"/>
+            </a:pPr>
+            <a:r>
+              <a:rPr lang="en-US" dirty="0"/>
+              <a:t>However, our data reports that 20.91% of employees with a new manager after being at the company for one </a:t>
+            </a:r>
+            <a:r>
+              <a:rPr lang="en-US"/>
+              <a:t>year turnover </a:t>
+            </a:r>
+            <a:endParaRPr lang="en-US" dirty="0"/>
+          </a:p>
+          <a:p>
+            <a:pPr marL="628650" lvl="1" indent="-171450">
+              <a:buFontTx/>
+              <a:buChar char="-"/>
+            </a:pPr>
+            <a:r>
+              <a:rPr lang="en-US" dirty="0"/>
+              <a:t>This indicates that employees transitioning into a new managerial position require the most training in order to limit turnover rate</a:t>
+            </a:r>
+          </a:p>
+          <a:p>
+            <a:pPr marL="628650" lvl="1" indent="-171450">
+              <a:buFontTx/>
+              <a:buChar char="-"/>
+            </a:pPr>
+            <a:endParaRPr lang="en-US" dirty="0"/>
+          </a:p>
+          <a:p>
+            <a:pPr marL="171450" lvl="0" indent="-171450">
+              <a:buFontTx/>
+              <a:buChar char="-"/>
+            </a:pPr>
+            <a:endParaRPr lang="en-US" dirty="0"/>
+          </a:p>
+        </p:txBody>
+      </p:sp>
+      <p:sp>
+        <p:nvSpPr>
+          <p:cNvPr id="4" name="Slide Number Placeholder 3"/>
+          <p:cNvSpPr>
+            <a:spLocks noGrp="1"/>
+          </p:cNvSpPr>
+          <p:nvPr>
+            <p:ph type="sldNum" sz="quarter" idx="5"/>
+          </p:nvPr>
+        </p:nvSpPr>
+        <p:spPr/>
+        <p:txBody>
+          <a:bodyPr/>
+          <a:lstStyle/>
+          <a:p>
+            <a:fld id="{8DB1E9F2-10B0-C64C-B66A-10A21B1A1FF7}" type="slidenum">
+              <a:rPr lang="en-US" smtClean="0"/>
+              <a:t>4</a:t>
+            </a:fld>
+            <a:endParaRPr lang="en-US"/>
+          </a:p>
+        </p:txBody>
+      </p:sp>
+    </p:spTree>
+    <p:extLst>
+      <p:ext uri="{BB962C8B-B14F-4D97-AF65-F5344CB8AC3E}">
+        <p14:creationId xmlns:p14="http://schemas.microsoft.com/office/powerpoint/2010/main" val="60980110"/>
+      </p:ext>
+    </p:extLst>
+  </p:cSld>
+  <p:clrMapOvr>
+    <a:masterClrMapping/>
+  </p:clrMapOvr>
+</p:notes>
+</file>
+
+<file path=ppt/notesSlides/notesSlide3.xml><?xml version="1.0" encoding="utf-8"?>
+<p:notes xmlns:a="http://schemas.openxmlformats.org/drawingml/2006/main" xmlns:r="http://schemas.openxmlformats.org/officeDocument/2006/relationships" xmlns:p="http://schemas.openxmlformats.org/presentationml/2006/main">
+  <p:cSld>
+    <p:spTree>
+      <p:nvGrpSpPr>
+        <p:cNvPr id="1" name=""/>
+        <p:cNvGrpSpPr/>
+        <p:nvPr/>
+      </p:nvGrpSpPr>
+      <p:grpSpPr>
+        <a:xfrm>
+          <a:off x="0" y="0"/>
+          <a:ext cx="0" cy="0"/>
+          <a:chOff x="0" y="0"/>
+          <a:chExt cx="0" cy="0"/>
+        </a:xfrm>
+      </p:grpSpPr>
+      <p:sp>
+        <p:nvSpPr>
+          <p:cNvPr id="2" name="Slide Image Placeholder 1"/>
+          <p:cNvSpPr>
+            <a:spLocks noGrp="1" noRot="1" noChangeAspect="1"/>
+          </p:cNvSpPr>
+          <p:nvPr>
+            <p:ph type="sldImg"/>
+          </p:nvPr>
+        </p:nvSpPr>
+        <p:spPr/>
+      </p:sp>
+      <p:sp>
+        <p:nvSpPr>
+          <p:cNvPr id="3" name="Notes Placeholder 2"/>
+          <p:cNvSpPr>
+            <a:spLocks noGrp="1"/>
+          </p:cNvSpPr>
+          <p:nvPr>
+            <p:ph type="body" idx="1"/>
+          </p:nvPr>
+        </p:nvSpPr>
+        <p:spPr/>
+        <p:txBody>
+          <a:bodyPr/>
+          <a:lstStyle/>
+          <a:p>
+            <a:r>
+              <a:rPr lang="en-US" dirty="0">
+                <a:hlinkClick r:id="rId3"/>
+              </a:rPr>
+              <a:t>https://www.officevibe.com/blog/how-to-calculate-employee-turnover</a:t>
+            </a:r>
+            <a:endParaRPr lang="en-US" dirty="0"/>
+          </a:p>
+          <a:p>
+            <a:endParaRPr lang="en-US" dirty="0">
+              <a:cs typeface="Calibri"/>
+            </a:endParaRPr>
+          </a:p>
+          <a:p>
+            <a:r>
+              <a:rPr lang="en-US">
+                <a:cs typeface="Calibri"/>
+              </a:rPr>
+              <a:t>- Consider the blue line as the general investment cost and return in value of hiring a new employee (assuming the right culture fit)</a:t>
+            </a:r>
+            <a:endParaRPr lang="en-US" dirty="0">
+              <a:cs typeface="Calibri"/>
+            </a:endParaRPr>
+          </a:p>
+          <a:p>
+            <a:r>
+              <a:rPr lang="en-US">
+                <a:cs typeface="Calibri"/>
+              </a:rPr>
+              <a:t>- The red line respresents the optimal return for a high-performing employee that results from great management, development, recognition, engagement, and effort</a:t>
+            </a:r>
+            <a:endParaRPr lang="en-US" dirty="0">
+              <a:cs typeface="Calibri"/>
+            </a:endParaRPr>
+          </a:p>
+          <a:p>
+            <a:r>
+              <a:rPr lang="en-US">
+                <a:cs typeface="Calibri"/>
+              </a:rPr>
+              <a:t>-- which are byproducts of properly training management and onboarding new employees</a:t>
+            </a:r>
+          </a:p>
+          <a:p>
+            <a:r>
+              <a:rPr lang="en-US">
+                <a:cs typeface="Calibri"/>
+              </a:rPr>
+              <a:t>- These processes not only increase employee value, but also emphasize the cost-effectiveness of retaining these employees</a:t>
+            </a:r>
+            <a:endParaRPr lang="en-US" dirty="0">
+              <a:cs typeface="Calibri"/>
+            </a:endParaRPr>
+          </a:p>
+        </p:txBody>
+      </p:sp>
+      <p:sp>
+        <p:nvSpPr>
+          <p:cNvPr id="4" name="Slide Number Placeholder 3"/>
+          <p:cNvSpPr>
+            <a:spLocks noGrp="1"/>
+          </p:cNvSpPr>
+          <p:nvPr>
+            <p:ph type="sldNum" sz="quarter" idx="5"/>
+          </p:nvPr>
+        </p:nvSpPr>
+        <p:spPr/>
+        <p:txBody>
+          <a:bodyPr/>
+          <a:lstStyle/>
+          <a:p>
+            <a:fld id="{8DB1E9F2-10B0-C64C-B66A-10A21B1A1FF7}" type="slidenum">
+              <a:rPr lang="en-US" smtClean="0"/>
+              <a:t>5</a:t>
+            </a:fld>
+            <a:endParaRPr lang="en-US"/>
+          </a:p>
+        </p:txBody>
+      </p:sp>
+    </p:spTree>
+    <p:extLst>
+      <p:ext uri="{BB962C8B-B14F-4D97-AF65-F5344CB8AC3E}">
+        <p14:creationId xmlns:p14="http://schemas.microsoft.com/office/powerpoint/2010/main" val="1869513694"/>
+      </p:ext>
+    </p:extLst>
+  </p:cSld>
+  <p:clrMapOvr>
+    <a:masterClrMapping/>
+  </p:clrMapOvr>
+</p:notes>
+</file>
+
+<file path=ppt/notesSlides/notesSlide4.xml><?xml version="1.0" encoding="utf-8"?>
+<p:notes xmlns:a="http://schemas.openxmlformats.org/drawingml/2006/main" xmlns:r="http://schemas.openxmlformats.org/officeDocument/2006/relationships" xmlns:p="http://schemas.openxmlformats.org/presentationml/2006/main">
+  <p:cSld>
+    <p:spTree>
+      <p:nvGrpSpPr>
+        <p:cNvPr id="1" name=""/>
+        <p:cNvGrpSpPr/>
+        <p:nvPr/>
+      </p:nvGrpSpPr>
+      <p:grpSpPr>
+        <a:xfrm>
+          <a:off x="0" y="0"/>
+          <a:ext cx="0" cy="0"/>
+          <a:chOff x="0" y="0"/>
+          <a:chExt cx="0" cy="0"/>
+        </a:xfrm>
+      </p:grpSpPr>
+      <p:sp>
+        <p:nvSpPr>
+          <p:cNvPr id="2" name="Slide Image Placeholder 1"/>
+          <p:cNvSpPr>
+            <a:spLocks noGrp="1" noRot="1" noChangeAspect="1"/>
+          </p:cNvSpPr>
+          <p:nvPr>
+            <p:ph type="sldImg"/>
+          </p:nvPr>
+        </p:nvSpPr>
+        <p:spPr/>
+      </p:sp>
+      <p:sp>
+        <p:nvSpPr>
+          <p:cNvPr id="3" name="Notes Placeholder 2"/>
+          <p:cNvSpPr>
+            <a:spLocks noGrp="1"/>
+          </p:cNvSpPr>
+          <p:nvPr>
+            <p:ph type="body" idx="1"/>
+          </p:nvPr>
+        </p:nvSpPr>
+        <p:spPr/>
+        <p:txBody>
+          <a:bodyPr/>
+          <a:lstStyle/>
+          <a:p>
+            <a:r>
+              <a:rPr lang="en-US">
+                <a:cs typeface="Calibri"/>
+              </a:rPr>
+              <a:t>- From Payscale.com:</a:t>
+            </a:r>
+            <a:endParaRPr lang="en-US" dirty="0">
+              <a:cs typeface="Calibri"/>
+            </a:endParaRPr>
+          </a:p>
+          <a:p>
+            <a:r>
+              <a:rPr lang="en-US">
+                <a:cs typeface="Calibri"/>
+              </a:rPr>
+              <a:t>-- Average Annual Salary for Sales Rep.: $45,679 | 50% of Sales Reps at the company are being paid &lt;$30k</a:t>
+            </a:r>
+          </a:p>
+          <a:p>
+            <a:r>
+              <a:rPr lang="en-US">
+                <a:cs typeface="Calibri"/>
+              </a:rPr>
+              <a:t>-- Average Annual Salary for Lab Tech.: $42,470 | | 32% of Lab Techs at company are being paid &lt;$30k</a:t>
+            </a:r>
+            <a:endParaRPr lang="en-US" dirty="0">
+              <a:cs typeface="Calibri"/>
+            </a:endParaRPr>
+          </a:p>
+          <a:p>
+            <a:r>
+              <a:rPr lang="en-US">
+                <a:cs typeface="Calibri"/>
+              </a:rPr>
+              <a:t>-- Average Annual Salary for HR: $52,788 | 63% of HR at company are being paid &lt;$50k</a:t>
+            </a:r>
+          </a:p>
+          <a:p>
+            <a:endParaRPr lang="en-US" dirty="0">
+              <a:cs typeface="Calibri"/>
+            </a:endParaRPr>
+          </a:p>
+          <a:p>
+            <a:r>
+              <a:rPr lang="en-US">
+                <a:cs typeface="Calibri"/>
+              </a:rPr>
+              <a:t>- Frequent feedback from employee will allow Managers to have a better sense of employee satisfaction and resolve issues such as insufficient pay</a:t>
+            </a:r>
+            <a:endParaRPr lang="en-US" dirty="0">
+              <a:cs typeface="Calibri"/>
+            </a:endParaRPr>
+          </a:p>
+          <a:p>
+            <a:r>
+              <a:rPr lang="en-US">
+                <a:cs typeface="Calibri"/>
+              </a:rPr>
+              <a:t>- Empower employees with a sense of purpose in their work by allowing them to grow in the company</a:t>
+            </a:r>
+            <a:endParaRPr lang="en-US" dirty="0">
+              <a:cs typeface="Calibri"/>
+            </a:endParaRPr>
+          </a:p>
+          <a:p>
+            <a:r>
+              <a:rPr lang="en-US">
+                <a:cs typeface="Calibri"/>
+              </a:rPr>
+              <a:t>- Although most employees have trainings 2-3 times a year, frequent feedback will allow these trainings to cater to the specific skills/interests employees hope to cultivate</a:t>
+            </a:r>
+            <a:endParaRPr lang="en-US" dirty="0">
+              <a:cs typeface="Calibri"/>
+            </a:endParaRPr>
+          </a:p>
+          <a:p>
+            <a:r>
+              <a:rPr lang="en-US">
+                <a:cs typeface="Calibri"/>
+              </a:rPr>
+              <a:t>- Better Method for Rating Employee Performance allowing for exceptional employees to be recognized</a:t>
+            </a:r>
+          </a:p>
+          <a:p>
+            <a:r>
+              <a:rPr lang="en-US">
+                <a:cs typeface="Calibri"/>
+              </a:rPr>
+              <a:t>- Company executives must disseminate the company ideology so the company goals/achievements become the employee's personal goals/achievements</a:t>
+            </a:r>
+            <a:endParaRPr lang="en-US" dirty="0">
+              <a:cs typeface="Calibri"/>
+            </a:endParaRPr>
+          </a:p>
+        </p:txBody>
+      </p:sp>
+      <p:sp>
+        <p:nvSpPr>
+          <p:cNvPr id="4" name="Slide Number Placeholder 3"/>
+          <p:cNvSpPr>
+            <a:spLocks noGrp="1"/>
+          </p:cNvSpPr>
+          <p:nvPr>
+            <p:ph type="sldNum" sz="quarter" idx="5"/>
+          </p:nvPr>
+        </p:nvSpPr>
+        <p:spPr/>
+        <p:txBody>
+          <a:bodyPr/>
+          <a:lstStyle/>
+          <a:p>
+            <a:fld id="{8DB1E9F2-10B0-C64C-B66A-10A21B1A1FF7}" type="slidenum">
+              <a:rPr lang="en-US" smtClean="0"/>
+              <a:t>6</a:t>
+            </a:fld>
+            <a:endParaRPr lang="en-US"/>
+          </a:p>
+        </p:txBody>
+      </p:sp>
+    </p:spTree>
+    <p:extLst>
+      <p:ext uri="{BB962C8B-B14F-4D97-AF65-F5344CB8AC3E}">
+        <p14:creationId xmlns:p14="http://schemas.microsoft.com/office/powerpoint/2010/main" val="909395756"/>
+      </p:ext>
+    </p:extLst>
+  </p:cSld>
+  <p:clrMapOvr>
+    <a:masterClrMapping/>
+  </p:clrMapOvr>
+</p:notes>
+</file>
+
+<file path=ppt/notesSlides/notesSlide5.xml><?xml version="1.0" encoding="utf-8"?>
+<p:notes xmlns:a="http://schemas.openxmlformats.org/drawingml/2006/main" xmlns:r="http://schemas.openxmlformats.org/officeDocument/2006/relationships" xmlns:p="http://schemas.openxmlformats.org/presentationml/2006/main">
+  <p:cSld>
+    <p:spTree>
+      <p:nvGrpSpPr>
+        <p:cNvPr id="1" name=""/>
+        <p:cNvGrpSpPr/>
+        <p:nvPr/>
+      </p:nvGrpSpPr>
+      <p:grpSpPr>
+        <a:xfrm>
+          <a:off x="0" y="0"/>
+          <a:ext cx="0" cy="0"/>
+          <a:chOff x="0" y="0"/>
+          <a:chExt cx="0" cy="0"/>
+        </a:xfrm>
+      </p:grpSpPr>
+      <p:sp>
+        <p:nvSpPr>
+          <p:cNvPr id="2" name="Slide Image Placeholder 1"/>
+          <p:cNvSpPr>
+            <a:spLocks noGrp="1" noRot="1" noChangeAspect="1"/>
+          </p:cNvSpPr>
+          <p:nvPr>
+            <p:ph type="sldImg"/>
+          </p:nvPr>
+        </p:nvSpPr>
+        <p:spPr/>
+      </p:sp>
+      <p:sp>
+        <p:nvSpPr>
+          <p:cNvPr id="3" name="Notes Placeholder 2"/>
+          <p:cNvSpPr>
+            <a:spLocks noGrp="1"/>
+          </p:cNvSpPr>
+          <p:nvPr>
+            <p:ph type="body" idx="1"/>
+          </p:nvPr>
+        </p:nvSpPr>
+        <p:spPr/>
+        <p:txBody>
+          <a:bodyPr/>
+          <a:lstStyle/>
+          <a:p>
+            <a:endParaRPr lang="en-US" dirty="0"/>
+          </a:p>
+        </p:txBody>
+      </p:sp>
+      <p:sp>
+        <p:nvSpPr>
+          <p:cNvPr id="4" name="Slide Number Placeholder 3"/>
+          <p:cNvSpPr>
+            <a:spLocks noGrp="1"/>
+          </p:cNvSpPr>
+          <p:nvPr>
+            <p:ph type="sldNum" sz="quarter" idx="10"/>
+          </p:nvPr>
+        </p:nvSpPr>
+        <p:spPr/>
+        <p:txBody>
+          <a:bodyPr/>
+          <a:lstStyle/>
+          <a:p>
+            <a:fld id="{ABFFC488-B87F-B04E-863D-D4EA78BD4399}" type="slidenum">
+              <a:rPr lang="en-US" smtClean="0"/>
+              <a:t>8</a:t>
+            </a:fld>
+            <a:endParaRPr lang="en-US"/>
+          </a:p>
+        </p:txBody>
+      </p:sp>
+    </p:spTree>
+    <p:extLst>
+      <p:ext uri="{BB962C8B-B14F-4D97-AF65-F5344CB8AC3E}">
+        <p14:creationId xmlns:p14="http://schemas.microsoft.com/office/powerpoint/2010/main" val="1967601335"/>
+      </p:ext>
+    </p:extLst>
+  </p:cSld>
+  <p:clrMapOvr>
+    <a:masterClrMapping/>
+  </p:clrMapOvr>
+</p:notes>
 </file>
 
 <file path=ppt/slideLayouts/slideLayout1.xml><?xml version="1.0" encoding="utf-8"?>
@@ -187,17 +1391,16 @@
           </a:lstStyle>
           <a:p>
             <a:r>
-              <a:rPr lang="en-US" dirty="0" smtClean="0"/>
+              <a:rPr lang="en-US" dirty="0"/>
               <a:t>Click to edit </a:t>
             </a:r>
             <a:br>
-              <a:rPr lang="en-US" dirty="0" smtClean="0"/>
+              <a:rPr lang="en-US" dirty="0"/>
             </a:br>
             <a:r>
-              <a:rPr lang="en-US" dirty="0" smtClean="0"/>
+              <a:rPr lang="en-US" dirty="0"/>
               <a:t>Master title style</a:t>
             </a:r>
-            <a:endParaRPr lang="en-US" dirty="0"/>
           </a:p>
         </p:txBody>
       </p:sp>
@@ -315,16 +1518,15 @@
           </a:lstStyle>
           <a:p>
             <a:r>
-              <a:rPr lang="en-US" dirty="0" smtClean="0"/>
+              <a:rPr lang="en-US" dirty="0"/>
               <a:t>Click to edit </a:t>
             </a:r>
           </a:p>
           <a:p>
             <a:r>
-              <a:rPr lang="en-US" dirty="0" smtClean="0"/>
+              <a:rPr lang="en-US" dirty="0"/>
               <a:t>Master subtitle style</a:t>
             </a:r>
-            <a:endParaRPr lang="en-US" dirty="0"/>
           </a:p>
         </p:txBody>
       </p:sp>
@@ -450,10 +1652,9 @@
           </a:lstStyle>
           <a:p>
             <a:r>
-              <a:rPr lang="en-US" smtClean="0"/>
+              <a:rPr lang="en-US"/>
               <a:t>Click to edit Master title style</a:t>
             </a:r>
-            <a:endParaRPr lang="en-US"/>
           </a:p>
         </p:txBody>
       </p:sp>
@@ -577,7 +1778,7 @@
           <a:p>
             <a:pPr lvl="0"/>
             <a:r>
-              <a:rPr lang="en-US" smtClean="0"/>
+              <a:rPr lang="en-US"/>
               <a:t>Click to edit Master text styles</a:t>
             </a:r>
           </a:p>
@@ -696,10 +1897,9 @@
           <a:lstStyle/>
           <a:p>
             <a:r>
-              <a:rPr lang="en-US" smtClean="0"/>
+              <a:rPr lang="en-US"/>
               <a:t>Click to edit Master title style</a:t>
             </a:r>
-            <a:endParaRPr lang="en-US"/>
           </a:p>
         </p:txBody>
       </p:sp>
@@ -720,38 +1920,37 @@
           <a:p>
             <a:pPr lvl="0"/>
             <a:r>
-              <a:rPr lang="en-US" smtClean="0"/>
+              <a:rPr lang="en-US"/>
               <a:t>Click to edit Master text styles</a:t>
             </a:r>
           </a:p>
           <a:p>
             <a:pPr lvl="1"/>
             <a:r>
-              <a:rPr lang="en-US" smtClean="0"/>
+              <a:rPr lang="en-US"/>
               <a:t>Second level</a:t>
             </a:r>
           </a:p>
           <a:p>
             <a:pPr lvl="2"/>
             <a:r>
-              <a:rPr lang="en-US" smtClean="0"/>
+              <a:rPr lang="en-US"/>
               <a:t>Third level</a:t>
             </a:r>
           </a:p>
           <a:p>
             <a:pPr lvl="3"/>
             <a:r>
-              <a:rPr lang="en-US" smtClean="0"/>
+              <a:rPr lang="en-US"/>
               <a:t>Fourth level</a:t>
             </a:r>
           </a:p>
           <a:p>
             <a:pPr lvl="4"/>
             <a:r>
-              <a:rPr lang="en-US" smtClean="0"/>
+              <a:rPr lang="en-US"/>
               <a:t>Fifth level</a:t>
             </a:r>
-            <a:endParaRPr lang="en-US"/>
           </a:p>
         </p:txBody>
       </p:sp>
@@ -873,10 +2072,9 @@
           <a:lstStyle/>
           <a:p>
             <a:r>
-              <a:rPr lang="en-US" smtClean="0"/>
+              <a:rPr lang="en-US"/>
               <a:t>Click to edit Master title style</a:t>
             </a:r>
-            <a:endParaRPr lang="en-US"/>
           </a:p>
         </p:txBody>
       </p:sp>
@@ -902,38 +2100,37 @@
           <a:p>
             <a:pPr lvl="0"/>
             <a:r>
-              <a:rPr lang="en-US" smtClean="0"/>
+              <a:rPr lang="en-US"/>
               <a:t>Click to edit Master text styles</a:t>
             </a:r>
           </a:p>
           <a:p>
             <a:pPr lvl="1"/>
             <a:r>
-              <a:rPr lang="en-US" smtClean="0"/>
+              <a:rPr lang="en-US"/>
               <a:t>Second level</a:t>
             </a:r>
           </a:p>
           <a:p>
             <a:pPr lvl="2"/>
             <a:r>
-              <a:rPr lang="en-US" smtClean="0"/>
+              <a:rPr lang="en-US"/>
               <a:t>Third level</a:t>
             </a:r>
           </a:p>
           <a:p>
             <a:pPr lvl="3"/>
             <a:r>
-              <a:rPr lang="en-US" smtClean="0"/>
+              <a:rPr lang="en-US"/>
               <a:t>Fourth level</a:t>
             </a:r>
           </a:p>
           <a:p>
             <a:pPr lvl="4"/>
             <a:r>
-              <a:rPr lang="en-US" smtClean="0"/>
+              <a:rPr lang="en-US"/>
               <a:t>Fifth level</a:t>
             </a:r>
-            <a:endParaRPr lang="en-US"/>
           </a:p>
         </p:txBody>
       </p:sp>
@@ -1067,10 +2264,9 @@
           </a:lstStyle>
           <a:p>
             <a:r>
-              <a:rPr lang="en-US" dirty="0" smtClean="0"/>
+              <a:rPr lang="en-US" dirty="0"/>
               <a:t>Click to edit Master title style</a:t>
             </a:r>
-            <a:endParaRPr lang="en-US" dirty="0"/>
           </a:p>
         </p:txBody>
       </p:sp>
@@ -1132,38 +2328,37 @@
           <a:p>
             <a:pPr lvl="0"/>
             <a:r>
-              <a:rPr lang="en-US" dirty="0" smtClean="0"/>
+              <a:rPr lang="en-US" dirty="0"/>
               <a:t>Click to edit Master text styles</a:t>
             </a:r>
           </a:p>
           <a:p>
             <a:pPr lvl="1"/>
             <a:r>
-              <a:rPr lang="en-US" dirty="0" smtClean="0"/>
+              <a:rPr lang="en-US" dirty="0"/>
               <a:t>Second level</a:t>
             </a:r>
           </a:p>
           <a:p>
             <a:pPr lvl="2"/>
             <a:r>
-              <a:rPr lang="en-US" dirty="0" smtClean="0"/>
+              <a:rPr lang="en-US" dirty="0"/>
               <a:t>Third level</a:t>
             </a:r>
           </a:p>
           <a:p>
             <a:pPr lvl="3"/>
             <a:r>
-              <a:rPr lang="en-US" dirty="0" smtClean="0"/>
+              <a:rPr lang="en-US" dirty="0"/>
               <a:t>Fourth level</a:t>
             </a:r>
           </a:p>
           <a:p>
             <a:pPr lvl="4"/>
             <a:r>
-              <a:rPr lang="en-US" dirty="0" smtClean="0"/>
+              <a:rPr lang="en-US" dirty="0"/>
               <a:t>Fifth level</a:t>
             </a:r>
-            <a:endParaRPr lang="en-US" dirty="0"/>
           </a:p>
         </p:txBody>
       </p:sp>
@@ -1295,10 +2490,9 @@
           </a:lstStyle>
           <a:p>
             <a:r>
-              <a:rPr lang="en-US" dirty="0" smtClean="0"/>
+              <a:rPr lang="en-US" dirty="0"/>
               <a:t>Click to edit Master title style</a:t>
             </a:r>
-            <a:endParaRPr lang="en-US" dirty="0"/>
           </a:p>
         </p:txBody>
       </p:sp>
@@ -1370,38 +2564,37 @@
           <a:p>
             <a:pPr lvl="0"/>
             <a:r>
-              <a:rPr lang="en-US" dirty="0" smtClean="0"/>
+              <a:rPr lang="en-US" dirty="0"/>
               <a:t>Click to edit Master text styles</a:t>
             </a:r>
           </a:p>
           <a:p>
             <a:pPr lvl="1"/>
             <a:r>
-              <a:rPr lang="en-US" dirty="0" smtClean="0"/>
+              <a:rPr lang="en-US" dirty="0"/>
               <a:t>Second level</a:t>
             </a:r>
           </a:p>
           <a:p>
             <a:pPr lvl="2"/>
             <a:r>
-              <a:rPr lang="en-US" dirty="0" smtClean="0"/>
+              <a:rPr lang="en-US" dirty="0"/>
               <a:t>Third level</a:t>
             </a:r>
           </a:p>
           <a:p>
             <a:pPr lvl="3"/>
             <a:r>
-              <a:rPr lang="en-US" dirty="0" smtClean="0"/>
+              <a:rPr lang="en-US" dirty="0"/>
               <a:t>Fourth level</a:t>
             </a:r>
           </a:p>
           <a:p>
             <a:pPr lvl="4"/>
             <a:r>
-              <a:rPr lang="en-US" dirty="0" smtClean="0"/>
+              <a:rPr lang="en-US" dirty="0"/>
               <a:t>Fifth level</a:t>
             </a:r>
-            <a:endParaRPr lang="en-US" dirty="0"/>
           </a:p>
         </p:txBody>
       </p:sp>
@@ -1527,10 +2720,9 @@
           </a:lstStyle>
           <a:p>
             <a:r>
-              <a:rPr lang="en-US" smtClean="0"/>
+              <a:rPr lang="en-US"/>
               <a:t>Click to edit Master title style</a:t>
             </a:r>
-            <a:endParaRPr lang="en-US"/>
           </a:p>
         </p:txBody>
       </p:sp>
@@ -1647,7 +2839,7 @@
           <a:p>
             <a:pPr lvl="0"/>
             <a:r>
-              <a:rPr lang="en-US" smtClean="0"/>
+              <a:rPr lang="en-US"/>
               <a:t>Click to edit Master text styles</a:t>
             </a:r>
           </a:p>
@@ -1766,10 +2958,9 @@
           <a:lstStyle/>
           <a:p>
             <a:r>
-              <a:rPr lang="en-US" smtClean="0"/>
+              <a:rPr lang="en-US"/>
               <a:t>Click to edit Master title style</a:t>
             </a:r>
-            <a:endParaRPr lang="en-US"/>
           </a:p>
         </p:txBody>
       </p:sp>
@@ -1823,38 +3014,37 @@
           <a:p>
             <a:pPr lvl="0"/>
             <a:r>
-              <a:rPr lang="en-US" smtClean="0"/>
+              <a:rPr lang="en-US"/>
               <a:t>Click to edit Master text styles</a:t>
             </a:r>
           </a:p>
           <a:p>
             <a:pPr lvl="1"/>
             <a:r>
-              <a:rPr lang="en-US" smtClean="0"/>
+              <a:rPr lang="en-US"/>
               <a:t>Second level</a:t>
             </a:r>
           </a:p>
           <a:p>
             <a:pPr lvl="2"/>
             <a:r>
-              <a:rPr lang="en-US" smtClean="0"/>
+              <a:rPr lang="en-US"/>
               <a:t>Third level</a:t>
             </a:r>
           </a:p>
           <a:p>
             <a:pPr lvl="3"/>
             <a:r>
-              <a:rPr lang="en-US" smtClean="0"/>
+              <a:rPr lang="en-US"/>
               <a:t>Fourth level</a:t>
             </a:r>
           </a:p>
           <a:p>
             <a:pPr lvl="4"/>
             <a:r>
-              <a:rPr lang="en-US" smtClean="0"/>
+              <a:rPr lang="en-US"/>
               <a:t>Fifth level</a:t>
             </a:r>
-            <a:endParaRPr lang="en-US"/>
           </a:p>
         </p:txBody>
       </p:sp>
@@ -1908,38 +3098,37 @@
           <a:p>
             <a:pPr lvl="0"/>
             <a:r>
-              <a:rPr lang="en-US" smtClean="0"/>
+              <a:rPr lang="en-US"/>
               <a:t>Click to edit Master text styles</a:t>
             </a:r>
           </a:p>
           <a:p>
             <a:pPr lvl="1"/>
             <a:r>
-              <a:rPr lang="en-US" smtClean="0"/>
+              <a:rPr lang="en-US"/>
               <a:t>Second level</a:t>
             </a:r>
           </a:p>
           <a:p>
             <a:pPr lvl="2"/>
             <a:r>
-              <a:rPr lang="en-US" smtClean="0"/>
+              <a:rPr lang="en-US"/>
               <a:t>Third level</a:t>
             </a:r>
           </a:p>
           <a:p>
             <a:pPr lvl="3"/>
             <a:r>
-              <a:rPr lang="en-US" smtClean="0"/>
+              <a:rPr lang="en-US"/>
               <a:t>Fourth level</a:t>
             </a:r>
           </a:p>
           <a:p>
             <a:pPr lvl="4"/>
             <a:r>
-              <a:rPr lang="en-US" smtClean="0"/>
+              <a:rPr lang="en-US"/>
               <a:t>Fifth level</a:t>
             </a:r>
-            <a:endParaRPr lang="en-US"/>
           </a:p>
         </p:txBody>
       </p:sp>
@@ -2073,10 +3262,9 @@
           </a:lstStyle>
           <a:p>
             <a:r>
-              <a:rPr lang="en-US" dirty="0" smtClean="0"/>
+              <a:rPr lang="en-US" dirty="0"/>
               <a:t>Click to edit Master title style</a:t>
             </a:r>
-            <a:endParaRPr lang="en-US" dirty="0"/>
           </a:p>
         </p:txBody>
       </p:sp>
@@ -2143,7 +3331,7 @@
           <a:p>
             <a:pPr lvl="0"/>
             <a:r>
-              <a:rPr lang="en-US" dirty="0" smtClean="0"/>
+              <a:rPr lang="en-US" dirty="0"/>
               <a:t>Click to edit Master text styles</a:t>
             </a:r>
           </a:p>
@@ -2229,38 +3417,37 @@
           <a:p>
             <a:pPr lvl="0"/>
             <a:r>
-              <a:rPr lang="en-US" dirty="0" smtClean="0"/>
+              <a:rPr lang="en-US" dirty="0"/>
               <a:t>Click to edit Master text styles</a:t>
             </a:r>
           </a:p>
           <a:p>
             <a:pPr lvl="1"/>
             <a:r>
-              <a:rPr lang="en-US" dirty="0" smtClean="0"/>
+              <a:rPr lang="en-US" dirty="0"/>
               <a:t>Second level</a:t>
             </a:r>
           </a:p>
           <a:p>
             <a:pPr lvl="2"/>
             <a:r>
-              <a:rPr lang="en-US" dirty="0" smtClean="0"/>
+              <a:rPr lang="en-US" dirty="0"/>
               <a:t>Third level</a:t>
             </a:r>
           </a:p>
           <a:p>
             <a:pPr lvl="3"/>
             <a:r>
-              <a:rPr lang="en-US" dirty="0" smtClean="0"/>
+              <a:rPr lang="en-US" dirty="0"/>
               <a:t>Fourth level</a:t>
             </a:r>
           </a:p>
           <a:p>
             <a:pPr lvl="4"/>
             <a:r>
-              <a:rPr lang="en-US" dirty="0" smtClean="0"/>
+              <a:rPr lang="en-US" dirty="0"/>
               <a:t>Fifth level</a:t>
             </a:r>
-            <a:endParaRPr lang="en-US" dirty="0"/>
           </a:p>
         </p:txBody>
       </p:sp>
@@ -2327,7 +3514,7 @@
           <a:p>
             <a:pPr lvl="0"/>
             <a:r>
-              <a:rPr lang="en-US" dirty="0" smtClean="0"/>
+              <a:rPr lang="en-US" dirty="0"/>
               <a:t>Click to edit Master text styles</a:t>
             </a:r>
           </a:p>
@@ -2413,38 +3600,37 @@
           <a:p>
             <a:pPr lvl="0"/>
             <a:r>
-              <a:rPr lang="en-US" dirty="0" smtClean="0"/>
+              <a:rPr lang="en-US" dirty="0"/>
               <a:t>Click to edit Master text styles</a:t>
             </a:r>
           </a:p>
           <a:p>
             <a:pPr lvl="1"/>
             <a:r>
-              <a:rPr lang="en-US" dirty="0" smtClean="0"/>
+              <a:rPr lang="en-US" dirty="0"/>
               <a:t>Second level</a:t>
             </a:r>
           </a:p>
           <a:p>
             <a:pPr lvl="2"/>
             <a:r>
-              <a:rPr lang="en-US" dirty="0" smtClean="0"/>
+              <a:rPr lang="en-US" dirty="0"/>
               <a:t>Third level</a:t>
             </a:r>
           </a:p>
           <a:p>
             <a:pPr lvl="3"/>
             <a:r>
-              <a:rPr lang="en-US" dirty="0" smtClean="0"/>
+              <a:rPr lang="en-US" dirty="0"/>
               <a:t>Fourth level</a:t>
             </a:r>
           </a:p>
           <a:p>
             <a:pPr lvl="4"/>
             <a:r>
-              <a:rPr lang="en-US" dirty="0" smtClean="0"/>
+              <a:rPr lang="en-US" dirty="0"/>
               <a:t>Fifth level</a:t>
             </a:r>
-            <a:endParaRPr lang="en-US" dirty="0"/>
           </a:p>
         </p:txBody>
       </p:sp>
@@ -2561,10 +3747,9 @@
           <a:lstStyle/>
           <a:p>
             <a:r>
-              <a:rPr lang="en-US" smtClean="0"/>
+              <a:rPr lang="en-US"/>
               <a:t>Click to edit Master title style</a:t>
             </a:r>
-            <a:endParaRPr lang="en-US"/>
           </a:p>
         </p:txBody>
       </p:sp>
@@ -2787,10 +3972,9 @@
           </a:lstStyle>
           <a:p>
             <a:r>
-              <a:rPr lang="en-US" smtClean="0"/>
+              <a:rPr lang="en-US"/>
               <a:t>Click to edit Master title style</a:t>
             </a:r>
-            <a:endParaRPr lang="en-US"/>
           </a:p>
         </p:txBody>
       </p:sp>
@@ -2844,38 +4028,37 @@
           <a:p>
             <a:pPr lvl="0"/>
             <a:r>
-              <a:rPr lang="en-US" smtClean="0"/>
+              <a:rPr lang="en-US"/>
               <a:t>Click to edit Master text styles</a:t>
             </a:r>
           </a:p>
           <a:p>
             <a:pPr lvl="1"/>
             <a:r>
-              <a:rPr lang="en-US" smtClean="0"/>
+              <a:rPr lang="en-US"/>
               <a:t>Second level</a:t>
             </a:r>
           </a:p>
           <a:p>
             <a:pPr lvl="2"/>
             <a:r>
-              <a:rPr lang="en-US" smtClean="0"/>
+              <a:rPr lang="en-US"/>
               <a:t>Third level</a:t>
             </a:r>
           </a:p>
           <a:p>
             <a:pPr lvl="3"/>
             <a:r>
-              <a:rPr lang="en-US" smtClean="0"/>
+              <a:rPr lang="en-US"/>
               <a:t>Fourth level</a:t>
             </a:r>
           </a:p>
           <a:p>
             <a:pPr lvl="4"/>
             <a:r>
-              <a:rPr lang="en-US" smtClean="0"/>
+              <a:rPr lang="en-US"/>
               <a:t>Fifth level</a:t>
             </a:r>
-            <a:endParaRPr lang="en-US"/>
           </a:p>
         </p:txBody>
       </p:sp>
@@ -2938,7 +4121,7 @@
           <a:p>
             <a:pPr lvl="0"/>
             <a:r>
-              <a:rPr lang="en-US" smtClean="0"/>
+              <a:rPr lang="en-US"/>
               <a:t>Click to edit Master text styles</a:t>
             </a:r>
           </a:p>
@@ -3081,10 +4264,9 @@
           <a:lstStyle/>
           <a:p>
             <a:r>
-              <a:rPr lang="en-US" smtClean="0"/>
+              <a:rPr lang="en-US"/>
               <a:t>Click to edit Master title style</a:t>
             </a:r>
-            <a:endParaRPr lang="en-US"/>
           </a:p>
         </p:txBody>
       </p:sp>
@@ -3115,38 +4297,37 @@
           <a:p>
             <a:pPr lvl="0"/>
             <a:r>
-              <a:rPr lang="en-US" smtClean="0"/>
+              <a:rPr lang="en-US"/>
               <a:t>Click to edit Master text styles</a:t>
             </a:r>
           </a:p>
           <a:p>
             <a:pPr lvl="1"/>
             <a:r>
-              <a:rPr lang="en-US" smtClean="0"/>
+              <a:rPr lang="en-US"/>
               <a:t>Second level</a:t>
             </a:r>
           </a:p>
           <a:p>
             <a:pPr lvl="2"/>
             <a:r>
-              <a:rPr lang="en-US" smtClean="0"/>
+              <a:rPr lang="en-US"/>
               <a:t>Third level</a:t>
             </a:r>
           </a:p>
           <a:p>
             <a:pPr lvl="3"/>
             <a:r>
-              <a:rPr lang="en-US" smtClean="0"/>
+              <a:rPr lang="en-US"/>
               <a:t>Fourth level</a:t>
             </a:r>
           </a:p>
           <a:p>
             <a:pPr lvl="4"/>
             <a:r>
-              <a:rPr lang="en-US" smtClean="0"/>
+              <a:rPr lang="en-US"/>
               <a:t>Fifth level</a:t>
             </a:r>
-            <a:endParaRPr lang="en-US"/>
           </a:p>
         </p:txBody>
       </p:sp>
@@ -3595,28 +4776,27 @@
           <a:lstStyle/>
           <a:p>
             <a:r>
-              <a:rPr lang="en-US" sz="5300" dirty="0" err="1" smtClean="0"/>
+              <a:rPr lang="en-US" sz="5300" dirty="0" err="1"/>
               <a:t>DDSAnalitics</a:t>
             </a:r>
             <a:r>
-              <a:rPr lang="en-US" sz="5300" dirty="0" smtClean="0"/>
+              <a:rPr lang="en-US" sz="5300" dirty="0"/>
               <a:t/>
             </a:r>
             <a:br>
-              <a:rPr lang="en-US" sz="5300" dirty="0" smtClean="0"/>
+              <a:rPr lang="en-US" sz="5300" dirty="0"/>
             </a:br>
             <a:r>
-              <a:rPr lang="en-US" dirty="0" smtClean="0"/>
+              <a:rPr lang="en-US" dirty="0"/>
               <a:t>Talent Management</a:t>
             </a:r>
             <a:br>
-              <a:rPr lang="en-US" dirty="0" smtClean="0"/>
+              <a:rPr lang="en-US" dirty="0"/>
             </a:br>
             <a:r>
-              <a:rPr lang="en-US" dirty="0" smtClean="0"/>
+              <a:rPr lang="en-US" dirty="0"/>
               <a:t>for a Changing World</a:t>
             </a:r>
-            <a:endParaRPr lang="en-US" dirty="0"/>
           </a:p>
         </p:txBody>
       </p:sp>
@@ -3638,16 +4818,15 @@
           <a:lstStyle/>
           <a:p>
             <a:r>
-              <a:rPr lang="en-US" dirty="0" smtClean="0"/>
+              <a:rPr lang="en-US" dirty="0"/>
               <a:t>Predicting Employee Turnover</a:t>
             </a:r>
           </a:p>
           <a:p>
             <a:r>
-              <a:rPr lang="en-US" sz="2000" dirty="0" smtClean="0"/>
+              <a:rPr lang="en-US" sz="2000" dirty="0"/>
               <a:t>Presenters: Amy, Andy, Richard &amp; Tom</a:t>
             </a:r>
-            <a:endParaRPr lang="en-US" sz="2000" dirty="0"/>
           </a:p>
         </p:txBody>
       </p:sp>
@@ -3691,6 +4870,83 @@
             <p:ph type="title"/>
           </p:nvPr>
         </p:nvSpPr>
+        <p:spPr>
+          <a:xfrm>
+            <a:off x="448965" y="2970885"/>
+            <a:ext cx="8229600" cy="916230"/>
+          </a:xfrm>
+        </p:spPr>
+        <p:txBody>
+          <a:bodyPr>
+            <a:noAutofit/>
+          </a:bodyPr>
+          <a:lstStyle/>
+          <a:p>
+            <a:pPr algn="ctr"/>
+            <a:r>
+              <a:rPr lang="en-US" sz="6000" dirty="0">
+                <a:latin typeface="Arial Rounded MT Bold"/>
+                <a:cs typeface="Arial Rounded MT Bold"/>
+              </a:rPr>
+              <a:t>Methodology</a:t>
+            </a:r>
+          </a:p>
+        </p:txBody>
+      </p:sp>
+    </p:spTree>
+    <p:extLst>
+      <p:ext uri="{BB962C8B-B14F-4D97-AF65-F5344CB8AC3E}">
+        <p14:creationId xmlns:p14="http://schemas.microsoft.com/office/powerpoint/2010/main" val="913591413"/>
+      </p:ext>
+    </p:extLst>
+  </p:cSld>
+  <p:clrMapOvr>
+    <a:masterClrMapping/>
+  </p:clrMapOvr>
+</p:sld>
+</file>
+
+<file path=ppt/slides/slide11.xml><?xml version="1.0" encoding="utf-8"?>
+<p:sld xmlns:a="http://schemas.openxmlformats.org/drawingml/2006/main" xmlns:r="http://schemas.openxmlformats.org/officeDocument/2006/relationships" xmlns:p="http://schemas.openxmlformats.org/presentationml/2006/main">
+  <p:cSld>
+    <p:bg>
+      <p:bgPr>
+        <a:blipFill dpi="0" rotWithShape="1">
+          <a:blip r:embed="rId2">
+            <a:lum/>
+          </a:blip>
+          <a:srcRect/>
+          <a:stretch>
+            <a:fillRect/>
+          </a:stretch>
+        </a:blipFill>
+        <a:effectLst/>
+      </p:bgPr>
+    </p:bg>
+    <p:spTree>
+      <p:nvGrpSpPr>
+        <p:cNvPr id="1" name=""/>
+        <p:cNvGrpSpPr/>
+        <p:nvPr/>
+      </p:nvGrpSpPr>
+      <p:grpSpPr>
+        <a:xfrm>
+          <a:off x="0" y="0"/>
+          <a:ext cx="0" cy="0"/>
+          <a:chOff x="0" y="0"/>
+          <a:chExt cx="0" cy="0"/>
+        </a:xfrm>
+      </p:grpSpPr>
+      <p:sp>
+        <p:nvSpPr>
+          <p:cNvPr id="4" name="Title 3"/>
+          <p:cNvSpPr>
+            <a:spLocks noGrp="1"/>
+          </p:cNvSpPr>
+          <p:nvPr>
+            <p:ph type="title"/>
+          </p:nvPr>
+        </p:nvSpPr>
         <p:spPr/>
         <p:txBody>
           <a:bodyPr>
@@ -3698,11 +4954,4488 @@
           </a:bodyPr>
           <a:lstStyle/>
           <a:p>
-            <a:r>
-              <a:rPr lang="en-US" dirty="0" smtClean="0"/>
+            <a:pPr algn="ctr"/>
+            <a:r>
+              <a:rPr lang="en-US"/>
+              <a:t>Comparative Analysis</a:t>
+            </a:r>
+            <a:endParaRPr lang="en-US" dirty="0"/>
+          </a:p>
+        </p:txBody>
+      </p:sp>
+      <p:sp>
+        <p:nvSpPr>
+          <p:cNvPr id="5" name="Content Placeholder 4"/>
+          <p:cNvSpPr>
+            <a:spLocks noGrp="1"/>
+          </p:cNvSpPr>
+          <p:nvPr>
+            <p:ph idx="1"/>
+          </p:nvPr>
+        </p:nvSpPr>
+        <p:spPr>
+          <a:xfrm>
+            <a:off x="1823310" y="1596540"/>
+            <a:ext cx="7016195" cy="3206805"/>
+          </a:xfrm>
+        </p:spPr>
+        <p:txBody>
+          <a:bodyPr>
+            <a:normAutofit/>
+          </a:bodyPr>
+          <a:lstStyle/>
+          <a:p>
+            <a:r>
+              <a:rPr lang="en-US" dirty="0">
+                <a:solidFill>
+                  <a:srgbClr val="FF0000"/>
+                </a:solidFill>
+              </a:rPr>
+              <a:t>&lt;&lt;linear regression charts&gt;&gt; &lt;&lt;Richard&gt;&gt;</a:t>
+            </a:r>
+          </a:p>
+          <a:p>
+            <a:r>
+              <a:rPr lang="en-US" dirty="0">
+                <a:solidFill>
+                  <a:srgbClr val="FF0000"/>
+                </a:solidFill>
+              </a:rPr>
+              <a:t>&lt;&lt;linear regression values&gt;&gt; &lt;&lt;Richard&gt;&gt;</a:t>
+            </a:r>
+          </a:p>
+          <a:p>
+            <a:r>
+              <a:rPr lang="en-US" dirty="0">
+                <a:solidFill>
+                  <a:srgbClr val="FF0000"/>
+                </a:solidFill>
+              </a:rPr>
+              <a:t>&lt;&lt;Correlation plot&gt;&gt; &lt;&lt;Richard &amp; Amy&gt;&gt;</a:t>
+            </a:r>
+          </a:p>
+          <a:p>
+            <a:r>
+              <a:rPr lang="en-US" dirty="0">
+                <a:solidFill>
+                  <a:srgbClr val="FF0000"/>
+                </a:solidFill>
+              </a:rPr>
+              <a:t>&lt;&lt;Random Forest/Hierarchy &gt;&gt;  &lt;&lt;Tom&gt;&gt;</a:t>
+            </a:r>
+          </a:p>
+        </p:txBody>
+      </p:sp>
+    </p:spTree>
+    <p:extLst>
+      <p:ext uri="{BB962C8B-B14F-4D97-AF65-F5344CB8AC3E}">
+        <p14:creationId xmlns:p14="http://schemas.microsoft.com/office/powerpoint/2010/main" val="1101633878"/>
+      </p:ext>
+    </p:extLst>
+  </p:cSld>
+  <p:clrMapOvr>
+    <a:masterClrMapping/>
+  </p:clrMapOvr>
+</p:sld>
+</file>
+
+<file path=ppt/slides/slide12.xml><?xml version="1.0" encoding="utf-8"?>
+<p:sld xmlns:a="http://schemas.openxmlformats.org/drawingml/2006/main" xmlns:r="http://schemas.openxmlformats.org/officeDocument/2006/relationships" xmlns:p="http://schemas.openxmlformats.org/presentationml/2006/main">
+  <p:cSld>
+    <p:spTree>
+      <p:nvGrpSpPr>
+        <p:cNvPr id="1" name=""/>
+        <p:cNvGrpSpPr/>
+        <p:nvPr/>
+      </p:nvGrpSpPr>
+      <p:grpSpPr>
+        <a:xfrm>
+          <a:off x="0" y="0"/>
+          <a:ext cx="0" cy="0"/>
+          <a:chOff x="0" y="0"/>
+          <a:chExt cx="0" cy="0"/>
+        </a:xfrm>
+      </p:grpSpPr>
+      <p:sp>
+        <p:nvSpPr>
+          <p:cNvPr id="4" name="Title 3"/>
+          <p:cNvSpPr>
+            <a:spLocks noGrp="1"/>
+          </p:cNvSpPr>
+          <p:nvPr>
+            <p:ph type="title"/>
+          </p:nvPr>
+        </p:nvSpPr>
+        <p:spPr>
+          <a:xfrm>
+            <a:off x="448965" y="2970885"/>
+            <a:ext cx="8229600" cy="916230"/>
+          </a:xfrm>
+        </p:spPr>
+        <p:txBody>
+          <a:bodyPr>
+            <a:noAutofit/>
+          </a:bodyPr>
+          <a:lstStyle/>
+          <a:p>
+            <a:pPr algn="ctr"/>
+            <a:r>
+              <a:rPr lang="en-US" sz="6000" dirty="0">
+                <a:latin typeface="Arial Rounded MT Bold"/>
+                <a:cs typeface="Arial Rounded MT Bold"/>
+              </a:rPr>
+              <a:t>Evaluation/Results</a:t>
+            </a:r>
+          </a:p>
+        </p:txBody>
+      </p:sp>
+    </p:spTree>
+    <p:extLst>
+      <p:ext uri="{BB962C8B-B14F-4D97-AF65-F5344CB8AC3E}">
+        <p14:creationId xmlns:p14="http://schemas.microsoft.com/office/powerpoint/2010/main" val="913591413"/>
+      </p:ext>
+    </p:extLst>
+  </p:cSld>
+  <p:clrMapOvr>
+    <a:masterClrMapping/>
+  </p:clrMapOvr>
+</p:sld>
+</file>
+
+<file path=ppt/slides/slide13.xml><?xml version="1.0" encoding="utf-8"?>
+<p:sld xmlns:a="http://schemas.openxmlformats.org/drawingml/2006/main" xmlns:r="http://schemas.openxmlformats.org/officeDocument/2006/relationships" xmlns:p="http://schemas.openxmlformats.org/presentationml/2006/main">
+  <p:cSld>
+    <p:spTree>
+      <p:nvGrpSpPr>
+        <p:cNvPr id="1" name=""/>
+        <p:cNvGrpSpPr/>
+        <p:nvPr/>
+      </p:nvGrpSpPr>
+      <p:grpSpPr>
+        <a:xfrm>
+          <a:off x="0" y="0"/>
+          <a:ext cx="0" cy="0"/>
+          <a:chOff x="0" y="0"/>
+          <a:chExt cx="0" cy="0"/>
+        </a:xfrm>
+      </p:grpSpPr>
+      <p:sp>
+        <p:nvSpPr>
+          <p:cNvPr id="4" name="Title 3"/>
+          <p:cNvSpPr>
+            <a:spLocks noGrp="1"/>
+          </p:cNvSpPr>
+          <p:nvPr>
+            <p:ph type="title"/>
+          </p:nvPr>
+        </p:nvSpPr>
+        <p:spPr>
+          <a:xfrm>
+            <a:off x="448965" y="527605"/>
+            <a:ext cx="8229600" cy="610820"/>
+          </a:xfrm>
+        </p:spPr>
+        <p:txBody>
+          <a:bodyPr>
+            <a:normAutofit fontScale="90000"/>
+          </a:bodyPr>
+          <a:lstStyle/>
+          <a:p>
+            <a:pPr algn="ctr"/>
+            <a:r>
+              <a:rPr lang="en-US" dirty="0"/>
+              <a:t>Comparative Analysis</a:t>
+            </a:r>
+            <a:br>
+              <a:rPr lang="en-US" dirty="0"/>
+            </a:br>
+            <a:r>
+              <a:rPr lang="en-US" sz="3100" dirty="0"/>
+              <a:t>Attrition Percentages</a:t>
+            </a:r>
+            <a:endParaRPr lang="en-US" dirty="0"/>
+          </a:p>
+        </p:txBody>
+      </p:sp>
+      <p:pic>
+        <p:nvPicPr>
+          <p:cNvPr id="8" name="Picture 7">
+            <a:extLst>
+              <a:ext uri="{FF2B5EF4-FFF2-40B4-BE49-F238E27FC236}">
+                <a16:creationId xmlns:a16="http://schemas.microsoft.com/office/drawing/2014/main" xmlns="" id="{DB2C3199-C409-464D-B38D-D9D6AE877970}"/>
+              </a:ext>
+            </a:extLst>
+          </p:cNvPr>
+          <p:cNvPicPr>
+            <a:picLocks noChangeAspect="1"/>
+          </p:cNvPicPr>
+          <p:nvPr/>
+        </p:nvPicPr>
+        <p:blipFill>
+          <a:blip r:embed="rId2">
+            <a:clrChange>
+              <a:clrFrom>
+                <a:srgbClr val="FFFFFF"/>
+              </a:clrFrom>
+              <a:clrTo>
+                <a:srgbClr val="FFFFFF">
+                  <a:alpha val="0"/>
+                </a:srgbClr>
+              </a:clrTo>
+            </a:clrChange>
+            <a:extLst>
+              <a:ext uri="{28A0092B-C50C-407E-A947-70E740481C1C}">
+                <a14:useLocalDpi xmlns:a14="http://schemas.microsoft.com/office/drawing/2010/main" val="0"/>
+              </a:ext>
+            </a:extLst>
+          </a:blip>
+          <a:stretch>
+            <a:fillRect/>
+          </a:stretch>
+        </p:blipFill>
+        <p:spPr>
+          <a:xfrm>
+            <a:off x="497526" y="1291130"/>
+            <a:ext cx="4289134" cy="3063667"/>
+          </a:xfrm>
+          <a:prstGeom prst="rect">
+            <a:avLst/>
+          </a:prstGeom>
+        </p:spPr>
+      </p:pic>
+      <p:pic>
+        <p:nvPicPr>
+          <p:cNvPr id="15" name="Picture 14">
+            <a:extLst>
+              <a:ext uri="{FF2B5EF4-FFF2-40B4-BE49-F238E27FC236}">
+                <a16:creationId xmlns:a16="http://schemas.microsoft.com/office/drawing/2014/main" xmlns="" id="{FA7EBE22-8578-472B-8A15-1D66317CA7EB}"/>
+              </a:ext>
+            </a:extLst>
+          </p:cNvPr>
+          <p:cNvPicPr>
+            <a:picLocks noChangeAspect="1"/>
+          </p:cNvPicPr>
+          <p:nvPr/>
+        </p:nvPicPr>
+        <p:blipFill>
+          <a:blip r:embed="rId3">
+            <a:clrChange>
+              <a:clrFrom>
+                <a:srgbClr val="FFFFFF"/>
+              </a:clrFrom>
+              <a:clrTo>
+                <a:srgbClr val="FFFFFF">
+                  <a:alpha val="0"/>
+                </a:srgbClr>
+              </a:clrTo>
+            </a:clrChange>
+            <a:extLst>
+              <a:ext uri="{28A0092B-C50C-407E-A947-70E740481C1C}">
+                <a14:useLocalDpi xmlns:a14="http://schemas.microsoft.com/office/drawing/2010/main" val="0"/>
+              </a:ext>
+            </a:extLst>
+          </a:blip>
+          <a:stretch>
+            <a:fillRect/>
+          </a:stretch>
+        </p:blipFill>
+        <p:spPr>
+          <a:xfrm>
+            <a:off x="4433318" y="3581705"/>
+            <a:ext cx="4289134" cy="3063667"/>
+          </a:xfrm>
+          <a:prstGeom prst="rect">
+            <a:avLst/>
+          </a:prstGeom>
+        </p:spPr>
+      </p:pic>
+    </p:spTree>
+    <p:extLst>
+      <p:ext uri="{BB962C8B-B14F-4D97-AF65-F5344CB8AC3E}">
+        <p14:creationId xmlns:p14="http://schemas.microsoft.com/office/powerpoint/2010/main" val="3529075781"/>
+      </p:ext>
+    </p:extLst>
+  </p:cSld>
+  <p:clrMapOvr>
+    <a:masterClrMapping/>
+  </p:clrMapOvr>
+</p:sld>
+</file>
+
+<file path=ppt/slides/slide14.xml><?xml version="1.0" encoding="utf-8"?>
+<p:sld xmlns:a="http://schemas.openxmlformats.org/drawingml/2006/main" xmlns:r="http://schemas.openxmlformats.org/officeDocument/2006/relationships" xmlns:p="http://schemas.openxmlformats.org/presentationml/2006/main">
+  <p:cSld>
+    <p:spTree>
+      <p:nvGrpSpPr>
+        <p:cNvPr id="1" name=""/>
+        <p:cNvGrpSpPr/>
+        <p:nvPr/>
+      </p:nvGrpSpPr>
+      <p:grpSpPr>
+        <a:xfrm>
+          <a:off x="0" y="0"/>
+          <a:ext cx="0" cy="0"/>
+          <a:chOff x="0" y="0"/>
+          <a:chExt cx="0" cy="0"/>
+        </a:xfrm>
+      </p:grpSpPr>
+      <p:sp>
+        <p:nvSpPr>
+          <p:cNvPr id="4" name="Title 3"/>
+          <p:cNvSpPr>
+            <a:spLocks noGrp="1"/>
+          </p:cNvSpPr>
+          <p:nvPr>
+            <p:ph type="title"/>
+          </p:nvPr>
+        </p:nvSpPr>
+        <p:spPr>
+          <a:xfrm>
+            <a:off x="448965" y="527605"/>
+            <a:ext cx="8229600" cy="610820"/>
+          </a:xfrm>
+        </p:spPr>
+        <p:txBody>
+          <a:bodyPr>
+            <a:normAutofit fontScale="90000"/>
+          </a:bodyPr>
+          <a:lstStyle/>
+          <a:p>
+            <a:pPr algn="ctr"/>
+            <a:r>
+              <a:rPr lang="en-US" dirty="0"/>
+              <a:t>Comparative Analysis</a:t>
+            </a:r>
+            <a:br>
+              <a:rPr lang="en-US" dirty="0"/>
+            </a:br>
+            <a:r>
+              <a:rPr lang="en-US" sz="3100" dirty="0"/>
+              <a:t>Attrition Percentages</a:t>
+            </a:r>
+            <a:endParaRPr lang="en-US" dirty="0"/>
+          </a:p>
+        </p:txBody>
+      </p:sp>
+      <p:pic>
+        <p:nvPicPr>
+          <p:cNvPr id="3" name="Picture 2">
+            <a:extLst>
+              <a:ext uri="{FF2B5EF4-FFF2-40B4-BE49-F238E27FC236}">
+                <a16:creationId xmlns:a16="http://schemas.microsoft.com/office/drawing/2014/main" xmlns="" id="{58CB6DB6-4899-433C-9588-E105827CCFD2}"/>
+              </a:ext>
+            </a:extLst>
+          </p:cNvPr>
+          <p:cNvPicPr>
+            <a:picLocks noChangeAspect="1"/>
+          </p:cNvPicPr>
+          <p:nvPr/>
+        </p:nvPicPr>
+        <p:blipFill>
+          <a:blip r:embed="rId2">
+            <a:clrChange>
+              <a:clrFrom>
+                <a:srgbClr val="FFFFFF"/>
+              </a:clrFrom>
+              <a:clrTo>
+                <a:srgbClr val="FFFFFF">
+                  <a:alpha val="0"/>
+                </a:srgbClr>
+              </a:clrTo>
+            </a:clrChange>
+            <a:extLst>
+              <a:ext uri="{28A0092B-C50C-407E-A947-70E740481C1C}">
+                <a14:useLocalDpi xmlns:a14="http://schemas.microsoft.com/office/drawing/2010/main" val="0"/>
+              </a:ext>
+            </a:extLst>
+          </a:blip>
+          <a:stretch>
+            <a:fillRect/>
+          </a:stretch>
+        </p:blipFill>
+        <p:spPr>
+          <a:xfrm>
+            <a:off x="448965" y="1291130"/>
+            <a:ext cx="4289134" cy="3063667"/>
+          </a:xfrm>
+          <a:prstGeom prst="rect">
+            <a:avLst/>
+          </a:prstGeom>
+        </p:spPr>
+      </p:pic>
+      <p:pic>
+        <p:nvPicPr>
+          <p:cNvPr id="7" name="Picture 6">
+            <a:extLst>
+              <a:ext uri="{FF2B5EF4-FFF2-40B4-BE49-F238E27FC236}">
+                <a16:creationId xmlns:a16="http://schemas.microsoft.com/office/drawing/2014/main" xmlns="" id="{4020E95C-9F46-4C7B-8360-ECDABE602960}"/>
+              </a:ext>
+            </a:extLst>
+          </p:cNvPr>
+          <p:cNvPicPr>
+            <a:picLocks noChangeAspect="1"/>
+          </p:cNvPicPr>
+          <p:nvPr/>
+        </p:nvPicPr>
+        <p:blipFill>
+          <a:blip r:embed="rId3">
+            <a:clrChange>
+              <a:clrFrom>
+                <a:srgbClr val="FFFFFF"/>
+              </a:clrFrom>
+              <a:clrTo>
+                <a:srgbClr val="FFFFFF">
+                  <a:alpha val="0"/>
+                </a:srgbClr>
+              </a:clrTo>
+            </a:clrChange>
+            <a:extLst>
+              <a:ext uri="{28A0092B-C50C-407E-A947-70E740481C1C}">
+                <a14:useLocalDpi xmlns:a14="http://schemas.microsoft.com/office/drawing/2010/main" val="0"/>
+              </a:ext>
+            </a:extLst>
+          </a:blip>
+          <a:stretch>
+            <a:fillRect/>
+          </a:stretch>
+        </p:blipFill>
+        <p:spPr>
+          <a:xfrm>
+            <a:off x="4359768" y="3504130"/>
+            <a:ext cx="4289134" cy="3063667"/>
+          </a:xfrm>
+          <a:prstGeom prst="rect">
+            <a:avLst/>
+          </a:prstGeom>
+        </p:spPr>
+      </p:pic>
+    </p:spTree>
+    <p:extLst>
+      <p:ext uri="{BB962C8B-B14F-4D97-AF65-F5344CB8AC3E}">
+        <p14:creationId xmlns:p14="http://schemas.microsoft.com/office/powerpoint/2010/main" val="3915642939"/>
+      </p:ext>
+    </p:extLst>
+  </p:cSld>
+  <p:clrMapOvr>
+    <a:masterClrMapping/>
+  </p:clrMapOvr>
+</p:sld>
+</file>
+
+<file path=ppt/slides/slide15.xml><?xml version="1.0" encoding="utf-8"?>
+<p:sld xmlns:a="http://schemas.openxmlformats.org/drawingml/2006/main" xmlns:r="http://schemas.openxmlformats.org/officeDocument/2006/relationships" xmlns:p="http://schemas.openxmlformats.org/presentationml/2006/main">
+  <p:cSld>
+    <p:spTree>
+      <p:nvGrpSpPr>
+        <p:cNvPr id="1" name=""/>
+        <p:cNvGrpSpPr/>
+        <p:nvPr/>
+      </p:nvGrpSpPr>
+      <p:grpSpPr>
+        <a:xfrm>
+          <a:off x="0" y="0"/>
+          <a:ext cx="0" cy="0"/>
+          <a:chOff x="0" y="0"/>
+          <a:chExt cx="0" cy="0"/>
+        </a:xfrm>
+      </p:grpSpPr>
+      <p:sp>
+        <p:nvSpPr>
+          <p:cNvPr id="4" name="Title 3"/>
+          <p:cNvSpPr>
+            <a:spLocks noGrp="1"/>
+          </p:cNvSpPr>
+          <p:nvPr>
+            <p:ph type="title"/>
+          </p:nvPr>
+        </p:nvSpPr>
+        <p:spPr>
+          <a:xfrm>
+            <a:off x="448965" y="527605"/>
+            <a:ext cx="8229600" cy="610820"/>
+          </a:xfrm>
+        </p:spPr>
+        <p:txBody>
+          <a:bodyPr>
+            <a:normAutofit fontScale="90000"/>
+          </a:bodyPr>
+          <a:lstStyle/>
+          <a:p>
+            <a:pPr algn="ctr"/>
+            <a:r>
+              <a:rPr lang="en-US" dirty="0"/>
+              <a:t>Comparative Analysis</a:t>
+            </a:r>
+            <a:br>
+              <a:rPr lang="en-US" dirty="0"/>
+            </a:br>
+            <a:r>
+              <a:rPr lang="en-US" sz="3100" dirty="0"/>
+              <a:t>Attrition Percentages</a:t>
+            </a:r>
+            <a:endParaRPr lang="en-US" dirty="0"/>
+          </a:p>
+        </p:txBody>
+      </p:sp>
+      <p:pic>
+        <p:nvPicPr>
+          <p:cNvPr id="5" name="Picture 4">
+            <a:extLst>
+              <a:ext uri="{FF2B5EF4-FFF2-40B4-BE49-F238E27FC236}">
+                <a16:creationId xmlns:a16="http://schemas.microsoft.com/office/drawing/2014/main" xmlns="" id="{1F7771D5-DD24-47CC-8EA2-6FFF445661B9}"/>
+              </a:ext>
+            </a:extLst>
+          </p:cNvPr>
+          <p:cNvPicPr>
+            <a:picLocks noChangeAspect="1"/>
+          </p:cNvPicPr>
+          <p:nvPr/>
+        </p:nvPicPr>
+        <p:blipFill>
+          <a:blip r:embed="rId2">
+            <a:clrChange>
+              <a:clrFrom>
+                <a:srgbClr val="FFFFFF"/>
+              </a:clrFrom>
+              <a:clrTo>
+                <a:srgbClr val="FFFFFF">
+                  <a:alpha val="0"/>
+                </a:srgbClr>
+              </a:clrTo>
+            </a:clrChange>
+            <a:extLst>
+              <a:ext uri="{28A0092B-C50C-407E-A947-70E740481C1C}">
+                <a14:useLocalDpi xmlns:a14="http://schemas.microsoft.com/office/drawing/2010/main" val="0"/>
+              </a:ext>
+            </a:extLst>
+          </a:blip>
+          <a:stretch>
+            <a:fillRect/>
+          </a:stretch>
+        </p:blipFill>
+        <p:spPr>
+          <a:xfrm>
+            <a:off x="441196" y="1291130"/>
+            <a:ext cx="4289134" cy="3063667"/>
+          </a:xfrm>
+          <a:prstGeom prst="rect">
+            <a:avLst/>
+          </a:prstGeom>
+        </p:spPr>
+      </p:pic>
+      <p:pic>
+        <p:nvPicPr>
+          <p:cNvPr id="8" name="Picture 7">
+            <a:extLst>
+              <a:ext uri="{FF2B5EF4-FFF2-40B4-BE49-F238E27FC236}">
+                <a16:creationId xmlns:a16="http://schemas.microsoft.com/office/drawing/2014/main" xmlns="" id="{E10743F2-03B0-4ACF-9B29-2AD23530A025}"/>
+              </a:ext>
+            </a:extLst>
+          </p:cNvPr>
+          <p:cNvPicPr>
+            <a:picLocks noChangeAspect="1"/>
+          </p:cNvPicPr>
+          <p:nvPr/>
+        </p:nvPicPr>
+        <p:blipFill>
+          <a:blip r:embed="rId3">
+            <a:clrChange>
+              <a:clrFrom>
+                <a:srgbClr val="FFFFFF"/>
+              </a:clrFrom>
+              <a:clrTo>
+                <a:srgbClr val="FFFFFF">
+                  <a:alpha val="0"/>
+                </a:srgbClr>
+              </a:clrTo>
+            </a:clrChange>
+            <a:extLst>
+              <a:ext uri="{28A0092B-C50C-407E-A947-70E740481C1C}">
+                <a14:useLocalDpi xmlns:a14="http://schemas.microsoft.com/office/drawing/2010/main" val="0"/>
+              </a:ext>
+            </a:extLst>
+          </a:blip>
+          <a:stretch>
+            <a:fillRect/>
+          </a:stretch>
+        </p:blipFill>
+        <p:spPr>
+          <a:xfrm>
+            <a:off x="4389431" y="3429000"/>
+            <a:ext cx="4289134" cy="3063667"/>
+          </a:xfrm>
+          <a:prstGeom prst="rect">
+            <a:avLst/>
+          </a:prstGeom>
+        </p:spPr>
+      </p:pic>
+    </p:spTree>
+    <p:extLst>
+      <p:ext uri="{BB962C8B-B14F-4D97-AF65-F5344CB8AC3E}">
+        <p14:creationId xmlns:p14="http://schemas.microsoft.com/office/powerpoint/2010/main" val="3236222227"/>
+      </p:ext>
+    </p:extLst>
+  </p:cSld>
+  <p:clrMapOvr>
+    <a:masterClrMapping/>
+  </p:clrMapOvr>
+</p:sld>
+</file>
+
+<file path=ppt/slides/slide16.xml><?xml version="1.0" encoding="utf-8"?>
+<p:sld xmlns:a="http://schemas.openxmlformats.org/drawingml/2006/main" xmlns:r="http://schemas.openxmlformats.org/officeDocument/2006/relationships" xmlns:p="http://schemas.openxmlformats.org/presentationml/2006/main">
+  <p:cSld>
+    <p:spTree>
+      <p:nvGrpSpPr>
+        <p:cNvPr id="1" name=""/>
+        <p:cNvGrpSpPr/>
+        <p:nvPr/>
+      </p:nvGrpSpPr>
+      <p:grpSpPr>
+        <a:xfrm>
+          <a:off x="0" y="0"/>
+          <a:ext cx="0" cy="0"/>
+          <a:chOff x="0" y="0"/>
+          <a:chExt cx="0" cy="0"/>
+        </a:xfrm>
+      </p:grpSpPr>
+      <p:sp>
+        <p:nvSpPr>
+          <p:cNvPr id="4" name="Title 3"/>
+          <p:cNvSpPr>
+            <a:spLocks noGrp="1"/>
+          </p:cNvSpPr>
+          <p:nvPr>
+            <p:ph type="title"/>
+          </p:nvPr>
+        </p:nvSpPr>
+        <p:spPr>
+          <a:xfrm>
+            <a:off x="448965" y="527605"/>
+            <a:ext cx="8229600" cy="610820"/>
+          </a:xfrm>
+        </p:spPr>
+        <p:txBody>
+          <a:bodyPr>
+            <a:normAutofit fontScale="90000"/>
+          </a:bodyPr>
+          <a:lstStyle/>
+          <a:p>
+            <a:pPr algn="ctr"/>
+            <a:r>
+              <a:rPr lang="en-US" dirty="0"/>
+              <a:t>Comparative Analysis</a:t>
+            </a:r>
+            <a:br>
+              <a:rPr lang="en-US" dirty="0"/>
+            </a:br>
+            <a:r>
+              <a:rPr lang="en-US" sz="3100" dirty="0"/>
+              <a:t>Attrition Percentages</a:t>
+            </a:r>
+            <a:endParaRPr lang="en-US" dirty="0"/>
+          </a:p>
+        </p:txBody>
+      </p:sp>
+      <p:pic>
+        <p:nvPicPr>
+          <p:cNvPr id="3" name="Picture 2">
+            <a:extLst>
+              <a:ext uri="{FF2B5EF4-FFF2-40B4-BE49-F238E27FC236}">
+                <a16:creationId xmlns:a16="http://schemas.microsoft.com/office/drawing/2014/main" xmlns="" id="{60D93743-C519-4097-A066-530F9F9176A3}"/>
+              </a:ext>
+            </a:extLst>
+          </p:cNvPr>
+          <p:cNvPicPr>
+            <a:picLocks noChangeAspect="1"/>
+          </p:cNvPicPr>
+          <p:nvPr/>
+        </p:nvPicPr>
+        <p:blipFill>
+          <a:blip r:embed="rId2">
+            <a:clrChange>
+              <a:clrFrom>
+                <a:srgbClr val="FFFFFF"/>
+              </a:clrFrom>
+              <a:clrTo>
+                <a:srgbClr val="FFFFFF">
+                  <a:alpha val="0"/>
+                </a:srgbClr>
+              </a:clrTo>
+            </a:clrChange>
+            <a:extLst>
+              <a:ext uri="{28A0092B-C50C-407E-A947-70E740481C1C}">
+                <a14:useLocalDpi xmlns:a14="http://schemas.microsoft.com/office/drawing/2010/main" val="0"/>
+              </a:ext>
+            </a:extLst>
+          </a:blip>
+          <a:stretch>
+            <a:fillRect/>
+          </a:stretch>
+        </p:blipFill>
+        <p:spPr>
+          <a:xfrm>
+            <a:off x="1517900" y="1757757"/>
+            <a:ext cx="6401693" cy="4572638"/>
+          </a:xfrm>
+          <a:prstGeom prst="rect">
+            <a:avLst/>
+          </a:prstGeom>
+        </p:spPr>
+      </p:pic>
+    </p:spTree>
+    <p:extLst>
+      <p:ext uri="{BB962C8B-B14F-4D97-AF65-F5344CB8AC3E}">
+        <p14:creationId xmlns:p14="http://schemas.microsoft.com/office/powerpoint/2010/main" val="2741335131"/>
+      </p:ext>
+    </p:extLst>
+  </p:cSld>
+  <p:clrMapOvr>
+    <a:masterClrMapping/>
+  </p:clrMapOvr>
+</p:sld>
+</file>
+
+<file path=ppt/slides/slide17.xml><?xml version="1.0" encoding="utf-8"?>
+<p:sld xmlns:a="http://schemas.openxmlformats.org/drawingml/2006/main" xmlns:r="http://schemas.openxmlformats.org/officeDocument/2006/relationships" xmlns:p="http://schemas.openxmlformats.org/presentationml/2006/main">
+  <p:cSld>
+    <p:spTree>
+      <p:nvGrpSpPr>
+        <p:cNvPr id="1" name=""/>
+        <p:cNvGrpSpPr/>
+        <p:nvPr/>
+      </p:nvGrpSpPr>
+      <p:grpSpPr>
+        <a:xfrm>
+          <a:off x="0" y="0"/>
+          <a:ext cx="0" cy="0"/>
+          <a:chOff x="0" y="0"/>
+          <a:chExt cx="0" cy="0"/>
+        </a:xfrm>
+      </p:grpSpPr>
+      <p:sp>
+        <p:nvSpPr>
+          <p:cNvPr id="4" name="Title 3"/>
+          <p:cNvSpPr>
+            <a:spLocks noGrp="1"/>
+          </p:cNvSpPr>
+          <p:nvPr>
+            <p:ph type="title"/>
+          </p:nvPr>
+        </p:nvSpPr>
+        <p:spPr>
+          <a:xfrm>
+            <a:off x="448965" y="527605"/>
+            <a:ext cx="8229600" cy="610820"/>
+          </a:xfrm>
+        </p:spPr>
+        <p:txBody>
+          <a:bodyPr>
+            <a:normAutofit fontScale="90000"/>
+          </a:bodyPr>
+          <a:lstStyle/>
+          <a:p>
+            <a:pPr algn="ctr"/>
+            <a:r>
+              <a:rPr lang="en-US" dirty="0"/>
+              <a:t>Comparative Analysis</a:t>
+            </a:r>
+            <a:br>
+              <a:rPr lang="en-US" dirty="0"/>
+            </a:br>
+            <a:r>
+              <a:rPr lang="en-US" sz="3100" dirty="0"/>
+              <a:t>Correlation and Relationships</a:t>
+            </a:r>
+            <a:endParaRPr lang="en-US" dirty="0"/>
+          </a:p>
+        </p:txBody>
+      </p:sp>
+      <p:pic>
+        <p:nvPicPr>
+          <p:cNvPr id="5" name="Picture 4">
+            <a:extLst>
+              <a:ext uri="{FF2B5EF4-FFF2-40B4-BE49-F238E27FC236}">
+                <a16:creationId xmlns:a16="http://schemas.microsoft.com/office/drawing/2014/main" xmlns="" id="{89BB4C68-10AA-462C-88D1-E13850378523}"/>
+              </a:ext>
+            </a:extLst>
+          </p:cNvPr>
+          <p:cNvPicPr>
+            <a:picLocks noChangeAspect="1"/>
+          </p:cNvPicPr>
+          <p:nvPr/>
+        </p:nvPicPr>
+        <p:blipFill>
+          <a:blip r:embed="rId2">
+            <a:clrChange>
+              <a:clrFrom>
+                <a:srgbClr val="FFFFFF"/>
+              </a:clrFrom>
+              <a:clrTo>
+                <a:srgbClr val="FFFFFF">
+                  <a:alpha val="0"/>
+                </a:srgbClr>
+              </a:clrTo>
+            </a:clrChange>
+            <a:extLst>
+              <a:ext uri="{28A0092B-C50C-407E-A947-70E740481C1C}">
+                <a14:useLocalDpi xmlns:a14="http://schemas.microsoft.com/office/drawing/2010/main" val="0"/>
+              </a:ext>
+            </a:extLst>
+          </a:blip>
+          <a:stretch>
+            <a:fillRect/>
+          </a:stretch>
+        </p:blipFill>
+        <p:spPr>
+          <a:xfrm>
+            <a:off x="1738722" y="1291130"/>
+            <a:ext cx="5650085" cy="5191970"/>
+          </a:xfrm>
+          <a:prstGeom prst="rect">
+            <a:avLst/>
+          </a:prstGeom>
+        </p:spPr>
+      </p:pic>
+    </p:spTree>
+    <p:extLst>
+      <p:ext uri="{BB962C8B-B14F-4D97-AF65-F5344CB8AC3E}">
+        <p14:creationId xmlns:p14="http://schemas.microsoft.com/office/powerpoint/2010/main" val="3043558202"/>
+      </p:ext>
+    </p:extLst>
+  </p:cSld>
+  <p:clrMapOvr>
+    <a:masterClrMapping/>
+  </p:clrMapOvr>
+</p:sld>
+</file>
+
+<file path=ppt/slides/slide18.xml><?xml version="1.0" encoding="utf-8"?>
+<p:sld xmlns:a="http://schemas.openxmlformats.org/drawingml/2006/main" xmlns:r="http://schemas.openxmlformats.org/officeDocument/2006/relationships" xmlns:p="http://schemas.openxmlformats.org/presentationml/2006/main">
+  <p:cSld>
+    <p:spTree>
+      <p:nvGrpSpPr>
+        <p:cNvPr id="1" name=""/>
+        <p:cNvGrpSpPr/>
+        <p:nvPr/>
+      </p:nvGrpSpPr>
+      <p:grpSpPr>
+        <a:xfrm>
+          <a:off x="0" y="0"/>
+          <a:ext cx="0" cy="0"/>
+          <a:chOff x="0" y="0"/>
+          <a:chExt cx="0" cy="0"/>
+        </a:xfrm>
+      </p:grpSpPr>
+      <p:sp>
+        <p:nvSpPr>
+          <p:cNvPr id="4" name="Title 3"/>
+          <p:cNvSpPr>
+            <a:spLocks noGrp="1"/>
+          </p:cNvSpPr>
+          <p:nvPr>
+            <p:ph type="title"/>
+          </p:nvPr>
+        </p:nvSpPr>
+        <p:spPr>
+          <a:xfrm>
+            <a:off x="448965" y="527605"/>
+            <a:ext cx="8229600" cy="610820"/>
+          </a:xfrm>
+        </p:spPr>
+        <p:txBody>
+          <a:bodyPr>
+            <a:normAutofit fontScale="90000"/>
+          </a:bodyPr>
+          <a:lstStyle/>
+          <a:p>
+            <a:pPr algn="ctr"/>
+            <a:r>
+              <a:rPr lang="en-US" dirty="0"/>
+              <a:t>Comparative Analysis</a:t>
+            </a:r>
+            <a:br>
+              <a:rPr lang="en-US" dirty="0"/>
+            </a:br>
+            <a:r>
+              <a:rPr lang="en-US" sz="2200" dirty="0"/>
+              <a:t>Multiple Linear Regression via Stepwise Variable Selection</a:t>
+            </a:r>
+            <a:endParaRPr lang="en-US" dirty="0"/>
+          </a:p>
+        </p:txBody>
+      </p:sp>
+      <p:sp>
+        <p:nvSpPr>
+          <p:cNvPr id="6" name="Title 3">
+            <a:extLst>
+              <a:ext uri="{FF2B5EF4-FFF2-40B4-BE49-F238E27FC236}">
+                <a16:creationId xmlns:a16="http://schemas.microsoft.com/office/drawing/2014/main" xmlns="" id="{9583A6A4-2D21-4507-B328-95C927702653}"/>
+              </a:ext>
+            </a:extLst>
+          </p:cNvPr>
+          <p:cNvSpPr txBox="1">
+            <a:spLocks/>
+          </p:cNvSpPr>
+          <p:nvPr/>
+        </p:nvSpPr>
+        <p:spPr>
+          <a:xfrm>
+            <a:off x="2281425" y="1146992"/>
+            <a:ext cx="5043383" cy="610820"/>
+          </a:xfrm>
+          <a:prstGeom prst="rect">
+            <a:avLst/>
+          </a:prstGeom>
+        </p:spPr>
+        <p:txBody>
+          <a:bodyPr vert="horz" lIns="91440" tIns="45720" rIns="91440" bIns="45720" rtlCol="0" anchor="ctr">
+            <a:normAutofit fontScale="97500"/>
+          </a:bodyPr>
+          <a:lstStyle>
+            <a:lvl1pPr algn="l" defTabSz="914400" rtl="0" eaLnBrk="1" latinLnBrk="0" hangingPunct="1">
+              <a:spcBef>
+                <a:spcPct val="0"/>
+              </a:spcBef>
+              <a:buNone/>
+              <a:defRPr sz="3600" kern="1200">
+                <a:solidFill>
+                  <a:schemeClr val="accent1">
+                    <a:lumMod val="75000"/>
+                  </a:schemeClr>
+                </a:solidFill>
+                <a:latin typeface="+mj-lt"/>
+                <a:ea typeface="+mj-ea"/>
+                <a:cs typeface="+mj-cs"/>
+              </a:defRPr>
+            </a:lvl1pPr>
+          </a:lstStyle>
+          <a:p>
+            <a:pPr algn="ctr"/>
+            <a:r>
+              <a:rPr lang="en-US" sz="1600" dirty="0"/>
+              <a:t>Selected Model at Step 10 Using AIC as Stop Criteria</a:t>
+            </a:r>
+            <a:endParaRPr lang="en-US" sz="2400" dirty="0"/>
+          </a:p>
+        </p:txBody>
+      </p:sp>
+      <p:graphicFrame>
+        <p:nvGraphicFramePr>
+          <p:cNvPr id="9" name="Table 8">
+            <a:extLst>
+              <a:ext uri="{FF2B5EF4-FFF2-40B4-BE49-F238E27FC236}">
+                <a16:creationId xmlns:a16="http://schemas.microsoft.com/office/drawing/2014/main" xmlns="" id="{AA79B504-A602-45A0-BBBB-BAF4AEF19100}"/>
+              </a:ext>
+            </a:extLst>
+          </p:cNvPr>
+          <p:cNvGraphicFramePr>
+            <a:graphicFrameLocks noGrp="1"/>
+          </p:cNvGraphicFramePr>
+          <p:nvPr>
+            <p:extLst/>
+          </p:nvPr>
+        </p:nvGraphicFramePr>
+        <p:xfrm>
+          <a:off x="1498600" y="3429000"/>
+          <a:ext cx="3073400" cy="571500"/>
+        </p:xfrm>
+        <a:graphic>
+          <a:graphicData uri="http://schemas.openxmlformats.org/drawingml/2006/table">
+            <a:tbl>
+              <a:tblPr>
+                <a:tableStyleId>{B301B821-A1FF-4177-AEE7-76D212191A09}</a:tableStyleId>
+              </a:tblPr>
+              <a:tblGrid>
+                <a:gridCol w="1246487">
+                  <a:extLst>
+                    <a:ext uri="{9D8B030D-6E8A-4147-A177-3AD203B41FA5}">
+                      <a16:colId xmlns:a16="http://schemas.microsoft.com/office/drawing/2014/main" xmlns="" val="2465482271"/>
+                    </a:ext>
+                  </a:extLst>
+                </a:gridCol>
+                <a:gridCol w="1826913">
+                  <a:extLst>
+                    <a:ext uri="{9D8B030D-6E8A-4147-A177-3AD203B41FA5}">
+                      <a16:colId xmlns:a16="http://schemas.microsoft.com/office/drawing/2014/main" xmlns="" val="459322838"/>
+                    </a:ext>
+                  </a:extLst>
+                </a:gridCol>
+              </a:tblGrid>
+              <a:tr h="190500">
+                <a:tc>
+                  <a:txBody>
+                    <a:bodyPr/>
+                    <a:lstStyle/>
+                    <a:p>
+                      <a:pPr algn="l" fontAlgn="b"/>
+                      <a:r>
+                        <a:rPr lang="en-US" sz="1100" u="none" strike="noStrike" dirty="0">
+                          <a:effectLst/>
+                        </a:rPr>
+                        <a:t>F-stat (22, 1447 DF):</a:t>
+                      </a:r>
+                      <a:endParaRPr lang="en-US" sz="1100" b="0" i="0" u="none" strike="noStrike" dirty="0">
+                        <a:solidFill>
+                          <a:srgbClr val="000000"/>
+                        </a:solidFill>
+                        <a:effectLst/>
+                        <a:latin typeface="Calibri" panose="020F0502020204030204" pitchFamily="34" charset="0"/>
+                      </a:endParaRPr>
+                    </a:p>
+                  </a:txBody>
+                  <a:tcPr marL="9525" marR="9525" marT="9525" marB="0" anchor="b"/>
+                </a:tc>
+                <a:tc>
+                  <a:txBody>
+                    <a:bodyPr/>
+                    <a:lstStyle/>
+                    <a:p>
+                      <a:pPr algn="ctr" fontAlgn="b"/>
+                      <a:r>
+                        <a:rPr lang="en-US" sz="1100" u="none" strike="noStrike" dirty="0">
+                          <a:effectLst/>
+                        </a:rPr>
+                        <a:t>19.36 </a:t>
+                      </a:r>
+                      <a:r>
+                        <a:rPr lang="en-US" sz="1100" u="none" strike="noStrike" dirty="0" err="1">
+                          <a:effectLst/>
+                        </a:rPr>
+                        <a:t>Pvalue</a:t>
+                      </a:r>
+                      <a:r>
+                        <a:rPr lang="en-US" sz="1100" u="none" strike="noStrike" dirty="0">
+                          <a:effectLst/>
+                        </a:rPr>
+                        <a:t>: &lt;2.2E-16</a:t>
+                      </a:r>
+                      <a:endParaRPr lang="en-US" sz="1100" b="0" i="0" u="none" strike="noStrike" dirty="0">
+                        <a:solidFill>
+                          <a:srgbClr val="000000"/>
+                        </a:solidFill>
+                        <a:effectLst/>
+                        <a:latin typeface="Calibri" panose="020F0502020204030204" pitchFamily="34" charset="0"/>
+                      </a:endParaRPr>
+                    </a:p>
+                  </a:txBody>
+                  <a:tcPr marL="9525" marR="9525" marT="9525" marB="0" anchor="b"/>
+                </a:tc>
+                <a:extLst>
+                  <a:ext uri="{0D108BD9-81ED-4DB2-BD59-A6C34878D82A}">
+                    <a16:rowId xmlns:a16="http://schemas.microsoft.com/office/drawing/2014/main" xmlns="" val="2821046416"/>
+                  </a:ext>
+                </a:extLst>
+              </a:tr>
+              <a:tr h="190500">
+                <a:tc>
+                  <a:txBody>
+                    <a:bodyPr/>
+                    <a:lstStyle/>
+                    <a:p>
+                      <a:pPr algn="l" fontAlgn="b"/>
+                      <a:r>
+                        <a:rPr lang="en-US" sz="1100" u="none" strike="noStrike" dirty="0">
+                          <a:effectLst/>
+                        </a:rPr>
+                        <a:t>R-squared:</a:t>
+                      </a:r>
+                      <a:endParaRPr lang="en-US" sz="1100" b="0" i="0" u="none" strike="noStrike" dirty="0">
+                        <a:solidFill>
+                          <a:srgbClr val="000000"/>
+                        </a:solidFill>
+                        <a:effectLst/>
+                        <a:latin typeface="Calibri" panose="020F0502020204030204" pitchFamily="34" charset="0"/>
+                      </a:endParaRPr>
+                    </a:p>
+                  </a:txBody>
+                  <a:tcPr marL="9525" marR="9525" marT="9525" marB="0" anchor="b"/>
+                </a:tc>
+                <a:tc>
+                  <a:txBody>
+                    <a:bodyPr/>
+                    <a:lstStyle/>
+                    <a:p>
+                      <a:pPr algn="ctr" fontAlgn="b"/>
+                      <a:r>
+                        <a:rPr lang="en-US" sz="1100" u="none" strike="noStrike">
+                          <a:effectLst/>
+                        </a:rPr>
+                        <a:t>0.2274</a:t>
+                      </a:r>
+                      <a:endParaRPr lang="en-US" sz="1100" b="0" i="0" u="none" strike="noStrike">
+                        <a:solidFill>
+                          <a:srgbClr val="000000"/>
+                        </a:solidFill>
+                        <a:effectLst/>
+                        <a:latin typeface="Calibri" panose="020F0502020204030204" pitchFamily="34" charset="0"/>
+                      </a:endParaRPr>
+                    </a:p>
+                  </a:txBody>
+                  <a:tcPr marL="9525" marR="9525" marT="9525" marB="0" anchor="b"/>
+                </a:tc>
+                <a:extLst>
+                  <a:ext uri="{0D108BD9-81ED-4DB2-BD59-A6C34878D82A}">
+                    <a16:rowId xmlns:a16="http://schemas.microsoft.com/office/drawing/2014/main" xmlns="" val="259125149"/>
+                  </a:ext>
+                </a:extLst>
+              </a:tr>
+              <a:tr h="190500">
+                <a:tc>
+                  <a:txBody>
+                    <a:bodyPr/>
+                    <a:lstStyle/>
+                    <a:p>
+                      <a:pPr algn="l" fontAlgn="b"/>
+                      <a:r>
+                        <a:rPr lang="en-US" sz="1100" u="none" strike="noStrike" dirty="0">
+                          <a:effectLst/>
+                        </a:rPr>
+                        <a:t>Adjusted R-squared:</a:t>
+                      </a:r>
+                      <a:endParaRPr lang="en-US" sz="1100" b="0" i="0" u="none" strike="noStrike" dirty="0">
+                        <a:solidFill>
+                          <a:srgbClr val="000000"/>
+                        </a:solidFill>
+                        <a:effectLst/>
+                        <a:latin typeface="Calibri" panose="020F0502020204030204" pitchFamily="34" charset="0"/>
+                      </a:endParaRPr>
+                    </a:p>
+                  </a:txBody>
+                  <a:tcPr marL="9525" marR="9525" marT="9525" marB="0" anchor="b"/>
+                </a:tc>
+                <a:tc>
+                  <a:txBody>
+                    <a:bodyPr/>
+                    <a:lstStyle/>
+                    <a:p>
+                      <a:pPr algn="ctr" fontAlgn="b"/>
+                      <a:r>
+                        <a:rPr lang="en-US" sz="1100" u="none" strike="noStrike" dirty="0">
+                          <a:effectLst/>
+                        </a:rPr>
+                        <a:t>0.2156</a:t>
+                      </a:r>
+                      <a:endParaRPr lang="en-US" sz="1100" b="0" i="0" u="none" strike="noStrike" dirty="0">
+                        <a:solidFill>
+                          <a:srgbClr val="000000"/>
+                        </a:solidFill>
+                        <a:effectLst/>
+                        <a:latin typeface="Calibri" panose="020F0502020204030204" pitchFamily="34" charset="0"/>
+                      </a:endParaRPr>
+                    </a:p>
+                  </a:txBody>
+                  <a:tcPr marL="9525" marR="9525" marT="9525" marB="0" anchor="b"/>
+                </a:tc>
+                <a:extLst>
+                  <a:ext uri="{0D108BD9-81ED-4DB2-BD59-A6C34878D82A}">
+                    <a16:rowId xmlns:a16="http://schemas.microsoft.com/office/drawing/2014/main" xmlns="" val="599798767"/>
+                  </a:ext>
+                </a:extLst>
+              </a:tr>
+            </a:tbl>
+          </a:graphicData>
+        </a:graphic>
+      </p:graphicFrame>
+      <p:graphicFrame>
+        <p:nvGraphicFramePr>
+          <p:cNvPr id="7" name="Table 6">
+            <a:extLst>
+              <a:ext uri="{FF2B5EF4-FFF2-40B4-BE49-F238E27FC236}">
+                <a16:creationId xmlns:a16="http://schemas.microsoft.com/office/drawing/2014/main" xmlns="" id="{6CC8A5B3-A829-4073-83A7-8DEEB204CB10}"/>
+              </a:ext>
+            </a:extLst>
+          </p:cNvPr>
+          <p:cNvGraphicFramePr>
+            <a:graphicFrameLocks noGrp="1"/>
+          </p:cNvGraphicFramePr>
+          <p:nvPr>
+            <p:extLst>
+              <p:ext uri="{D42A27DB-BD31-4B8C-83A1-F6EECF244321}">
+                <p14:modId xmlns:p14="http://schemas.microsoft.com/office/powerpoint/2010/main" val="2675449248"/>
+              </p:ext>
+            </p:extLst>
+          </p:nvPr>
+        </p:nvGraphicFramePr>
+        <p:xfrm>
+          <a:off x="5182820" y="1961005"/>
+          <a:ext cx="3495745" cy="4078989"/>
+        </p:xfrm>
+        <a:graphic>
+          <a:graphicData uri="http://schemas.openxmlformats.org/drawingml/2006/table">
+            <a:tbl>
+              <a:tblPr>
+                <a:tableStyleId>{B301B821-A1FF-4177-AEE7-76D212191A09}</a:tableStyleId>
+              </a:tblPr>
+              <a:tblGrid>
+                <a:gridCol w="953385">
+                  <a:extLst>
+                    <a:ext uri="{9D8B030D-6E8A-4147-A177-3AD203B41FA5}">
+                      <a16:colId xmlns:a16="http://schemas.microsoft.com/office/drawing/2014/main" xmlns="" val="880838215"/>
+                    </a:ext>
+                  </a:extLst>
+                </a:gridCol>
+                <a:gridCol w="635590">
+                  <a:extLst>
+                    <a:ext uri="{9D8B030D-6E8A-4147-A177-3AD203B41FA5}">
+                      <a16:colId xmlns:a16="http://schemas.microsoft.com/office/drawing/2014/main" xmlns="" val="2529509929"/>
+                    </a:ext>
+                  </a:extLst>
+                </a:gridCol>
+                <a:gridCol w="635590">
+                  <a:extLst>
+                    <a:ext uri="{9D8B030D-6E8A-4147-A177-3AD203B41FA5}">
+                      <a16:colId xmlns:a16="http://schemas.microsoft.com/office/drawing/2014/main" xmlns="" val="895837762"/>
+                    </a:ext>
+                  </a:extLst>
+                </a:gridCol>
+                <a:gridCol w="635590">
+                  <a:extLst>
+                    <a:ext uri="{9D8B030D-6E8A-4147-A177-3AD203B41FA5}">
+                      <a16:colId xmlns:a16="http://schemas.microsoft.com/office/drawing/2014/main" xmlns="" val="3414946318"/>
+                    </a:ext>
+                  </a:extLst>
+                </a:gridCol>
+                <a:gridCol w="635590">
+                  <a:extLst>
+                    <a:ext uri="{9D8B030D-6E8A-4147-A177-3AD203B41FA5}">
+                      <a16:colId xmlns:a16="http://schemas.microsoft.com/office/drawing/2014/main" xmlns="" val="3746756332"/>
+                    </a:ext>
+                  </a:extLst>
+                </a:gridCol>
+              </a:tblGrid>
+              <a:tr h="171243">
+                <a:tc>
+                  <a:txBody>
+                    <a:bodyPr/>
+                    <a:lstStyle/>
+                    <a:p>
+                      <a:pPr algn="ctr" fontAlgn="b"/>
+                      <a:r>
+                        <a:rPr lang="en-US" sz="1000" b="1" u="none" strike="noStrike" dirty="0">
+                          <a:effectLst/>
+                        </a:rPr>
+                        <a:t>Coefficients</a:t>
+                      </a:r>
+                      <a:endParaRPr lang="en-US" sz="1000" b="1" i="0" u="none" strike="noStrike" dirty="0">
+                        <a:solidFill>
+                          <a:srgbClr val="000000"/>
+                        </a:solidFill>
+                        <a:effectLst/>
+                        <a:latin typeface="Calibri" panose="020F0502020204030204" pitchFamily="34" charset="0"/>
+                      </a:endParaRPr>
+                    </a:p>
+                  </a:txBody>
+                  <a:tcPr marL="8562" marR="8562" marT="8562" marB="0" anchor="b"/>
+                </a:tc>
+                <a:tc>
+                  <a:txBody>
+                    <a:bodyPr/>
+                    <a:lstStyle/>
+                    <a:p>
+                      <a:pPr algn="ctr" fontAlgn="b"/>
+                      <a:r>
+                        <a:rPr lang="en-US" sz="1000" b="1" u="none" strike="noStrike" dirty="0">
+                          <a:effectLst/>
+                        </a:rPr>
+                        <a:t>Estimate</a:t>
+                      </a:r>
+                      <a:endParaRPr lang="en-US" sz="1000" b="1" i="0" u="none" strike="noStrike" dirty="0">
+                        <a:solidFill>
+                          <a:srgbClr val="000000"/>
+                        </a:solidFill>
+                        <a:effectLst/>
+                        <a:latin typeface="Calibri" panose="020F0502020204030204" pitchFamily="34" charset="0"/>
+                      </a:endParaRPr>
+                    </a:p>
+                  </a:txBody>
+                  <a:tcPr marL="8562" marR="8562" marT="8562" marB="0" anchor="b"/>
+                </a:tc>
+                <a:tc>
+                  <a:txBody>
+                    <a:bodyPr/>
+                    <a:lstStyle/>
+                    <a:p>
+                      <a:pPr algn="ctr" fontAlgn="b"/>
+                      <a:r>
+                        <a:rPr lang="en-US" sz="1000" b="1" u="none" strike="noStrike" dirty="0">
+                          <a:effectLst/>
+                        </a:rPr>
+                        <a:t>Std. Error</a:t>
+                      </a:r>
+                      <a:endParaRPr lang="en-US" sz="1000" b="1" i="0" u="none" strike="noStrike" dirty="0">
+                        <a:solidFill>
+                          <a:srgbClr val="000000"/>
+                        </a:solidFill>
+                        <a:effectLst/>
+                        <a:latin typeface="Calibri" panose="020F0502020204030204" pitchFamily="34" charset="0"/>
+                      </a:endParaRPr>
+                    </a:p>
+                  </a:txBody>
+                  <a:tcPr marL="8562" marR="8562" marT="8562" marB="0" anchor="b"/>
+                </a:tc>
+                <a:tc>
+                  <a:txBody>
+                    <a:bodyPr/>
+                    <a:lstStyle/>
+                    <a:p>
+                      <a:pPr algn="ctr" fontAlgn="b"/>
+                      <a:r>
+                        <a:rPr lang="en-US" sz="1000" b="1" u="none" strike="noStrike" dirty="0">
+                          <a:effectLst/>
+                        </a:rPr>
+                        <a:t>t value</a:t>
+                      </a:r>
+                      <a:endParaRPr lang="en-US" sz="1000" b="1" i="0" u="none" strike="noStrike" dirty="0">
+                        <a:solidFill>
+                          <a:srgbClr val="000000"/>
+                        </a:solidFill>
+                        <a:effectLst/>
+                        <a:latin typeface="Calibri" panose="020F0502020204030204" pitchFamily="34" charset="0"/>
+                      </a:endParaRPr>
+                    </a:p>
+                  </a:txBody>
+                  <a:tcPr marL="8562" marR="8562" marT="8562" marB="0" anchor="b"/>
+                </a:tc>
+                <a:tc>
+                  <a:txBody>
+                    <a:bodyPr/>
+                    <a:lstStyle/>
+                    <a:p>
+                      <a:pPr algn="ctr" fontAlgn="b"/>
+                      <a:r>
+                        <a:rPr lang="en-US" sz="1000" b="1" u="none" strike="noStrike" dirty="0" err="1">
+                          <a:effectLst/>
+                        </a:rPr>
+                        <a:t>Pr</a:t>
+                      </a:r>
+                      <a:r>
+                        <a:rPr lang="en-US" sz="1000" b="1" u="none" strike="noStrike" dirty="0">
+                          <a:effectLst/>
+                        </a:rPr>
+                        <a:t>(&gt;|t|)</a:t>
+                      </a:r>
+                      <a:endParaRPr lang="en-US" sz="1000" b="1" i="0" u="none" strike="noStrike" dirty="0">
+                        <a:solidFill>
+                          <a:srgbClr val="000000"/>
+                        </a:solidFill>
+                        <a:effectLst/>
+                        <a:latin typeface="Calibri" panose="020F0502020204030204" pitchFamily="34" charset="0"/>
+                      </a:endParaRPr>
+                    </a:p>
+                  </a:txBody>
+                  <a:tcPr marL="8562" marR="8562" marT="8562" marB="0" anchor="b"/>
+                </a:tc>
+                <a:extLst>
+                  <a:ext uri="{0D108BD9-81ED-4DB2-BD59-A6C34878D82A}">
+                    <a16:rowId xmlns:a16="http://schemas.microsoft.com/office/drawing/2014/main" xmlns="" val="1329674258"/>
+                  </a:ext>
+                </a:extLst>
+              </a:tr>
+              <a:tr h="171243">
+                <a:tc>
+                  <a:txBody>
+                    <a:bodyPr/>
+                    <a:lstStyle/>
+                    <a:p>
+                      <a:pPr algn="l" fontAlgn="b"/>
+                      <a:r>
+                        <a:rPr lang="en-US" sz="1000" u="none" strike="noStrike">
+                          <a:effectLst/>
+                        </a:rPr>
+                        <a:t>(Intercept)</a:t>
+                      </a:r>
+                      <a:endParaRPr lang="en-US" sz="1000" b="0" i="0" u="none" strike="noStrike">
+                        <a:solidFill>
+                          <a:srgbClr val="000000"/>
+                        </a:solidFill>
+                        <a:effectLst/>
+                        <a:latin typeface="Calibri" panose="020F0502020204030204" pitchFamily="34" charset="0"/>
+                      </a:endParaRPr>
+                    </a:p>
+                  </a:txBody>
+                  <a:tcPr marL="8562" marR="8562" marT="8562" marB="0" anchor="b"/>
+                </a:tc>
+                <a:tc>
+                  <a:txBody>
+                    <a:bodyPr/>
+                    <a:lstStyle/>
+                    <a:p>
+                      <a:pPr algn="r" fontAlgn="b"/>
+                      <a:r>
+                        <a:rPr lang="en-US" sz="1000" u="none" strike="noStrike">
+                          <a:effectLst/>
+                        </a:rPr>
+                        <a:t>6.90E-01</a:t>
+                      </a:r>
+                      <a:endParaRPr lang="en-US" sz="1000" b="0" i="0" u="none" strike="noStrike">
+                        <a:solidFill>
+                          <a:srgbClr val="000000"/>
+                        </a:solidFill>
+                        <a:effectLst/>
+                        <a:latin typeface="Calibri" panose="020F0502020204030204" pitchFamily="34" charset="0"/>
+                      </a:endParaRPr>
+                    </a:p>
+                  </a:txBody>
+                  <a:tcPr marL="8562" marR="8562" marT="8562" marB="0" anchor="b"/>
+                </a:tc>
+                <a:tc>
+                  <a:txBody>
+                    <a:bodyPr/>
+                    <a:lstStyle/>
+                    <a:p>
+                      <a:pPr algn="r" fontAlgn="b"/>
+                      <a:r>
+                        <a:rPr lang="en-US" sz="1000" u="none" strike="noStrike">
+                          <a:effectLst/>
+                        </a:rPr>
+                        <a:t>9.33E-02</a:t>
+                      </a:r>
+                      <a:endParaRPr lang="en-US" sz="1000" b="0" i="0" u="none" strike="noStrike">
+                        <a:solidFill>
+                          <a:srgbClr val="000000"/>
+                        </a:solidFill>
+                        <a:effectLst/>
+                        <a:latin typeface="Calibri" panose="020F0502020204030204" pitchFamily="34" charset="0"/>
+                      </a:endParaRPr>
+                    </a:p>
+                  </a:txBody>
+                  <a:tcPr marL="8562" marR="8562" marT="8562" marB="0" anchor="b"/>
+                </a:tc>
+                <a:tc>
+                  <a:txBody>
+                    <a:bodyPr/>
+                    <a:lstStyle/>
+                    <a:p>
+                      <a:pPr algn="r" fontAlgn="b"/>
+                      <a:r>
+                        <a:rPr lang="en-US" sz="1000" u="none" strike="noStrike">
+                          <a:effectLst/>
+                        </a:rPr>
+                        <a:t>7.39</a:t>
+                      </a:r>
+                      <a:endParaRPr lang="en-US" sz="1000" b="0" i="0" u="none" strike="noStrike">
+                        <a:solidFill>
+                          <a:srgbClr val="000000"/>
+                        </a:solidFill>
+                        <a:effectLst/>
+                        <a:latin typeface="Calibri" panose="020F0502020204030204" pitchFamily="34" charset="0"/>
+                      </a:endParaRPr>
+                    </a:p>
+                  </a:txBody>
+                  <a:tcPr marL="8562" marR="8562" marT="8562" marB="0" anchor="b"/>
+                </a:tc>
+                <a:tc>
+                  <a:txBody>
+                    <a:bodyPr/>
+                    <a:lstStyle/>
+                    <a:p>
+                      <a:pPr algn="r" fontAlgn="b"/>
+                      <a:r>
+                        <a:rPr lang="en-US" sz="1000" u="none" strike="noStrike">
+                          <a:effectLst/>
+                        </a:rPr>
+                        <a:t>2.46E-13</a:t>
+                      </a:r>
+                      <a:endParaRPr lang="en-US" sz="1000" b="0" i="0" u="none" strike="noStrike">
+                        <a:solidFill>
+                          <a:srgbClr val="000000"/>
+                        </a:solidFill>
+                        <a:effectLst/>
+                        <a:latin typeface="Calibri" panose="020F0502020204030204" pitchFamily="34" charset="0"/>
+                      </a:endParaRPr>
+                    </a:p>
+                  </a:txBody>
+                  <a:tcPr marL="8562" marR="8562" marT="8562" marB="0" anchor="b"/>
+                </a:tc>
+                <a:extLst>
+                  <a:ext uri="{0D108BD9-81ED-4DB2-BD59-A6C34878D82A}">
+                    <a16:rowId xmlns:a16="http://schemas.microsoft.com/office/drawing/2014/main" xmlns="" val="4240691640"/>
+                  </a:ext>
+                </a:extLst>
+              </a:tr>
+              <a:tr h="171243">
+                <a:tc>
+                  <a:txBody>
+                    <a:bodyPr/>
+                    <a:lstStyle/>
+                    <a:p>
+                      <a:pPr algn="l" fontAlgn="b"/>
+                      <a:r>
+                        <a:rPr lang="en-US" sz="1000" u="none" strike="noStrike">
+                          <a:effectLst/>
+                        </a:rPr>
+                        <a:t>Age</a:t>
+                      </a:r>
+                      <a:endParaRPr lang="en-US" sz="1000" b="0" i="0" u="none" strike="noStrike">
+                        <a:solidFill>
+                          <a:srgbClr val="000000"/>
+                        </a:solidFill>
+                        <a:effectLst/>
+                        <a:latin typeface="Calibri" panose="020F0502020204030204" pitchFamily="34" charset="0"/>
+                      </a:endParaRPr>
+                    </a:p>
+                  </a:txBody>
+                  <a:tcPr marL="8562" marR="8562" marT="8562" marB="0" anchor="b"/>
+                </a:tc>
+                <a:tc>
+                  <a:txBody>
+                    <a:bodyPr/>
+                    <a:lstStyle/>
+                    <a:p>
+                      <a:pPr algn="r" fontAlgn="b"/>
+                      <a:r>
+                        <a:rPr lang="en-US" sz="1000" u="none" strike="noStrike">
+                          <a:effectLst/>
+                        </a:rPr>
+                        <a:t>-4.82E-03</a:t>
+                      </a:r>
+                      <a:endParaRPr lang="en-US" sz="1000" b="0" i="0" u="none" strike="noStrike">
+                        <a:solidFill>
+                          <a:srgbClr val="000000"/>
+                        </a:solidFill>
+                        <a:effectLst/>
+                        <a:latin typeface="Calibri" panose="020F0502020204030204" pitchFamily="34" charset="0"/>
+                      </a:endParaRPr>
+                    </a:p>
+                  </a:txBody>
+                  <a:tcPr marL="8562" marR="8562" marT="8562" marB="0" anchor="b"/>
+                </a:tc>
+                <a:tc>
+                  <a:txBody>
+                    <a:bodyPr/>
+                    <a:lstStyle/>
+                    <a:p>
+                      <a:pPr algn="r" fontAlgn="b"/>
+                      <a:r>
+                        <a:rPr lang="en-US" sz="1000" u="none" strike="noStrike">
+                          <a:effectLst/>
+                        </a:rPr>
+                        <a:t>1.14E-03</a:t>
+                      </a:r>
+                      <a:endParaRPr lang="en-US" sz="1000" b="0" i="0" u="none" strike="noStrike">
+                        <a:solidFill>
+                          <a:srgbClr val="000000"/>
+                        </a:solidFill>
+                        <a:effectLst/>
+                        <a:latin typeface="Calibri" panose="020F0502020204030204" pitchFamily="34" charset="0"/>
+                      </a:endParaRPr>
+                    </a:p>
+                  </a:txBody>
+                  <a:tcPr marL="8562" marR="8562" marT="8562" marB="0" anchor="b"/>
+                </a:tc>
+                <a:tc>
+                  <a:txBody>
+                    <a:bodyPr/>
+                    <a:lstStyle/>
+                    <a:p>
+                      <a:pPr algn="r" fontAlgn="b"/>
+                      <a:r>
+                        <a:rPr lang="en-US" sz="1000" u="none" strike="noStrike">
+                          <a:effectLst/>
+                        </a:rPr>
+                        <a:t>-4.223</a:t>
+                      </a:r>
+                      <a:endParaRPr lang="en-US" sz="1000" b="0" i="0" u="none" strike="noStrike">
+                        <a:solidFill>
+                          <a:srgbClr val="000000"/>
+                        </a:solidFill>
+                        <a:effectLst/>
+                        <a:latin typeface="Calibri" panose="020F0502020204030204" pitchFamily="34" charset="0"/>
+                      </a:endParaRPr>
+                    </a:p>
+                  </a:txBody>
+                  <a:tcPr marL="8562" marR="8562" marT="8562" marB="0" anchor="b"/>
+                </a:tc>
+                <a:tc>
+                  <a:txBody>
+                    <a:bodyPr/>
+                    <a:lstStyle/>
+                    <a:p>
+                      <a:pPr algn="r" fontAlgn="b"/>
+                      <a:r>
+                        <a:rPr lang="en-US" sz="1000" u="none" strike="noStrike">
+                          <a:effectLst/>
+                        </a:rPr>
+                        <a:t>2.56E-05</a:t>
+                      </a:r>
+                      <a:endParaRPr lang="en-US" sz="1000" b="0" i="0" u="none" strike="noStrike">
+                        <a:solidFill>
+                          <a:srgbClr val="000000"/>
+                        </a:solidFill>
+                        <a:effectLst/>
+                        <a:latin typeface="Calibri" panose="020F0502020204030204" pitchFamily="34" charset="0"/>
+                      </a:endParaRPr>
+                    </a:p>
+                  </a:txBody>
+                  <a:tcPr marL="8562" marR="8562" marT="8562" marB="0" anchor="b"/>
+                </a:tc>
+                <a:extLst>
+                  <a:ext uri="{0D108BD9-81ED-4DB2-BD59-A6C34878D82A}">
+                    <a16:rowId xmlns:a16="http://schemas.microsoft.com/office/drawing/2014/main" xmlns="" val="1732450860"/>
+                  </a:ext>
+                </a:extLst>
+              </a:tr>
+              <a:tr h="171243">
+                <a:tc>
+                  <a:txBody>
+                    <a:bodyPr/>
+                    <a:lstStyle/>
+                    <a:p>
+                      <a:pPr algn="l" fontAlgn="b"/>
+                      <a:r>
+                        <a:rPr lang="en-US" sz="1000" u="none" strike="noStrike">
+                          <a:effectLst/>
+                        </a:rPr>
+                        <a:t>Travel</a:t>
+                      </a:r>
+                      <a:endParaRPr lang="en-US" sz="1000" b="0" i="0" u="none" strike="noStrike">
+                        <a:solidFill>
+                          <a:srgbClr val="000000"/>
+                        </a:solidFill>
+                        <a:effectLst/>
+                        <a:latin typeface="Calibri" panose="020F0502020204030204" pitchFamily="34" charset="0"/>
+                      </a:endParaRPr>
+                    </a:p>
+                  </a:txBody>
+                  <a:tcPr marL="8562" marR="8562" marT="8562" marB="0" anchor="b"/>
+                </a:tc>
+                <a:tc>
+                  <a:txBody>
+                    <a:bodyPr/>
+                    <a:lstStyle/>
+                    <a:p>
+                      <a:pPr algn="r" fontAlgn="b"/>
+                      <a:r>
+                        <a:rPr lang="en-US" sz="1000" u="none" strike="noStrike">
+                          <a:effectLst/>
+                        </a:rPr>
+                        <a:t>8.17E-02</a:t>
+                      </a:r>
+                      <a:endParaRPr lang="en-US" sz="1000" b="0" i="0" u="none" strike="noStrike">
+                        <a:solidFill>
+                          <a:srgbClr val="000000"/>
+                        </a:solidFill>
+                        <a:effectLst/>
+                        <a:latin typeface="Calibri" panose="020F0502020204030204" pitchFamily="34" charset="0"/>
+                      </a:endParaRPr>
+                    </a:p>
+                  </a:txBody>
+                  <a:tcPr marL="8562" marR="8562" marT="8562" marB="0" anchor="b"/>
+                </a:tc>
+                <a:tc>
+                  <a:txBody>
+                    <a:bodyPr/>
+                    <a:lstStyle/>
+                    <a:p>
+                      <a:pPr algn="r" fontAlgn="b"/>
+                      <a:r>
+                        <a:rPr lang="en-US" sz="1000" u="none" strike="noStrike">
+                          <a:effectLst/>
+                        </a:rPr>
+                        <a:t>1.60E-02</a:t>
+                      </a:r>
+                      <a:endParaRPr lang="en-US" sz="1000" b="0" i="0" u="none" strike="noStrike">
+                        <a:solidFill>
+                          <a:srgbClr val="000000"/>
+                        </a:solidFill>
+                        <a:effectLst/>
+                        <a:latin typeface="Calibri" panose="020F0502020204030204" pitchFamily="34" charset="0"/>
+                      </a:endParaRPr>
+                    </a:p>
+                  </a:txBody>
+                  <a:tcPr marL="8562" marR="8562" marT="8562" marB="0" anchor="b"/>
+                </a:tc>
+                <a:tc>
+                  <a:txBody>
+                    <a:bodyPr/>
+                    <a:lstStyle/>
+                    <a:p>
+                      <a:pPr algn="r" fontAlgn="b"/>
+                      <a:r>
+                        <a:rPr lang="en-US" sz="1000" u="none" strike="noStrike">
+                          <a:effectLst/>
+                        </a:rPr>
+                        <a:t>5.094</a:t>
+                      </a:r>
+                      <a:endParaRPr lang="en-US" sz="1000" b="0" i="0" u="none" strike="noStrike">
+                        <a:solidFill>
+                          <a:srgbClr val="000000"/>
+                        </a:solidFill>
+                        <a:effectLst/>
+                        <a:latin typeface="Calibri" panose="020F0502020204030204" pitchFamily="34" charset="0"/>
+                      </a:endParaRPr>
+                    </a:p>
+                  </a:txBody>
+                  <a:tcPr marL="8562" marR="8562" marT="8562" marB="0" anchor="b"/>
+                </a:tc>
+                <a:tc>
+                  <a:txBody>
+                    <a:bodyPr/>
+                    <a:lstStyle/>
+                    <a:p>
+                      <a:pPr algn="r" fontAlgn="b"/>
+                      <a:r>
+                        <a:rPr lang="en-US" sz="1000" u="none" strike="noStrike">
+                          <a:effectLst/>
+                        </a:rPr>
+                        <a:t>3.96E-07</a:t>
+                      </a:r>
+                      <a:endParaRPr lang="en-US" sz="1000" b="0" i="0" u="none" strike="noStrike">
+                        <a:solidFill>
+                          <a:srgbClr val="000000"/>
+                        </a:solidFill>
+                        <a:effectLst/>
+                        <a:latin typeface="Calibri" panose="020F0502020204030204" pitchFamily="34" charset="0"/>
+                      </a:endParaRPr>
+                    </a:p>
+                  </a:txBody>
+                  <a:tcPr marL="8562" marR="8562" marT="8562" marB="0" anchor="b"/>
+                </a:tc>
+                <a:extLst>
+                  <a:ext uri="{0D108BD9-81ED-4DB2-BD59-A6C34878D82A}">
+                    <a16:rowId xmlns:a16="http://schemas.microsoft.com/office/drawing/2014/main" xmlns="" val="3678558747"/>
+                  </a:ext>
+                </a:extLst>
+              </a:tr>
+              <a:tr h="171243">
+                <a:tc>
+                  <a:txBody>
+                    <a:bodyPr/>
+                    <a:lstStyle/>
+                    <a:p>
+                      <a:pPr algn="l" fontAlgn="b"/>
+                      <a:r>
+                        <a:rPr lang="en-US" sz="1000" u="none" strike="noStrike">
+                          <a:effectLst/>
+                        </a:rPr>
+                        <a:t>DailyRate</a:t>
+                      </a:r>
+                      <a:endParaRPr lang="en-US" sz="1000" b="0" i="0" u="none" strike="noStrike">
+                        <a:solidFill>
+                          <a:srgbClr val="000000"/>
+                        </a:solidFill>
+                        <a:effectLst/>
+                        <a:latin typeface="Calibri" panose="020F0502020204030204" pitchFamily="34" charset="0"/>
+                      </a:endParaRPr>
+                    </a:p>
+                  </a:txBody>
+                  <a:tcPr marL="8562" marR="8562" marT="8562" marB="0" anchor="b"/>
+                </a:tc>
+                <a:tc>
+                  <a:txBody>
+                    <a:bodyPr/>
+                    <a:lstStyle/>
+                    <a:p>
+                      <a:pPr algn="r" fontAlgn="b"/>
+                      <a:r>
+                        <a:rPr lang="en-US" sz="1000" u="none" strike="noStrike">
+                          <a:effectLst/>
+                        </a:rPr>
+                        <a:t>-3.26E-05</a:t>
+                      </a:r>
+                      <a:endParaRPr lang="en-US" sz="1000" b="0" i="0" u="none" strike="noStrike">
+                        <a:solidFill>
+                          <a:srgbClr val="000000"/>
+                        </a:solidFill>
+                        <a:effectLst/>
+                        <a:latin typeface="Calibri" panose="020F0502020204030204" pitchFamily="34" charset="0"/>
+                      </a:endParaRPr>
+                    </a:p>
+                  </a:txBody>
+                  <a:tcPr marL="8562" marR="8562" marT="8562" marB="0" anchor="b"/>
+                </a:tc>
+                <a:tc>
+                  <a:txBody>
+                    <a:bodyPr/>
+                    <a:lstStyle/>
+                    <a:p>
+                      <a:pPr algn="r" fontAlgn="b"/>
+                      <a:r>
+                        <a:rPr lang="en-US" sz="1000" u="none" strike="noStrike">
+                          <a:effectLst/>
+                        </a:rPr>
+                        <a:t>2.13E-05</a:t>
+                      </a:r>
+                      <a:endParaRPr lang="en-US" sz="1000" b="0" i="0" u="none" strike="noStrike">
+                        <a:solidFill>
+                          <a:srgbClr val="000000"/>
+                        </a:solidFill>
+                        <a:effectLst/>
+                        <a:latin typeface="Calibri" panose="020F0502020204030204" pitchFamily="34" charset="0"/>
+                      </a:endParaRPr>
+                    </a:p>
+                  </a:txBody>
+                  <a:tcPr marL="8562" marR="8562" marT="8562" marB="0" anchor="b"/>
+                </a:tc>
+                <a:tc>
+                  <a:txBody>
+                    <a:bodyPr/>
+                    <a:lstStyle/>
+                    <a:p>
+                      <a:pPr algn="r" fontAlgn="b"/>
+                      <a:r>
+                        <a:rPr lang="en-US" sz="1000" u="none" strike="noStrike">
+                          <a:effectLst/>
+                        </a:rPr>
+                        <a:t>-1.534</a:t>
+                      </a:r>
+                      <a:endParaRPr lang="en-US" sz="1000" b="0" i="0" u="none" strike="noStrike">
+                        <a:solidFill>
+                          <a:srgbClr val="000000"/>
+                        </a:solidFill>
+                        <a:effectLst/>
+                        <a:latin typeface="Calibri" panose="020F0502020204030204" pitchFamily="34" charset="0"/>
+                      </a:endParaRPr>
+                    </a:p>
+                  </a:txBody>
+                  <a:tcPr marL="8562" marR="8562" marT="8562" marB="0" anchor="b"/>
+                </a:tc>
+                <a:tc>
+                  <a:txBody>
+                    <a:bodyPr/>
+                    <a:lstStyle/>
+                    <a:p>
+                      <a:pPr algn="r" fontAlgn="b"/>
+                      <a:r>
+                        <a:rPr lang="en-US" sz="1000" u="none" strike="noStrike">
+                          <a:effectLst/>
+                        </a:rPr>
+                        <a:t>0.125267</a:t>
+                      </a:r>
+                      <a:endParaRPr lang="en-US" sz="1000" b="0" i="0" u="none" strike="noStrike">
+                        <a:solidFill>
+                          <a:srgbClr val="000000"/>
+                        </a:solidFill>
+                        <a:effectLst/>
+                        <a:latin typeface="Calibri" panose="020F0502020204030204" pitchFamily="34" charset="0"/>
+                      </a:endParaRPr>
+                    </a:p>
+                  </a:txBody>
+                  <a:tcPr marL="8562" marR="8562" marT="8562" marB="0" anchor="b"/>
+                </a:tc>
+                <a:extLst>
+                  <a:ext uri="{0D108BD9-81ED-4DB2-BD59-A6C34878D82A}">
+                    <a16:rowId xmlns:a16="http://schemas.microsoft.com/office/drawing/2014/main" xmlns="" val="2004686189"/>
+                  </a:ext>
+                </a:extLst>
+              </a:tr>
+              <a:tr h="171243">
+                <a:tc>
+                  <a:txBody>
+                    <a:bodyPr/>
+                    <a:lstStyle/>
+                    <a:p>
+                      <a:pPr algn="l" fontAlgn="b"/>
+                      <a:r>
+                        <a:rPr lang="en-US" sz="1000" u="none" strike="noStrike">
+                          <a:effectLst/>
+                        </a:rPr>
+                        <a:t>Department</a:t>
+                      </a:r>
+                      <a:endParaRPr lang="en-US" sz="1000" b="0" i="0" u="none" strike="noStrike">
+                        <a:solidFill>
+                          <a:srgbClr val="000000"/>
+                        </a:solidFill>
+                        <a:effectLst/>
+                        <a:latin typeface="Calibri" panose="020F0502020204030204" pitchFamily="34" charset="0"/>
+                      </a:endParaRPr>
+                    </a:p>
+                  </a:txBody>
+                  <a:tcPr marL="8562" marR="8562" marT="8562" marB="0" anchor="b"/>
+                </a:tc>
+                <a:tc>
+                  <a:txBody>
+                    <a:bodyPr/>
+                    <a:lstStyle/>
+                    <a:p>
+                      <a:pPr algn="r" fontAlgn="b"/>
+                      <a:r>
+                        <a:rPr lang="en-US" sz="1000" u="none" strike="noStrike" dirty="0">
+                          <a:effectLst/>
+                        </a:rPr>
+                        <a:t>7.64E-02</a:t>
+                      </a:r>
+                      <a:endParaRPr lang="en-US" sz="1000" b="0" i="0" u="none" strike="noStrike" dirty="0">
+                        <a:solidFill>
+                          <a:srgbClr val="000000"/>
+                        </a:solidFill>
+                        <a:effectLst/>
+                        <a:latin typeface="Calibri" panose="020F0502020204030204" pitchFamily="34" charset="0"/>
+                      </a:endParaRPr>
+                    </a:p>
+                  </a:txBody>
+                  <a:tcPr marL="8562" marR="8562" marT="8562" marB="0" anchor="b"/>
+                </a:tc>
+                <a:tc>
+                  <a:txBody>
+                    <a:bodyPr/>
+                    <a:lstStyle/>
+                    <a:p>
+                      <a:pPr algn="r" fontAlgn="b"/>
+                      <a:r>
+                        <a:rPr lang="en-US" sz="1000" u="none" strike="noStrike">
+                          <a:effectLst/>
+                        </a:rPr>
+                        <a:t>2.38E-02</a:t>
+                      </a:r>
+                      <a:endParaRPr lang="en-US" sz="1000" b="0" i="0" u="none" strike="noStrike">
+                        <a:solidFill>
+                          <a:srgbClr val="000000"/>
+                        </a:solidFill>
+                        <a:effectLst/>
+                        <a:latin typeface="Calibri" panose="020F0502020204030204" pitchFamily="34" charset="0"/>
+                      </a:endParaRPr>
+                    </a:p>
+                  </a:txBody>
+                  <a:tcPr marL="8562" marR="8562" marT="8562" marB="0" anchor="b"/>
+                </a:tc>
+                <a:tc>
+                  <a:txBody>
+                    <a:bodyPr/>
+                    <a:lstStyle/>
+                    <a:p>
+                      <a:pPr algn="r" fontAlgn="b"/>
+                      <a:r>
+                        <a:rPr lang="en-US" sz="1000" u="none" strike="noStrike">
+                          <a:effectLst/>
+                        </a:rPr>
+                        <a:t>3.214</a:t>
+                      </a:r>
+                      <a:endParaRPr lang="en-US" sz="1000" b="0" i="0" u="none" strike="noStrike">
+                        <a:solidFill>
+                          <a:srgbClr val="000000"/>
+                        </a:solidFill>
+                        <a:effectLst/>
+                        <a:latin typeface="Calibri" panose="020F0502020204030204" pitchFamily="34" charset="0"/>
+                      </a:endParaRPr>
+                    </a:p>
+                  </a:txBody>
+                  <a:tcPr marL="8562" marR="8562" marT="8562" marB="0" anchor="b"/>
+                </a:tc>
+                <a:tc>
+                  <a:txBody>
+                    <a:bodyPr/>
+                    <a:lstStyle/>
+                    <a:p>
+                      <a:pPr algn="r" fontAlgn="b"/>
+                      <a:r>
+                        <a:rPr lang="en-US" sz="1000" u="none" strike="noStrike">
+                          <a:effectLst/>
+                        </a:rPr>
+                        <a:t>0.001339</a:t>
+                      </a:r>
+                      <a:endParaRPr lang="en-US" sz="1000" b="0" i="0" u="none" strike="noStrike">
+                        <a:solidFill>
+                          <a:srgbClr val="000000"/>
+                        </a:solidFill>
+                        <a:effectLst/>
+                        <a:latin typeface="Calibri" panose="020F0502020204030204" pitchFamily="34" charset="0"/>
+                      </a:endParaRPr>
+                    </a:p>
+                  </a:txBody>
+                  <a:tcPr marL="8562" marR="8562" marT="8562" marB="0" anchor="b"/>
+                </a:tc>
+                <a:extLst>
+                  <a:ext uri="{0D108BD9-81ED-4DB2-BD59-A6C34878D82A}">
+                    <a16:rowId xmlns:a16="http://schemas.microsoft.com/office/drawing/2014/main" xmlns="" val="279164385"/>
+                  </a:ext>
+                </a:extLst>
+              </a:tr>
+              <a:tr h="171243">
+                <a:tc>
+                  <a:txBody>
+                    <a:bodyPr/>
+                    <a:lstStyle/>
+                    <a:p>
+                      <a:pPr algn="l" fontAlgn="b"/>
+                      <a:r>
+                        <a:rPr lang="en-US" sz="1000" u="none" strike="noStrike">
+                          <a:effectLst/>
+                        </a:rPr>
+                        <a:t>DisFromHome</a:t>
+                      </a:r>
+                      <a:endParaRPr lang="en-US" sz="1000" b="0" i="0" u="none" strike="noStrike">
+                        <a:solidFill>
+                          <a:srgbClr val="000000"/>
+                        </a:solidFill>
+                        <a:effectLst/>
+                        <a:latin typeface="Calibri" panose="020F0502020204030204" pitchFamily="34" charset="0"/>
+                      </a:endParaRPr>
+                    </a:p>
+                  </a:txBody>
+                  <a:tcPr marL="8562" marR="8562" marT="8562" marB="0" anchor="b"/>
+                </a:tc>
+                <a:tc>
+                  <a:txBody>
+                    <a:bodyPr/>
+                    <a:lstStyle/>
+                    <a:p>
+                      <a:pPr algn="r" fontAlgn="b"/>
+                      <a:r>
+                        <a:rPr lang="en-US" sz="1000" u="none" strike="noStrike">
+                          <a:effectLst/>
+                        </a:rPr>
+                        <a:t>3.47E-03</a:t>
+                      </a:r>
+                      <a:endParaRPr lang="en-US" sz="1000" b="0" i="0" u="none" strike="noStrike">
+                        <a:solidFill>
+                          <a:srgbClr val="000000"/>
+                        </a:solidFill>
+                        <a:effectLst/>
+                        <a:latin typeface="Calibri" panose="020F0502020204030204" pitchFamily="34" charset="0"/>
+                      </a:endParaRPr>
+                    </a:p>
+                  </a:txBody>
+                  <a:tcPr marL="8562" marR="8562" marT="8562" marB="0" anchor="b"/>
+                </a:tc>
+                <a:tc>
+                  <a:txBody>
+                    <a:bodyPr/>
+                    <a:lstStyle/>
+                    <a:p>
+                      <a:pPr algn="r" fontAlgn="b"/>
+                      <a:r>
+                        <a:rPr lang="en-US" sz="1000" u="none" strike="noStrike">
+                          <a:effectLst/>
+                        </a:rPr>
+                        <a:t>1.05E-03</a:t>
+                      </a:r>
+                      <a:endParaRPr lang="en-US" sz="1000" b="0" i="0" u="none" strike="noStrike">
+                        <a:solidFill>
+                          <a:srgbClr val="000000"/>
+                        </a:solidFill>
+                        <a:effectLst/>
+                        <a:latin typeface="Calibri" panose="020F0502020204030204" pitchFamily="34" charset="0"/>
+                      </a:endParaRPr>
+                    </a:p>
+                  </a:txBody>
+                  <a:tcPr marL="8562" marR="8562" marT="8562" marB="0" anchor="b"/>
+                </a:tc>
+                <a:tc>
+                  <a:txBody>
+                    <a:bodyPr/>
+                    <a:lstStyle/>
+                    <a:p>
+                      <a:pPr algn="r" fontAlgn="b"/>
+                      <a:r>
+                        <a:rPr lang="en-US" sz="1000" u="none" strike="noStrike">
+                          <a:effectLst/>
+                        </a:rPr>
+                        <a:t>3.293</a:t>
+                      </a:r>
+                      <a:endParaRPr lang="en-US" sz="1000" b="0" i="0" u="none" strike="noStrike">
+                        <a:solidFill>
+                          <a:srgbClr val="000000"/>
+                        </a:solidFill>
+                        <a:effectLst/>
+                        <a:latin typeface="Calibri" panose="020F0502020204030204" pitchFamily="34" charset="0"/>
+                      </a:endParaRPr>
+                    </a:p>
+                  </a:txBody>
+                  <a:tcPr marL="8562" marR="8562" marT="8562" marB="0" anchor="b"/>
+                </a:tc>
+                <a:tc>
+                  <a:txBody>
+                    <a:bodyPr/>
+                    <a:lstStyle/>
+                    <a:p>
+                      <a:pPr algn="r" fontAlgn="b"/>
+                      <a:r>
+                        <a:rPr lang="en-US" sz="1000" u="none" strike="noStrike">
+                          <a:effectLst/>
+                        </a:rPr>
+                        <a:t>0.001016</a:t>
+                      </a:r>
+                      <a:endParaRPr lang="en-US" sz="1000" b="0" i="0" u="none" strike="noStrike">
+                        <a:solidFill>
+                          <a:srgbClr val="000000"/>
+                        </a:solidFill>
+                        <a:effectLst/>
+                        <a:latin typeface="Calibri" panose="020F0502020204030204" pitchFamily="34" charset="0"/>
+                      </a:endParaRPr>
+                    </a:p>
+                  </a:txBody>
+                  <a:tcPr marL="8562" marR="8562" marT="8562" marB="0" anchor="b"/>
+                </a:tc>
+                <a:extLst>
+                  <a:ext uri="{0D108BD9-81ED-4DB2-BD59-A6C34878D82A}">
+                    <a16:rowId xmlns:a16="http://schemas.microsoft.com/office/drawing/2014/main" xmlns="" val="487630636"/>
+                  </a:ext>
+                </a:extLst>
+              </a:tr>
+              <a:tr h="171243">
+                <a:tc>
+                  <a:txBody>
+                    <a:bodyPr/>
+                    <a:lstStyle/>
+                    <a:p>
+                      <a:pPr algn="l" fontAlgn="b"/>
+                      <a:r>
+                        <a:rPr lang="en-US" sz="1000" u="none" strike="noStrike">
+                          <a:effectLst/>
+                        </a:rPr>
+                        <a:t>EnvSatis</a:t>
+                      </a:r>
+                      <a:endParaRPr lang="en-US" sz="1000" b="0" i="0" u="none" strike="noStrike">
+                        <a:solidFill>
+                          <a:srgbClr val="000000"/>
+                        </a:solidFill>
+                        <a:effectLst/>
+                        <a:latin typeface="Calibri" panose="020F0502020204030204" pitchFamily="34" charset="0"/>
+                      </a:endParaRPr>
+                    </a:p>
+                  </a:txBody>
+                  <a:tcPr marL="8562" marR="8562" marT="8562" marB="0" anchor="b"/>
+                </a:tc>
+                <a:tc>
+                  <a:txBody>
+                    <a:bodyPr/>
+                    <a:lstStyle/>
+                    <a:p>
+                      <a:pPr algn="r" fontAlgn="b"/>
+                      <a:r>
+                        <a:rPr lang="en-US" sz="1000" u="none" strike="noStrike">
+                          <a:effectLst/>
+                        </a:rPr>
+                        <a:t>-3.94E-02</a:t>
+                      </a:r>
+                      <a:endParaRPr lang="en-US" sz="1000" b="0" i="0" u="none" strike="noStrike">
+                        <a:solidFill>
+                          <a:srgbClr val="000000"/>
+                        </a:solidFill>
+                        <a:effectLst/>
+                        <a:latin typeface="Calibri" panose="020F0502020204030204" pitchFamily="34" charset="0"/>
+                      </a:endParaRPr>
+                    </a:p>
+                  </a:txBody>
+                  <a:tcPr marL="8562" marR="8562" marT="8562" marB="0" anchor="b"/>
+                </a:tc>
+                <a:tc>
+                  <a:txBody>
+                    <a:bodyPr/>
+                    <a:lstStyle/>
+                    <a:p>
+                      <a:pPr algn="r" fontAlgn="b"/>
+                      <a:r>
+                        <a:rPr lang="en-US" sz="1000" u="none" strike="noStrike">
+                          <a:effectLst/>
+                        </a:rPr>
+                        <a:t>7.81E-03</a:t>
+                      </a:r>
+                      <a:endParaRPr lang="en-US" sz="1000" b="0" i="0" u="none" strike="noStrike">
+                        <a:solidFill>
+                          <a:srgbClr val="000000"/>
+                        </a:solidFill>
+                        <a:effectLst/>
+                        <a:latin typeface="Calibri" panose="020F0502020204030204" pitchFamily="34" charset="0"/>
+                      </a:endParaRPr>
+                    </a:p>
+                  </a:txBody>
+                  <a:tcPr marL="8562" marR="8562" marT="8562" marB="0" anchor="b"/>
+                </a:tc>
+                <a:tc>
+                  <a:txBody>
+                    <a:bodyPr/>
+                    <a:lstStyle/>
+                    <a:p>
+                      <a:pPr algn="r" fontAlgn="b"/>
+                      <a:r>
+                        <a:rPr lang="en-US" sz="1000" u="none" strike="noStrike">
+                          <a:effectLst/>
+                        </a:rPr>
+                        <a:t>-5.043</a:t>
+                      </a:r>
+                      <a:endParaRPr lang="en-US" sz="1000" b="0" i="0" u="none" strike="noStrike">
+                        <a:solidFill>
+                          <a:srgbClr val="000000"/>
+                        </a:solidFill>
+                        <a:effectLst/>
+                        <a:latin typeface="Calibri" panose="020F0502020204030204" pitchFamily="34" charset="0"/>
+                      </a:endParaRPr>
+                    </a:p>
+                  </a:txBody>
+                  <a:tcPr marL="8562" marR="8562" marT="8562" marB="0" anchor="b"/>
+                </a:tc>
+                <a:tc>
+                  <a:txBody>
+                    <a:bodyPr/>
+                    <a:lstStyle/>
+                    <a:p>
+                      <a:pPr algn="r" fontAlgn="b"/>
+                      <a:r>
+                        <a:rPr lang="en-US" sz="1000" u="none" strike="noStrike">
+                          <a:effectLst/>
+                        </a:rPr>
+                        <a:t>5.16E-07</a:t>
+                      </a:r>
+                      <a:endParaRPr lang="en-US" sz="1000" b="0" i="0" u="none" strike="noStrike">
+                        <a:solidFill>
+                          <a:srgbClr val="000000"/>
+                        </a:solidFill>
+                        <a:effectLst/>
+                        <a:latin typeface="Calibri" panose="020F0502020204030204" pitchFamily="34" charset="0"/>
+                      </a:endParaRPr>
+                    </a:p>
+                  </a:txBody>
+                  <a:tcPr marL="8562" marR="8562" marT="8562" marB="0" anchor="b"/>
+                </a:tc>
+                <a:extLst>
+                  <a:ext uri="{0D108BD9-81ED-4DB2-BD59-A6C34878D82A}">
+                    <a16:rowId xmlns:a16="http://schemas.microsoft.com/office/drawing/2014/main" xmlns="" val="3565446120"/>
+                  </a:ext>
+                </a:extLst>
+              </a:tr>
+              <a:tr h="171243">
+                <a:tc>
+                  <a:txBody>
+                    <a:bodyPr/>
+                    <a:lstStyle/>
+                    <a:p>
+                      <a:pPr algn="l" fontAlgn="b"/>
+                      <a:r>
+                        <a:rPr lang="en-US" sz="1000" u="none" strike="noStrike">
+                          <a:effectLst/>
+                        </a:rPr>
+                        <a:t>Gender</a:t>
+                      </a:r>
+                      <a:endParaRPr lang="en-US" sz="1000" b="0" i="0" u="none" strike="noStrike">
+                        <a:solidFill>
+                          <a:srgbClr val="000000"/>
+                        </a:solidFill>
+                        <a:effectLst/>
+                        <a:latin typeface="Calibri" panose="020F0502020204030204" pitchFamily="34" charset="0"/>
+                      </a:endParaRPr>
+                    </a:p>
+                  </a:txBody>
+                  <a:tcPr marL="8562" marR="8562" marT="8562" marB="0" anchor="b"/>
+                </a:tc>
+                <a:tc>
+                  <a:txBody>
+                    <a:bodyPr/>
+                    <a:lstStyle/>
+                    <a:p>
+                      <a:pPr algn="r" fontAlgn="b"/>
+                      <a:r>
+                        <a:rPr lang="en-US" sz="1000" u="none" strike="noStrike">
+                          <a:effectLst/>
+                        </a:rPr>
+                        <a:t>3.85E-02</a:t>
+                      </a:r>
+                      <a:endParaRPr lang="en-US" sz="1000" b="0" i="0" u="none" strike="noStrike">
+                        <a:solidFill>
+                          <a:srgbClr val="000000"/>
+                        </a:solidFill>
+                        <a:effectLst/>
+                        <a:latin typeface="Calibri" panose="020F0502020204030204" pitchFamily="34" charset="0"/>
+                      </a:endParaRPr>
+                    </a:p>
+                  </a:txBody>
+                  <a:tcPr marL="8562" marR="8562" marT="8562" marB="0" anchor="b"/>
+                </a:tc>
+                <a:tc>
+                  <a:txBody>
+                    <a:bodyPr/>
+                    <a:lstStyle/>
+                    <a:p>
+                      <a:pPr algn="r" fontAlgn="b"/>
+                      <a:r>
+                        <a:rPr lang="en-US" sz="1000" u="none" strike="noStrike">
+                          <a:effectLst/>
+                        </a:rPr>
+                        <a:t>1.75E-02</a:t>
+                      </a:r>
+                      <a:endParaRPr lang="en-US" sz="1000" b="0" i="0" u="none" strike="noStrike">
+                        <a:solidFill>
+                          <a:srgbClr val="000000"/>
+                        </a:solidFill>
+                        <a:effectLst/>
+                        <a:latin typeface="Calibri" panose="020F0502020204030204" pitchFamily="34" charset="0"/>
+                      </a:endParaRPr>
+                    </a:p>
+                  </a:txBody>
+                  <a:tcPr marL="8562" marR="8562" marT="8562" marB="0" anchor="b"/>
+                </a:tc>
+                <a:tc>
+                  <a:txBody>
+                    <a:bodyPr/>
+                    <a:lstStyle/>
+                    <a:p>
+                      <a:pPr algn="r" fontAlgn="b"/>
+                      <a:r>
+                        <a:rPr lang="en-US" sz="1000" u="none" strike="noStrike">
+                          <a:effectLst/>
+                        </a:rPr>
+                        <a:t>2.201</a:t>
+                      </a:r>
+                      <a:endParaRPr lang="en-US" sz="1000" b="0" i="0" u="none" strike="noStrike">
+                        <a:solidFill>
+                          <a:srgbClr val="000000"/>
+                        </a:solidFill>
+                        <a:effectLst/>
+                        <a:latin typeface="Calibri" panose="020F0502020204030204" pitchFamily="34" charset="0"/>
+                      </a:endParaRPr>
+                    </a:p>
+                  </a:txBody>
+                  <a:tcPr marL="8562" marR="8562" marT="8562" marB="0" anchor="b"/>
+                </a:tc>
+                <a:tc>
+                  <a:txBody>
+                    <a:bodyPr/>
+                    <a:lstStyle/>
+                    <a:p>
+                      <a:pPr algn="r" fontAlgn="b"/>
+                      <a:r>
+                        <a:rPr lang="en-US" sz="1000" u="none" strike="noStrike">
+                          <a:effectLst/>
+                        </a:rPr>
+                        <a:t>0.027864</a:t>
+                      </a:r>
+                      <a:endParaRPr lang="en-US" sz="1000" b="0" i="0" u="none" strike="noStrike">
+                        <a:solidFill>
+                          <a:srgbClr val="000000"/>
+                        </a:solidFill>
+                        <a:effectLst/>
+                        <a:latin typeface="Calibri" panose="020F0502020204030204" pitchFamily="34" charset="0"/>
+                      </a:endParaRPr>
+                    </a:p>
+                  </a:txBody>
+                  <a:tcPr marL="8562" marR="8562" marT="8562" marB="0" anchor="b"/>
+                </a:tc>
+                <a:extLst>
+                  <a:ext uri="{0D108BD9-81ED-4DB2-BD59-A6C34878D82A}">
+                    <a16:rowId xmlns:a16="http://schemas.microsoft.com/office/drawing/2014/main" xmlns="" val="352114911"/>
+                  </a:ext>
+                </a:extLst>
+              </a:tr>
+              <a:tr h="171243">
+                <a:tc>
+                  <a:txBody>
+                    <a:bodyPr/>
+                    <a:lstStyle/>
+                    <a:p>
+                      <a:pPr algn="l" fontAlgn="b"/>
+                      <a:r>
+                        <a:rPr lang="en-US" sz="1000" u="none" strike="noStrike">
+                          <a:effectLst/>
+                        </a:rPr>
+                        <a:t>JobInvolve</a:t>
+                      </a:r>
+                      <a:endParaRPr lang="en-US" sz="1000" b="0" i="0" u="none" strike="noStrike">
+                        <a:solidFill>
+                          <a:srgbClr val="000000"/>
+                        </a:solidFill>
+                        <a:effectLst/>
+                        <a:latin typeface="Calibri" panose="020F0502020204030204" pitchFamily="34" charset="0"/>
+                      </a:endParaRPr>
+                    </a:p>
+                  </a:txBody>
+                  <a:tcPr marL="8562" marR="8562" marT="8562" marB="0" anchor="b"/>
+                </a:tc>
+                <a:tc>
+                  <a:txBody>
+                    <a:bodyPr/>
+                    <a:lstStyle/>
+                    <a:p>
+                      <a:pPr algn="r" fontAlgn="b"/>
+                      <a:r>
+                        <a:rPr lang="en-US" sz="1000" u="none" strike="noStrike">
+                          <a:effectLst/>
+                        </a:rPr>
+                        <a:t>-6.14E-02</a:t>
+                      </a:r>
+                      <a:endParaRPr lang="en-US" sz="1000" b="0" i="0" u="none" strike="noStrike">
+                        <a:solidFill>
+                          <a:srgbClr val="000000"/>
+                        </a:solidFill>
+                        <a:effectLst/>
+                        <a:latin typeface="Calibri" panose="020F0502020204030204" pitchFamily="34" charset="0"/>
+                      </a:endParaRPr>
+                    </a:p>
+                  </a:txBody>
+                  <a:tcPr marL="8562" marR="8562" marT="8562" marB="0" anchor="b"/>
+                </a:tc>
+                <a:tc>
+                  <a:txBody>
+                    <a:bodyPr/>
+                    <a:lstStyle/>
+                    <a:p>
+                      <a:pPr algn="r" fontAlgn="b"/>
+                      <a:r>
+                        <a:rPr lang="en-US" sz="1000" u="none" strike="noStrike">
+                          <a:effectLst/>
+                        </a:rPr>
+                        <a:t>1.20E-02</a:t>
+                      </a:r>
+                      <a:endParaRPr lang="en-US" sz="1000" b="0" i="0" u="none" strike="noStrike">
+                        <a:solidFill>
+                          <a:srgbClr val="000000"/>
+                        </a:solidFill>
+                        <a:effectLst/>
+                        <a:latin typeface="Calibri" panose="020F0502020204030204" pitchFamily="34" charset="0"/>
+                      </a:endParaRPr>
+                    </a:p>
+                  </a:txBody>
+                  <a:tcPr marL="8562" marR="8562" marT="8562" marB="0" anchor="b"/>
+                </a:tc>
+                <a:tc>
+                  <a:txBody>
+                    <a:bodyPr/>
+                    <a:lstStyle/>
+                    <a:p>
+                      <a:pPr algn="r" fontAlgn="b"/>
+                      <a:r>
+                        <a:rPr lang="en-US" sz="1000" u="none" strike="noStrike">
+                          <a:effectLst/>
+                        </a:rPr>
+                        <a:t>-5.102</a:t>
+                      </a:r>
+                      <a:endParaRPr lang="en-US" sz="1000" b="0" i="0" u="none" strike="noStrike">
+                        <a:solidFill>
+                          <a:srgbClr val="000000"/>
+                        </a:solidFill>
+                        <a:effectLst/>
+                        <a:latin typeface="Calibri" panose="020F0502020204030204" pitchFamily="34" charset="0"/>
+                      </a:endParaRPr>
+                    </a:p>
+                  </a:txBody>
+                  <a:tcPr marL="8562" marR="8562" marT="8562" marB="0" anchor="b"/>
+                </a:tc>
+                <a:tc>
+                  <a:txBody>
+                    <a:bodyPr/>
+                    <a:lstStyle/>
+                    <a:p>
+                      <a:pPr algn="r" fontAlgn="b"/>
+                      <a:r>
+                        <a:rPr lang="en-US" sz="1000" u="none" strike="noStrike">
+                          <a:effectLst/>
+                        </a:rPr>
+                        <a:t>3.81E-07</a:t>
+                      </a:r>
+                      <a:endParaRPr lang="en-US" sz="1000" b="0" i="0" u="none" strike="noStrike">
+                        <a:solidFill>
+                          <a:srgbClr val="000000"/>
+                        </a:solidFill>
+                        <a:effectLst/>
+                        <a:latin typeface="Calibri" panose="020F0502020204030204" pitchFamily="34" charset="0"/>
+                      </a:endParaRPr>
+                    </a:p>
+                  </a:txBody>
+                  <a:tcPr marL="8562" marR="8562" marT="8562" marB="0" anchor="b"/>
+                </a:tc>
+                <a:extLst>
+                  <a:ext uri="{0D108BD9-81ED-4DB2-BD59-A6C34878D82A}">
+                    <a16:rowId xmlns:a16="http://schemas.microsoft.com/office/drawing/2014/main" xmlns="" val="386690825"/>
+                  </a:ext>
+                </a:extLst>
+              </a:tr>
+              <a:tr h="171243">
+                <a:tc>
+                  <a:txBody>
+                    <a:bodyPr/>
+                    <a:lstStyle/>
+                    <a:p>
+                      <a:pPr algn="l" fontAlgn="b"/>
+                      <a:r>
+                        <a:rPr lang="en-US" sz="1000" u="none" strike="noStrike">
+                          <a:effectLst/>
+                        </a:rPr>
+                        <a:t>JobLevel</a:t>
+                      </a:r>
+                      <a:endParaRPr lang="en-US" sz="1000" b="0" i="0" u="none" strike="noStrike">
+                        <a:solidFill>
+                          <a:srgbClr val="000000"/>
+                        </a:solidFill>
+                        <a:effectLst/>
+                        <a:latin typeface="Calibri" panose="020F0502020204030204" pitchFamily="34" charset="0"/>
+                      </a:endParaRPr>
+                    </a:p>
+                  </a:txBody>
+                  <a:tcPr marL="8562" marR="8562" marT="8562" marB="0" anchor="b"/>
+                </a:tc>
+                <a:tc>
+                  <a:txBody>
+                    <a:bodyPr/>
+                    <a:lstStyle/>
+                    <a:p>
+                      <a:pPr algn="r" fontAlgn="b"/>
+                      <a:r>
+                        <a:rPr lang="en-US" sz="1000" u="none" strike="noStrike">
+                          <a:effectLst/>
+                        </a:rPr>
+                        <a:t>-4.12E-02</a:t>
+                      </a:r>
+                      <a:endParaRPr lang="en-US" sz="1000" b="0" i="0" u="none" strike="noStrike">
+                        <a:solidFill>
+                          <a:srgbClr val="000000"/>
+                        </a:solidFill>
+                        <a:effectLst/>
+                        <a:latin typeface="Calibri" panose="020F0502020204030204" pitchFamily="34" charset="0"/>
+                      </a:endParaRPr>
+                    </a:p>
+                  </a:txBody>
+                  <a:tcPr marL="8562" marR="8562" marT="8562" marB="0" anchor="b"/>
+                </a:tc>
+                <a:tc>
+                  <a:txBody>
+                    <a:bodyPr/>
+                    <a:lstStyle/>
+                    <a:p>
+                      <a:pPr algn="r" fontAlgn="b"/>
+                      <a:r>
+                        <a:rPr lang="en-US" sz="1000" u="none" strike="noStrike">
+                          <a:effectLst/>
+                        </a:rPr>
+                        <a:t>1.03E-02</a:t>
+                      </a:r>
+                      <a:endParaRPr lang="en-US" sz="1000" b="0" i="0" u="none" strike="noStrike">
+                        <a:solidFill>
+                          <a:srgbClr val="000000"/>
+                        </a:solidFill>
+                        <a:effectLst/>
+                        <a:latin typeface="Calibri" panose="020F0502020204030204" pitchFamily="34" charset="0"/>
+                      </a:endParaRPr>
+                    </a:p>
+                  </a:txBody>
+                  <a:tcPr marL="8562" marR="8562" marT="8562" marB="0" anchor="b"/>
+                </a:tc>
+                <a:tc>
+                  <a:txBody>
+                    <a:bodyPr/>
+                    <a:lstStyle/>
+                    <a:p>
+                      <a:pPr algn="r" fontAlgn="b"/>
+                      <a:r>
+                        <a:rPr lang="en-US" sz="1000" u="none" strike="noStrike">
+                          <a:effectLst/>
+                        </a:rPr>
+                        <a:t>-3.989</a:t>
+                      </a:r>
+                      <a:endParaRPr lang="en-US" sz="1000" b="0" i="0" u="none" strike="noStrike">
+                        <a:solidFill>
+                          <a:srgbClr val="000000"/>
+                        </a:solidFill>
+                        <a:effectLst/>
+                        <a:latin typeface="Calibri" panose="020F0502020204030204" pitchFamily="34" charset="0"/>
+                      </a:endParaRPr>
+                    </a:p>
+                  </a:txBody>
+                  <a:tcPr marL="8562" marR="8562" marT="8562" marB="0" anchor="b"/>
+                </a:tc>
+                <a:tc>
+                  <a:txBody>
+                    <a:bodyPr/>
+                    <a:lstStyle/>
+                    <a:p>
+                      <a:pPr algn="r" fontAlgn="b"/>
+                      <a:r>
+                        <a:rPr lang="en-US" sz="1000" u="none" strike="noStrike">
+                          <a:effectLst/>
+                        </a:rPr>
+                        <a:t>6.98E-05</a:t>
+                      </a:r>
+                      <a:endParaRPr lang="en-US" sz="1000" b="0" i="0" u="none" strike="noStrike">
+                        <a:solidFill>
+                          <a:srgbClr val="000000"/>
+                        </a:solidFill>
+                        <a:effectLst/>
+                        <a:latin typeface="Calibri" panose="020F0502020204030204" pitchFamily="34" charset="0"/>
+                      </a:endParaRPr>
+                    </a:p>
+                  </a:txBody>
+                  <a:tcPr marL="8562" marR="8562" marT="8562" marB="0" anchor="b"/>
+                </a:tc>
+                <a:extLst>
+                  <a:ext uri="{0D108BD9-81ED-4DB2-BD59-A6C34878D82A}">
+                    <a16:rowId xmlns:a16="http://schemas.microsoft.com/office/drawing/2014/main" xmlns="" val="1000163892"/>
+                  </a:ext>
+                </a:extLst>
+              </a:tr>
+              <a:tr h="171243">
+                <a:tc>
+                  <a:txBody>
+                    <a:bodyPr/>
+                    <a:lstStyle/>
+                    <a:p>
+                      <a:pPr algn="l" fontAlgn="b"/>
+                      <a:r>
+                        <a:rPr lang="en-US" sz="1000" u="none" strike="noStrike">
+                          <a:effectLst/>
+                        </a:rPr>
+                        <a:t>JobRole</a:t>
+                      </a:r>
+                      <a:endParaRPr lang="en-US" sz="1000" b="0" i="0" u="none" strike="noStrike">
+                        <a:solidFill>
+                          <a:srgbClr val="000000"/>
+                        </a:solidFill>
+                        <a:effectLst/>
+                        <a:latin typeface="Calibri" panose="020F0502020204030204" pitchFamily="34" charset="0"/>
+                      </a:endParaRPr>
+                    </a:p>
+                  </a:txBody>
+                  <a:tcPr marL="8562" marR="8562" marT="8562" marB="0" anchor="b"/>
+                </a:tc>
+                <a:tc>
+                  <a:txBody>
+                    <a:bodyPr/>
+                    <a:lstStyle/>
+                    <a:p>
+                      <a:pPr algn="r" fontAlgn="b"/>
+                      <a:r>
+                        <a:rPr lang="en-US" sz="1000" u="none" strike="noStrike">
+                          <a:effectLst/>
+                        </a:rPr>
+                        <a:t>-7.91E-03</a:t>
+                      </a:r>
+                      <a:endParaRPr lang="en-US" sz="1000" b="0" i="0" u="none" strike="noStrike">
+                        <a:solidFill>
+                          <a:srgbClr val="000000"/>
+                        </a:solidFill>
+                        <a:effectLst/>
+                        <a:latin typeface="Calibri" panose="020F0502020204030204" pitchFamily="34" charset="0"/>
+                      </a:endParaRPr>
+                    </a:p>
+                  </a:txBody>
+                  <a:tcPr marL="8562" marR="8562" marT="8562" marB="0" anchor="b"/>
+                </a:tc>
+                <a:tc>
+                  <a:txBody>
+                    <a:bodyPr/>
+                    <a:lstStyle/>
+                    <a:p>
+                      <a:pPr algn="r" fontAlgn="b"/>
+                      <a:r>
+                        <a:rPr lang="en-US" sz="1000" u="none" strike="noStrike">
+                          <a:effectLst/>
+                        </a:rPr>
+                        <a:t>5.11E-03</a:t>
+                      </a:r>
+                      <a:endParaRPr lang="en-US" sz="1000" b="0" i="0" u="none" strike="noStrike">
+                        <a:solidFill>
+                          <a:srgbClr val="000000"/>
+                        </a:solidFill>
+                        <a:effectLst/>
+                        <a:latin typeface="Calibri" panose="020F0502020204030204" pitchFamily="34" charset="0"/>
+                      </a:endParaRPr>
+                    </a:p>
+                  </a:txBody>
+                  <a:tcPr marL="8562" marR="8562" marT="8562" marB="0" anchor="b"/>
+                </a:tc>
+                <a:tc>
+                  <a:txBody>
+                    <a:bodyPr/>
+                    <a:lstStyle/>
+                    <a:p>
+                      <a:pPr algn="r" fontAlgn="b"/>
+                      <a:r>
+                        <a:rPr lang="en-US" sz="1000" u="none" strike="noStrike">
+                          <a:effectLst/>
+                        </a:rPr>
+                        <a:t>-1.55</a:t>
+                      </a:r>
+                      <a:endParaRPr lang="en-US" sz="1000" b="0" i="0" u="none" strike="noStrike">
+                        <a:solidFill>
+                          <a:srgbClr val="000000"/>
+                        </a:solidFill>
+                        <a:effectLst/>
+                        <a:latin typeface="Calibri" panose="020F0502020204030204" pitchFamily="34" charset="0"/>
+                      </a:endParaRPr>
+                    </a:p>
+                  </a:txBody>
+                  <a:tcPr marL="8562" marR="8562" marT="8562" marB="0" anchor="b"/>
+                </a:tc>
+                <a:tc>
+                  <a:txBody>
+                    <a:bodyPr/>
+                    <a:lstStyle/>
+                    <a:p>
+                      <a:pPr algn="r" fontAlgn="b"/>
+                      <a:r>
+                        <a:rPr lang="en-US" sz="1000" u="none" strike="noStrike">
+                          <a:effectLst/>
+                        </a:rPr>
+                        <a:t>0.121469</a:t>
+                      </a:r>
+                      <a:endParaRPr lang="en-US" sz="1000" b="0" i="0" u="none" strike="noStrike">
+                        <a:solidFill>
+                          <a:srgbClr val="000000"/>
+                        </a:solidFill>
+                        <a:effectLst/>
+                        <a:latin typeface="Calibri" panose="020F0502020204030204" pitchFamily="34" charset="0"/>
+                      </a:endParaRPr>
+                    </a:p>
+                  </a:txBody>
+                  <a:tcPr marL="8562" marR="8562" marT="8562" marB="0" anchor="b"/>
+                </a:tc>
+                <a:extLst>
+                  <a:ext uri="{0D108BD9-81ED-4DB2-BD59-A6C34878D82A}">
+                    <a16:rowId xmlns:a16="http://schemas.microsoft.com/office/drawing/2014/main" xmlns="" val="3113454548"/>
+                  </a:ext>
+                </a:extLst>
+              </a:tr>
+              <a:tr h="171243">
+                <a:tc>
+                  <a:txBody>
+                    <a:bodyPr/>
+                    <a:lstStyle/>
+                    <a:p>
+                      <a:pPr algn="l" fontAlgn="b"/>
+                      <a:r>
+                        <a:rPr lang="en-US" sz="1000" u="none" strike="noStrike">
+                          <a:effectLst/>
+                        </a:rPr>
+                        <a:t>JobSatis</a:t>
+                      </a:r>
+                      <a:endParaRPr lang="en-US" sz="1000" b="0" i="0" u="none" strike="noStrike">
+                        <a:solidFill>
+                          <a:srgbClr val="000000"/>
+                        </a:solidFill>
+                        <a:effectLst/>
+                        <a:latin typeface="Calibri" panose="020F0502020204030204" pitchFamily="34" charset="0"/>
+                      </a:endParaRPr>
+                    </a:p>
+                  </a:txBody>
+                  <a:tcPr marL="8562" marR="8562" marT="8562" marB="0" anchor="b"/>
+                </a:tc>
+                <a:tc>
+                  <a:txBody>
+                    <a:bodyPr/>
+                    <a:lstStyle/>
+                    <a:p>
+                      <a:pPr algn="r" fontAlgn="b"/>
+                      <a:r>
+                        <a:rPr lang="en-US" sz="1000" u="none" strike="noStrike">
+                          <a:effectLst/>
+                        </a:rPr>
+                        <a:t>-3.85E-02</a:t>
+                      </a:r>
+                      <a:endParaRPr lang="en-US" sz="1000" b="0" i="0" u="none" strike="noStrike">
+                        <a:solidFill>
+                          <a:srgbClr val="000000"/>
+                        </a:solidFill>
+                        <a:effectLst/>
+                        <a:latin typeface="Calibri" panose="020F0502020204030204" pitchFamily="34" charset="0"/>
+                      </a:endParaRPr>
+                    </a:p>
+                  </a:txBody>
+                  <a:tcPr marL="8562" marR="8562" marT="8562" marB="0" anchor="b"/>
+                </a:tc>
+                <a:tc>
+                  <a:txBody>
+                    <a:bodyPr/>
+                    <a:lstStyle/>
+                    <a:p>
+                      <a:pPr algn="r" fontAlgn="b"/>
+                      <a:r>
+                        <a:rPr lang="en-US" sz="1000" u="none" strike="noStrike">
+                          <a:effectLst/>
+                        </a:rPr>
+                        <a:t>7.75E-03</a:t>
+                      </a:r>
+                      <a:endParaRPr lang="en-US" sz="1000" b="0" i="0" u="none" strike="noStrike">
+                        <a:solidFill>
+                          <a:srgbClr val="000000"/>
+                        </a:solidFill>
+                        <a:effectLst/>
+                        <a:latin typeface="Calibri" panose="020F0502020204030204" pitchFamily="34" charset="0"/>
+                      </a:endParaRPr>
+                    </a:p>
+                  </a:txBody>
+                  <a:tcPr marL="8562" marR="8562" marT="8562" marB="0" anchor="b"/>
+                </a:tc>
+                <a:tc>
+                  <a:txBody>
+                    <a:bodyPr/>
+                    <a:lstStyle/>
+                    <a:p>
+                      <a:pPr algn="r" fontAlgn="b"/>
+                      <a:r>
+                        <a:rPr lang="en-US" sz="1000" u="none" strike="noStrike">
+                          <a:effectLst/>
+                        </a:rPr>
+                        <a:t>-4.958</a:t>
+                      </a:r>
+                      <a:endParaRPr lang="en-US" sz="1000" b="0" i="0" u="none" strike="noStrike">
+                        <a:solidFill>
+                          <a:srgbClr val="000000"/>
+                        </a:solidFill>
+                        <a:effectLst/>
+                        <a:latin typeface="Calibri" panose="020F0502020204030204" pitchFamily="34" charset="0"/>
+                      </a:endParaRPr>
+                    </a:p>
+                  </a:txBody>
+                  <a:tcPr marL="8562" marR="8562" marT="8562" marB="0" anchor="b"/>
+                </a:tc>
+                <a:tc>
+                  <a:txBody>
+                    <a:bodyPr/>
+                    <a:lstStyle/>
+                    <a:p>
+                      <a:pPr algn="r" fontAlgn="b"/>
+                      <a:r>
+                        <a:rPr lang="en-US" sz="1000" u="none" strike="noStrike">
+                          <a:effectLst/>
+                        </a:rPr>
+                        <a:t>7.95E-07</a:t>
+                      </a:r>
+                      <a:endParaRPr lang="en-US" sz="1000" b="0" i="0" u="none" strike="noStrike">
+                        <a:solidFill>
+                          <a:srgbClr val="000000"/>
+                        </a:solidFill>
+                        <a:effectLst/>
+                        <a:latin typeface="Calibri" panose="020F0502020204030204" pitchFamily="34" charset="0"/>
+                      </a:endParaRPr>
+                    </a:p>
+                  </a:txBody>
+                  <a:tcPr marL="8562" marR="8562" marT="8562" marB="0" anchor="b"/>
+                </a:tc>
+                <a:extLst>
+                  <a:ext uri="{0D108BD9-81ED-4DB2-BD59-A6C34878D82A}">
+                    <a16:rowId xmlns:a16="http://schemas.microsoft.com/office/drawing/2014/main" xmlns="" val="3103038098"/>
+                  </a:ext>
+                </a:extLst>
+              </a:tr>
+              <a:tr h="171243">
+                <a:tc>
+                  <a:txBody>
+                    <a:bodyPr/>
+                    <a:lstStyle/>
+                    <a:p>
+                      <a:pPr algn="l" fontAlgn="b"/>
+                      <a:r>
+                        <a:rPr lang="en-US" sz="1000" u="none" strike="noStrike">
+                          <a:effectLst/>
+                        </a:rPr>
+                        <a:t>MaritalStat</a:t>
+                      </a:r>
+                      <a:endParaRPr lang="en-US" sz="1000" b="0" i="0" u="none" strike="noStrike">
+                        <a:solidFill>
+                          <a:srgbClr val="000000"/>
+                        </a:solidFill>
+                        <a:effectLst/>
+                        <a:latin typeface="Calibri" panose="020F0502020204030204" pitchFamily="34" charset="0"/>
+                      </a:endParaRPr>
+                    </a:p>
+                  </a:txBody>
+                  <a:tcPr marL="8562" marR="8562" marT="8562" marB="0" anchor="b"/>
+                </a:tc>
+                <a:tc>
+                  <a:txBody>
+                    <a:bodyPr/>
+                    <a:lstStyle/>
+                    <a:p>
+                      <a:pPr algn="r" fontAlgn="b"/>
+                      <a:r>
+                        <a:rPr lang="en-US" sz="1000" u="none" strike="noStrike">
+                          <a:effectLst/>
+                        </a:rPr>
+                        <a:t>-5.28E-02</a:t>
+                      </a:r>
+                      <a:endParaRPr lang="en-US" sz="1000" b="0" i="0" u="none" strike="noStrike">
+                        <a:solidFill>
+                          <a:srgbClr val="000000"/>
+                        </a:solidFill>
+                        <a:effectLst/>
+                        <a:latin typeface="Calibri" panose="020F0502020204030204" pitchFamily="34" charset="0"/>
+                      </a:endParaRPr>
+                    </a:p>
+                  </a:txBody>
+                  <a:tcPr marL="8562" marR="8562" marT="8562" marB="0" anchor="b"/>
+                </a:tc>
+                <a:tc>
+                  <a:txBody>
+                    <a:bodyPr/>
+                    <a:lstStyle/>
+                    <a:p>
+                      <a:pPr algn="r" fontAlgn="b"/>
+                      <a:r>
+                        <a:rPr lang="en-US" sz="1000" u="none" strike="noStrike">
+                          <a:effectLst/>
+                        </a:rPr>
+                        <a:t>1.58E-02</a:t>
+                      </a:r>
+                      <a:endParaRPr lang="en-US" sz="1000" b="0" i="0" u="none" strike="noStrike">
+                        <a:solidFill>
+                          <a:srgbClr val="000000"/>
+                        </a:solidFill>
+                        <a:effectLst/>
+                        <a:latin typeface="Calibri" panose="020F0502020204030204" pitchFamily="34" charset="0"/>
+                      </a:endParaRPr>
+                    </a:p>
+                  </a:txBody>
+                  <a:tcPr marL="8562" marR="8562" marT="8562" marB="0" anchor="b"/>
+                </a:tc>
+                <a:tc>
+                  <a:txBody>
+                    <a:bodyPr/>
+                    <a:lstStyle/>
+                    <a:p>
+                      <a:pPr algn="r" fontAlgn="b"/>
+                      <a:r>
+                        <a:rPr lang="en-US" sz="1000" u="none" strike="noStrike">
+                          <a:effectLst/>
+                        </a:rPr>
+                        <a:t>-3.344</a:t>
+                      </a:r>
+                      <a:endParaRPr lang="en-US" sz="1000" b="0" i="0" u="none" strike="noStrike">
+                        <a:solidFill>
+                          <a:srgbClr val="000000"/>
+                        </a:solidFill>
+                        <a:effectLst/>
+                        <a:latin typeface="Calibri" panose="020F0502020204030204" pitchFamily="34" charset="0"/>
+                      </a:endParaRPr>
+                    </a:p>
+                  </a:txBody>
+                  <a:tcPr marL="8562" marR="8562" marT="8562" marB="0" anchor="b"/>
+                </a:tc>
+                <a:tc>
+                  <a:txBody>
+                    <a:bodyPr/>
+                    <a:lstStyle/>
+                    <a:p>
+                      <a:pPr algn="r" fontAlgn="b"/>
+                      <a:r>
+                        <a:rPr lang="en-US" sz="1000" u="none" strike="noStrike">
+                          <a:effectLst/>
+                        </a:rPr>
+                        <a:t>0.000847</a:t>
+                      </a:r>
+                      <a:endParaRPr lang="en-US" sz="1000" b="0" i="0" u="none" strike="noStrike">
+                        <a:solidFill>
+                          <a:srgbClr val="000000"/>
+                        </a:solidFill>
+                        <a:effectLst/>
+                        <a:latin typeface="Calibri" panose="020F0502020204030204" pitchFamily="34" charset="0"/>
+                      </a:endParaRPr>
+                    </a:p>
+                  </a:txBody>
+                  <a:tcPr marL="8562" marR="8562" marT="8562" marB="0" anchor="b"/>
+                </a:tc>
+                <a:extLst>
+                  <a:ext uri="{0D108BD9-81ED-4DB2-BD59-A6C34878D82A}">
+                    <a16:rowId xmlns:a16="http://schemas.microsoft.com/office/drawing/2014/main" xmlns="" val="1068511064"/>
+                  </a:ext>
+                </a:extLst>
+              </a:tr>
+              <a:tr h="171243">
+                <a:tc>
+                  <a:txBody>
+                    <a:bodyPr/>
+                    <a:lstStyle/>
+                    <a:p>
+                      <a:pPr algn="l" fontAlgn="b"/>
+                      <a:r>
+                        <a:rPr lang="en-US" sz="1000" u="none" strike="noStrike">
+                          <a:effectLst/>
+                        </a:rPr>
+                        <a:t>NumCoWork</a:t>
+                      </a:r>
+                      <a:endParaRPr lang="en-US" sz="1000" b="0" i="0" u="none" strike="noStrike">
+                        <a:solidFill>
+                          <a:srgbClr val="000000"/>
+                        </a:solidFill>
+                        <a:effectLst/>
+                        <a:latin typeface="Calibri" panose="020F0502020204030204" pitchFamily="34" charset="0"/>
+                      </a:endParaRPr>
+                    </a:p>
+                  </a:txBody>
+                  <a:tcPr marL="8562" marR="8562" marT="8562" marB="0" anchor="b"/>
+                </a:tc>
+                <a:tc>
+                  <a:txBody>
+                    <a:bodyPr/>
+                    <a:lstStyle/>
+                    <a:p>
+                      <a:pPr algn="r" fontAlgn="b"/>
+                      <a:r>
+                        <a:rPr lang="en-US" sz="1000" u="none" strike="noStrike">
+                          <a:effectLst/>
+                        </a:rPr>
+                        <a:t>1.58E-02</a:t>
+                      </a:r>
+                      <a:endParaRPr lang="en-US" sz="1000" b="0" i="0" u="none" strike="noStrike">
+                        <a:solidFill>
+                          <a:srgbClr val="000000"/>
+                        </a:solidFill>
+                        <a:effectLst/>
+                        <a:latin typeface="Calibri" panose="020F0502020204030204" pitchFamily="34" charset="0"/>
+                      </a:endParaRPr>
+                    </a:p>
+                  </a:txBody>
+                  <a:tcPr marL="8562" marR="8562" marT="8562" marB="0" anchor="b"/>
+                </a:tc>
+                <a:tc>
+                  <a:txBody>
+                    <a:bodyPr/>
+                    <a:lstStyle/>
+                    <a:p>
+                      <a:pPr algn="r" fontAlgn="b"/>
+                      <a:r>
+                        <a:rPr lang="en-US" sz="1000" u="none" strike="noStrike">
+                          <a:effectLst/>
+                        </a:rPr>
+                        <a:t>3.72E-03</a:t>
+                      </a:r>
+                      <a:endParaRPr lang="en-US" sz="1000" b="0" i="0" u="none" strike="noStrike">
+                        <a:solidFill>
+                          <a:srgbClr val="000000"/>
+                        </a:solidFill>
+                        <a:effectLst/>
+                        <a:latin typeface="Calibri" panose="020F0502020204030204" pitchFamily="34" charset="0"/>
+                      </a:endParaRPr>
+                    </a:p>
+                  </a:txBody>
+                  <a:tcPr marL="8562" marR="8562" marT="8562" marB="0" anchor="b"/>
+                </a:tc>
+                <a:tc>
+                  <a:txBody>
+                    <a:bodyPr/>
+                    <a:lstStyle/>
+                    <a:p>
+                      <a:pPr algn="r" fontAlgn="b"/>
+                      <a:r>
+                        <a:rPr lang="en-US" sz="1000" u="none" strike="noStrike">
+                          <a:effectLst/>
+                        </a:rPr>
+                        <a:t>4.24</a:t>
+                      </a:r>
+                      <a:endParaRPr lang="en-US" sz="1000" b="0" i="0" u="none" strike="noStrike">
+                        <a:solidFill>
+                          <a:srgbClr val="000000"/>
+                        </a:solidFill>
+                        <a:effectLst/>
+                        <a:latin typeface="Calibri" panose="020F0502020204030204" pitchFamily="34" charset="0"/>
+                      </a:endParaRPr>
+                    </a:p>
+                  </a:txBody>
+                  <a:tcPr marL="8562" marR="8562" marT="8562" marB="0" anchor="b"/>
+                </a:tc>
+                <a:tc>
+                  <a:txBody>
+                    <a:bodyPr/>
+                    <a:lstStyle/>
+                    <a:p>
+                      <a:pPr algn="r" fontAlgn="b"/>
+                      <a:r>
+                        <a:rPr lang="en-US" sz="1000" u="none" strike="noStrike">
+                          <a:effectLst/>
+                        </a:rPr>
+                        <a:t>2.38E-05</a:t>
+                      </a:r>
+                      <a:endParaRPr lang="en-US" sz="1000" b="0" i="0" u="none" strike="noStrike">
+                        <a:solidFill>
+                          <a:srgbClr val="000000"/>
+                        </a:solidFill>
+                        <a:effectLst/>
+                        <a:latin typeface="Calibri" panose="020F0502020204030204" pitchFamily="34" charset="0"/>
+                      </a:endParaRPr>
+                    </a:p>
+                  </a:txBody>
+                  <a:tcPr marL="8562" marR="8562" marT="8562" marB="0" anchor="b"/>
+                </a:tc>
+                <a:extLst>
+                  <a:ext uri="{0D108BD9-81ED-4DB2-BD59-A6C34878D82A}">
+                    <a16:rowId xmlns:a16="http://schemas.microsoft.com/office/drawing/2014/main" xmlns="" val="347837285"/>
+                  </a:ext>
+                </a:extLst>
+              </a:tr>
+              <a:tr h="171243">
+                <a:tc>
+                  <a:txBody>
+                    <a:bodyPr/>
+                    <a:lstStyle/>
+                    <a:p>
+                      <a:pPr algn="l" fontAlgn="b"/>
+                      <a:r>
+                        <a:rPr lang="en-US" sz="1000" u="none" strike="noStrike">
+                          <a:effectLst/>
+                        </a:rPr>
+                        <a:t>OverTime</a:t>
+                      </a:r>
+                      <a:endParaRPr lang="en-US" sz="1000" b="0" i="0" u="none" strike="noStrike">
+                        <a:solidFill>
+                          <a:srgbClr val="000000"/>
+                        </a:solidFill>
+                        <a:effectLst/>
+                        <a:latin typeface="Calibri" panose="020F0502020204030204" pitchFamily="34" charset="0"/>
+                      </a:endParaRPr>
+                    </a:p>
+                  </a:txBody>
+                  <a:tcPr marL="8562" marR="8562" marT="8562" marB="0" anchor="b"/>
+                </a:tc>
+                <a:tc>
+                  <a:txBody>
+                    <a:bodyPr/>
+                    <a:lstStyle/>
+                    <a:p>
+                      <a:pPr algn="r" fontAlgn="b"/>
+                      <a:r>
+                        <a:rPr lang="en-US" sz="1000" u="none" strike="noStrike">
+                          <a:effectLst/>
+                        </a:rPr>
+                        <a:t>2.08E-01</a:t>
+                      </a:r>
+                      <a:endParaRPr lang="en-US" sz="1000" b="0" i="0" u="none" strike="noStrike">
+                        <a:solidFill>
+                          <a:srgbClr val="000000"/>
+                        </a:solidFill>
+                        <a:effectLst/>
+                        <a:latin typeface="Calibri" panose="020F0502020204030204" pitchFamily="34" charset="0"/>
+                      </a:endParaRPr>
+                    </a:p>
+                  </a:txBody>
+                  <a:tcPr marL="8562" marR="8562" marT="8562" marB="0" anchor="b"/>
+                </a:tc>
+                <a:tc>
+                  <a:txBody>
+                    <a:bodyPr/>
+                    <a:lstStyle/>
+                    <a:p>
+                      <a:pPr algn="r" fontAlgn="b"/>
+                      <a:r>
+                        <a:rPr lang="en-US" sz="1000" u="none" strike="noStrike">
+                          <a:effectLst/>
+                        </a:rPr>
+                        <a:t>1.91E-02</a:t>
+                      </a:r>
+                      <a:endParaRPr lang="en-US" sz="1000" b="0" i="0" u="none" strike="noStrike">
+                        <a:solidFill>
+                          <a:srgbClr val="000000"/>
+                        </a:solidFill>
+                        <a:effectLst/>
+                        <a:latin typeface="Calibri" panose="020F0502020204030204" pitchFamily="34" charset="0"/>
+                      </a:endParaRPr>
+                    </a:p>
+                  </a:txBody>
+                  <a:tcPr marL="8562" marR="8562" marT="8562" marB="0" anchor="b"/>
+                </a:tc>
+                <a:tc>
+                  <a:txBody>
+                    <a:bodyPr/>
+                    <a:lstStyle/>
+                    <a:p>
+                      <a:pPr algn="r" fontAlgn="b"/>
+                      <a:r>
+                        <a:rPr lang="en-US" sz="1000" u="none" strike="noStrike">
+                          <a:effectLst/>
+                        </a:rPr>
+                        <a:t>10.847</a:t>
+                      </a:r>
+                      <a:endParaRPr lang="en-US" sz="1000" b="0" i="0" u="none" strike="noStrike">
+                        <a:solidFill>
+                          <a:srgbClr val="000000"/>
+                        </a:solidFill>
+                        <a:effectLst/>
+                        <a:latin typeface="Calibri" panose="020F0502020204030204" pitchFamily="34" charset="0"/>
+                      </a:endParaRPr>
+                    </a:p>
+                  </a:txBody>
+                  <a:tcPr marL="8562" marR="8562" marT="8562" marB="0" anchor="b"/>
+                </a:tc>
+                <a:tc>
+                  <a:txBody>
+                    <a:bodyPr/>
+                    <a:lstStyle/>
+                    <a:p>
+                      <a:pPr algn="l" fontAlgn="b"/>
+                      <a:r>
+                        <a:rPr lang="en-US" sz="1000" u="none" strike="noStrike" dirty="0">
+                          <a:effectLst/>
+                        </a:rPr>
+                        <a:t>     &lt; 2e-16 </a:t>
+                      </a:r>
+                      <a:endParaRPr lang="en-US" sz="1000" b="0" i="0" u="none" strike="noStrike" dirty="0">
+                        <a:solidFill>
+                          <a:srgbClr val="000000"/>
+                        </a:solidFill>
+                        <a:effectLst/>
+                        <a:latin typeface="Calibri" panose="020F0502020204030204" pitchFamily="34" charset="0"/>
+                      </a:endParaRPr>
+                    </a:p>
+                  </a:txBody>
+                  <a:tcPr marL="8562" marR="8562" marT="8562" marB="0" anchor="b"/>
+                </a:tc>
+                <a:extLst>
+                  <a:ext uri="{0D108BD9-81ED-4DB2-BD59-A6C34878D82A}">
+                    <a16:rowId xmlns:a16="http://schemas.microsoft.com/office/drawing/2014/main" xmlns="" val="1551749157"/>
+                  </a:ext>
+                </a:extLst>
+              </a:tr>
+              <a:tr h="171243">
+                <a:tc>
+                  <a:txBody>
+                    <a:bodyPr/>
+                    <a:lstStyle/>
+                    <a:p>
+                      <a:pPr algn="l" fontAlgn="b"/>
+                      <a:r>
+                        <a:rPr lang="en-US" sz="1000" u="none" strike="noStrike">
+                          <a:effectLst/>
+                        </a:rPr>
+                        <a:t>RelateSatis</a:t>
+                      </a:r>
+                      <a:endParaRPr lang="en-US" sz="1000" b="0" i="0" u="none" strike="noStrike">
+                        <a:solidFill>
+                          <a:srgbClr val="000000"/>
+                        </a:solidFill>
+                        <a:effectLst/>
+                        <a:latin typeface="Calibri" panose="020F0502020204030204" pitchFamily="34" charset="0"/>
+                      </a:endParaRPr>
+                    </a:p>
+                  </a:txBody>
+                  <a:tcPr marL="8562" marR="8562" marT="8562" marB="0" anchor="b"/>
+                </a:tc>
+                <a:tc>
+                  <a:txBody>
+                    <a:bodyPr/>
+                    <a:lstStyle/>
+                    <a:p>
+                      <a:pPr algn="r" fontAlgn="b"/>
+                      <a:r>
+                        <a:rPr lang="en-US" sz="1000" u="none" strike="noStrike">
+                          <a:effectLst/>
+                        </a:rPr>
+                        <a:t>-2.14E-02</a:t>
+                      </a:r>
+                      <a:endParaRPr lang="en-US" sz="1000" b="0" i="0" u="none" strike="noStrike">
+                        <a:solidFill>
+                          <a:srgbClr val="000000"/>
+                        </a:solidFill>
+                        <a:effectLst/>
+                        <a:latin typeface="Calibri" panose="020F0502020204030204" pitchFamily="34" charset="0"/>
+                      </a:endParaRPr>
+                    </a:p>
+                  </a:txBody>
+                  <a:tcPr marL="8562" marR="8562" marT="8562" marB="0" anchor="b"/>
+                </a:tc>
+                <a:tc>
+                  <a:txBody>
+                    <a:bodyPr/>
+                    <a:lstStyle/>
+                    <a:p>
+                      <a:pPr algn="r" fontAlgn="b"/>
+                      <a:r>
+                        <a:rPr lang="en-US" sz="1000" u="none" strike="noStrike">
+                          <a:effectLst/>
+                        </a:rPr>
+                        <a:t>7.92E-03</a:t>
+                      </a:r>
+                      <a:endParaRPr lang="en-US" sz="1000" b="0" i="0" u="none" strike="noStrike">
+                        <a:solidFill>
+                          <a:srgbClr val="000000"/>
+                        </a:solidFill>
+                        <a:effectLst/>
+                        <a:latin typeface="Calibri" panose="020F0502020204030204" pitchFamily="34" charset="0"/>
+                      </a:endParaRPr>
+                    </a:p>
+                  </a:txBody>
+                  <a:tcPr marL="8562" marR="8562" marT="8562" marB="0" anchor="b"/>
+                </a:tc>
+                <a:tc>
+                  <a:txBody>
+                    <a:bodyPr/>
+                    <a:lstStyle/>
+                    <a:p>
+                      <a:pPr algn="r" fontAlgn="b"/>
+                      <a:r>
+                        <a:rPr lang="en-US" sz="1000" u="none" strike="noStrike">
+                          <a:effectLst/>
+                        </a:rPr>
+                        <a:t>-2.704</a:t>
+                      </a:r>
+                      <a:endParaRPr lang="en-US" sz="1000" b="0" i="0" u="none" strike="noStrike">
+                        <a:solidFill>
+                          <a:srgbClr val="000000"/>
+                        </a:solidFill>
+                        <a:effectLst/>
+                        <a:latin typeface="Calibri" panose="020F0502020204030204" pitchFamily="34" charset="0"/>
+                      </a:endParaRPr>
+                    </a:p>
+                  </a:txBody>
+                  <a:tcPr marL="8562" marR="8562" marT="8562" marB="0" anchor="b"/>
+                </a:tc>
+                <a:tc>
+                  <a:txBody>
+                    <a:bodyPr/>
+                    <a:lstStyle/>
+                    <a:p>
+                      <a:pPr algn="r" fontAlgn="b"/>
+                      <a:r>
+                        <a:rPr lang="en-US" sz="1000" u="none" strike="noStrike" dirty="0">
+                          <a:effectLst/>
+                        </a:rPr>
+                        <a:t>0.006929</a:t>
+                      </a:r>
+                      <a:endParaRPr lang="en-US" sz="1000" b="0" i="0" u="none" strike="noStrike" dirty="0">
+                        <a:solidFill>
+                          <a:srgbClr val="000000"/>
+                        </a:solidFill>
+                        <a:effectLst/>
+                        <a:latin typeface="Calibri" panose="020F0502020204030204" pitchFamily="34" charset="0"/>
+                      </a:endParaRPr>
+                    </a:p>
+                  </a:txBody>
+                  <a:tcPr marL="8562" marR="8562" marT="8562" marB="0" anchor="b"/>
+                </a:tc>
+                <a:extLst>
+                  <a:ext uri="{0D108BD9-81ED-4DB2-BD59-A6C34878D82A}">
+                    <a16:rowId xmlns:a16="http://schemas.microsoft.com/office/drawing/2014/main" xmlns="" val="1221700048"/>
+                  </a:ext>
+                </a:extLst>
+              </a:tr>
+              <a:tr h="125835">
+                <a:tc>
+                  <a:txBody>
+                    <a:bodyPr/>
+                    <a:lstStyle/>
+                    <a:p>
+                      <a:pPr algn="l" fontAlgn="b"/>
+                      <a:r>
+                        <a:rPr lang="en-US" sz="1000" u="none" strike="noStrike">
+                          <a:effectLst/>
+                        </a:rPr>
+                        <a:t>StockOption</a:t>
+                      </a:r>
+                      <a:endParaRPr lang="en-US" sz="1000" b="0" i="0" u="none" strike="noStrike">
+                        <a:solidFill>
+                          <a:srgbClr val="000000"/>
+                        </a:solidFill>
+                        <a:effectLst/>
+                        <a:latin typeface="Calibri" panose="020F0502020204030204" pitchFamily="34" charset="0"/>
+                      </a:endParaRPr>
+                    </a:p>
+                  </a:txBody>
+                  <a:tcPr marL="8562" marR="8562" marT="8562" marB="0" anchor="b"/>
+                </a:tc>
+                <a:tc>
+                  <a:txBody>
+                    <a:bodyPr/>
+                    <a:lstStyle/>
+                    <a:p>
+                      <a:pPr algn="r" fontAlgn="b"/>
+                      <a:r>
+                        <a:rPr lang="en-US" sz="1000" u="none" strike="noStrike">
+                          <a:effectLst/>
+                        </a:rPr>
+                        <a:t>-2.43E-02</a:t>
+                      </a:r>
+                      <a:endParaRPr lang="en-US" sz="1000" b="0" i="0" u="none" strike="noStrike">
+                        <a:solidFill>
+                          <a:srgbClr val="000000"/>
+                        </a:solidFill>
+                        <a:effectLst/>
+                        <a:latin typeface="Calibri" panose="020F0502020204030204" pitchFamily="34" charset="0"/>
+                      </a:endParaRPr>
+                    </a:p>
+                  </a:txBody>
+                  <a:tcPr marL="8562" marR="8562" marT="8562" marB="0" anchor="b"/>
+                </a:tc>
+                <a:tc>
+                  <a:txBody>
+                    <a:bodyPr/>
+                    <a:lstStyle/>
+                    <a:p>
+                      <a:pPr algn="r" fontAlgn="b"/>
+                      <a:r>
+                        <a:rPr lang="en-US" sz="1000" u="none" strike="noStrike">
+                          <a:effectLst/>
+                        </a:rPr>
+                        <a:t>1.34E-02</a:t>
+                      </a:r>
+                      <a:endParaRPr lang="en-US" sz="1000" b="0" i="0" u="none" strike="noStrike">
+                        <a:solidFill>
+                          <a:srgbClr val="000000"/>
+                        </a:solidFill>
+                        <a:effectLst/>
+                        <a:latin typeface="Calibri" panose="020F0502020204030204" pitchFamily="34" charset="0"/>
+                      </a:endParaRPr>
+                    </a:p>
+                  </a:txBody>
+                  <a:tcPr marL="8562" marR="8562" marT="8562" marB="0" anchor="b"/>
+                </a:tc>
+                <a:tc>
+                  <a:txBody>
+                    <a:bodyPr/>
+                    <a:lstStyle/>
+                    <a:p>
+                      <a:pPr algn="r" fontAlgn="b"/>
+                      <a:r>
+                        <a:rPr lang="en-US" sz="1000" u="none" strike="noStrike">
+                          <a:effectLst/>
+                        </a:rPr>
+                        <a:t>-1.813</a:t>
+                      </a:r>
+                      <a:endParaRPr lang="en-US" sz="1000" b="0" i="0" u="none" strike="noStrike">
+                        <a:solidFill>
+                          <a:srgbClr val="000000"/>
+                        </a:solidFill>
+                        <a:effectLst/>
+                        <a:latin typeface="Calibri" panose="020F0502020204030204" pitchFamily="34" charset="0"/>
+                      </a:endParaRPr>
+                    </a:p>
+                  </a:txBody>
+                  <a:tcPr marL="8562" marR="8562" marT="8562" marB="0" anchor="b"/>
+                </a:tc>
+                <a:tc>
+                  <a:txBody>
+                    <a:bodyPr/>
+                    <a:lstStyle/>
+                    <a:p>
+                      <a:pPr algn="l" fontAlgn="b"/>
+                      <a:r>
+                        <a:rPr lang="en-US" sz="1000" u="none" strike="noStrike" dirty="0">
+                          <a:effectLst/>
+                        </a:rPr>
+                        <a:t>    0.069978</a:t>
+                      </a:r>
+                      <a:endParaRPr lang="en-US" sz="1000" b="0" i="0" u="none" strike="noStrike" dirty="0">
+                        <a:solidFill>
+                          <a:srgbClr val="000000"/>
+                        </a:solidFill>
+                        <a:effectLst/>
+                        <a:latin typeface="Calibri" panose="020F0502020204030204" pitchFamily="34" charset="0"/>
+                      </a:endParaRPr>
+                    </a:p>
+                  </a:txBody>
+                  <a:tcPr marL="8562" marR="8562" marT="8562" marB="0" anchor="b"/>
+                </a:tc>
+                <a:extLst>
+                  <a:ext uri="{0D108BD9-81ED-4DB2-BD59-A6C34878D82A}">
+                    <a16:rowId xmlns:a16="http://schemas.microsoft.com/office/drawing/2014/main" xmlns="" val="992461386"/>
+                  </a:ext>
+                </a:extLst>
+              </a:tr>
+              <a:tr h="117578">
+                <a:tc>
+                  <a:txBody>
+                    <a:bodyPr/>
+                    <a:lstStyle/>
+                    <a:p>
+                      <a:pPr algn="l" fontAlgn="b"/>
+                      <a:r>
+                        <a:rPr lang="en-US" sz="1000" u="none" strike="noStrike">
+                          <a:effectLst/>
+                        </a:rPr>
+                        <a:t>TrainTime</a:t>
+                      </a:r>
+                      <a:endParaRPr lang="en-US" sz="1000" b="0" i="0" u="none" strike="noStrike">
+                        <a:solidFill>
+                          <a:srgbClr val="000000"/>
+                        </a:solidFill>
+                        <a:effectLst/>
+                        <a:latin typeface="Calibri" panose="020F0502020204030204" pitchFamily="34" charset="0"/>
+                      </a:endParaRPr>
+                    </a:p>
+                  </a:txBody>
+                  <a:tcPr marL="8562" marR="8562" marT="8562" marB="0" anchor="b"/>
+                </a:tc>
+                <a:tc>
+                  <a:txBody>
+                    <a:bodyPr/>
+                    <a:lstStyle/>
+                    <a:p>
+                      <a:pPr algn="r" fontAlgn="b"/>
+                      <a:r>
+                        <a:rPr lang="en-US" sz="1000" u="none" strike="noStrike">
+                          <a:effectLst/>
+                        </a:rPr>
+                        <a:t>-1.21E-02</a:t>
+                      </a:r>
+                      <a:endParaRPr lang="en-US" sz="1000" b="0" i="0" u="none" strike="noStrike">
+                        <a:solidFill>
+                          <a:srgbClr val="000000"/>
+                        </a:solidFill>
+                        <a:effectLst/>
+                        <a:latin typeface="Calibri" panose="020F0502020204030204" pitchFamily="34" charset="0"/>
+                      </a:endParaRPr>
+                    </a:p>
+                  </a:txBody>
+                  <a:tcPr marL="8562" marR="8562" marT="8562" marB="0" anchor="b"/>
+                </a:tc>
+                <a:tc>
+                  <a:txBody>
+                    <a:bodyPr/>
+                    <a:lstStyle/>
+                    <a:p>
+                      <a:pPr algn="r" fontAlgn="b"/>
+                      <a:r>
+                        <a:rPr lang="en-US" sz="1000" u="none" strike="noStrike">
+                          <a:effectLst/>
+                        </a:rPr>
+                        <a:t>6.66E-03</a:t>
+                      </a:r>
+                      <a:endParaRPr lang="en-US" sz="1000" b="0" i="0" u="none" strike="noStrike">
+                        <a:solidFill>
+                          <a:srgbClr val="000000"/>
+                        </a:solidFill>
+                        <a:effectLst/>
+                        <a:latin typeface="Calibri" panose="020F0502020204030204" pitchFamily="34" charset="0"/>
+                      </a:endParaRPr>
+                    </a:p>
+                  </a:txBody>
+                  <a:tcPr marL="8562" marR="8562" marT="8562" marB="0" anchor="b"/>
+                </a:tc>
+                <a:tc>
+                  <a:txBody>
+                    <a:bodyPr/>
+                    <a:lstStyle/>
+                    <a:p>
+                      <a:pPr algn="r" fontAlgn="b"/>
+                      <a:r>
+                        <a:rPr lang="en-US" sz="1000" u="none" strike="noStrike">
+                          <a:effectLst/>
+                        </a:rPr>
+                        <a:t>-1.816</a:t>
+                      </a:r>
+                      <a:endParaRPr lang="en-US" sz="1000" b="0" i="0" u="none" strike="noStrike">
+                        <a:solidFill>
+                          <a:srgbClr val="000000"/>
+                        </a:solidFill>
+                        <a:effectLst/>
+                        <a:latin typeface="Calibri" panose="020F0502020204030204" pitchFamily="34" charset="0"/>
+                      </a:endParaRPr>
+                    </a:p>
+                  </a:txBody>
+                  <a:tcPr marL="8562" marR="8562" marT="8562" marB="0" anchor="b"/>
+                </a:tc>
+                <a:tc>
+                  <a:txBody>
+                    <a:bodyPr/>
+                    <a:lstStyle/>
+                    <a:p>
+                      <a:pPr algn="l" fontAlgn="b"/>
+                      <a:r>
+                        <a:rPr lang="en-US" sz="1000" u="none" strike="noStrike" dirty="0">
+                          <a:effectLst/>
+                        </a:rPr>
+                        <a:t>    0.069580</a:t>
+                      </a:r>
+                      <a:endParaRPr lang="en-US" sz="1000" b="0" i="0" u="none" strike="noStrike" dirty="0">
+                        <a:solidFill>
+                          <a:srgbClr val="000000"/>
+                        </a:solidFill>
+                        <a:effectLst/>
+                        <a:latin typeface="Calibri" panose="020F0502020204030204" pitchFamily="34" charset="0"/>
+                      </a:endParaRPr>
+                    </a:p>
+                  </a:txBody>
+                  <a:tcPr marL="8562" marR="8562" marT="8562" marB="0" anchor="b"/>
+                </a:tc>
+                <a:extLst>
+                  <a:ext uri="{0D108BD9-81ED-4DB2-BD59-A6C34878D82A}">
+                    <a16:rowId xmlns:a16="http://schemas.microsoft.com/office/drawing/2014/main" xmlns="" val="2240546293"/>
+                  </a:ext>
+                </a:extLst>
+              </a:tr>
+              <a:tr h="171243">
+                <a:tc>
+                  <a:txBody>
+                    <a:bodyPr/>
+                    <a:lstStyle/>
+                    <a:p>
+                      <a:pPr algn="l" fontAlgn="b"/>
+                      <a:r>
+                        <a:rPr lang="en-US" sz="1000" u="none" strike="noStrike">
+                          <a:effectLst/>
+                        </a:rPr>
+                        <a:t>WorkLifeBal</a:t>
+                      </a:r>
+                      <a:endParaRPr lang="en-US" sz="1000" b="0" i="0" u="none" strike="noStrike">
+                        <a:solidFill>
+                          <a:srgbClr val="000000"/>
+                        </a:solidFill>
+                        <a:effectLst/>
+                        <a:latin typeface="Calibri" panose="020F0502020204030204" pitchFamily="34" charset="0"/>
+                      </a:endParaRPr>
+                    </a:p>
+                  </a:txBody>
+                  <a:tcPr marL="8562" marR="8562" marT="8562" marB="0" anchor="b"/>
+                </a:tc>
+                <a:tc>
+                  <a:txBody>
+                    <a:bodyPr/>
+                    <a:lstStyle/>
+                    <a:p>
+                      <a:pPr algn="r" fontAlgn="b"/>
+                      <a:r>
+                        <a:rPr lang="en-US" sz="1000" u="none" strike="noStrike">
+                          <a:effectLst/>
+                        </a:rPr>
+                        <a:t>-2.70E-02</a:t>
+                      </a:r>
+                      <a:endParaRPr lang="en-US" sz="1000" b="0" i="0" u="none" strike="noStrike">
+                        <a:solidFill>
+                          <a:srgbClr val="000000"/>
+                        </a:solidFill>
+                        <a:effectLst/>
+                        <a:latin typeface="Calibri" panose="020F0502020204030204" pitchFamily="34" charset="0"/>
+                      </a:endParaRPr>
+                    </a:p>
+                  </a:txBody>
+                  <a:tcPr marL="8562" marR="8562" marT="8562" marB="0" anchor="b"/>
+                </a:tc>
+                <a:tc>
+                  <a:txBody>
+                    <a:bodyPr/>
+                    <a:lstStyle/>
+                    <a:p>
+                      <a:pPr algn="r" fontAlgn="b"/>
+                      <a:r>
+                        <a:rPr lang="en-US" sz="1000" u="none" strike="noStrike">
+                          <a:effectLst/>
+                        </a:rPr>
+                        <a:t>1.21E-02</a:t>
+                      </a:r>
+                      <a:endParaRPr lang="en-US" sz="1000" b="0" i="0" u="none" strike="noStrike">
+                        <a:solidFill>
+                          <a:srgbClr val="000000"/>
+                        </a:solidFill>
+                        <a:effectLst/>
+                        <a:latin typeface="Calibri" panose="020F0502020204030204" pitchFamily="34" charset="0"/>
+                      </a:endParaRPr>
+                    </a:p>
+                  </a:txBody>
+                  <a:tcPr marL="8562" marR="8562" marT="8562" marB="0" anchor="b"/>
+                </a:tc>
+                <a:tc>
+                  <a:txBody>
+                    <a:bodyPr/>
+                    <a:lstStyle/>
+                    <a:p>
+                      <a:pPr algn="r" fontAlgn="b"/>
+                      <a:r>
+                        <a:rPr lang="en-US" sz="1000" u="none" strike="noStrike">
+                          <a:effectLst/>
+                        </a:rPr>
+                        <a:t>-2.224</a:t>
+                      </a:r>
+                      <a:endParaRPr lang="en-US" sz="1000" b="0" i="0" u="none" strike="noStrike">
+                        <a:solidFill>
+                          <a:srgbClr val="000000"/>
+                        </a:solidFill>
+                        <a:effectLst/>
+                        <a:latin typeface="Calibri" panose="020F0502020204030204" pitchFamily="34" charset="0"/>
+                      </a:endParaRPr>
+                    </a:p>
+                  </a:txBody>
+                  <a:tcPr marL="8562" marR="8562" marT="8562" marB="0" anchor="b"/>
+                </a:tc>
+                <a:tc>
+                  <a:txBody>
+                    <a:bodyPr/>
+                    <a:lstStyle/>
+                    <a:p>
+                      <a:pPr algn="r" fontAlgn="b"/>
+                      <a:r>
+                        <a:rPr lang="en-US" sz="1000" u="none" strike="noStrike" dirty="0">
+                          <a:effectLst/>
+                        </a:rPr>
+                        <a:t>0.026299</a:t>
+                      </a:r>
+                      <a:endParaRPr lang="en-US" sz="1000" b="0" i="0" u="none" strike="noStrike" dirty="0">
+                        <a:solidFill>
+                          <a:srgbClr val="000000"/>
+                        </a:solidFill>
+                        <a:effectLst/>
+                        <a:latin typeface="Calibri" panose="020F0502020204030204" pitchFamily="34" charset="0"/>
+                      </a:endParaRPr>
+                    </a:p>
+                  </a:txBody>
+                  <a:tcPr marL="8562" marR="8562" marT="8562" marB="0" anchor="b"/>
+                </a:tc>
+                <a:extLst>
+                  <a:ext uri="{0D108BD9-81ED-4DB2-BD59-A6C34878D82A}">
+                    <a16:rowId xmlns:a16="http://schemas.microsoft.com/office/drawing/2014/main" xmlns="" val="1881982183"/>
+                  </a:ext>
+                </a:extLst>
+              </a:tr>
+              <a:tr h="90783">
+                <a:tc>
+                  <a:txBody>
+                    <a:bodyPr/>
+                    <a:lstStyle/>
+                    <a:p>
+                      <a:pPr algn="l" fontAlgn="b"/>
+                      <a:r>
+                        <a:rPr lang="en-US" sz="1000" u="none" strike="noStrike">
+                          <a:effectLst/>
+                        </a:rPr>
+                        <a:t>YearsAtCo</a:t>
+                      </a:r>
+                      <a:endParaRPr lang="en-US" sz="1000" b="0" i="0" u="none" strike="noStrike">
+                        <a:solidFill>
+                          <a:srgbClr val="000000"/>
+                        </a:solidFill>
+                        <a:effectLst/>
+                        <a:latin typeface="Calibri" panose="020F0502020204030204" pitchFamily="34" charset="0"/>
+                      </a:endParaRPr>
+                    </a:p>
+                  </a:txBody>
+                  <a:tcPr marL="8562" marR="8562" marT="8562" marB="0" anchor="b"/>
+                </a:tc>
+                <a:tc>
+                  <a:txBody>
+                    <a:bodyPr/>
+                    <a:lstStyle/>
+                    <a:p>
+                      <a:pPr algn="r" fontAlgn="b"/>
+                      <a:r>
+                        <a:rPr lang="en-US" sz="1000" u="none" strike="noStrike">
+                          <a:effectLst/>
+                        </a:rPr>
+                        <a:t>4.71E-03</a:t>
+                      </a:r>
+                      <a:endParaRPr lang="en-US" sz="1000" b="0" i="0" u="none" strike="noStrike">
+                        <a:solidFill>
+                          <a:srgbClr val="000000"/>
+                        </a:solidFill>
+                        <a:effectLst/>
+                        <a:latin typeface="Calibri" panose="020F0502020204030204" pitchFamily="34" charset="0"/>
+                      </a:endParaRPr>
+                    </a:p>
+                  </a:txBody>
+                  <a:tcPr marL="8562" marR="8562" marT="8562" marB="0" anchor="b"/>
+                </a:tc>
+                <a:tc>
+                  <a:txBody>
+                    <a:bodyPr/>
+                    <a:lstStyle/>
+                    <a:p>
+                      <a:pPr algn="r" fontAlgn="b"/>
+                      <a:r>
+                        <a:rPr lang="en-US" sz="1000" u="none" strike="noStrike">
+                          <a:effectLst/>
+                        </a:rPr>
+                        <a:t>2.83E-03</a:t>
+                      </a:r>
+                      <a:endParaRPr lang="en-US" sz="1000" b="0" i="0" u="none" strike="noStrike">
+                        <a:solidFill>
+                          <a:srgbClr val="000000"/>
+                        </a:solidFill>
+                        <a:effectLst/>
+                        <a:latin typeface="Calibri" panose="020F0502020204030204" pitchFamily="34" charset="0"/>
+                      </a:endParaRPr>
+                    </a:p>
+                  </a:txBody>
+                  <a:tcPr marL="8562" marR="8562" marT="8562" marB="0" anchor="b"/>
+                </a:tc>
+                <a:tc>
+                  <a:txBody>
+                    <a:bodyPr/>
+                    <a:lstStyle/>
+                    <a:p>
+                      <a:pPr algn="r" fontAlgn="b"/>
+                      <a:r>
+                        <a:rPr lang="en-US" sz="1000" u="none" strike="noStrike">
+                          <a:effectLst/>
+                        </a:rPr>
+                        <a:t>1.661</a:t>
+                      </a:r>
+                      <a:endParaRPr lang="en-US" sz="1000" b="0" i="0" u="none" strike="noStrike">
+                        <a:solidFill>
+                          <a:srgbClr val="000000"/>
+                        </a:solidFill>
+                        <a:effectLst/>
+                        <a:latin typeface="Calibri" panose="020F0502020204030204" pitchFamily="34" charset="0"/>
+                      </a:endParaRPr>
+                    </a:p>
+                  </a:txBody>
+                  <a:tcPr marL="8562" marR="8562" marT="8562" marB="0" anchor="b"/>
+                </a:tc>
+                <a:tc>
+                  <a:txBody>
+                    <a:bodyPr/>
+                    <a:lstStyle/>
+                    <a:p>
+                      <a:pPr algn="l" fontAlgn="b"/>
+                      <a:r>
+                        <a:rPr lang="en-US" sz="1000" u="none" strike="noStrike" dirty="0">
+                          <a:effectLst/>
+                        </a:rPr>
+                        <a:t>    0.096899</a:t>
+                      </a:r>
+                      <a:endParaRPr lang="en-US" sz="1000" b="0" i="0" u="none" strike="noStrike" dirty="0">
+                        <a:solidFill>
+                          <a:srgbClr val="000000"/>
+                        </a:solidFill>
+                        <a:effectLst/>
+                        <a:latin typeface="Calibri" panose="020F0502020204030204" pitchFamily="34" charset="0"/>
+                      </a:endParaRPr>
+                    </a:p>
+                  </a:txBody>
+                  <a:tcPr marL="8562" marR="8562" marT="8562" marB="0" anchor="b"/>
+                </a:tc>
+                <a:extLst>
+                  <a:ext uri="{0D108BD9-81ED-4DB2-BD59-A6C34878D82A}">
+                    <a16:rowId xmlns:a16="http://schemas.microsoft.com/office/drawing/2014/main" xmlns="" val="3506898974"/>
+                  </a:ext>
+                </a:extLst>
+              </a:tr>
+              <a:tr h="171243">
+                <a:tc>
+                  <a:txBody>
+                    <a:bodyPr/>
+                    <a:lstStyle/>
+                    <a:p>
+                      <a:pPr algn="l" fontAlgn="b"/>
+                      <a:r>
+                        <a:rPr lang="en-US" sz="1000" u="none" strike="noStrike">
+                          <a:effectLst/>
+                        </a:rPr>
+                        <a:t>DuraCurRole</a:t>
+                      </a:r>
+                      <a:endParaRPr lang="en-US" sz="1000" b="0" i="0" u="none" strike="noStrike">
+                        <a:solidFill>
+                          <a:srgbClr val="000000"/>
+                        </a:solidFill>
+                        <a:effectLst/>
+                        <a:latin typeface="Calibri" panose="020F0502020204030204" pitchFamily="34" charset="0"/>
+                      </a:endParaRPr>
+                    </a:p>
+                  </a:txBody>
+                  <a:tcPr marL="8562" marR="8562" marT="8562" marB="0" anchor="b"/>
+                </a:tc>
+                <a:tc>
+                  <a:txBody>
+                    <a:bodyPr/>
+                    <a:lstStyle/>
+                    <a:p>
+                      <a:pPr algn="r" fontAlgn="b"/>
+                      <a:r>
+                        <a:rPr lang="en-US" sz="1000" u="none" strike="noStrike">
+                          <a:effectLst/>
+                        </a:rPr>
+                        <a:t>-1.03E-02</a:t>
+                      </a:r>
+                      <a:endParaRPr lang="en-US" sz="1000" b="0" i="0" u="none" strike="noStrike">
+                        <a:solidFill>
+                          <a:srgbClr val="000000"/>
+                        </a:solidFill>
+                        <a:effectLst/>
+                        <a:latin typeface="Calibri" panose="020F0502020204030204" pitchFamily="34" charset="0"/>
+                      </a:endParaRPr>
+                    </a:p>
+                  </a:txBody>
+                  <a:tcPr marL="8562" marR="8562" marT="8562" marB="0" anchor="b"/>
+                </a:tc>
+                <a:tc>
+                  <a:txBody>
+                    <a:bodyPr/>
+                    <a:lstStyle/>
+                    <a:p>
+                      <a:pPr algn="r" fontAlgn="b"/>
+                      <a:r>
+                        <a:rPr lang="en-US" sz="1000" u="none" strike="noStrike">
+                          <a:effectLst/>
+                        </a:rPr>
+                        <a:t>3.87E-03</a:t>
+                      </a:r>
+                      <a:endParaRPr lang="en-US" sz="1000" b="0" i="0" u="none" strike="noStrike">
+                        <a:solidFill>
+                          <a:srgbClr val="000000"/>
+                        </a:solidFill>
+                        <a:effectLst/>
+                        <a:latin typeface="Calibri" panose="020F0502020204030204" pitchFamily="34" charset="0"/>
+                      </a:endParaRPr>
+                    </a:p>
+                  </a:txBody>
+                  <a:tcPr marL="8562" marR="8562" marT="8562" marB="0" anchor="b"/>
+                </a:tc>
+                <a:tc>
+                  <a:txBody>
+                    <a:bodyPr/>
+                    <a:lstStyle/>
+                    <a:p>
+                      <a:pPr algn="r" fontAlgn="b"/>
+                      <a:r>
+                        <a:rPr lang="en-US" sz="1000" u="none" strike="noStrike">
+                          <a:effectLst/>
+                        </a:rPr>
+                        <a:t>-2.654</a:t>
+                      </a:r>
+                      <a:endParaRPr lang="en-US" sz="1000" b="0" i="0" u="none" strike="noStrike">
+                        <a:solidFill>
+                          <a:srgbClr val="000000"/>
+                        </a:solidFill>
+                        <a:effectLst/>
+                        <a:latin typeface="Calibri" panose="020F0502020204030204" pitchFamily="34" charset="0"/>
+                      </a:endParaRPr>
+                    </a:p>
+                  </a:txBody>
+                  <a:tcPr marL="8562" marR="8562" marT="8562" marB="0" anchor="b"/>
+                </a:tc>
+                <a:tc>
+                  <a:txBody>
+                    <a:bodyPr/>
+                    <a:lstStyle/>
+                    <a:p>
+                      <a:pPr algn="r" fontAlgn="b"/>
+                      <a:r>
+                        <a:rPr lang="en-US" sz="1000" u="none" strike="noStrike">
+                          <a:effectLst/>
+                        </a:rPr>
+                        <a:t>0.008035</a:t>
+                      </a:r>
+                      <a:endParaRPr lang="en-US" sz="1000" b="0" i="0" u="none" strike="noStrike">
+                        <a:solidFill>
+                          <a:srgbClr val="000000"/>
+                        </a:solidFill>
+                        <a:effectLst/>
+                        <a:latin typeface="Calibri" panose="020F0502020204030204" pitchFamily="34" charset="0"/>
+                      </a:endParaRPr>
+                    </a:p>
+                  </a:txBody>
+                  <a:tcPr marL="8562" marR="8562" marT="8562" marB="0" anchor="b"/>
+                </a:tc>
+                <a:extLst>
+                  <a:ext uri="{0D108BD9-81ED-4DB2-BD59-A6C34878D82A}">
+                    <a16:rowId xmlns:a16="http://schemas.microsoft.com/office/drawing/2014/main" xmlns="" val="503462108"/>
+                  </a:ext>
+                </a:extLst>
+              </a:tr>
+              <a:tr h="171243">
+                <a:tc>
+                  <a:txBody>
+                    <a:bodyPr/>
+                    <a:lstStyle/>
+                    <a:p>
+                      <a:pPr algn="l" fontAlgn="b"/>
+                      <a:r>
+                        <a:rPr lang="en-US" sz="1000" u="none" strike="noStrike">
+                          <a:effectLst/>
+                        </a:rPr>
+                        <a:t>LastPromote</a:t>
+                      </a:r>
+                      <a:endParaRPr lang="en-US" sz="1000" b="0" i="0" u="none" strike="noStrike">
+                        <a:solidFill>
+                          <a:srgbClr val="000000"/>
+                        </a:solidFill>
+                        <a:effectLst/>
+                        <a:latin typeface="Calibri" panose="020F0502020204030204" pitchFamily="34" charset="0"/>
+                      </a:endParaRPr>
+                    </a:p>
+                  </a:txBody>
+                  <a:tcPr marL="8562" marR="8562" marT="8562" marB="0" anchor="b"/>
+                </a:tc>
+                <a:tc>
+                  <a:txBody>
+                    <a:bodyPr/>
+                    <a:lstStyle/>
+                    <a:p>
+                      <a:pPr algn="r" fontAlgn="b"/>
+                      <a:r>
+                        <a:rPr lang="en-US" sz="1000" u="none" strike="noStrike">
+                          <a:effectLst/>
+                        </a:rPr>
+                        <a:t>1.14E-02</a:t>
+                      </a:r>
+                      <a:endParaRPr lang="en-US" sz="1000" b="0" i="0" u="none" strike="noStrike">
+                        <a:solidFill>
+                          <a:srgbClr val="000000"/>
+                        </a:solidFill>
+                        <a:effectLst/>
+                        <a:latin typeface="Calibri" panose="020F0502020204030204" pitchFamily="34" charset="0"/>
+                      </a:endParaRPr>
+                    </a:p>
+                  </a:txBody>
+                  <a:tcPr marL="8562" marR="8562" marT="8562" marB="0" anchor="b"/>
+                </a:tc>
+                <a:tc>
+                  <a:txBody>
+                    <a:bodyPr/>
+                    <a:lstStyle/>
+                    <a:p>
+                      <a:pPr algn="r" fontAlgn="b"/>
+                      <a:r>
+                        <a:rPr lang="en-US" sz="1000" u="none" strike="noStrike">
+                          <a:effectLst/>
+                        </a:rPr>
+                        <a:t>3.41E-03</a:t>
+                      </a:r>
+                      <a:endParaRPr lang="en-US" sz="1000" b="0" i="0" u="none" strike="noStrike">
+                        <a:solidFill>
+                          <a:srgbClr val="000000"/>
+                        </a:solidFill>
+                        <a:effectLst/>
+                        <a:latin typeface="Calibri" panose="020F0502020204030204" pitchFamily="34" charset="0"/>
+                      </a:endParaRPr>
+                    </a:p>
+                  </a:txBody>
+                  <a:tcPr marL="8562" marR="8562" marT="8562" marB="0" anchor="b"/>
+                </a:tc>
+                <a:tc>
+                  <a:txBody>
+                    <a:bodyPr/>
+                    <a:lstStyle/>
+                    <a:p>
+                      <a:pPr algn="r" fontAlgn="b"/>
+                      <a:r>
+                        <a:rPr lang="en-US" sz="1000" u="none" strike="noStrike">
+                          <a:effectLst/>
+                        </a:rPr>
+                        <a:t>3.337</a:t>
+                      </a:r>
+                      <a:endParaRPr lang="en-US" sz="1000" b="0" i="0" u="none" strike="noStrike">
+                        <a:solidFill>
+                          <a:srgbClr val="000000"/>
+                        </a:solidFill>
+                        <a:effectLst/>
+                        <a:latin typeface="Calibri" panose="020F0502020204030204" pitchFamily="34" charset="0"/>
+                      </a:endParaRPr>
+                    </a:p>
+                  </a:txBody>
+                  <a:tcPr marL="8562" marR="8562" marT="8562" marB="0" anchor="b"/>
+                </a:tc>
+                <a:tc>
+                  <a:txBody>
+                    <a:bodyPr/>
+                    <a:lstStyle/>
+                    <a:p>
+                      <a:pPr algn="r" fontAlgn="b"/>
+                      <a:r>
+                        <a:rPr lang="en-US" sz="1000" u="none" strike="noStrike">
+                          <a:effectLst/>
+                        </a:rPr>
+                        <a:t>0.000869</a:t>
+                      </a:r>
+                      <a:endParaRPr lang="en-US" sz="1000" b="0" i="0" u="none" strike="noStrike">
+                        <a:solidFill>
+                          <a:srgbClr val="000000"/>
+                        </a:solidFill>
+                        <a:effectLst/>
+                        <a:latin typeface="Calibri" panose="020F0502020204030204" pitchFamily="34" charset="0"/>
+                      </a:endParaRPr>
+                    </a:p>
+                  </a:txBody>
+                  <a:tcPr marL="8562" marR="8562" marT="8562" marB="0" anchor="b"/>
+                </a:tc>
+                <a:extLst>
+                  <a:ext uri="{0D108BD9-81ED-4DB2-BD59-A6C34878D82A}">
+                    <a16:rowId xmlns:a16="http://schemas.microsoft.com/office/drawing/2014/main" xmlns="" val="3289877154"/>
+                  </a:ext>
+                </a:extLst>
+              </a:tr>
+              <a:tr h="171243">
+                <a:tc>
+                  <a:txBody>
+                    <a:bodyPr/>
+                    <a:lstStyle/>
+                    <a:p>
+                      <a:pPr algn="l" fontAlgn="b"/>
+                      <a:r>
+                        <a:rPr lang="en-US" sz="1000" u="none" strike="noStrike">
+                          <a:effectLst/>
+                        </a:rPr>
+                        <a:t>CurManage</a:t>
+                      </a:r>
+                      <a:endParaRPr lang="en-US" sz="1000" b="0" i="0" u="none" strike="noStrike">
+                        <a:solidFill>
+                          <a:srgbClr val="000000"/>
+                        </a:solidFill>
+                        <a:effectLst/>
+                        <a:latin typeface="Calibri" panose="020F0502020204030204" pitchFamily="34" charset="0"/>
+                      </a:endParaRPr>
+                    </a:p>
+                  </a:txBody>
+                  <a:tcPr marL="8562" marR="8562" marT="8562" marB="0" anchor="b"/>
+                </a:tc>
+                <a:tc>
+                  <a:txBody>
+                    <a:bodyPr/>
+                    <a:lstStyle/>
+                    <a:p>
+                      <a:pPr algn="r" fontAlgn="b"/>
+                      <a:r>
+                        <a:rPr lang="en-US" sz="1000" u="none" strike="noStrike">
+                          <a:effectLst/>
+                        </a:rPr>
+                        <a:t>-1.06E-02</a:t>
+                      </a:r>
+                      <a:endParaRPr lang="en-US" sz="1000" b="0" i="0" u="none" strike="noStrike">
+                        <a:solidFill>
+                          <a:srgbClr val="000000"/>
+                        </a:solidFill>
+                        <a:effectLst/>
+                        <a:latin typeface="Calibri" panose="020F0502020204030204" pitchFamily="34" charset="0"/>
+                      </a:endParaRPr>
+                    </a:p>
+                  </a:txBody>
+                  <a:tcPr marL="8562" marR="8562" marT="8562" marB="0" anchor="b"/>
+                </a:tc>
+                <a:tc>
+                  <a:txBody>
+                    <a:bodyPr/>
+                    <a:lstStyle/>
+                    <a:p>
+                      <a:pPr algn="r" fontAlgn="b"/>
+                      <a:r>
+                        <a:rPr lang="en-US" sz="1000" u="none" strike="noStrike">
+                          <a:effectLst/>
+                        </a:rPr>
+                        <a:t>3.96E-03</a:t>
+                      </a:r>
+                      <a:endParaRPr lang="en-US" sz="1000" b="0" i="0" u="none" strike="noStrike">
+                        <a:solidFill>
+                          <a:srgbClr val="000000"/>
+                        </a:solidFill>
+                        <a:effectLst/>
+                        <a:latin typeface="Calibri" panose="020F0502020204030204" pitchFamily="34" charset="0"/>
+                      </a:endParaRPr>
+                    </a:p>
+                  </a:txBody>
+                  <a:tcPr marL="8562" marR="8562" marT="8562" marB="0" anchor="b"/>
+                </a:tc>
+                <a:tc>
+                  <a:txBody>
+                    <a:bodyPr/>
+                    <a:lstStyle/>
+                    <a:p>
+                      <a:pPr algn="r" fontAlgn="b"/>
+                      <a:r>
+                        <a:rPr lang="en-US" sz="1000" u="none" strike="noStrike">
+                          <a:effectLst/>
+                        </a:rPr>
+                        <a:t>-2.686</a:t>
+                      </a:r>
+                      <a:endParaRPr lang="en-US" sz="1000" b="0" i="0" u="none" strike="noStrike">
+                        <a:solidFill>
+                          <a:srgbClr val="000000"/>
+                        </a:solidFill>
+                        <a:effectLst/>
+                        <a:latin typeface="Calibri" panose="020F0502020204030204" pitchFamily="34" charset="0"/>
+                      </a:endParaRPr>
+                    </a:p>
+                  </a:txBody>
+                  <a:tcPr marL="8562" marR="8562" marT="8562" marB="0" anchor="b"/>
+                </a:tc>
+                <a:tc>
+                  <a:txBody>
+                    <a:bodyPr/>
+                    <a:lstStyle/>
+                    <a:p>
+                      <a:pPr algn="r" fontAlgn="b"/>
+                      <a:r>
+                        <a:rPr lang="en-US" sz="1000" u="none" strike="noStrike" dirty="0">
+                          <a:effectLst/>
+                        </a:rPr>
+                        <a:t>0.00732</a:t>
+                      </a:r>
+                      <a:endParaRPr lang="en-US" sz="1000" b="0" i="0" u="none" strike="noStrike" dirty="0">
+                        <a:solidFill>
+                          <a:srgbClr val="000000"/>
+                        </a:solidFill>
+                        <a:effectLst/>
+                        <a:latin typeface="Calibri" panose="020F0502020204030204" pitchFamily="34" charset="0"/>
+                      </a:endParaRPr>
+                    </a:p>
+                  </a:txBody>
+                  <a:tcPr marL="8562" marR="8562" marT="8562" marB="0" anchor="b"/>
+                </a:tc>
+                <a:extLst>
+                  <a:ext uri="{0D108BD9-81ED-4DB2-BD59-A6C34878D82A}">
+                    <a16:rowId xmlns:a16="http://schemas.microsoft.com/office/drawing/2014/main" xmlns="" val="1837071868"/>
+                  </a:ext>
+                </a:extLst>
+              </a:tr>
+            </a:tbl>
+          </a:graphicData>
+        </a:graphic>
+      </p:graphicFrame>
+    </p:spTree>
+    <p:extLst>
+      <p:ext uri="{BB962C8B-B14F-4D97-AF65-F5344CB8AC3E}">
+        <p14:creationId xmlns:p14="http://schemas.microsoft.com/office/powerpoint/2010/main" val="217180358"/>
+      </p:ext>
+    </p:extLst>
+  </p:cSld>
+  <p:clrMapOvr>
+    <a:masterClrMapping/>
+  </p:clrMapOvr>
+</p:sld>
+</file>
+
+<file path=ppt/slides/slide19.xml><?xml version="1.0" encoding="utf-8"?>
+<p:sld xmlns:a="http://schemas.openxmlformats.org/drawingml/2006/main" xmlns:r="http://schemas.openxmlformats.org/officeDocument/2006/relationships" xmlns:p="http://schemas.openxmlformats.org/presentationml/2006/main">
+  <p:cSld>
+    <p:bg>
+      <p:bgPr>
+        <a:blipFill dpi="0" rotWithShape="1">
+          <a:blip r:embed="rId2">
+            <a:lum/>
+          </a:blip>
+          <a:srcRect/>
+          <a:stretch>
+            <a:fillRect/>
+          </a:stretch>
+        </a:blipFill>
+        <a:effectLst/>
+      </p:bgPr>
+    </p:bg>
+    <p:spTree>
+      <p:nvGrpSpPr>
+        <p:cNvPr id="1" name=""/>
+        <p:cNvGrpSpPr/>
+        <p:nvPr/>
+      </p:nvGrpSpPr>
+      <p:grpSpPr>
+        <a:xfrm>
+          <a:off x="0" y="0"/>
+          <a:ext cx="0" cy="0"/>
+          <a:chOff x="0" y="0"/>
+          <a:chExt cx="0" cy="0"/>
+        </a:xfrm>
+      </p:grpSpPr>
+      <p:sp>
+        <p:nvSpPr>
+          <p:cNvPr id="4" name="Title 3"/>
+          <p:cNvSpPr>
+            <a:spLocks noGrp="1"/>
+          </p:cNvSpPr>
+          <p:nvPr>
+            <p:ph type="title"/>
+          </p:nvPr>
+        </p:nvSpPr>
+        <p:spPr/>
+        <p:txBody>
+          <a:bodyPr>
+            <a:normAutofit fontScale="90000"/>
+          </a:bodyPr>
+          <a:lstStyle/>
+          <a:p>
+            <a:pPr algn="ctr"/>
+            <a:r>
+              <a:rPr lang="en-US" dirty="0"/>
+              <a:t>Cost of Turnover </a:t>
+            </a:r>
+            <a:r>
+              <a:rPr lang="mr-IN" dirty="0"/>
+              <a:t>–</a:t>
+            </a:r>
+            <a:r>
+              <a:rPr lang="en-US" dirty="0"/>
+              <a:t> Industry </a:t>
+            </a:r>
+            <a:r>
+              <a:rPr lang="en-US" dirty="0" err="1"/>
+              <a:t>Average</a:t>
+            </a:r>
+            <a:r>
+              <a:rPr lang="en-US" sz="2000" baseline="30000" dirty="0" err="1"/>
+              <a:t>Ϯ</a:t>
+            </a:r>
+            <a:endParaRPr lang="en-US" sz="2000" dirty="0"/>
+          </a:p>
+        </p:txBody>
+      </p:sp>
+      <p:sp>
+        <p:nvSpPr>
+          <p:cNvPr id="5" name="Content Placeholder 4"/>
+          <p:cNvSpPr>
+            <a:spLocks noGrp="1"/>
+          </p:cNvSpPr>
+          <p:nvPr>
+            <p:ph idx="1"/>
+          </p:nvPr>
+        </p:nvSpPr>
+        <p:spPr>
+          <a:xfrm>
+            <a:off x="1823310" y="1596540"/>
+            <a:ext cx="7016195" cy="3206805"/>
+          </a:xfrm>
+        </p:spPr>
+        <p:txBody>
+          <a:bodyPr>
+            <a:normAutofit/>
+          </a:bodyPr>
+          <a:lstStyle/>
+          <a:p>
+            <a:r>
+              <a:rPr lang="en-US" dirty="0">
+                <a:solidFill>
+                  <a:srgbClr val="FF0000"/>
+                </a:solidFill>
+              </a:rPr>
+              <a:t>&lt;&lt;Random Forest&gt;&gt; &lt;&lt;Tom&gt;&gt;</a:t>
+            </a:r>
+          </a:p>
+          <a:p>
+            <a:r>
+              <a:rPr lang="en-US" dirty="0">
+                <a:solidFill>
+                  <a:srgbClr val="FF0000"/>
+                </a:solidFill>
+              </a:rPr>
+              <a:t>&lt;&lt;correlation / probability </a:t>
+            </a:r>
+            <a:r>
+              <a:rPr lang="en-US" dirty="0" err="1">
+                <a:solidFill>
+                  <a:srgbClr val="FF0000"/>
+                </a:solidFill>
+              </a:rPr>
+              <a:t>empl</a:t>
+            </a:r>
+            <a:r>
+              <a:rPr lang="en-US" dirty="0">
+                <a:solidFill>
+                  <a:srgbClr val="FF0000"/>
+                </a:solidFill>
+              </a:rPr>
+              <a:t> will leave&gt;&gt;  &lt;&lt;false negative/false model prediction&gt;&gt;  &lt;&lt;Tom&gt;&gt;</a:t>
+            </a:r>
+          </a:p>
+        </p:txBody>
+      </p:sp>
+      <p:sp>
+        <p:nvSpPr>
+          <p:cNvPr id="6" name="TextBox 5"/>
+          <p:cNvSpPr txBox="1"/>
+          <p:nvPr/>
+        </p:nvSpPr>
+        <p:spPr>
+          <a:xfrm>
+            <a:off x="8153956" y="6568481"/>
+            <a:ext cx="963725" cy="276999"/>
+          </a:xfrm>
+          <a:prstGeom prst="rect">
+            <a:avLst/>
+          </a:prstGeom>
+          <a:solidFill>
+            <a:schemeClr val="bg1"/>
+          </a:solidFill>
+        </p:spPr>
+        <p:txBody>
+          <a:bodyPr wrap="none" rtlCol="0">
+            <a:spAutoFit/>
+          </a:bodyPr>
+          <a:lstStyle/>
+          <a:p>
+            <a:r>
+              <a:rPr lang="en-US" sz="1200" baseline="30000" dirty="0"/>
+              <a:t>Ϯ</a:t>
+            </a:r>
+            <a:r>
+              <a:rPr lang="en-US" sz="1200" dirty="0"/>
+              <a:t>2017 SHRM</a:t>
+            </a:r>
+          </a:p>
+        </p:txBody>
+      </p:sp>
+    </p:spTree>
+    <p:extLst>
+      <p:ext uri="{BB962C8B-B14F-4D97-AF65-F5344CB8AC3E}">
+        <p14:creationId xmlns:p14="http://schemas.microsoft.com/office/powerpoint/2010/main" val="3100936218"/>
+      </p:ext>
+    </p:extLst>
+  </p:cSld>
+  <p:clrMapOvr>
+    <a:masterClrMapping/>
+  </p:clrMapOvr>
+</p:sld>
+</file>
+
+<file path=ppt/slides/slide2.xml><?xml version="1.0" encoding="utf-8"?>
+<p:sld xmlns:a="http://schemas.openxmlformats.org/drawingml/2006/main" xmlns:r="http://schemas.openxmlformats.org/officeDocument/2006/relationships" xmlns:p="http://schemas.openxmlformats.org/presentationml/2006/main">
+  <p:cSld>
+    <p:spTree>
+      <p:nvGrpSpPr>
+        <p:cNvPr id="1" name=""/>
+        <p:cNvGrpSpPr/>
+        <p:nvPr/>
+      </p:nvGrpSpPr>
+      <p:grpSpPr>
+        <a:xfrm>
+          <a:off x="0" y="0"/>
+          <a:ext cx="0" cy="0"/>
+          <a:chOff x="0" y="0"/>
+          <a:chExt cx="0" cy="0"/>
+        </a:xfrm>
+      </p:grpSpPr>
+      <p:sp>
+        <p:nvSpPr>
+          <p:cNvPr id="4" name="Title 3"/>
+          <p:cNvSpPr>
+            <a:spLocks noGrp="1"/>
+          </p:cNvSpPr>
+          <p:nvPr>
+            <p:ph type="title"/>
+          </p:nvPr>
+        </p:nvSpPr>
+        <p:spPr>
+          <a:xfrm>
+            <a:off x="448965" y="2970885"/>
+            <a:ext cx="8229600" cy="916230"/>
+          </a:xfrm>
+        </p:spPr>
+        <p:txBody>
+          <a:bodyPr>
+            <a:noAutofit/>
+          </a:bodyPr>
+          <a:lstStyle/>
+          <a:p>
+            <a:pPr algn="ctr"/>
+            <a:r>
+              <a:rPr lang="en-US" sz="6000" dirty="0">
+                <a:latin typeface="Arial Rounded MT Bold"/>
+                <a:cs typeface="Arial Rounded MT Bold"/>
+              </a:rPr>
+              <a:t>Business Objectives</a:t>
+            </a:r>
+          </a:p>
+        </p:txBody>
+      </p:sp>
+    </p:spTree>
+    <p:extLst>
+      <p:ext uri="{BB962C8B-B14F-4D97-AF65-F5344CB8AC3E}">
+        <p14:creationId xmlns:p14="http://schemas.microsoft.com/office/powerpoint/2010/main" val="4170783713"/>
+      </p:ext>
+    </p:extLst>
+  </p:cSld>
+  <p:clrMapOvr>
+    <a:masterClrMapping/>
+  </p:clrMapOvr>
+</p:sld>
+</file>
+
+<file path=ppt/slides/slide20.xml><?xml version="1.0" encoding="utf-8"?>
+<p:sld xmlns:a="http://schemas.openxmlformats.org/drawingml/2006/main" xmlns:r="http://schemas.openxmlformats.org/officeDocument/2006/relationships" xmlns:p="http://schemas.openxmlformats.org/presentationml/2006/main">
+  <p:cSld>
+    <p:spTree>
+      <p:nvGrpSpPr>
+        <p:cNvPr id="1" name=""/>
+        <p:cNvGrpSpPr/>
+        <p:nvPr/>
+      </p:nvGrpSpPr>
+      <p:grpSpPr>
+        <a:xfrm>
+          <a:off x="0" y="0"/>
+          <a:ext cx="0" cy="0"/>
+          <a:chOff x="0" y="0"/>
+          <a:chExt cx="0" cy="0"/>
+        </a:xfrm>
+      </p:grpSpPr>
+      <p:sp>
+        <p:nvSpPr>
+          <p:cNvPr id="4" name="Title 3"/>
+          <p:cNvSpPr>
+            <a:spLocks noGrp="1"/>
+          </p:cNvSpPr>
+          <p:nvPr>
+            <p:ph type="title"/>
+          </p:nvPr>
+        </p:nvSpPr>
+        <p:spPr/>
+        <p:txBody>
+          <a:bodyPr>
+            <a:normAutofit fontScale="90000"/>
+          </a:bodyPr>
+          <a:lstStyle/>
+          <a:p>
+            <a:r>
+              <a:rPr lang="en-US" dirty="0"/>
               <a:t>Summary</a:t>
             </a:r>
-            <a:endParaRPr lang="en-US" dirty="0"/>
           </a:p>
         </p:txBody>
       </p:sp>
@@ -3727,10 +9460,9 @@
           <a:lstStyle/>
           <a:p>
             <a:r>
-              <a:rPr lang="en-US" dirty="0" smtClean="0"/>
+              <a:rPr lang="en-US" dirty="0"/>
               <a:t>Insights</a:t>
             </a:r>
-            <a:endParaRPr lang="en-US" dirty="0"/>
           </a:p>
         </p:txBody>
       </p:sp>
@@ -3757,34 +9489,28 @@
           <a:lstStyle/>
           <a:p>
             <a:r>
-              <a:rPr lang="en-US" dirty="0" smtClean="0"/>
-              <a:t>Job Seekers </a:t>
-            </a:r>
-            <a:r>
-              <a:rPr lang="en-US" dirty="0" smtClean="0"/>
-              <a:t>Market</a:t>
-            </a:r>
-          </a:p>
-          <a:p>
-            <a:r>
-              <a:rPr lang="en-US" smtClean="0"/>
+              <a:rPr lang="en-US" dirty="0"/>
+              <a:t>Job Seekers Market</a:t>
+            </a:r>
+          </a:p>
+          <a:p>
+            <a:r>
+              <a:rPr lang="en-US"/>
               <a:t>Changing demographics</a:t>
             </a:r>
-            <a:endParaRPr lang="en-US" dirty="0" smtClean="0"/>
-          </a:p>
-          <a:p>
-            <a:r>
-              <a:rPr lang="en-US" dirty="0" smtClean="0"/>
+            <a:endParaRPr lang="en-US" dirty="0"/>
+          </a:p>
+          <a:p>
+            <a:r>
+              <a:rPr lang="en-US" dirty="0"/>
               <a:t>Need for empowerment</a:t>
             </a:r>
-            <a:endParaRPr lang="en-US" dirty="0" smtClean="0"/>
-          </a:p>
-          <a:p>
-            <a:r>
-              <a:rPr lang="en-US" dirty="0" smtClean="0"/>
+          </a:p>
+          <a:p>
+            <a:r>
+              <a:rPr lang="en-US" dirty="0"/>
               <a:t>Alternatives to traditional job/business dynamics an increased incentive</a:t>
             </a:r>
-            <a:endParaRPr lang="en-US" dirty="0"/>
           </a:p>
         </p:txBody>
       </p:sp>
@@ -3809,10 +9535,9 @@
           <a:lstStyle/>
           <a:p>
             <a:r>
-              <a:rPr lang="en-US" dirty="0" smtClean="0"/>
+              <a:rPr lang="en-US" dirty="0"/>
               <a:t>Recommendations</a:t>
             </a:r>
-            <a:endParaRPr lang="en-US" dirty="0"/>
           </a:p>
         </p:txBody>
       </p:sp>
@@ -3839,34 +9564,34 @@
           <a:lstStyle/>
           <a:p>
             <a:r>
-              <a:rPr lang="en-US" dirty="0" smtClean="0"/>
+              <a:rPr lang="en-US" dirty="0"/>
               <a:t>Offering increased development opportunities</a:t>
             </a:r>
           </a:p>
           <a:p>
             <a:pPr lvl="1"/>
             <a:r>
-              <a:rPr lang="en-US" dirty="0" smtClean="0"/>
+              <a:rPr lang="en-US" dirty="0"/>
               <a:t>Increased training</a:t>
             </a:r>
           </a:p>
           <a:p>
             <a:pPr lvl="1"/>
             <a:r>
-              <a:rPr lang="en-US" dirty="0" smtClean="0"/>
+              <a:rPr lang="en-US" dirty="0"/>
               <a:t>Improve promotion opportunities</a:t>
             </a:r>
           </a:p>
           <a:p>
             <a:r>
-              <a:rPr lang="en-US" dirty="0" smtClean="0"/>
+              <a:rPr lang="en-US" dirty="0"/>
               <a:t>Mitigate burdensome workload</a:t>
             </a:r>
           </a:p>
           <a:p>
             <a:pPr lvl="1"/>
             <a:r>
-              <a:rPr lang="en-US" dirty="0" smtClean="0"/>
+              <a:rPr lang="en-US" dirty="0"/>
               <a:t>Flex time / part time</a:t>
             </a:r>
           </a:p>
@@ -3874,33 +9599,28 @@
             <a:pPr lvl="1"/>
             <a:r>
               <a:rPr lang="en-US" dirty="0"/>
-              <a:t>T</a:t>
-            </a:r>
-            <a:r>
-              <a:rPr lang="en-US" dirty="0" smtClean="0"/>
-              <a:t>elecommuting</a:t>
-            </a:r>
-          </a:p>
-          <a:p>
-            <a:r>
-              <a:rPr lang="en-US" dirty="0" smtClean="0"/>
+              <a:t>Telecommuting</a:t>
+            </a:r>
+          </a:p>
+          <a:p>
+            <a:r>
+              <a:rPr lang="en-US" dirty="0"/>
               <a:t>Engage employees</a:t>
             </a:r>
           </a:p>
           <a:p>
             <a:pPr lvl="1"/>
             <a:r>
-              <a:rPr lang="en-US" dirty="0" smtClean="0"/>
+              <a:rPr lang="en-US" dirty="0"/>
               <a:t>Increase employee decision-making opportunities</a:t>
             </a:r>
           </a:p>
           <a:p>
             <a:pPr lvl="1"/>
             <a:r>
-              <a:rPr lang="en-US" dirty="0" smtClean="0"/>
+              <a:rPr lang="en-US" dirty="0"/>
               <a:t>Aggressively pursue and incorporate feedback</a:t>
             </a:r>
-            <a:endParaRPr lang="en-US" dirty="0"/>
           </a:p>
         </p:txBody>
       </p:sp>
@@ -4064,10 +9784,9 @@
           </a:lstStyle>
           <a:p>
             <a:r>
-              <a:rPr lang="en-US" dirty="0" smtClean="0"/>
+              <a:rPr lang="en-US" dirty="0"/>
               <a:t>Low Cost - Initial Hire</a:t>
             </a:r>
-            <a:endParaRPr lang="en-US" dirty="0"/>
           </a:p>
         </p:txBody>
       </p:sp>
@@ -4241,22 +9960,21 @@
           </a:lstStyle>
           <a:p>
             <a:r>
-              <a:rPr lang="en-US" dirty="0" smtClean="0"/>
+              <a:rPr lang="en-US" dirty="0"/>
               <a:t>Cultural fit</a:t>
             </a:r>
           </a:p>
           <a:p>
             <a:r>
-              <a:rPr lang="en-US" dirty="0" smtClean="0"/>
+              <a:rPr lang="en-US" dirty="0"/>
               <a:t>Manage expectations</a:t>
             </a:r>
           </a:p>
           <a:p>
             <a:r>
-              <a:rPr lang="en-US" dirty="0" smtClean="0"/>
+              <a:rPr lang="en-US" dirty="0"/>
               <a:t>Onboarding</a:t>
             </a:r>
-            <a:endParaRPr lang="en-US" dirty="0"/>
           </a:p>
         </p:txBody>
       </p:sp>
@@ -4264,73 +9982,6 @@
     <p:extLst>
       <p:ext uri="{BB962C8B-B14F-4D97-AF65-F5344CB8AC3E}">
         <p14:creationId xmlns:p14="http://schemas.microsoft.com/office/powerpoint/2010/main" val="791531404"/>
-      </p:ext>
-    </p:extLst>
-  </p:cSld>
-  <p:clrMapOvr>
-    <a:masterClrMapping/>
-  </p:clrMapOvr>
-</p:sld>
-</file>
-
-<file path=ppt/slides/slide2.xml><?xml version="1.0" encoding="utf-8"?>
-<p:sld xmlns:a="http://schemas.openxmlformats.org/drawingml/2006/main" xmlns:r="http://schemas.openxmlformats.org/officeDocument/2006/relationships" xmlns:p="http://schemas.openxmlformats.org/presentationml/2006/main">
-  <p:cSld>
-    <p:spTree>
-      <p:nvGrpSpPr>
-        <p:cNvPr id="1" name=""/>
-        <p:cNvGrpSpPr/>
-        <p:nvPr/>
-      </p:nvGrpSpPr>
-      <p:grpSpPr>
-        <a:xfrm>
-          <a:off x="0" y="0"/>
-          <a:ext cx="0" cy="0"/>
-          <a:chOff x="0" y="0"/>
-          <a:chExt cx="0" cy="0"/>
-        </a:xfrm>
-      </p:grpSpPr>
-      <p:sp>
-        <p:nvSpPr>
-          <p:cNvPr id="4" name="Title 3"/>
-          <p:cNvSpPr>
-            <a:spLocks noGrp="1"/>
-          </p:cNvSpPr>
-          <p:nvPr>
-            <p:ph type="title"/>
-          </p:nvPr>
-        </p:nvSpPr>
-        <p:spPr>
-          <a:xfrm>
-            <a:off x="448965" y="2970885"/>
-            <a:ext cx="8229600" cy="916230"/>
-          </a:xfrm>
-        </p:spPr>
-        <p:txBody>
-          <a:bodyPr>
-            <a:noAutofit/>
-          </a:bodyPr>
-          <a:lstStyle/>
-          <a:p>
-            <a:pPr algn="ctr"/>
-            <a:r>
-              <a:rPr lang="en-US" sz="6000" dirty="0" smtClean="0">
-                <a:latin typeface="Arial Rounded MT Bold"/>
-                <a:cs typeface="Arial Rounded MT Bold"/>
-              </a:rPr>
-              <a:t>Business Objectives</a:t>
-            </a:r>
-            <a:endParaRPr lang="en-US" sz="6000" dirty="0">
-              <a:latin typeface="Arial Rounded MT Bold"/>
-              <a:cs typeface="Arial Rounded MT Bold"/>
-            </a:endParaRPr>
-          </a:p>
-        </p:txBody>
-      </p:sp>
-    </p:spTree>
-    <p:extLst>
-      <p:ext uri="{BB962C8B-B14F-4D97-AF65-F5344CB8AC3E}">
-        <p14:creationId xmlns:p14="http://schemas.microsoft.com/office/powerpoint/2010/main" val="4170783713"/>
       </p:ext>
     </p:extLst>
   </p:cSld>
@@ -4357,103 +10008,54 @@
           <a:chExt cx="0" cy="0"/>
         </a:xfrm>
       </p:grpSpPr>
-      <p:sp>
-        <p:nvSpPr>
-          <p:cNvPr id="5" name="Content Placeholder 4"/>
-          <p:cNvSpPr>
-            <a:spLocks noGrp="1"/>
-          </p:cNvSpPr>
+      <p:pic>
+        <p:nvPicPr>
+          <p:cNvPr id="8" name="Picture 8" descr="A close up of a logo&#10;&#10;Description generated with high confidence">
+            <a:extLst>
+              <a:ext uri="{FF2B5EF4-FFF2-40B4-BE49-F238E27FC236}">
+                <a16:creationId xmlns:a16="http://schemas.microsoft.com/office/drawing/2014/main" xmlns="" id="{1FDADF91-0F72-4800-96BE-94BA90290CBA}"/>
+              </a:ext>
+            </a:extLst>
+          </p:cNvPr>
+          <p:cNvPicPr>
+            <a:picLocks noGrp="1" noChangeAspect="1"/>
+          </p:cNvPicPr>
           <p:nvPr>
             <p:ph idx="1"/>
           </p:nvPr>
-        </p:nvSpPr>
+        </p:nvPicPr>
+        <p:blipFill>
+          <a:blip r:embed="rId3"/>
+          <a:stretch>
+            <a:fillRect/>
+          </a:stretch>
+        </p:blipFill>
         <p:spPr>
           <a:xfrm>
-            <a:off x="0" y="1291131"/>
-            <a:ext cx="9144000" cy="4123034"/>
+            <a:off x="1546315" y="1338348"/>
+            <a:ext cx="6445925" cy="2526779"/>
           </a:xfrm>
+          <a:prstGeom prst="rect">
+            <a:avLst/>
+          </a:prstGeom>
         </p:spPr>
-        <p:txBody>
-          <a:bodyPr>
-            <a:normAutofit fontScale="92500" lnSpcReduction="10000"/>
-          </a:bodyPr>
-          <a:lstStyle/>
-          <a:p>
-            <a:r>
-              <a:rPr lang="en-US" dirty="0"/>
-              <a:t>Increase market share</a:t>
-            </a:r>
-          </a:p>
-          <a:p>
-            <a:pPr lvl="1"/>
-            <a:r>
-              <a:rPr lang="en-US" dirty="0"/>
-              <a:t>Become known as industry leader</a:t>
-            </a:r>
-          </a:p>
-          <a:p>
-            <a:r>
-              <a:rPr lang="en-US" dirty="0" smtClean="0"/>
-              <a:t>Talent </a:t>
-            </a:r>
-            <a:r>
-              <a:rPr lang="en-US" dirty="0"/>
-              <a:t>retention and acquisition are top employer concerns</a:t>
-            </a:r>
-          </a:p>
-          <a:p>
-            <a:pPr lvl="1"/>
-            <a:r>
-              <a:rPr lang="en-US" dirty="0"/>
-              <a:t>78% of organizations are concerned with talent retention, 73% with talent attraction </a:t>
-            </a:r>
-          </a:p>
-          <a:p>
-            <a:r>
-              <a:rPr lang="en-US" dirty="0" smtClean="0"/>
-              <a:t>Data analysis can </a:t>
-            </a:r>
-            <a:r>
-              <a:rPr lang="en-US" dirty="0"/>
-              <a:t>i</a:t>
-            </a:r>
-            <a:r>
-              <a:rPr lang="en-US" dirty="0" smtClean="0"/>
-              <a:t>mprove competitive advantage</a:t>
-            </a:r>
-          </a:p>
-          <a:p>
-            <a:pPr lvl="1"/>
-            <a:r>
-              <a:rPr lang="en-US" dirty="0" smtClean="0"/>
-              <a:t>Objective identification of actual attrition rates/causes</a:t>
-            </a:r>
-          </a:p>
-          <a:p>
-            <a:r>
-              <a:rPr lang="en-US" dirty="0" smtClean="0"/>
-              <a:t>Data analysis reduces waste</a:t>
-            </a:r>
-          </a:p>
-          <a:p>
-            <a:pPr lvl="1"/>
-            <a:r>
-              <a:rPr lang="en-US" dirty="0" smtClean="0"/>
-              <a:t>Solutions can be focused on areas guaranteed to get results</a:t>
-            </a:r>
-          </a:p>
-        </p:txBody>
-      </p:sp>
-      <p:sp>
-        <p:nvSpPr>
-          <p:cNvPr id="3" name="TextBox 2"/>
+      </p:pic>
+      <p:sp>
+        <p:nvSpPr>
+          <p:cNvPr id="12" name="TextBox 11">
+            <a:extLst>
+              <a:ext uri="{FF2B5EF4-FFF2-40B4-BE49-F238E27FC236}">
+                <a16:creationId xmlns:a16="http://schemas.microsoft.com/office/drawing/2014/main" xmlns="" id="{442F14DA-96A7-49B4-BA6F-4D49AEFD60D5}"/>
+              </a:ext>
+            </a:extLst>
+          </p:cNvPr>
           <p:cNvSpPr txBox="1"/>
           <p:nvPr/>
         </p:nvSpPr>
         <p:spPr>
           <a:xfrm>
-            <a:off x="125772" y="6024985"/>
-            <a:ext cx="9018228" cy="1015663"/>
+            <a:off x="866274" y="224590"/>
+            <a:ext cx="7804483" cy="707886"/>
           </a:xfrm>
           <a:prstGeom prst="rect">
             <a:avLst/>
@@ -4461,49 +10063,181 @@
           <a:noFill/>
         </p:spPr>
         <p:txBody>
-          <a:bodyPr wrap="square" rtlCol="0">
+          <a:bodyPr rot="0" spcFirstLastPara="0" vertOverflow="overflow" horzOverflow="overflow" vert="horz" wrap="square" lIns="91440" tIns="45720" rIns="91440" bIns="45720" numCol="1" spcCol="0" rtlCol="0" fromWordArt="0" anchor="t" anchorCtr="0" forceAA="0" compatLnSpc="1">
+            <a:prstTxWarp prst="textNoShape">
+              <a:avLst/>
+            </a:prstTxWarp>
             <a:spAutoFit/>
           </a:bodyPr>
           <a:lstStyle/>
           <a:p>
-            <a:r>
-              <a:rPr lang="en-US" sz="1400" dirty="0"/>
-              <a:t>"Data can say things that employees might not during exit interviews, and shed light on </a:t>
-            </a:r>
-            <a:r>
-              <a:rPr lang="en-US" sz="1400" dirty="0" smtClean="0"/>
-              <a:t>causes of </a:t>
-            </a:r>
-            <a:r>
-              <a:rPr lang="en-US" sz="1400" dirty="0"/>
-              <a:t>voluntary turnover that even the best expert may miss. In today's challenging talent </a:t>
-            </a:r>
-            <a:r>
-              <a:rPr lang="en-US" sz="1400" dirty="0" smtClean="0"/>
-              <a:t>market, unbiased</a:t>
-            </a:r>
-            <a:r>
-              <a:rPr lang="en-US" sz="1400" dirty="0"/>
-              <a:t>, insights derived from actual workforce data can enable employers to </a:t>
-            </a:r>
-            <a:r>
-              <a:rPr lang="en-US" sz="1400" dirty="0" smtClean="0"/>
-              <a:t>identify potential </a:t>
-            </a:r>
-            <a:r>
-              <a:rPr lang="en-US" sz="1400" dirty="0"/>
-              <a:t>flight risks before it's too late.“ - Marc Rind, chief data scientist at ADP</a:t>
-            </a:r>
-          </a:p>
-          <a:p>
-            <a:endParaRPr lang="en-US" dirty="0"/>
+            <a:pPr algn="ctr"/>
+            <a:r>
+              <a:rPr lang="en-US" sz="4000" dirty="0"/>
+              <a:t>How Do We Mitigate Turnover Cost?</a:t>
+            </a:r>
+            <a:endParaRPr lang="en-US"/>
+          </a:p>
+        </p:txBody>
+      </p:sp>
+      <p:sp>
+        <p:nvSpPr>
+          <p:cNvPr id="2" name="TextBox 1">
+            <a:extLst>
+              <a:ext uri="{FF2B5EF4-FFF2-40B4-BE49-F238E27FC236}">
+                <a16:creationId xmlns:a16="http://schemas.microsoft.com/office/drawing/2014/main" xmlns="" id="{7369C0BA-886B-41DF-BE53-C32D963020EA}"/>
+              </a:ext>
+            </a:extLst>
+          </p:cNvPr>
+          <p:cNvSpPr txBox="1"/>
+          <p:nvPr/>
+        </p:nvSpPr>
+        <p:spPr>
+          <a:xfrm>
+            <a:off x="344906" y="4195011"/>
+            <a:ext cx="8638672" cy="2585323"/>
+          </a:xfrm>
+          <a:prstGeom prst="rect">
+            <a:avLst/>
+          </a:prstGeom>
+          <a:noFill/>
+        </p:spPr>
+        <p:txBody>
+          <a:bodyPr rot="0" spcFirstLastPara="0" vertOverflow="overflow" horzOverflow="overflow" vert="horz" wrap="square" lIns="91440" tIns="45720" rIns="91440" bIns="45720" numCol="1" spcCol="0" rtlCol="0" fromWordArt="0" anchor="t" anchorCtr="0" forceAA="0" compatLnSpc="1">
+            <a:prstTxWarp prst="textNoShape">
+              <a:avLst/>
+            </a:prstTxWarp>
+            <a:spAutoFit/>
+          </a:bodyPr>
+          <a:lstStyle/>
+          <a:p>
+            <a:pPr marL="285750" indent="-285750">
+              <a:buFont typeface="Arial"/>
+              <a:buChar char="•"/>
+            </a:pPr>
+            <a:r>
+              <a:rPr lang="en-US">
+                <a:solidFill>
+                  <a:schemeClr val="accent1">
+                    <a:lumMod val="75000"/>
+                  </a:schemeClr>
+                </a:solidFill>
+              </a:rPr>
+              <a:t>CAP study reports average costs of employee replacement:</a:t>
+            </a:r>
+          </a:p>
+          <a:p>
+            <a:pPr lvl="1"/>
+            <a:r>
+              <a:rPr lang="en-US">
+                <a:solidFill>
+                  <a:schemeClr val="accent1">
+                    <a:lumMod val="75000"/>
+                  </a:schemeClr>
+                </a:solidFill>
+                <a:cs typeface="Calibri"/>
+              </a:rPr>
+              <a:t>- 16.1% of annual salary for entry-level positions (&lt;$30,000)</a:t>
+            </a:r>
+          </a:p>
+          <a:p>
+            <a:pPr lvl="1"/>
+            <a:r>
+              <a:rPr lang="en-US">
+                <a:solidFill>
+                  <a:schemeClr val="accent1">
+                    <a:lumMod val="75000"/>
+                  </a:schemeClr>
+                </a:solidFill>
+                <a:cs typeface="Calibri"/>
+              </a:rPr>
+              <a:t>- 19.7% of annual salary for mid-level positions ($30,000 - $50,000)</a:t>
+            </a:r>
+          </a:p>
+          <a:p>
+            <a:pPr lvl="1"/>
+            <a:r>
+              <a:rPr lang="en-US">
+                <a:solidFill>
+                  <a:schemeClr val="accent1">
+                    <a:lumMod val="75000"/>
+                  </a:schemeClr>
+                </a:solidFill>
+                <a:cs typeface="Calibri"/>
+              </a:rPr>
+              <a:t>- 20.4% of annual salary for mid to high level positions ($50,000 - $75,000)</a:t>
+            </a:r>
+          </a:p>
+          <a:p>
+            <a:pPr lvl="1"/>
+            <a:r>
+              <a:rPr lang="en-US">
+                <a:solidFill>
+                  <a:schemeClr val="accent1">
+                    <a:lumMod val="75000"/>
+                  </a:schemeClr>
+                </a:solidFill>
+                <a:cs typeface="Calibri"/>
+              </a:rPr>
+              <a:t>- Up to 213% of annual salary for highly paid senior or executive levels (&gt;$100,000)</a:t>
+            </a:r>
+          </a:p>
+          <a:p>
+            <a:pPr lvl="1"/>
+            <a:endParaRPr lang="en-US" dirty="0">
+              <a:solidFill>
+                <a:schemeClr val="accent1">
+                  <a:lumMod val="75000"/>
+                </a:schemeClr>
+              </a:solidFill>
+              <a:cs typeface="Calibri"/>
+            </a:endParaRPr>
+          </a:p>
+          <a:p>
+            <a:pPr marL="285750" indent="-285750">
+              <a:buFont typeface="Arial"/>
+              <a:buChar char="•"/>
+            </a:pPr>
+            <a:r>
+              <a:rPr lang="en-US">
+                <a:solidFill>
+                  <a:schemeClr val="accent1">
+                    <a:lumMod val="75000"/>
+                  </a:schemeClr>
+                </a:solidFill>
+                <a:cs typeface="Calibri"/>
+              </a:rPr>
+              <a:t>Based on these averages, turnover cost the company over $85,667,750</a:t>
+            </a:r>
+          </a:p>
+          <a:p>
+            <a:pPr lvl="1"/>
+            <a:r>
+              <a:rPr lang="en-US">
+                <a:solidFill>
+                  <a:schemeClr val="accent1">
+                    <a:lumMod val="75000"/>
+                  </a:schemeClr>
+                </a:solidFill>
+                <a:cs typeface="Calibri"/>
+              </a:rPr>
+              <a:t>- Data reported attrition in 77 entry-level, 62 mid-level, 60 mid to high level, and 38 executive level positions</a:t>
+            </a:r>
+            <a:endParaRPr lang="en-US" dirty="0">
+              <a:solidFill>
+                <a:schemeClr val="accent1">
+                  <a:lumMod val="75000"/>
+                </a:schemeClr>
+              </a:solidFill>
+              <a:cs typeface="Calibri"/>
+            </a:endParaRPr>
           </a:p>
         </p:txBody>
       </p:sp>
     </p:spTree>
     <p:extLst>
       <p:ext uri="{BB962C8B-B14F-4D97-AF65-F5344CB8AC3E}">
-        <p14:creationId xmlns:p14="http://schemas.microsoft.com/office/powerpoint/2010/main" val="3586970413"/>
+        <p14:creationId xmlns:p14="http://schemas.microsoft.com/office/powerpoint/2010/main" val="317623746"/>
       </p:ext>
     </p:extLst>
   </p:cSld>
@@ -4532,42 +10266,6 @@
       </p:grpSpPr>
       <p:sp>
         <p:nvSpPr>
-          <p:cNvPr id="4" name="Title 3"/>
-          <p:cNvSpPr>
-            <a:spLocks noGrp="1"/>
-          </p:cNvSpPr>
-          <p:nvPr>
-            <p:ph type="title"/>
-          </p:nvPr>
-        </p:nvSpPr>
-        <p:spPr>
-          <a:xfrm>
-            <a:off x="448965" y="222195"/>
-            <a:ext cx="8229600" cy="916230"/>
-          </a:xfrm>
-        </p:spPr>
-        <p:txBody>
-          <a:bodyPr>
-            <a:noAutofit/>
-          </a:bodyPr>
-          <a:lstStyle/>
-          <a:p>
-            <a:r>
-              <a:rPr lang="en-US" sz="6000" dirty="0" smtClean="0">
-                <a:latin typeface="Arial Rounded MT Bold"/>
-                <a:cs typeface="Arial Rounded MT Bold"/>
-              </a:rPr>
-              <a:t>Data Source</a:t>
-            </a:r>
-            <a:endParaRPr lang="en-US" sz="6000" dirty="0">
-              <a:latin typeface="Arial Rounded MT Bold"/>
-              <a:cs typeface="Arial Rounded MT Bold"/>
-            </a:endParaRPr>
-          </a:p>
-        </p:txBody>
-      </p:sp>
-      <p:sp>
-        <p:nvSpPr>
           <p:cNvPr id="5" name="Content Placeholder 4"/>
           <p:cNvSpPr>
             <a:spLocks noGrp="1"/>
@@ -4578,241 +10276,206 @@
         </p:nvSpPr>
         <p:spPr>
           <a:xfrm>
-            <a:off x="143556" y="1291130"/>
-            <a:ext cx="9000444" cy="4123035"/>
+            <a:off x="450810" y="1231155"/>
+            <a:ext cx="8458997" cy="5417853"/>
           </a:xfrm>
         </p:spPr>
         <p:txBody>
-          <a:bodyPr>
-            <a:normAutofit/>
+          <a:bodyPr vert="horz" lIns="91440" tIns="45720" rIns="91440" bIns="45720" rtlCol="0" anchor="t">
+            <a:normAutofit fontScale="92500" lnSpcReduction="20000"/>
           </a:bodyPr>
           <a:lstStyle/>
           <a:p>
-            <a:pPr marL="342900" indent="-342900">
-              <a:buFontTx/>
-              <a:buChar char="-"/>
+            <a:pPr marL="0" indent="0">
+              <a:buNone/>
             </a:pPr>
-            <a:r>
-              <a:rPr lang="en-US" dirty="0" err="1" smtClean="0"/>
-              <a:t>DDSAnalytics</a:t>
-            </a:r>
-            <a:r>
-              <a:rPr lang="en-US" dirty="0" smtClean="0"/>
-              <a:t> provided employee records for 1470 current/previous employees with 35 identifying features </a:t>
-            </a:r>
-            <a:r>
-              <a:rPr lang="en-US" baseline="30000" dirty="0" err="1" smtClean="0"/>
-              <a:t>Ϯ</a:t>
-            </a:r>
-            <a:endParaRPr lang="en-US" dirty="0" smtClean="0"/>
-          </a:p>
-          <a:p>
-            <a:pPr marL="800100" lvl="1" indent="-342900">
-              <a:lnSpc>
-                <a:spcPct val="120000"/>
-              </a:lnSpc>
-              <a:buFontTx/>
-              <a:buChar char="-"/>
+            <a:endParaRPr lang="en-US" dirty="0">
+              <a:solidFill>
+                <a:srgbClr val="FF0000"/>
+              </a:solidFill>
+              <a:cs typeface="Calibri"/>
+            </a:endParaRPr>
+          </a:p>
+          <a:p>
+            <a:r>
+              <a:rPr lang="en-US" dirty="0">
+                <a:cs typeface="Calibri"/>
+              </a:rPr>
+              <a:t>From our data:</a:t>
+            </a:r>
+            <a:endParaRPr lang="en-US" dirty="0"/>
+          </a:p>
+          <a:p>
+            <a:pPr lvl="1"/>
+            <a:r>
+              <a:rPr lang="en-US" sz="2400" dirty="0">
+                <a:cs typeface="Calibri"/>
+              </a:rPr>
+              <a:t>32.32% of turnover occurs when employees are working &lt; 1 year with current manager</a:t>
+            </a:r>
+          </a:p>
+          <a:p>
+            <a:pPr lvl="1"/>
+            <a:r>
+              <a:rPr lang="en-US" sz="2400" dirty="0">
+                <a:cs typeface="Calibri"/>
+              </a:rPr>
+              <a:t>96% of managers in the company are trained at least twice a year</a:t>
+            </a:r>
+            <a:endParaRPr lang="en-US" sz="2400" dirty="0"/>
+          </a:p>
+          <a:p>
+            <a:pPr lvl="2"/>
+            <a:r>
+              <a:rPr lang="en-US" sz="2000" dirty="0">
+                <a:solidFill>
+                  <a:schemeClr val="tx1"/>
+                </a:solidFill>
+                <a:cs typeface="Calibri"/>
+              </a:rPr>
+              <a:t>20.91% of employees with a new manager after working for the company for 1 year undergo attrition</a:t>
+            </a:r>
+          </a:p>
+          <a:p>
+            <a:pPr lvl="2"/>
+            <a:r>
+              <a:rPr lang="en-US" sz="2000">
+                <a:solidFill>
+                  <a:srgbClr val="FF0000"/>
+                </a:solidFill>
+                <a:cs typeface="Calibri"/>
+              </a:rPr>
+              <a:t>83.47% of employees are in the lower half of stock option benefits</a:t>
+            </a:r>
+            <a:endParaRPr lang="en-US" sz="2000" dirty="0">
+              <a:solidFill>
+                <a:srgbClr val="FF0000"/>
+              </a:solidFill>
+              <a:cs typeface="Calibri"/>
+            </a:endParaRPr>
+          </a:p>
+          <a:p>
+            <a:pPr lvl="2"/>
+            <a:endParaRPr lang="en-US" sz="2000" dirty="0"/>
+          </a:p>
+          <a:p>
+            <a:r>
+              <a:rPr lang="en-US" dirty="0"/>
+              <a:t>Improve competitive advantage</a:t>
+            </a:r>
+            <a:endParaRPr lang="en-US" dirty="0">
+              <a:cs typeface="Calibri"/>
+            </a:endParaRPr>
+          </a:p>
+          <a:p>
+            <a:pPr lvl="1"/>
+            <a:r>
+              <a:rPr lang="en-US" sz="2600"/>
+              <a:t>Limit voluntary turnover of high-performing Individuals</a:t>
+            </a:r>
+            <a:endParaRPr lang="en-US" sz="2100">
+              <a:cs typeface="Calibri"/>
+            </a:endParaRPr>
+          </a:p>
+          <a:p>
+            <a:pPr lvl="2"/>
+            <a:r>
+              <a:rPr lang="en-US" sz="2300" dirty="0">
+                <a:solidFill>
+                  <a:schemeClr val="tx1"/>
+                </a:solidFill>
+                <a:cs typeface="Calibri"/>
+              </a:rPr>
+              <a:t>401k match, health insurance, paid time off</a:t>
+            </a:r>
+          </a:p>
+          <a:p>
+            <a:pPr lvl="1"/>
+            <a:r>
+              <a:rPr lang="en-US" sz="2600">
+                <a:cs typeface="Calibri"/>
+              </a:rPr>
+              <a:t>Align hiring practices with company culture and vision</a:t>
+            </a:r>
+          </a:p>
+          <a:p>
+            <a:pPr lvl="1"/>
+            <a:r>
+              <a:rPr lang="en-US" sz="2600">
+                <a:cs typeface="Calibri"/>
+              </a:rPr>
+              <a:t>Set up new employeesd to succeed through onboarding processes</a:t>
+            </a:r>
+          </a:p>
+          <a:p>
+            <a:pPr lvl="1"/>
+            <a:r>
+              <a:rPr lang="en-US" sz="2600" dirty="0">
+                <a:cs typeface="Calibri"/>
+              </a:rPr>
+              <a:t>Equip managers with skills to successfully lead their teams</a:t>
+            </a:r>
+          </a:p>
+          <a:p>
+            <a:pPr lvl="2"/>
+            <a:endParaRPr lang="en-US" sz="2300" dirty="0">
+              <a:cs typeface="Calibri"/>
+            </a:endParaRPr>
+          </a:p>
+          <a:p>
+            <a:pPr marL="0" indent="0">
+              <a:buNone/>
             </a:pPr>
-            <a:r>
-              <a:rPr lang="en-US" dirty="0" smtClean="0"/>
-              <a:t>16% overall attrition rate</a:t>
-            </a:r>
-          </a:p>
-          <a:p>
-            <a:pPr marL="1257300" lvl="2" indent="-342900">
-              <a:lnSpc>
-                <a:spcPct val="120000"/>
-              </a:lnSpc>
-              <a:buFontTx/>
-              <a:buChar char="-"/>
-            </a:pPr>
-            <a:r>
-              <a:rPr lang="en-US" dirty="0" smtClean="0"/>
-              <a:t>17% Male vs. </a:t>
-            </a:r>
-            <a:r>
-              <a:rPr lang="en-US" dirty="0" smtClean="0"/>
-              <a:t>15% </a:t>
-            </a:r>
-            <a:r>
-              <a:rPr lang="en-US" dirty="0" smtClean="0"/>
-              <a:t>Female attrition</a:t>
-            </a:r>
-          </a:p>
-          <a:p>
-            <a:pPr marL="1257300" lvl="2" indent="-342900">
-              <a:lnSpc>
-                <a:spcPct val="120000"/>
-              </a:lnSpc>
-              <a:buFontTx/>
-              <a:buChar char="-"/>
-            </a:pPr>
-            <a:r>
-              <a:rPr lang="en-US" dirty="0" smtClean="0"/>
-              <a:t>Jobs with highest turnover: </a:t>
-            </a:r>
-            <a:br>
-              <a:rPr lang="en-US" dirty="0" smtClean="0"/>
-            </a:br>
-            <a:r>
-              <a:rPr lang="en-US" dirty="0" smtClean="0"/>
-              <a:t>Sales Representative(40%), </a:t>
-            </a:r>
-            <a:r>
-              <a:rPr lang="en-US" dirty="0" err="1"/>
-              <a:t>LabTechs</a:t>
-            </a:r>
-            <a:r>
-              <a:rPr lang="en-US" dirty="0"/>
-              <a:t> (24%</a:t>
-            </a:r>
-            <a:r>
-              <a:rPr lang="en-US" dirty="0" smtClean="0"/>
-              <a:t>), and </a:t>
-            </a:r>
-            <a:r>
-              <a:rPr lang="en-US" dirty="0"/>
-              <a:t>Human Resources (23</a:t>
-            </a:r>
-            <a:r>
-              <a:rPr lang="en-US" dirty="0" smtClean="0"/>
-              <a:t>%)</a:t>
-            </a:r>
-            <a:endParaRPr lang="en-US" dirty="0"/>
-          </a:p>
-          <a:p>
-            <a:pPr marL="1257300" lvl="2" indent="-342900">
-              <a:lnSpc>
-                <a:spcPct val="120000"/>
-              </a:lnSpc>
-              <a:buFontTx/>
-              <a:buChar char="-"/>
-            </a:pPr>
-            <a:r>
-              <a:rPr lang="en-US" dirty="0" smtClean="0"/>
-              <a:t>Highest attrition is 18-20 </a:t>
-            </a:r>
-            <a:r>
-              <a:rPr lang="en-US" dirty="0" err="1" smtClean="0"/>
-              <a:t>yr</a:t>
-            </a:r>
-            <a:r>
-              <a:rPr lang="en-US" dirty="0" smtClean="0"/>
-              <a:t>-old (57%) and 21-30 </a:t>
-            </a:r>
-            <a:r>
-              <a:rPr lang="en-US" dirty="0" err="1" smtClean="0"/>
-              <a:t>yr</a:t>
-            </a:r>
-            <a:r>
-              <a:rPr lang="en-US" dirty="0" smtClean="0"/>
-              <a:t> old (26%)</a:t>
-            </a:r>
-          </a:p>
-          <a:p>
-            <a:pPr marL="800100" lvl="1" indent="-342900">
-              <a:lnSpc>
-                <a:spcPct val="120000"/>
-              </a:lnSpc>
-              <a:buFontTx/>
-              <a:buChar char="-"/>
-            </a:pPr>
-            <a:r>
-              <a:rPr lang="en-US" dirty="0" smtClean="0"/>
-              <a:t>Nine job categories that fall within three departments</a:t>
-            </a:r>
-          </a:p>
-          <a:p>
-            <a:r>
-              <a:rPr lang="en-US" dirty="0"/>
-              <a:t>	</a:t>
-            </a:r>
-            <a:endParaRPr lang="en-US" dirty="0" smtClean="0"/>
-          </a:p>
-        </p:txBody>
-      </p:sp>
-      <p:sp>
-        <p:nvSpPr>
-          <p:cNvPr id="2" name="Rectangle 1"/>
-          <p:cNvSpPr/>
+            <a:endParaRPr lang="en-US" dirty="0">
+              <a:cs typeface="Calibri"/>
+            </a:endParaRPr>
+          </a:p>
+        </p:txBody>
+      </p:sp>
+      <p:sp>
+        <p:nvSpPr>
+          <p:cNvPr id="4" name="TextBox 3">
+            <a:extLst>
+              <a:ext uri="{FF2B5EF4-FFF2-40B4-BE49-F238E27FC236}">
+                <a16:creationId xmlns:a16="http://schemas.microsoft.com/office/drawing/2014/main" xmlns="" id="{25643C26-B664-4441-8FFA-6E923C378C68}"/>
+              </a:ext>
+            </a:extLst>
+          </p:cNvPr>
+          <p:cNvSpPr txBox="1"/>
           <p:nvPr/>
         </p:nvSpPr>
         <p:spPr>
           <a:xfrm>
-            <a:off x="1365195" y="5566870"/>
-            <a:ext cx="4581150" cy="369332"/>
+            <a:off x="770021" y="296779"/>
+            <a:ext cx="7932821" cy="707886"/>
           </a:xfrm>
           <a:prstGeom prst="rect">
             <a:avLst/>
           </a:prstGeom>
+          <a:noFill/>
         </p:spPr>
         <p:txBody>
-          <a:bodyPr wrap="square">
+          <a:bodyPr rot="0" spcFirstLastPara="0" vertOverflow="overflow" horzOverflow="overflow" vert="horz" wrap="square" lIns="91440" tIns="45720" rIns="91440" bIns="45720" numCol="1" spcCol="0" rtlCol="0" fromWordArt="0" anchor="t" anchorCtr="0" forceAA="0" compatLnSpc="1">
+            <a:prstTxWarp prst="textNoShape">
+              <a:avLst/>
+            </a:prstTxWarp>
             <a:spAutoFit/>
           </a:bodyPr>
           <a:lstStyle/>
           <a:p>
-            <a:r>
-              <a:rPr lang="en-US" dirty="0" smtClean="0">
-                <a:solidFill>
-                  <a:srgbClr val="FF0000"/>
-                </a:solidFill>
-              </a:rPr>
-              <a:t>&lt;&lt;quick overview of industry&gt;&gt; &lt;&lt;Amy&gt;&gt; </a:t>
-            </a:r>
-            <a:endParaRPr lang="en-US" dirty="0">
-              <a:solidFill>
-                <a:srgbClr val="FF0000"/>
-              </a:solidFill>
-            </a:endParaRPr>
-          </a:p>
-        </p:txBody>
-      </p:sp>
-      <p:sp>
-        <p:nvSpPr>
-          <p:cNvPr id="7" name="TextBox 6"/>
-          <p:cNvSpPr txBox="1"/>
-          <p:nvPr/>
-        </p:nvSpPr>
-        <p:spPr>
-          <a:xfrm>
-            <a:off x="7750587" y="6568481"/>
-            <a:ext cx="1402563" cy="276999"/>
-          </a:xfrm>
-          <a:prstGeom prst="rect">
-            <a:avLst/>
-          </a:prstGeom>
-          <a:solidFill>
-            <a:schemeClr val="bg1"/>
-          </a:solidFill>
-        </p:spPr>
-        <p:txBody>
-          <a:bodyPr wrap="none" rtlCol="0">
-            <a:spAutoFit/>
-          </a:bodyPr>
-          <a:lstStyle/>
-          <a:p>
-            <a:r>
-              <a:rPr lang="en-US" sz="1200" baseline="30000" dirty="0" smtClean="0"/>
-              <a:t>Ϯ</a:t>
-            </a:r>
-            <a:r>
-              <a:rPr lang="en-US" sz="1200" dirty="0" smtClean="0"/>
-              <a:t>2019 </a:t>
-            </a:r>
-            <a:r>
-              <a:rPr lang="en-US" sz="1200" dirty="0" err="1" smtClean="0"/>
-              <a:t>DDSAnalytics</a:t>
-            </a:r>
-            <a:endParaRPr lang="en-US" sz="1200" dirty="0"/>
+            <a:pPr algn="ctr"/>
+            <a:r>
+              <a:rPr lang="en-US" sz="4000" dirty="0" smtClean="0"/>
+              <a:t>Objectives</a:t>
+            </a:r>
+            <a:endParaRPr lang="en-US" sz="4000" dirty="0"/>
           </a:p>
         </p:txBody>
       </p:sp>
     </p:spTree>
     <p:extLst>
       <p:ext uri="{BB962C8B-B14F-4D97-AF65-F5344CB8AC3E}">
-        <p14:creationId xmlns:p14="http://schemas.microsoft.com/office/powerpoint/2010/main" val="913591413"/>
+        <p14:creationId xmlns:p14="http://schemas.microsoft.com/office/powerpoint/2010/main" val="1782311559"/>
       </p:ext>
     </p:extLst>
   </p:cSld>
@@ -4839,6 +10502,394 @@
           <a:chExt cx="0" cy="0"/>
         </a:xfrm>
       </p:grpSpPr>
+      <p:pic>
+        <p:nvPicPr>
+          <p:cNvPr id="2" name="Picture 2" descr="A close up of text on a black background&#10;&#10;Description generated with high confidence">
+            <a:extLst>
+              <a:ext uri="{FF2B5EF4-FFF2-40B4-BE49-F238E27FC236}">
+                <a16:creationId xmlns:a16="http://schemas.microsoft.com/office/drawing/2014/main" xmlns="" id="{8D16B65E-B7B9-4B27-97C4-85C52748C5C4}"/>
+              </a:ext>
+            </a:extLst>
+          </p:cNvPr>
+          <p:cNvPicPr>
+            <a:picLocks noChangeAspect="1"/>
+          </p:cNvPicPr>
+          <p:nvPr/>
+        </p:nvPicPr>
+        <p:blipFill>
+          <a:blip r:embed="rId3"/>
+          <a:stretch>
+            <a:fillRect/>
+          </a:stretch>
+        </p:blipFill>
+        <p:spPr>
+          <a:xfrm>
+            <a:off x="537410" y="1351428"/>
+            <a:ext cx="8470231" cy="4925166"/>
+          </a:xfrm>
+          <a:prstGeom prst="rect">
+            <a:avLst/>
+          </a:prstGeom>
+        </p:spPr>
+      </p:pic>
+    </p:spTree>
+    <p:extLst>
+      <p:ext uri="{BB962C8B-B14F-4D97-AF65-F5344CB8AC3E}">
+        <p14:creationId xmlns:p14="http://schemas.microsoft.com/office/powerpoint/2010/main" val="1311447265"/>
+      </p:ext>
+    </p:extLst>
+  </p:cSld>
+  <p:clrMapOvr>
+    <a:masterClrMapping/>
+  </p:clrMapOvr>
+</p:sld>
+</file>
+
+<file path=ppt/slides/slide6.xml><?xml version="1.0" encoding="utf-8"?>
+<p:sld xmlns:a="http://schemas.openxmlformats.org/drawingml/2006/main" xmlns:r="http://schemas.openxmlformats.org/officeDocument/2006/relationships" xmlns:p="http://schemas.openxmlformats.org/presentationml/2006/main">
+  <p:cSld>
+    <p:spTree>
+      <p:nvGrpSpPr>
+        <p:cNvPr id="1" name=""/>
+        <p:cNvGrpSpPr/>
+        <p:nvPr/>
+      </p:nvGrpSpPr>
+      <p:grpSpPr>
+        <a:xfrm>
+          <a:off x="0" y="0"/>
+          <a:ext cx="0" cy="0"/>
+          <a:chOff x="0" y="0"/>
+          <a:chExt cx="0" cy="0"/>
+        </a:xfrm>
+      </p:grpSpPr>
+      <p:pic>
+        <p:nvPicPr>
+          <p:cNvPr id="2" name="Picture 2" descr="A close up of text on a white background&#10;&#10;Description generated with high confidence">
+            <a:extLst>
+              <a:ext uri="{FF2B5EF4-FFF2-40B4-BE49-F238E27FC236}">
+                <a16:creationId xmlns:a16="http://schemas.microsoft.com/office/drawing/2014/main" xmlns="" id="{19436EB7-EF2B-4C72-84A6-87E60CC3D502}"/>
+              </a:ext>
+            </a:extLst>
+          </p:cNvPr>
+          <p:cNvPicPr>
+            <a:picLocks noChangeAspect="1"/>
+          </p:cNvPicPr>
+          <p:nvPr/>
+        </p:nvPicPr>
+        <p:blipFill>
+          <a:blip r:embed="rId3"/>
+          <a:stretch>
+            <a:fillRect/>
+          </a:stretch>
+        </p:blipFill>
+        <p:spPr>
+          <a:xfrm>
+            <a:off x="2128720" y="1138425"/>
+            <a:ext cx="5359746" cy="2961160"/>
+          </a:xfrm>
+          <a:prstGeom prst="rect">
+            <a:avLst/>
+          </a:prstGeom>
+        </p:spPr>
+      </p:pic>
+      <p:sp>
+        <p:nvSpPr>
+          <p:cNvPr id="3" name="TextBox 2">
+            <a:extLst>
+              <a:ext uri="{FF2B5EF4-FFF2-40B4-BE49-F238E27FC236}">
+                <a16:creationId xmlns:a16="http://schemas.microsoft.com/office/drawing/2014/main" xmlns="" id="{88A4D58E-77C7-4954-9FE1-FEFB02FD25EF}"/>
+              </a:ext>
+            </a:extLst>
+          </p:cNvPr>
+          <p:cNvSpPr txBox="1"/>
+          <p:nvPr/>
+        </p:nvSpPr>
+        <p:spPr>
+          <a:xfrm>
+            <a:off x="256675" y="240632"/>
+            <a:ext cx="8831178" cy="707886"/>
+          </a:xfrm>
+          <a:prstGeom prst="rect">
+            <a:avLst/>
+          </a:prstGeom>
+          <a:noFill/>
+        </p:spPr>
+        <p:txBody>
+          <a:bodyPr rot="0" spcFirstLastPara="0" vertOverflow="overflow" horzOverflow="overflow" vert="horz" wrap="square" lIns="91440" tIns="45720" rIns="91440" bIns="45720" numCol="1" spcCol="0" rtlCol="0" fromWordArt="0" anchor="t" anchorCtr="0" forceAA="0" compatLnSpc="1">
+            <a:prstTxWarp prst="textNoShape">
+              <a:avLst/>
+            </a:prstTxWarp>
+            <a:spAutoFit/>
+          </a:bodyPr>
+          <a:lstStyle/>
+          <a:p>
+            <a:pPr algn="ctr"/>
+            <a:r>
+              <a:rPr lang="en-US" sz="4000"/>
+              <a:t>Reduce Attrition Within Our Own Ranks</a:t>
+            </a:r>
+          </a:p>
+        </p:txBody>
+      </p:sp>
+      <p:sp>
+        <p:nvSpPr>
+          <p:cNvPr id="4" name="TextBox 3">
+            <a:extLst>
+              <a:ext uri="{FF2B5EF4-FFF2-40B4-BE49-F238E27FC236}">
+                <a16:creationId xmlns:a16="http://schemas.microsoft.com/office/drawing/2014/main" xmlns="" id="{5A13CDDF-02C2-4ACC-8EE9-698E455696C0}"/>
+              </a:ext>
+            </a:extLst>
+          </p:cNvPr>
+          <p:cNvSpPr txBox="1"/>
+          <p:nvPr/>
+        </p:nvSpPr>
+        <p:spPr>
+          <a:xfrm>
+            <a:off x="405064" y="4144625"/>
+            <a:ext cx="8534400" cy="2739211"/>
+          </a:xfrm>
+          <a:prstGeom prst="rect">
+            <a:avLst/>
+          </a:prstGeom>
+          <a:noFill/>
+        </p:spPr>
+        <p:txBody>
+          <a:bodyPr rot="0" spcFirstLastPara="0" vertOverflow="overflow" horzOverflow="overflow" vert="horz" wrap="square" lIns="91440" tIns="45720" rIns="91440" bIns="45720" numCol="1" spcCol="0" rtlCol="0" fromWordArt="0" anchor="t" anchorCtr="0" forceAA="0" compatLnSpc="1">
+            <a:prstTxWarp prst="textNoShape">
+              <a:avLst/>
+            </a:prstTxWarp>
+            <a:spAutoFit/>
+          </a:bodyPr>
+          <a:lstStyle/>
+          <a:p>
+            <a:pPr marL="342900" indent="-342900">
+              <a:buAutoNum type="arabicPeriod"/>
+            </a:pPr>
+            <a:r>
+              <a:rPr lang="en-US" dirty="0">
+                <a:solidFill>
+                  <a:schemeClr val="accent1">
+                    <a:lumMod val="75000"/>
+                  </a:schemeClr>
+                </a:solidFill>
+                <a:cs typeface="Calibri"/>
+              </a:rPr>
+              <a:t>Collect Frequent Feedback</a:t>
+            </a:r>
+            <a:endParaRPr lang="en-US" dirty="0">
+              <a:solidFill>
+                <a:schemeClr val="accent1">
+                  <a:lumMod val="75000"/>
+                </a:schemeClr>
+              </a:solidFill>
+            </a:endParaRPr>
+          </a:p>
+          <a:p>
+            <a:pPr marL="800100" lvl="1" indent="-342900">
+              <a:buFont typeface="Arial"/>
+              <a:buChar char="•"/>
+            </a:pPr>
+            <a:r>
+              <a:rPr lang="en-US" sz="1600" dirty="0">
+                <a:solidFill>
+                  <a:srgbClr val="FF0000"/>
+                </a:solidFill>
+                <a:cs typeface="Calibri"/>
+              </a:rPr>
+              <a:t>50% of Sales Reps, 32% of Lab Techs, and 63% of HR are being underpaid</a:t>
+            </a:r>
+          </a:p>
+          <a:p>
+            <a:pPr marL="342900" indent="-342900">
+              <a:buAutoNum type="arabicPeriod"/>
+            </a:pPr>
+            <a:r>
+              <a:rPr lang="en-US" dirty="0">
+                <a:solidFill>
+                  <a:schemeClr val="accent1">
+                    <a:lumMod val="75000"/>
+                  </a:schemeClr>
+                </a:solidFill>
+                <a:cs typeface="Calibri"/>
+              </a:rPr>
+              <a:t>Opportunity for Growth</a:t>
+            </a:r>
+          </a:p>
+          <a:p>
+            <a:pPr marL="800100" lvl="1" indent="-342900">
+              <a:buFont typeface="Arial"/>
+              <a:buChar char="•"/>
+            </a:pPr>
+            <a:r>
+              <a:rPr lang="en-US" sz="1600" dirty="0">
+                <a:solidFill>
+                  <a:srgbClr val="00B050"/>
+                </a:solidFill>
+                <a:cs typeface="Calibri"/>
+              </a:rPr>
+              <a:t>Majority of Employees receive promotions within 1 year</a:t>
+            </a:r>
+          </a:p>
+          <a:p>
+            <a:pPr marL="342900" indent="-342900">
+              <a:buAutoNum type="arabicPeriod"/>
+            </a:pPr>
+            <a:r>
+              <a:rPr lang="en-US" dirty="0">
+                <a:solidFill>
+                  <a:schemeClr val="accent1">
+                    <a:lumMod val="75000"/>
+                  </a:schemeClr>
+                </a:solidFill>
+                <a:cs typeface="Calibri"/>
+              </a:rPr>
+              <a:t>Skill Development &amp; Training</a:t>
+            </a:r>
+          </a:p>
+          <a:p>
+            <a:pPr marL="800100" lvl="1" indent="-342900">
+              <a:buFont typeface="Arial"/>
+              <a:buChar char="•"/>
+            </a:pPr>
+            <a:r>
+              <a:rPr lang="en-US" sz="1600" dirty="0">
+                <a:solidFill>
+                  <a:srgbClr val="00B050"/>
+                </a:solidFill>
+                <a:cs typeface="Calibri"/>
+              </a:rPr>
+              <a:t>Majority of Employees have 2-3 trainings a year</a:t>
+            </a:r>
+          </a:p>
+          <a:p>
+            <a:pPr marL="342900" indent="-342900">
+              <a:buAutoNum type="arabicPeriod"/>
+            </a:pPr>
+            <a:r>
+              <a:rPr lang="en-US" dirty="0">
+                <a:solidFill>
+                  <a:schemeClr val="accent1">
+                    <a:lumMod val="75000"/>
+                  </a:schemeClr>
+                </a:solidFill>
+                <a:cs typeface="Calibri"/>
+              </a:rPr>
+              <a:t>Recognize Exemplary Employees</a:t>
+            </a:r>
+          </a:p>
+          <a:p>
+            <a:pPr marL="800100" lvl="1" indent="-342900">
+              <a:buFont typeface="Arial"/>
+              <a:buChar char="•"/>
+            </a:pPr>
+            <a:r>
+              <a:rPr lang="en-US" sz="1600" dirty="0">
+                <a:solidFill>
+                  <a:srgbClr val="FF0000"/>
+                </a:solidFill>
+                <a:cs typeface="Calibri"/>
+              </a:rPr>
+              <a:t>All employees are rated either excellent or outstanding in performance</a:t>
+            </a:r>
+            <a:endParaRPr lang="en-US" sz="1600" dirty="0">
+              <a:cs typeface="Calibri"/>
+            </a:endParaRPr>
+          </a:p>
+          <a:p>
+            <a:pPr marL="342900" indent="-342900">
+              <a:buAutoNum type="arabicPeriod"/>
+            </a:pPr>
+            <a:r>
+              <a:rPr lang="en-US" dirty="0">
+                <a:solidFill>
+                  <a:schemeClr val="accent1">
+                    <a:lumMod val="75000"/>
+                  </a:schemeClr>
+                </a:solidFill>
+                <a:cs typeface="Calibri"/>
+              </a:rPr>
+              <a:t>Company Brand</a:t>
+            </a:r>
+          </a:p>
+          <a:p>
+            <a:pPr marL="800100" lvl="1" indent="-342900">
+              <a:buFont typeface="Arial"/>
+              <a:buChar char="•"/>
+            </a:pPr>
+            <a:r>
+              <a:rPr lang="en-US" sz="1600" dirty="0">
+                <a:solidFill>
+                  <a:srgbClr val="FF0000"/>
+                </a:solidFill>
+                <a:cs typeface="Calibri"/>
+              </a:rPr>
+              <a:t>38.71% low-medium job satisfaction (19.66% low &amp; 19.05% medium)</a:t>
+            </a:r>
+          </a:p>
+        </p:txBody>
+      </p:sp>
+    </p:spTree>
+    <p:extLst>
+      <p:ext uri="{BB962C8B-B14F-4D97-AF65-F5344CB8AC3E}">
+        <p14:creationId xmlns:p14="http://schemas.microsoft.com/office/powerpoint/2010/main" val="648119620"/>
+      </p:ext>
+    </p:extLst>
+  </p:cSld>
+  <p:clrMapOvr>
+    <a:masterClrMapping/>
+  </p:clrMapOvr>
+</p:sld>
+</file>
+
+<file path=ppt/slides/slide7.xml><?xml version="1.0" encoding="utf-8"?>
+<p:sld xmlns:a="http://schemas.openxmlformats.org/drawingml/2006/main" xmlns:r="http://schemas.openxmlformats.org/officeDocument/2006/relationships" xmlns:p="http://schemas.openxmlformats.org/presentationml/2006/main">
+  <p:cSld>
+    <p:spTree>
+      <p:nvGrpSpPr>
+        <p:cNvPr id="1" name=""/>
+        <p:cNvGrpSpPr/>
+        <p:nvPr/>
+      </p:nvGrpSpPr>
+      <p:grpSpPr>
+        <a:xfrm>
+          <a:off x="0" y="0"/>
+          <a:ext cx="0" cy="0"/>
+          <a:chOff x="0" y="0"/>
+          <a:chExt cx="0" cy="0"/>
+        </a:xfrm>
+      </p:grpSpPr>
+      <p:sp>
+        <p:nvSpPr>
+          <p:cNvPr id="4" name="Title 3"/>
+          <p:cNvSpPr>
+            <a:spLocks noGrp="1"/>
+          </p:cNvSpPr>
+          <p:nvPr>
+            <p:ph type="title"/>
+          </p:nvPr>
+        </p:nvSpPr>
+        <p:spPr>
+          <a:xfrm>
+            <a:off x="448965" y="222195"/>
+            <a:ext cx="8229600" cy="916230"/>
+          </a:xfrm>
+        </p:spPr>
+        <p:txBody>
+          <a:bodyPr>
+            <a:noAutofit/>
+          </a:bodyPr>
+          <a:lstStyle/>
+          <a:p>
+            <a:r>
+              <a:rPr lang="en-US" sz="6000" dirty="0">
+                <a:latin typeface="Arial Rounded MT Bold"/>
+                <a:cs typeface="Arial Rounded MT Bold"/>
+              </a:rPr>
+              <a:t>Data Source</a:t>
+            </a:r>
+          </a:p>
+        </p:txBody>
+      </p:sp>
       <p:sp>
         <p:nvSpPr>
           <p:cNvPr id="5" name="Content Placeholder 4"/>
@@ -4851,6 +10902,389 @@
         </p:nvSpPr>
         <p:spPr>
           <a:xfrm>
+            <a:off x="143556" y="1291130"/>
+            <a:ext cx="9000444" cy="4123035"/>
+          </a:xfrm>
+        </p:spPr>
+        <p:txBody>
+          <a:bodyPr>
+            <a:normAutofit/>
+          </a:bodyPr>
+          <a:lstStyle/>
+          <a:p>
+            <a:pPr marL="342900" indent="-342900">
+              <a:buFontTx/>
+              <a:buChar char="-"/>
+            </a:pPr>
+            <a:r>
+              <a:rPr lang="en-US" dirty="0" err="1"/>
+              <a:t>DDSAnalytics</a:t>
+            </a:r>
+            <a:r>
+              <a:rPr lang="en-US" dirty="0"/>
+              <a:t> provided employee records for 1470 current/previous employees with 35 identifying features </a:t>
+            </a:r>
+            <a:r>
+              <a:rPr lang="en-US" baseline="30000" dirty="0" err="1"/>
+              <a:t>Ϯ</a:t>
+            </a:r>
+            <a:endParaRPr lang="en-US" dirty="0"/>
+          </a:p>
+          <a:p>
+            <a:pPr marL="800100" lvl="1" indent="-342900">
+              <a:lnSpc>
+                <a:spcPct val="120000"/>
+              </a:lnSpc>
+              <a:buFontTx/>
+              <a:buChar char="-"/>
+            </a:pPr>
+            <a:r>
+              <a:rPr lang="en-US" dirty="0"/>
+              <a:t>16% overall attrition rate</a:t>
+            </a:r>
+          </a:p>
+          <a:p>
+            <a:pPr marL="1257300" lvl="2" indent="-342900">
+              <a:lnSpc>
+                <a:spcPct val="120000"/>
+              </a:lnSpc>
+              <a:buFontTx/>
+              <a:buChar char="-"/>
+            </a:pPr>
+            <a:r>
+              <a:rPr lang="en-US" dirty="0"/>
+              <a:t>17% Male vs. 15% Female attrition</a:t>
+            </a:r>
+          </a:p>
+          <a:p>
+            <a:pPr marL="1257300" lvl="2" indent="-342900">
+              <a:lnSpc>
+                <a:spcPct val="120000"/>
+              </a:lnSpc>
+              <a:buFontTx/>
+              <a:buChar char="-"/>
+            </a:pPr>
+            <a:r>
+              <a:rPr lang="en-US" dirty="0"/>
+              <a:t>Jobs with highest turnover: </a:t>
+            </a:r>
+            <a:br>
+              <a:rPr lang="en-US" dirty="0"/>
+            </a:br>
+            <a:r>
+              <a:rPr lang="en-US" dirty="0"/>
+              <a:t>Sales Representative(40%), </a:t>
+            </a:r>
+            <a:r>
+              <a:rPr lang="en-US" dirty="0" err="1"/>
+              <a:t>LabTechs</a:t>
+            </a:r>
+            <a:r>
+              <a:rPr lang="en-US" dirty="0"/>
+              <a:t> (24%), and Human Resources (23%)</a:t>
+            </a:r>
+          </a:p>
+          <a:p>
+            <a:pPr marL="1257300" lvl="2" indent="-342900">
+              <a:lnSpc>
+                <a:spcPct val="120000"/>
+              </a:lnSpc>
+              <a:buFontTx/>
+              <a:buChar char="-"/>
+            </a:pPr>
+            <a:r>
+              <a:rPr lang="en-US" dirty="0"/>
+              <a:t>Highest attrition is 18-20 </a:t>
+            </a:r>
+            <a:r>
+              <a:rPr lang="en-US" dirty="0" err="1"/>
+              <a:t>yr</a:t>
+            </a:r>
+            <a:r>
+              <a:rPr lang="en-US" dirty="0"/>
+              <a:t>-old (57%) and 21-30 </a:t>
+            </a:r>
+            <a:r>
+              <a:rPr lang="en-US" dirty="0" err="1"/>
+              <a:t>yr</a:t>
+            </a:r>
+            <a:r>
+              <a:rPr lang="en-US" dirty="0"/>
+              <a:t> old (26%)</a:t>
+            </a:r>
+          </a:p>
+          <a:p>
+            <a:pPr marL="800100" lvl="1" indent="-342900">
+              <a:lnSpc>
+                <a:spcPct val="120000"/>
+              </a:lnSpc>
+              <a:buFontTx/>
+              <a:buChar char="-"/>
+            </a:pPr>
+            <a:r>
+              <a:rPr lang="en-US" dirty="0"/>
+              <a:t>Nine job categories that fall within three departments</a:t>
+            </a:r>
+          </a:p>
+          <a:p>
+            <a:r>
+              <a:rPr lang="en-US" dirty="0"/>
+              <a:t>	</a:t>
+            </a:r>
+          </a:p>
+        </p:txBody>
+      </p:sp>
+      <p:sp>
+        <p:nvSpPr>
+          <p:cNvPr id="2" name="Rectangle 1"/>
+          <p:cNvSpPr/>
+          <p:nvPr/>
+        </p:nvSpPr>
+        <p:spPr>
+          <a:xfrm>
+            <a:off x="1365195" y="5566870"/>
+            <a:ext cx="4581150" cy="369332"/>
+          </a:xfrm>
+          <a:prstGeom prst="rect">
+            <a:avLst/>
+          </a:prstGeom>
+        </p:spPr>
+        <p:txBody>
+          <a:bodyPr wrap="square">
+            <a:spAutoFit/>
+          </a:bodyPr>
+          <a:lstStyle/>
+          <a:p>
+            <a:r>
+              <a:rPr lang="en-US" dirty="0">
+                <a:solidFill>
+                  <a:srgbClr val="FF0000"/>
+                </a:solidFill>
+              </a:rPr>
+              <a:t>&lt;&lt;quick overview of industry&gt;&gt; &lt;&lt;Amy&gt;&gt; </a:t>
+            </a:r>
+          </a:p>
+        </p:txBody>
+      </p:sp>
+      <p:sp>
+        <p:nvSpPr>
+          <p:cNvPr id="7" name="TextBox 6"/>
+          <p:cNvSpPr txBox="1"/>
+          <p:nvPr/>
+        </p:nvSpPr>
+        <p:spPr>
+          <a:xfrm>
+            <a:off x="7750587" y="6568481"/>
+            <a:ext cx="1402563" cy="276999"/>
+          </a:xfrm>
+          <a:prstGeom prst="rect">
+            <a:avLst/>
+          </a:prstGeom>
+          <a:solidFill>
+            <a:schemeClr val="bg1"/>
+          </a:solidFill>
+        </p:spPr>
+        <p:txBody>
+          <a:bodyPr wrap="none" rtlCol="0">
+            <a:spAutoFit/>
+          </a:bodyPr>
+          <a:lstStyle/>
+          <a:p>
+            <a:r>
+              <a:rPr lang="en-US" sz="1200" baseline="30000" dirty="0"/>
+              <a:t>Ϯ</a:t>
+            </a:r>
+            <a:r>
+              <a:rPr lang="en-US" sz="1200" dirty="0"/>
+              <a:t>2019 </a:t>
+            </a:r>
+            <a:r>
+              <a:rPr lang="en-US" sz="1200" dirty="0" err="1"/>
+              <a:t>DDSAnalytics</a:t>
+            </a:r>
+            <a:endParaRPr lang="en-US" sz="1200" dirty="0"/>
+          </a:p>
+        </p:txBody>
+      </p:sp>
+    </p:spTree>
+    <p:extLst>
+      <p:ext uri="{BB962C8B-B14F-4D97-AF65-F5344CB8AC3E}">
+        <p14:creationId xmlns:p14="http://schemas.microsoft.com/office/powerpoint/2010/main" val="913591413"/>
+      </p:ext>
+    </p:extLst>
+  </p:cSld>
+  <p:clrMapOvr>
+    <a:masterClrMapping/>
+  </p:clrMapOvr>
+</p:sld>
+</file>
+
+<file path=ppt/slides/slide8.xml><?xml version="1.0" encoding="utf-8"?>
+<p:sld xmlns:a="http://schemas.openxmlformats.org/drawingml/2006/main" xmlns:r="http://schemas.openxmlformats.org/officeDocument/2006/relationships" xmlns:p="http://schemas.openxmlformats.org/presentationml/2006/main">
+  <p:cSld>
+    <p:spTree>
+      <p:nvGrpSpPr>
+        <p:cNvPr id="1" name=""/>
+        <p:cNvGrpSpPr/>
+        <p:nvPr/>
+      </p:nvGrpSpPr>
+      <p:grpSpPr>
+        <a:xfrm>
+          <a:off x="0" y="0"/>
+          <a:ext cx="0" cy="0"/>
+          <a:chOff x="0" y="0"/>
+          <a:chExt cx="0" cy="0"/>
+        </a:xfrm>
+      </p:grpSpPr>
+      <p:sp>
+        <p:nvSpPr>
+          <p:cNvPr id="5" name="Content Placeholder 4"/>
+          <p:cNvSpPr>
+            <a:spLocks noGrp="1"/>
+          </p:cNvSpPr>
+          <p:nvPr>
+            <p:ph idx="1"/>
+          </p:nvPr>
+        </p:nvSpPr>
+        <p:spPr>
+          <a:xfrm>
+            <a:off x="0" y="1291131"/>
+            <a:ext cx="9144000" cy="4123034"/>
+          </a:xfrm>
+        </p:spPr>
+        <p:txBody>
+          <a:bodyPr>
+            <a:normAutofit fontScale="92500" lnSpcReduction="10000"/>
+          </a:bodyPr>
+          <a:lstStyle/>
+          <a:p>
+            <a:r>
+              <a:rPr lang="en-US" dirty="0"/>
+              <a:t>Increase market share</a:t>
+            </a:r>
+          </a:p>
+          <a:p>
+            <a:pPr lvl="1"/>
+            <a:r>
+              <a:rPr lang="en-US" dirty="0"/>
+              <a:t>Become known as industry leader</a:t>
+            </a:r>
+          </a:p>
+          <a:p>
+            <a:r>
+              <a:rPr lang="en-US" dirty="0"/>
+              <a:t>Talent retention and acquisition are top employer concerns</a:t>
+            </a:r>
+          </a:p>
+          <a:p>
+            <a:pPr lvl="1"/>
+            <a:r>
+              <a:rPr lang="en-US" dirty="0"/>
+              <a:t>78% of organizations are concerned with talent retention, 73% with talent attraction </a:t>
+            </a:r>
+          </a:p>
+          <a:p>
+            <a:r>
+              <a:rPr lang="en-US" dirty="0"/>
+              <a:t>Data analysis can improve competitive advantage</a:t>
+            </a:r>
+          </a:p>
+          <a:p>
+            <a:pPr lvl="1"/>
+            <a:r>
+              <a:rPr lang="en-US" dirty="0"/>
+              <a:t>Objective identification of actual attrition rates/causes</a:t>
+            </a:r>
+          </a:p>
+          <a:p>
+            <a:r>
+              <a:rPr lang="en-US" dirty="0"/>
+              <a:t>Data analysis reduces waste</a:t>
+            </a:r>
+          </a:p>
+          <a:p>
+            <a:pPr lvl="1"/>
+            <a:r>
+              <a:rPr lang="en-US" dirty="0"/>
+              <a:t>Solutions can be focused on areas guaranteed to get results</a:t>
+            </a:r>
+          </a:p>
+        </p:txBody>
+      </p:sp>
+      <p:sp>
+        <p:nvSpPr>
+          <p:cNvPr id="3" name="TextBox 2"/>
+          <p:cNvSpPr txBox="1"/>
+          <p:nvPr/>
+        </p:nvSpPr>
+        <p:spPr>
+          <a:xfrm>
+            <a:off x="125772" y="6024985"/>
+            <a:ext cx="9018228" cy="1015663"/>
+          </a:xfrm>
+          <a:prstGeom prst="rect">
+            <a:avLst/>
+          </a:prstGeom>
+          <a:noFill/>
+        </p:spPr>
+        <p:txBody>
+          <a:bodyPr wrap="square" rtlCol="0">
+            <a:spAutoFit/>
+          </a:bodyPr>
+          <a:lstStyle/>
+          <a:p>
+            <a:r>
+              <a:rPr lang="en-US" sz="1400" dirty="0"/>
+              <a:t>"Data can say things that employees might not during exit interviews, and shed light on causes of voluntary turnover that even the best expert may miss. In today's challenging talent market, unbiased, insights derived from actual workforce data can enable employers to identify potential flight risks before it's too late.“ - Marc Rind, chief data scientist at ADP</a:t>
+            </a:r>
+          </a:p>
+          <a:p>
+            <a:endParaRPr lang="en-US" dirty="0"/>
+          </a:p>
+        </p:txBody>
+      </p:sp>
+    </p:spTree>
+    <p:extLst>
+      <p:ext uri="{BB962C8B-B14F-4D97-AF65-F5344CB8AC3E}">
+        <p14:creationId xmlns:p14="http://schemas.microsoft.com/office/powerpoint/2010/main" val="3586970413"/>
+      </p:ext>
+    </p:extLst>
+  </p:cSld>
+  <p:clrMapOvr>
+    <a:masterClrMapping/>
+  </p:clrMapOvr>
+</p:sld>
+</file>
+
+<file path=ppt/slides/slide9.xml><?xml version="1.0" encoding="utf-8"?>
+<p:sld xmlns:a="http://schemas.openxmlformats.org/drawingml/2006/main" xmlns:r="http://schemas.openxmlformats.org/officeDocument/2006/relationships" xmlns:p="http://schemas.openxmlformats.org/presentationml/2006/main">
+  <p:cSld>
+    <p:spTree>
+      <p:nvGrpSpPr>
+        <p:cNvPr id="1" name=""/>
+        <p:cNvGrpSpPr/>
+        <p:nvPr/>
+      </p:nvGrpSpPr>
+      <p:grpSpPr>
+        <a:xfrm>
+          <a:off x="0" y="0"/>
+          <a:ext cx="0" cy="0"/>
+          <a:chOff x="0" y="0"/>
+          <a:chExt cx="0" cy="0"/>
+        </a:xfrm>
+      </p:grpSpPr>
+      <p:sp>
+        <p:nvSpPr>
+          <p:cNvPr id="5" name="Content Placeholder 4"/>
+          <p:cNvSpPr>
+            <a:spLocks noGrp="1"/>
+          </p:cNvSpPr>
+          <p:nvPr>
+            <p:ph idx="1"/>
+          </p:nvPr>
+        </p:nvSpPr>
+        <p:spPr>
+          <a:xfrm>
             <a:off x="143555" y="1596540"/>
             <a:ext cx="4428445" cy="4211818"/>
           </a:xfrm>
@@ -4862,18 +11296,18 @@
           <a:lstStyle/>
           <a:p>
             <a:r>
-              <a:rPr lang="en-US" sz="2400" dirty="0" smtClean="0"/>
+              <a:rPr lang="en-US" sz="2400" dirty="0"/>
               <a:t>Top reasons for attrition – industry (12-15%)</a:t>
             </a:r>
             <a:r>
-              <a:rPr lang="en-US" sz="1600" baseline="30000" dirty="0" smtClean="0"/>
+              <a:rPr lang="en-US" sz="1600" baseline="30000" dirty="0"/>
               <a:t>Ϯ</a:t>
             </a:r>
           </a:p>
           <a:p>
             <a:pPr lvl="1"/>
             <a:r>
-              <a:rPr lang="en-US" sz="2400" dirty="0" smtClean="0"/>
+              <a:rPr lang="en-US" sz="2400" dirty="0"/>
               <a:t>Leadership (up to 75%)</a:t>
             </a:r>
             <a:r>
@@ -4884,12 +11318,12 @@
               <a:rPr lang="en-US" sz="2000" baseline="30000" dirty="0"/>
               <a:t>*</a:t>
             </a:r>
-            <a:endParaRPr lang="en-US" sz="2000" dirty="0" smtClean="0"/>
+            <a:endParaRPr lang="en-US" sz="2000" dirty="0"/>
           </a:p>
           <a:p>
             <a:pPr lvl="1"/>
             <a:r>
-              <a:rPr lang="en-US" sz="2400" dirty="0" smtClean="0"/>
+              <a:rPr lang="en-US" sz="2400" dirty="0"/>
               <a:t>Overwork (82%)</a:t>
             </a:r>
             <a:r>
@@ -4900,12 +11334,12 @@
               <a:rPr lang="en-US" sz="2000" baseline="30000" dirty="0"/>
               <a:t>*</a:t>
             </a:r>
-            <a:endParaRPr lang="en-US" sz="2000" dirty="0" smtClean="0"/>
+            <a:endParaRPr lang="en-US" sz="2000" dirty="0"/>
           </a:p>
           <a:p>
             <a:pPr lvl="1"/>
             <a:r>
-              <a:rPr lang="en-US" sz="2400" dirty="0" smtClean="0"/>
+              <a:rPr lang="en-US" sz="2400" dirty="0"/>
               <a:t>Lack of recognition (59%)</a:t>
             </a:r>
             <a:r>
@@ -4916,12 +11350,12 @@
               <a:rPr lang="en-US" sz="2000" baseline="30000" dirty="0"/>
               <a:t>*</a:t>
             </a:r>
-            <a:endParaRPr lang="en-US" sz="2000" dirty="0" smtClean="0"/>
+            <a:endParaRPr lang="en-US" sz="2000" dirty="0"/>
           </a:p>
           <a:p>
             <a:pPr lvl="1"/>
             <a:r>
-              <a:rPr lang="en-US" sz="2400" dirty="0" smtClean="0"/>
+              <a:rPr lang="en-US" sz="2400" dirty="0"/>
               <a:t>Work/Life balance (37%)</a:t>
             </a:r>
             <a:r>
@@ -4932,12 +11366,12 @@
               <a:rPr lang="en-US" sz="2000" baseline="30000" dirty="0"/>
               <a:t>*</a:t>
             </a:r>
-            <a:endParaRPr lang="en-US" sz="2000" dirty="0" smtClean="0"/>
+            <a:endParaRPr lang="en-US" sz="2000" dirty="0"/>
           </a:p>
           <a:p>
             <a:pPr lvl="1"/>
             <a:r>
-              <a:rPr lang="en-US" sz="2400" dirty="0" smtClean="0"/>
+              <a:rPr lang="en-US" sz="2400" dirty="0"/>
               <a:t>Lack of development (32%)</a:t>
             </a:r>
             <a:r>
@@ -4945,19 +11379,19 @@
               <a:t> </a:t>
             </a:r>
             <a:r>
-              <a:rPr lang="en-US" sz="1800" baseline="30000" dirty="0" smtClean="0"/>
+              <a:rPr lang="en-US" sz="1800" baseline="30000" dirty="0"/>
               <a:t>*</a:t>
             </a:r>
-            <a:endParaRPr lang="en-US" sz="1800" dirty="0" smtClean="0"/>
+            <a:endParaRPr lang="en-US" sz="1800" dirty="0"/>
           </a:p>
           <a:p>
             <a:pPr lvl="1"/>
             <a:r>
-              <a:rPr lang="en-US" sz="2400" dirty="0" smtClean="0"/>
+              <a:rPr lang="en-US" sz="2400" dirty="0"/>
               <a:t>Lack of salary/promotion opportunities (20%)</a:t>
             </a:r>
             <a:r>
-              <a:rPr lang="en-US" sz="2000" baseline="30000" dirty="0" smtClean="0"/>
+              <a:rPr lang="en-US" sz="2000" baseline="30000" dirty="0"/>
               <a:t>*</a:t>
             </a:r>
           </a:p>
@@ -5133,66 +11567,63 @@
           </a:lstStyle>
           <a:p>
             <a:r>
-              <a:rPr lang="en-US" dirty="0" smtClean="0"/>
+              <a:rPr lang="en-US" dirty="0"/>
               <a:t>Top reasons for attrition – </a:t>
             </a:r>
             <a:r>
-              <a:rPr lang="en-US" dirty="0" err="1" smtClean="0"/>
+              <a:rPr lang="en-US" dirty="0" err="1"/>
               <a:t>DDSAnalytics</a:t>
             </a:r>
-            <a:endParaRPr lang="en-US" dirty="0" smtClean="0"/>
+            <a:endParaRPr lang="en-US" dirty="0"/>
           </a:p>
           <a:p>
             <a:pPr lvl="1"/>
             <a:r>
-              <a:rPr lang="en-US" dirty="0" smtClean="0"/>
+              <a:rPr lang="en-US" dirty="0"/>
               <a:t>Monthly Income</a:t>
             </a:r>
           </a:p>
           <a:p>
             <a:pPr lvl="1"/>
             <a:r>
-              <a:rPr lang="en-US" dirty="0" smtClean="0"/>
+              <a:rPr lang="en-US" dirty="0"/>
               <a:t>Overtime</a:t>
             </a:r>
           </a:p>
           <a:p>
             <a:pPr lvl="1"/>
             <a:r>
-              <a:rPr lang="en-US" dirty="0" smtClean="0"/>
+              <a:rPr lang="en-US" dirty="0"/>
               <a:t>Environment/Job satisfaction</a:t>
             </a:r>
           </a:p>
           <a:p>
             <a:pPr lvl="1"/>
             <a:r>
-              <a:rPr lang="en-US" dirty="0" smtClean="0"/>
+              <a:rPr lang="en-US" dirty="0"/>
               <a:t>Frequent travel for business</a:t>
             </a:r>
           </a:p>
           <a:p>
             <a:pPr lvl="1"/>
             <a:r>
-              <a:rPr lang="en-US" dirty="0" smtClean="0"/>
+              <a:rPr lang="en-US" dirty="0"/>
               <a:t>Commute distance</a:t>
             </a:r>
-            <a:endParaRPr lang="en-US" dirty="0" smtClean="0"/>
           </a:p>
           <a:p>
             <a:pPr lvl="1"/>
             <a:r>
-              <a:rPr lang="en-US" dirty="0" smtClean="0"/>
+              <a:rPr lang="en-US" dirty="0"/>
               <a:t>Job hopping</a:t>
             </a:r>
-            <a:endParaRPr lang="en-US" dirty="0" smtClean="0"/>
           </a:p>
           <a:p>
             <a:pPr lvl="1"/>
             <a:r>
-              <a:rPr lang="en-US" dirty="0" smtClean="0"/>
+              <a:rPr lang="en-US" dirty="0"/>
               <a:t>Marital status</a:t>
             </a:r>
-            <a:endParaRPr lang="en-US" dirty="0" smtClean="0"/>
           </a:p>
         </p:txBody>
       </p:sp>
@@ -5219,16 +11650,12 @@
           <a:lstStyle/>
           <a:p>
             <a:r>
-              <a:rPr lang="en-US" sz="6000" dirty="0" smtClean="0">
+              <a:rPr lang="en-US" sz="6000" dirty="0">
                 <a:latin typeface="Arial Rounded MT Bold"/>
                 <a:cs typeface="Arial Rounded MT Bold"/>
               </a:rPr>
               <a:t>Comparisons</a:t>
             </a:r>
-            <a:endParaRPr lang="en-US" sz="6000" dirty="0">
-              <a:latin typeface="Arial Rounded MT Bold"/>
-              <a:cs typeface="Arial Rounded MT Bold"/>
-            </a:endParaRPr>
           </a:p>
         </p:txBody>
       </p:sp>
@@ -5261,10 +11688,9 @@
               <a:t>*</a:t>
             </a:r>
             <a:r>
-              <a:rPr lang="en-US" sz="1200" dirty="0" smtClean="0"/>
+              <a:rPr lang="en-US" sz="1200" dirty="0"/>
               <a:t>2018 Mercer</a:t>
             </a:r>
-            <a:endParaRPr lang="en-US" sz="1200" dirty="0"/>
           </a:p>
         </p:txBody>
       </p:sp>
@@ -5293,14 +11719,13 @@
           <a:lstStyle/>
           <a:p>
             <a:r>
-              <a:rPr lang="en-US" sz="1200" baseline="30000" dirty="0" smtClean="0"/>
+              <a:rPr lang="en-US" sz="1200" baseline="30000" dirty="0"/>
               <a:t>Ϯ</a:t>
             </a:r>
             <a:r>
-              <a:rPr lang="en-US" sz="1200" dirty="0" smtClean="0"/>
+              <a:rPr lang="en-US" sz="1200" dirty="0"/>
               <a:t>2017 SHRM</a:t>
             </a:r>
-            <a:endParaRPr lang="en-US" sz="1200" dirty="0"/>
           </a:p>
         </p:txBody>
       </p:sp>
@@ -5327,26 +11752,17 @@
           <a:lstStyle/>
           <a:p>
             <a:r>
-              <a:rPr lang="en-US" dirty="0" smtClean="0"/>
+              <a:rPr lang="en-US" dirty="0"/>
               <a:t>18-25 </a:t>
             </a:r>
             <a:r>
-              <a:rPr lang="en-US" dirty="0" err="1" smtClean="0"/>
+              <a:rPr lang="en-US" dirty="0" err="1"/>
               <a:t>yr</a:t>
             </a:r>
             <a:r>
-              <a:rPr lang="en-US" dirty="0" smtClean="0"/>
-              <a:t>-old </a:t>
-            </a:r>
-            <a:r>
               <a:rPr lang="en-US" dirty="0"/>
-              <a:t>age group most likely to leave their </a:t>
-            </a:r>
-            <a:r>
-              <a:rPr lang="en-US" dirty="0" smtClean="0"/>
-              <a:t>job (46%)</a:t>
-            </a:r>
-            <a:endParaRPr lang="en-US" dirty="0"/>
+              <a:t>-old age group most likely to leave their job (46%)</a:t>
+            </a:r>
           </a:p>
         </p:txBody>
       </p:sp>
@@ -5354,480 +11770,6 @@
     <p:extLst>
       <p:ext uri="{BB962C8B-B14F-4D97-AF65-F5344CB8AC3E}">
         <p14:creationId xmlns:p14="http://schemas.microsoft.com/office/powerpoint/2010/main" val="505136049"/>
-      </p:ext>
-    </p:extLst>
-  </p:cSld>
-  <p:clrMapOvr>
-    <a:masterClrMapping/>
-  </p:clrMapOvr>
-</p:sld>
-</file>
-
-<file path=ppt/slides/slide6.xml><?xml version="1.0" encoding="utf-8"?>
-<p:sld xmlns:a="http://schemas.openxmlformats.org/drawingml/2006/main" xmlns:r="http://schemas.openxmlformats.org/officeDocument/2006/relationships" xmlns:p="http://schemas.openxmlformats.org/presentationml/2006/main">
-  <p:cSld>
-    <p:spTree>
-      <p:nvGrpSpPr>
-        <p:cNvPr id="1" name=""/>
-        <p:cNvGrpSpPr/>
-        <p:nvPr/>
-      </p:nvGrpSpPr>
-      <p:grpSpPr>
-        <a:xfrm>
-          <a:off x="0" y="0"/>
-          <a:ext cx="0" cy="0"/>
-          <a:chOff x="0" y="0"/>
-          <a:chExt cx="0" cy="0"/>
-        </a:xfrm>
-      </p:grpSpPr>
-      <p:sp>
-        <p:nvSpPr>
-          <p:cNvPr id="4" name="Title 3"/>
-          <p:cNvSpPr>
-            <a:spLocks noGrp="1"/>
-          </p:cNvSpPr>
-          <p:nvPr>
-            <p:ph type="title"/>
-          </p:nvPr>
-        </p:nvSpPr>
-        <p:spPr>
-          <a:xfrm>
-            <a:off x="448965" y="2970885"/>
-            <a:ext cx="8229600" cy="916230"/>
-          </a:xfrm>
-        </p:spPr>
-        <p:txBody>
-          <a:bodyPr>
-            <a:noAutofit/>
-          </a:bodyPr>
-          <a:lstStyle/>
-          <a:p>
-            <a:pPr algn="ctr"/>
-            <a:r>
-              <a:rPr lang="en-US" sz="6000" dirty="0" smtClean="0">
-                <a:latin typeface="Arial Rounded MT Bold"/>
-                <a:cs typeface="Arial Rounded MT Bold"/>
-              </a:rPr>
-              <a:t>Methodology</a:t>
-            </a:r>
-            <a:endParaRPr lang="en-US" sz="6000" dirty="0">
-              <a:latin typeface="Arial Rounded MT Bold"/>
-              <a:cs typeface="Arial Rounded MT Bold"/>
-            </a:endParaRPr>
-          </a:p>
-        </p:txBody>
-      </p:sp>
-    </p:spTree>
-    <p:extLst>
-      <p:ext uri="{BB962C8B-B14F-4D97-AF65-F5344CB8AC3E}">
-        <p14:creationId xmlns:p14="http://schemas.microsoft.com/office/powerpoint/2010/main" val="913591413"/>
-      </p:ext>
-    </p:extLst>
-  </p:cSld>
-  <p:clrMapOvr>
-    <a:masterClrMapping/>
-  </p:clrMapOvr>
-</p:sld>
-</file>
-
-<file path=ppt/slides/slide7.xml><?xml version="1.0" encoding="utf-8"?>
-<p:sld xmlns:a="http://schemas.openxmlformats.org/drawingml/2006/main" xmlns:r="http://schemas.openxmlformats.org/officeDocument/2006/relationships" xmlns:p="http://schemas.openxmlformats.org/presentationml/2006/main">
-  <p:cSld>
-    <p:bg>
-      <p:bgPr>
-        <a:blipFill dpi="0" rotWithShape="1">
-          <a:blip r:embed="rId2">
-            <a:lum/>
-          </a:blip>
-          <a:srcRect/>
-          <a:stretch>
-            <a:fillRect/>
-          </a:stretch>
-        </a:blipFill>
-        <a:effectLst/>
-      </p:bgPr>
-    </p:bg>
-    <p:spTree>
-      <p:nvGrpSpPr>
-        <p:cNvPr id="1" name=""/>
-        <p:cNvGrpSpPr/>
-        <p:nvPr/>
-      </p:nvGrpSpPr>
-      <p:grpSpPr>
-        <a:xfrm>
-          <a:off x="0" y="0"/>
-          <a:ext cx="0" cy="0"/>
-          <a:chOff x="0" y="0"/>
-          <a:chExt cx="0" cy="0"/>
-        </a:xfrm>
-      </p:grpSpPr>
-      <p:sp>
-        <p:nvSpPr>
-          <p:cNvPr id="4" name="Title 3"/>
-          <p:cNvSpPr>
-            <a:spLocks noGrp="1"/>
-          </p:cNvSpPr>
-          <p:nvPr>
-            <p:ph type="title"/>
-          </p:nvPr>
-        </p:nvSpPr>
-        <p:spPr/>
-        <p:txBody>
-          <a:bodyPr>
-            <a:normAutofit fontScale="90000"/>
-          </a:bodyPr>
-          <a:lstStyle/>
-          <a:p>
-            <a:pPr algn="ctr"/>
-            <a:r>
-              <a:rPr lang="en-US" smtClean="0"/>
-              <a:t>Comparative Analysis</a:t>
-            </a:r>
-            <a:endParaRPr lang="en-US" dirty="0"/>
-          </a:p>
-        </p:txBody>
-      </p:sp>
-      <p:sp>
-        <p:nvSpPr>
-          <p:cNvPr id="5" name="Content Placeholder 4"/>
-          <p:cNvSpPr>
-            <a:spLocks noGrp="1"/>
-          </p:cNvSpPr>
-          <p:nvPr>
-            <p:ph idx="1"/>
-          </p:nvPr>
-        </p:nvSpPr>
-        <p:spPr>
-          <a:xfrm>
-            <a:off x="1823310" y="1596540"/>
-            <a:ext cx="7016195" cy="3206805"/>
-          </a:xfrm>
-        </p:spPr>
-        <p:txBody>
-          <a:bodyPr>
-            <a:normAutofit/>
-          </a:bodyPr>
-          <a:lstStyle/>
-          <a:p>
-            <a:r>
-              <a:rPr lang="en-US" dirty="0" smtClean="0">
-                <a:solidFill>
-                  <a:srgbClr val="FF0000"/>
-                </a:solidFill>
-              </a:rPr>
-              <a:t>&lt;&lt;linear regression charts&gt;&gt; &lt;&lt;Richard&gt;&gt;</a:t>
-            </a:r>
-          </a:p>
-          <a:p>
-            <a:r>
-              <a:rPr lang="en-US" dirty="0" smtClean="0">
-                <a:solidFill>
-                  <a:srgbClr val="FF0000"/>
-                </a:solidFill>
-              </a:rPr>
-              <a:t>&lt;&lt;linear regression values&gt;&gt; &lt;&lt;Richard&gt;&gt;</a:t>
-            </a:r>
-          </a:p>
-          <a:p>
-            <a:r>
-              <a:rPr lang="en-US" dirty="0" smtClean="0">
-                <a:solidFill>
-                  <a:srgbClr val="FF0000"/>
-                </a:solidFill>
-              </a:rPr>
-              <a:t>&lt;&lt;Correlation plot&gt;&gt; &lt;&lt;Richard &amp; Amy&gt;&gt;</a:t>
-            </a:r>
-          </a:p>
-          <a:p>
-            <a:r>
-              <a:rPr lang="en-US" dirty="0" smtClean="0">
-                <a:solidFill>
-                  <a:srgbClr val="FF0000"/>
-                </a:solidFill>
-              </a:rPr>
-              <a:t>&lt;&lt;Random Forest/Hierarchy &gt;&gt;  &lt;&lt;Tom&gt;</a:t>
-            </a:r>
-            <a:r>
-              <a:rPr lang="en-US" dirty="0" smtClean="0">
-                <a:solidFill>
-                  <a:srgbClr val="FF0000"/>
-                </a:solidFill>
-              </a:rPr>
-              <a:t>&gt;</a:t>
-            </a:r>
-            <a:endParaRPr lang="en-US" dirty="0" smtClean="0">
-              <a:solidFill>
-                <a:srgbClr val="FF0000"/>
-              </a:solidFill>
-            </a:endParaRPr>
-          </a:p>
-        </p:txBody>
-      </p:sp>
-    </p:spTree>
-    <p:extLst>
-      <p:ext uri="{BB962C8B-B14F-4D97-AF65-F5344CB8AC3E}">
-        <p14:creationId xmlns:p14="http://schemas.microsoft.com/office/powerpoint/2010/main" val="1101633878"/>
-      </p:ext>
-    </p:extLst>
-  </p:cSld>
-  <p:clrMapOvr>
-    <a:masterClrMapping/>
-  </p:clrMapOvr>
-</p:sld>
-</file>
-
-<file path=ppt/slides/slide8.xml><?xml version="1.0" encoding="utf-8"?>
-<p:sld xmlns:a="http://schemas.openxmlformats.org/drawingml/2006/main" xmlns:r="http://schemas.openxmlformats.org/officeDocument/2006/relationships" xmlns:p="http://schemas.openxmlformats.org/presentationml/2006/main">
-  <p:cSld>
-    <p:spTree>
-      <p:nvGrpSpPr>
-        <p:cNvPr id="1" name=""/>
-        <p:cNvGrpSpPr/>
-        <p:nvPr/>
-      </p:nvGrpSpPr>
-      <p:grpSpPr>
-        <a:xfrm>
-          <a:off x="0" y="0"/>
-          <a:ext cx="0" cy="0"/>
-          <a:chOff x="0" y="0"/>
-          <a:chExt cx="0" cy="0"/>
-        </a:xfrm>
-      </p:grpSpPr>
-      <p:sp>
-        <p:nvSpPr>
-          <p:cNvPr id="4" name="Title 3"/>
-          <p:cNvSpPr>
-            <a:spLocks noGrp="1"/>
-          </p:cNvSpPr>
-          <p:nvPr>
-            <p:ph type="title"/>
-          </p:nvPr>
-        </p:nvSpPr>
-        <p:spPr>
-          <a:xfrm>
-            <a:off x="448965" y="2970885"/>
-            <a:ext cx="8229600" cy="916230"/>
-          </a:xfrm>
-        </p:spPr>
-        <p:txBody>
-          <a:bodyPr>
-            <a:noAutofit/>
-          </a:bodyPr>
-          <a:lstStyle/>
-          <a:p>
-            <a:pPr algn="ctr"/>
-            <a:r>
-              <a:rPr lang="en-US" sz="6000" dirty="0" smtClean="0">
-                <a:latin typeface="Arial Rounded MT Bold"/>
-                <a:cs typeface="Arial Rounded MT Bold"/>
-              </a:rPr>
-              <a:t>Evaluation/Results</a:t>
-            </a:r>
-            <a:endParaRPr lang="en-US" sz="6000" dirty="0">
-              <a:latin typeface="Arial Rounded MT Bold"/>
-              <a:cs typeface="Arial Rounded MT Bold"/>
-            </a:endParaRPr>
-          </a:p>
-        </p:txBody>
-      </p:sp>
-    </p:spTree>
-    <p:extLst>
-      <p:ext uri="{BB962C8B-B14F-4D97-AF65-F5344CB8AC3E}">
-        <p14:creationId xmlns:p14="http://schemas.microsoft.com/office/powerpoint/2010/main" val="913591413"/>
-      </p:ext>
-    </p:extLst>
-  </p:cSld>
-  <p:clrMapOvr>
-    <a:masterClrMapping/>
-  </p:clrMapOvr>
-</p:sld>
-</file>
-
-<file path=ppt/slides/slide9.xml><?xml version="1.0" encoding="utf-8"?>
-<p:sld xmlns:a="http://schemas.openxmlformats.org/drawingml/2006/main" xmlns:r="http://schemas.openxmlformats.org/officeDocument/2006/relationships" xmlns:p="http://schemas.openxmlformats.org/presentationml/2006/main">
-  <p:cSld>
-    <p:bg>
-      <p:bgPr>
-        <a:blipFill dpi="0" rotWithShape="1">
-          <a:blip r:embed="rId2">
-            <a:lum/>
-          </a:blip>
-          <a:srcRect/>
-          <a:stretch>
-            <a:fillRect/>
-          </a:stretch>
-        </a:blipFill>
-        <a:effectLst/>
-      </p:bgPr>
-    </p:bg>
-    <p:spTree>
-      <p:nvGrpSpPr>
-        <p:cNvPr id="1" name=""/>
-        <p:cNvGrpSpPr/>
-        <p:nvPr/>
-      </p:nvGrpSpPr>
-      <p:grpSpPr>
-        <a:xfrm>
-          <a:off x="0" y="0"/>
-          <a:ext cx="0" cy="0"/>
-          <a:chOff x="0" y="0"/>
-          <a:chExt cx="0" cy="0"/>
-        </a:xfrm>
-      </p:grpSpPr>
-      <p:sp>
-        <p:nvSpPr>
-          <p:cNvPr id="4" name="Title 3"/>
-          <p:cNvSpPr>
-            <a:spLocks noGrp="1"/>
-          </p:cNvSpPr>
-          <p:nvPr>
-            <p:ph type="title"/>
-          </p:nvPr>
-        </p:nvSpPr>
-        <p:spPr/>
-        <p:txBody>
-          <a:bodyPr>
-            <a:normAutofit fontScale="90000"/>
-          </a:bodyPr>
-          <a:lstStyle/>
-          <a:p>
-            <a:pPr algn="ctr"/>
-            <a:r>
-              <a:rPr lang="en-US" dirty="0" smtClean="0"/>
-              <a:t>Cost of Turnover </a:t>
-            </a:r>
-            <a:r>
-              <a:rPr lang="mr-IN" dirty="0" smtClean="0"/>
-              <a:t>–</a:t>
-            </a:r>
-            <a:r>
-              <a:rPr lang="en-US" dirty="0" smtClean="0"/>
-              <a:t> Industry </a:t>
-            </a:r>
-            <a:r>
-              <a:rPr lang="en-US" dirty="0" err="1" smtClean="0"/>
-              <a:t>Average</a:t>
-            </a:r>
-            <a:r>
-              <a:rPr lang="en-US" sz="2000" baseline="30000" dirty="0" err="1" smtClean="0"/>
-              <a:t>Ϯ</a:t>
-            </a:r>
-            <a:endParaRPr lang="en-US" sz="2000" dirty="0"/>
-          </a:p>
-        </p:txBody>
-      </p:sp>
-      <p:sp>
-        <p:nvSpPr>
-          <p:cNvPr id="5" name="Content Placeholder 4"/>
-          <p:cNvSpPr>
-            <a:spLocks noGrp="1"/>
-          </p:cNvSpPr>
-          <p:nvPr>
-            <p:ph idx="1"/>
-          </p:nvPr>
-        </p:nvSpPr>
-        <p:spPr>
-          <a:xfrm>
-            <a:off x="1823310" y="1596540"/>
-            <a:ext cx="7016195" cy="3206805"/>
-          </a:xfrm>
-        </p:spPr>
-        <p:txBody>
-          <a:bodyPr>
-            <a:normAutofit/>
-          </a:bodyPr>
-          <a:lstStyle/>
-          <a:p>
-            <a:r>
-              <a:rPr lang="en-US" dirty="0" smtClean="0">
-                <a:solidFill>
-                  <a:srgbClr val="FF0000"/>
-                </a:solidFill>
-              </a:rPr>
-              <a:t>&lt;&lt;Random Forest&gt;&gt; &lt;&lt;Tom&gt;&gt;</a:t>
-            </a:r>
-          </a:p>
-          <a:p>
-            <a:r>
-              <a:rPr lang="en-US" dirty="0" smtClean="0">
-                <a:solidFill>
-                  <a:srgbClr val="FF0000"/>
-                </a:solidFill>
-              </a:rPr>
-              <a:t>&lt;&lt;correlation / probability </a:t>
-            </a:r>
-            <a:r>
-              <a:rPr lang="en-US" dirty="0" err="1" smtClean="0">
-                <a:solidFill>
-                  <a:srgbClr val="FF0000"/>
-                </a:solidFill>
-              </a:rPr>
-              <a:t>empl</a:t>
-            </a:r>
-            <a:r>
-              <a:rPr lang="en-US" dirty="0" smtClean="0">
-                <a:solidFill>
-                  <a:srgbClr val="FF0000"/>
-                </a:solidFill>
-              </a:rPr>
-              <a:t> will leave&gt;&gt;  &lt;&lt;false negative/false model prediction&gt;&gt;  &lt;&lt;Tom&gt;</a:t>
-            </a:r>
-            <a:r>
-              <a:rPr lang="en-US" dirty="0" smtClean="0">
-                <a:solidFill>
-                  <a:srgbClr val="FF0000"/>
-                </a:solidFill>
-              </a:rPr>
-              <a:t>&gt;</a:t>
-            </a:r>
-            <a:endParaRPr lang="en-US" dirty="0" smtClean="0">
-              <a:solidFill>
-                <a:srgbClr val="FF0000"/>
-              </a:solidFill>
-            </a:endParaRPr>
-          </a:p>
-        </p:txBody>
-      </p:sp>
-      <p:sp>
-        <p:nvSpPr>
-          <p:cNvPr id="6" name="TextBox 5"/>
-          <p:cNvSpPr txBox="1"/>
-          <p:nvPr/>
-        </p:nvSpPr>
-        <p:spPr>
-          <a:xfrm>
-            <a:off x="8153956" y="6568481"/>
-            <a:ext cx="963725" cy="276999"/>
-          </a:xfrm>
-          <a:prstGeom prst="rect">
-            <a:avLst/>
-          </a:prstGeom>
-          <a:solidFill>
-            <a:schemeClr val="bg1"/>
-          </a:solidFill>
-        </p:spPr>
-        <p:txBody>
-          <a:bodyPr wrap="none" rtlCol="0">
-            <a:spAutoFit/>
-          </a:bodyPr>
-          <a:lstStyle/>
-          <a:p>
-            <a:r>
-              <a:rPr lang="en-US" sz="1200" baseline="30000" dirty="0" smtClean="0"/>
-              <a:t>Ϯ</a:t>
-            </a:r>
-            <a:r>
-              <a:rPr lang="en-US" sz="1200" dirty="0" smtClean="0"/>
-              <a:t>2017 SHRM</a:t>
-            </a:r>
-            <a:endParaRPr lang="en-US" sz="1200" dirty="0"/>
-          </a:p>
-        </p:txBody>
-      </p:sp>
-    </p:spTree>
-    <p:extLst>
-      <p:ext uri="{BB962C8B-B14F-4D97-AF65-F5344CB8AC3E}">
-        <p14:creationId xmlns:p14="http://schemas.microsoft.com/office/powerpoint/2010/main" val="3100936218"/>
       </p:ext>
     </p:extLst>
   </p:cSld>
@@ -6120,4 +12062,265 @@
   <a:objectDefaults/>
   <a:extraClrSchemeLst/>
 </a:theme>
+</file>
+
+<file path=ppt/theme/theme2.xml><?xml version="1.0" encoding="utf-8"?>
+<a:theme xmlns:a="http://schemas.openxmlformats.org/drawingml/2006/main" name="Office Theme">
+  <a:themeElements>
+    <a:clrScheme name="Office">
+      <a:dk1>
+        <a:sysClr val="windowText" lastClr="000000"/>
+      </a:dk1>
+      <a:lt1>
+        <a:sysClr val="window" lastClr="FFFFFF"/>
+      </a:lt1>
+      <a:dk2>
+        <a:srgbClr val="44546A"/>
+      </a:dk2>
+      <a:lt2>
+        <a:srgbClr val="E7E6E6"/>
+      </a:lt2>
+      <a:accent1>
+        <a:srgbClr val="4472C4"/>
+      </a:accent1>
+      <a:accent2>
+        <a:srgbClr val="ED7D31"/>
+      </a:accent2>
+      <a:accent3>
+        <a:srgbClr val="A5A5A5"/>
+      </a:accent3>
+      <a:accent4>
+        <a:srgbClr val="FFC000"/>
+      </a:accent4>
+      <a:accent5>
+        <a:srgbClr val="5B9BD5"/>
+      </a:accent5>
+      <a:accent6>
+        <a:srgbClr val="70AD47"/>
+      </a:accent6>
+      <a:hlink>
+        <a:srgbClr val="0563C1"/>
+      </a:hlink>
+      <a:folHlink>
+        <a:srgbClr val="954F72"/>
+      </a:folHlink>
+    </a:clrScheme>
+    <a:fontScheme name="Office">
+      <a:majorFont>
+        <a:latin typeface="Calibri Light" panose="020F0302020204030204"/>
+        <a:ea typeface=""/>
+        <a:cs typeface=""/>
+        <a:font script="Jpan" typeface="Yu Gothic Light"/>
+        <a:font script="Hang" typeface="맑은 고딕"/>
+        <a:font script="Hans" typeface="DengXian Light"/>
+        <a:font script="Hant" typeface="新細明體"/>
+        <a:font script="Arab" typeface="Times New Roman"/>
+        <a:font script="Hebr" typeface="Times New Roman"/>
+        <a:font script="Thai" typeface="Angsana New"/>
+        <a:font script="Ethi" typeface="Nyala"/>
+        <a:font script="Beng" typeface="Vrinda"/>
+        <a:font script="Gujr" typeface="Shruti"/>
+        <a:font script="Khmr" typeface="MoolBoran"/>
+        <a:font script="Knda" typeface="Tunga"/>
+        <a:font script="Guru" typeface="Raavi"/>
+        <a:font script="Cans" typeface="Euphemia"/>
+        <a:font script="Cher" typeface="Plantagenet Cherokee"/>
+        <a:font script="Yiii" typeface="Microsoft Yi Baiti"/>
+        <a:font script="Tibt" typeface="Microsoft Himalaya"/>
+        <a:font script="Thaa" typeface="MV Boli"/>
+        <a:font script="Deva" typeface="Mangal"/>
+        <a:font script="Telu" typeface="Gautami"/>
+        <a:font script="Taml" typeface="Latha"/>
+        <a:font script="Syrc" typeface="Estrangelo Edessa"/>
+        <a:font script="Orya" typeface="Kalinga"/>
+        <a:font script="Mlym" typeface="Kartika"/>
+        <a:font script="Laoo" typeface="DokChampa"/>
+        <a:font script="Sinh" typeface="Iskoola Pota"/>
+        <a:font script="Mong" typeface="Mongolian Baiti"/>
+        <a:font script="Viet" typeface="Times New Roman"/>
+        <a:font script="Uigh" typeface="Microsoft Uighur"/>
+        <a:font script="Geor" typeface="Sylfaen"/>
+      </a:majorFont>
+      <a:minorFont>
+        <a:latin typeface="Calibri" panose="020F0502020204030204"/>
+        <a:ea typeface=""/>
+        <a:cs typeface=""/>
+        <a:font script="Jpan" typeface="Yu Gothic"/>
+        <a:font script="Hang" typeface="맑은 고딕"/>
+        <a:font script="Hans" typeface="DengXian"/>
+        <a:font script="Hant" typeface="新細明體"/>
+        <a:font script="Arab" typeface="Arial"/>
+        <a:font script="Hebr" typeface="Arial"/>
+        <a:font script="Thai" typeface="Cordia New"/>
+        <a:font script="Ethi" typeface="Nyala"/>
+        <a:font script="Beng" typeface="Vrinda"/>
+        <a:font script="Gujr" typeface="Shruti"/>
+        <a:font script="Khmr" typeface="DaunPenh"/>
+        <a:font script="Knda" typeface="Tunga"/>
+        <a:font script="Guru" typeface="Raavi"/>
+        <a:font script="Cans" typeface="Euphemia"/>
+        <a:font script="Cher" typeface="Plantagenet Cherokee"/>
+        <a:font script="Yiii" typeface="Microsoft Yi Baiti"/>
+        <a:font script="Tibt" typeface="Microsoft Himalaya"/>
+        <a:font script="Thaa" typeface="MV Boli"/>
+        <a:font script="Deva" typeface="Mangal"/>
+        <a:font script="Telu" typeface="Gautami"/>
+        <a:font script="Taml" typeface="Latha"/>
+        <a:font script="Syrc" typeface="Estrangelo Edessa"/>
+        <a:font script="Orya" typeface="Kalinga"/>
+        <a:font script="Mlym" typeface="Kartika"/>
+        <a:font script="Laoo" typeface="DokChampa"/>
+        <a:font script="Sinh" typeface="Iskoola Pota"/>
+        <a:font script="Mong" typeface="Mongolian Baiti"/>
+        <a:font script="Viet" typeface="Arial"/>
+        <a:font script="Uigh" typeface="Microsoft Uighur"/>
+        <a:font script="Geor" typeface="Sylfaen"/>
+      </a:minorFont>
+    </a:fontScheme>
+    <a:fmtScheme name="Office">
+      <a:fillStyleLst>
+        <a:solidFill>
+          <a:schemeClr val="phClr"/>
+        </a:solidFill>
+        <a:gradFill rotWithShape="1">
+          <a:gsLst>
+            <a:gs pos="0">
+              <a:schemeClr val="phClr">
+                <a:lumMod val="110000"/>
+                <a:satMod val="105000"/>
+                <a:tint val="67000"/>
+              </a:schemeClr>
+            </a:gs>
+            <a:gs pos="50000">
+              <a:schemeClr val="phClr">
+                <a:lumMod val="105000"/>
+                <a:satMod val="103000"/>
+                <a:tint val="73000"/>
+              </a:schemeClr>
+            </a:gs>
+            <a:gs pos="100000">
+              <a:schemeClr val="phClr">
+                <a:lumMod val="105000"/>
+                <a:satMod val="109000"/>
+                <a:tint val="81000"/>
+              </a:schemeClr>
+            </a:gs>
+          </a:gsLst>
+          <a:lin ang="5400000" scaled="0"/>
+        </a:gradFill>
+        <a:gradFill rotWithShape="1">
+          <a:gsLst>
+            <a:gs pos="0">
+              <a:schemeClr val="phClr">
+                <a:satMod val="103000"/>
+                <a:lumMod val="102000"/>
+                <a:tint val="94000"/>
+              </a:schemeClr>
+            </a:gs>
+            <a:gs pos="50000">
+              <a:schemeClr val="phClr">
+                <a:satMod val="110000"/>
+                <a:lumMod val="100000"/>
+                <a:shade val="100000"/>
+              </a:schemeClr>
+            </a:gs>
+            <a:gs pos="100000">
+              <a:schemeClr val="phClr">
+                <a:lumMod val="99000"/>
+                <a:satMod val="120000"/>
+                <a:shade val="78000"/>
+              </a:schemeClr>
+            </a:gs>
+          </a:gsLst>
+          <a:lin ang="5400000" scaled="0"/>
+        </a:gradFill>
+      </a:fillStyleLst>
+      <a:lnStyleLst>
+        <a:ln w="6350" cap="flat" cmpd="sng" algn="ctr">
+          <a:solidFill>
+            <a:schemeClr val="phClr"/>
+          </a:solidFill>
+          <a:prstDash val="solid"/>
+          <a:miter lim="800000"/>
+        </a:ln>
+        <a:ln w="12700" cap="flat" cmpd="sng" algn="ctr">
+          <a:solidFill>
+            <a:schemeClr val="phClr"/>
+          </a:solidFill>
+          <a:prstDash val="solid"/>
+          <a:miter lim="800000"/>
+        </a:ln>
+        <a:ln w="19050" cap="flat" cmpd="sng" algn="ctr">
+          <a:solidFill>
+            <a:schemeClr val="phClr"/>
+          </a:solidFill>
+          <a:prstDash val="solid"/>
+          <a:miter lim="800000"/>
+        </a:ln>
+      </a:lnStyleLst>
+      <a:effectStyleLst>
+        <a:effectStyle>
+          <a:effectLst/>
+        </a:effectStyle>
+        <a:effectStyle>
+          <a:effectLst/>
+        </a:effectStyle>
+        <a:effectStyle>
+          <a:effectLst>
+            <a:outerShdw blurRad="57150" dist="19050" dir="5400000" algn="ctr" rotWithShape="0">
+              <a:srgbClr val="000000">
+                <a:alpha val="63000"/>
+              </a:srgbClr>
+            </a:outerShdw>
+          </a:effectLst>
+        </a:effectStyle>
+      </a:effectStyleLst>
+      <a:bgFillStyleLst>
+        <a:solidFill>
+          <a:schemeClr val="phClr"/>
+        </a:solidFill>
+        <a:solidFill>
+          <a:schemeClr val="phClr">
+            <a:tint val="95000"/>
+            <a:satMod val="170000"/>
+          </a:schemeClr>
+        </a:solidFill>
+        <a:gradFill rotWithShape="1">
+          <a:gsLst>
+            <a:gs pos="0">
+              <a:schemeClr val="phClr">
+                <a:tint val="93000"/>
+                <a:satMod val="150000"/>
+                <a:shade val="98000"/>
+                <a:lumMod val="102000"/>
+              </a:schemeClr>
+            </a:gs>
+            <a:gs pos="50000">
+              <a:schemeClr val="phClr">
+                <a:tint val="98000"/>
+                <a:satMod val="130000"/>
+                <a:shade val="90000"/>
+                <a:lumMod val="103000"/>
+              </a:schemeClr>
+            </a:gs>
+            <a:gs pos="100000">
+              <a:schemeClr val="phClr">
+                <a:shade val="63000"/>
+                <a:satMod val="120000"/>
+              </a:schemeClr>
+            </a:gs>
+          </a:gsLst>
+          <a:lin ang="5400000" scaled="0"/>
+        </a:gradFill>
+      </a:bgFillStyleLst>
+    </a:fmtScheme>
+  </a:themeElements>
+  <a:objectDefaults/>
+  <a:extraClrSchemeLst/>
+  <a:extLst>
+    <a:ext uri="{05A4C25C-085E-4340-85A3-A5531E510DB2}">
+      <thm15:themeFamily xmlns:thm15="http://schemas.microsoft.com/office/thememl/2012/main" name="Office Theme" id="{62F939B6-93AF-4DB8-9C6B-D6C7DFDC589F}" vid="{4A3C46E8-61CC-4603-A589-7422A47A8E4A}"/>
+    </a:ext>
+  </a:extLst>
+</a:theme>
 </file>
--- a/DDSAnalytics_CaseStudy2_Updated.pptx
+++ b/DDSAnalytics_CaseStudy2_Updated.pptx
@@ -5,7 +5,7 @@
     <p:sldMasterId id="2147483648" r:id="rId1"/>
   </p:sldMasterIdLst>
   <p:notesMasterIdLst>
-    <p:notesMasterId r:id="rId22"/>
+    <p:notesMasterId r:id="rId23"/>
   </p:notesMasterIdLst>
   <p:sldIdLst>
     <p:sldId id="256" r:id="rId2"/>
@@ -18,16 +18,17 @@
     <p:sldId id="268" r:id="rId9"/>
     <p:sldId id="267" r:id="rId10"/>
     <p:sldId id="265" r:id="rId11"/>
-    <p:sldId id="259" r:id="rId12"/>
-    <p:sldId id="266" r:id="rId13"/>
-    <p:sldId id="270" r:id="rId14"/>
-    <p:sldId id="271" r:id="rId15"/>
-    <p:sldId id="272" r:id="rId16"/>
-    <p:sldId id="273" r:id="rId17"/>
-    <p:sldId id="275" r:id="rId18"/>
-    <p:sldId id="274" r:id="rId19"/>
-    <p:sldId id="269" r:id="rId20"/>
-    <p:sldId id="263" r:id="rId21"/>
+    <p:sldId id="266" r:id="rId12"/>
+    <p:sldId id="270" r:id="rId13"/>
+    <p:sldId id="271" r:id="rId14"/>
+    <p:sldId id="272" r:id="rId15"/>
+    <p:sldId id="273" r:id="rId16"/>
+    <p:sldId id="275" r:id="rId17"/>
+    <p:sldId id="274" r:id="rId18"/>
+    <p:sldId id="280" r:id="rId19"/>
+    <p:sldId id="281" r:id="rId20"/>
+    <p:sldId id="269" r:id="rId21"/>
+    <p:sldId id="263" r:id="rId22"/>
   </p:sldIdLst>
   <p:sldSz cx="9144000" cy="6858000" type="screen4x3"/>
   <p:notesSz cx="6858000" cy="9144000"/>
@@ -128,7 +129,7 @@
   </p:defaultTextStyle>
   <p:extLst>
     <p:ext uri="{EFAFB233-063F-42B5-8137-9DF3F51BA10A}">
-      <p15:sldGuideLst xmlns:p15="http://schemas.microsoft.com/office/powerpoint/2012/main">
+      <p15:sldGuideLst xmlns:p15="http://schemas.microsoft.com/office/powerpoint/2012/main" xmlns="">
         <p15:guide id="1" orient="horz" pos="2160">
           <p15:clr>
             <a:srgbClr val="A4A3A4"/>
@@ -227,7 +228,7 @@
           <a:p>
             <a:fld id="{167F8F20-95EB-1242-A2F1-50B4053D034F}" type="datetimeFigureOut">
               <a:rPr lang="en-US" smtClean="0"/>
-              <a:t>4/12/19</a:t>
+              <a:t>4/13/19</a:t>
             </a:fld>
             <a:endParaRPr lang="en-US"/>
           </a:p>
@@ -1548,7 +1549,7 @@
             <a:fld id="{53074F12-AA26-4AC8-9962-C36BB8F32554}" type="datetimeFigureOut">
               <a:rPr lang="en-US" smtClean="0"/>
               <a:pPr/>
-              <a:t>4/12/19</a:t>
+              <a:t>4/13/19</a:t>
             </a:fld>
             <a:endParaRPr lang="en-US"/>
           </a:p>
@@ -1802,7 +1803,7 @@
             <a:fld id="{53074F12-AA26-4AC8-9962-C36BB8F32554}" type="datetimeFigureOut">
               <a:rPr lang="en-US" smtClean="0"/>
               <a:pPr/>
-              <a:t>4/12/19</a:t>
+              <a:t>4/13/19</a:t>
             </a:fld>
             <a:endParaRPr lang="en-US"/>
           </a:p>
@@ -1972,7 +1973,7 @@
             <a:fld id="{53074F12-AA26-4AC8-9962-C36BB8F32554}" type="datetimeFigureOut">
               <a:rPr lang="en-US" smtClean="0"/>
               <a:pPr/>
-              <a:t>4/12/19</a:t>
+              <a:t>4/13/19</a:t>
             </a:fld>
             <a:endParaRPr lang="en-US"/>
           </a:p>
@@ -2152,7 +2153,7 @@
             <a:fld id="{53074F12-AA26-4AC8-9962-C36BB8F32554}" type="datetimeFigureOut">
               <a:rPr lang="en-US" smtClean="0"/>
               <a:pPr/>
-              <a:t>4/12/19</a:t>
+              <a:t>4/13/19</a:t>
             </a:fld>
             <a:endParaRPr lang="en-US"/>
           </a:p>
@@ -2380,7 +2381,7 @@
             <a:fld id="{53074F12-AA26-4AC8-9962-C36BB8F32554}" type="datetimeFigureOut">
               <a:rPr lang="en-US" smtClean="0"/>
               <a:pPr/>
-              <a:t>4/12/19</a:t>
+              <a:t>4/13/19</a:t>
             </a:fld>
             <a:endParaRPr lang="en-US"/>
           </a:p>
@@ -2616,7 +2617,7 @@
             <a:fld id="{53074F12-AA26-4AC8-9962-C36BB8F32554}" type="datetimeFigureOut">
               <a:rPr lang="en-US" smtClean="0"/>
               <a:pPr/>
-              <a:t>4/12/19</a:t>
+              <a:t>4/13/19</a:t>
             </a:fld>
             <a:endParaRPr lang="en-US"/>
           </a:p>
@@ -2863,7 +2864,7 @@
             <a:fld id="{53074F12-AA26-4AC8-9962-C36BB8F32554}" type="datetimeFigureOut">
               <a:rPr lang="en-US" smtClean="0"/>
               <a:pPr/>
-              <a:t>4/12/19</a:t>
+              <a:t>4/13/19</a:t>
             </a:fld>
             <a:endParaRPr lang="en-US"/>
           </a:p>
@@ -3150,7 +3151,7 @@
             <a:fld id="{53074F12-AA26-4AC8-9962-C36BB8F32554}" type="datetimeFigureOut">
               <a:rPr lang="en-US" smtClean="0"/>
               <a:pPr/>
-              <a:t>4/12/19</a:t>
+              <a:t>4/13/19</a:t>
             </a:fld>
             <a:endParaRPr lang="en-US"/>
           </a:p>
@@ -3652,7 +3653,7 @@
             <a:fld id="{53074F12-AA26-4AC8-9962-C36BB8F32554}" type="datetimeFigureOut">
               <a:rPr lang="en-US" smtClean="0"/>
               <a:pPr/>
-              <a:t>4/12/19</a:t>
+              <a:t>4/13/19</a:t>
             </a:fld>
             <a:endParaRPr lang="en-US"/>
           </a:p>
@@ -3771,7 +3772,7 @@
             <a:fld id="{53074F12-AA26-4AC8-9962-C36BB8F32554}" type="datetimeFigureOut">
               <a:rPr lang="en-US" smtClean="0"/>
               <a:pPr/>
-              <a:t>4/12/19</a:t>
+              <a:t>4/13/19</a:t>
             </a:fld>
             <a:endParaRPr lang="en-US"/>
           </a:p>
@@ -3868,7 +3869,7 @@
             <a:fld id="{53074F12-AA26-4AC8-9962-C36BB8F32554}" type="datetimeFigureOut">
               <a:rPr lang="en-US" smtClean="0"/>
               <a:pPr/>
-              <a:t>4/12/19</a:t>
+              <a:t>4/13/19</a:t>
             </a:fld>
             <a:endParaRPr lang="en-US"/>
           </a:p>
@@ -4145,7 +4146,7 @@
             <a:fld id="{53074F12-AA26-4AC8-9962-C36BB8F32554}" type="datetimeFigureOut">
               <a:rPr lang="en-US" smtClean="0"/>
               <a:pPr/>
-              <a:t>4/12/19</a:t>
+              <a:t>4/13/19</a:t>
             </a:fld>
             <a:endParaRPr lang="en-US"/>
           </a:p>
@@ -4367,7 +4368,7 @@
             <a:fld id="{53074F12-AA26-4AC8-9962-C36BB8F32554}" type="datetimeFigureOut">
               <a:rPr lang="en-US" smtClean="0"/>
               <a:pPr/>
-              <a:t>4/12/19</a:t>
+              <a:t>4/13/19</a:t>
             </a:fld>
             <a:endParaRPr lang="en-US"/>
           </a:p>
@@ -4909,20 +4910,6 @@
 <file path=ppt/slides/slide11.xml><?xml version="1.0" encoding="utf-8"?>
 <p:sld xmlns:a="http://schemas.openxmlformats.org/drawingml/2006/main" xmlns:r="http://schemas.openxmlformats.org/officeDocument/2006/relationships" xmlns:p="http://schemas.openxmlformats.org/presentationml/2006/main">
   <p:cSld>
-    <p:bg>
-      <p:bgPr>
-        <a:blipFill dpi="0" rotWithShape="1">
-          <a:blip r:embed="rId2">
-            <a:lum/>
-          </a:blip>
-          <a:srcRect/>
-          <a:stretch>
-            <a:fillRect/>
-          </a:stretch>
-        </a:blipFill>
-        <a:effectLst/>
-      </p:bgPr>
-    </p:bg>
     <p:spTree>
       <p:nvGrpSpPr>
         <p:cNvPr id="1" name=""/>
@@ -4947,81 +4934,25 @@
             <p:ph type="title"/>
           </p:nvPr>
         </p:nvSpPr>
-        <p:spPr/>
-        <p:txBody>
-          <a:bodyPr>
-            <a:normAutofit fontScale="90000"/>
-          </a:bodyPr>
-          <a:lstStyle/>
-          <a:p>
-            <a:pPr algn="ctr"/>
-            <a:r>
-              <a:rPr lang="en-US"/>
-              <a:t>Comparative Analysis</a:t>
-            </a:r>
-            <a:endParaRPr lang="en-US" dirty="0"/>
-          </a:p>
-        </p:txBody>
-      </p:sp>
-      <p:sp>
-        <p:nvSpPr>
-          <p:cNvPr id="5" name="Content Placeholder 4"/>
-          <p:cNvSpPr>
-            <a:spLocks noGrp="1"/>
-          </p:cNvSpPr>
-          <p:nvPr>
-            <p:ph idx="1"/>
-          </p:nvPr>
-        </p:nvSpPr>
         <p:spPr>
           <a:xfrm>
-            <a:off x="1823310" y="1596540"/>
-            <a:ext cx="7016195" cy="3206805"/>
+            <a:off x="448965" y="2970885"/>
+            <a:ext cx="8229600" cy="916230"/>
           </a:xfrm>
         </p:spPr>
         <p:txBody>
           <a:bodyPr>
-            <a:normAutofit/>
+            <a:noAutofit/>
           </a:bodyPr>
           <a:lstStyle/>
           <a:p>
-            <a:r>
-              <a:rPr lang="en-US" dirty="0">
-                <a:solidFill>
-                  <a:srgbClr val="FF0000"/>
-                </a:solidFill>
+            <a:pPr algn="ctr"/>
+            <a:r>
+              <a:rPr lang="en-US" sz="6000" dirty="0">
+                <a:latin typeface="Arial Rounded MT Bold"/>
+                <a:cs typeface="Arial Rounded MT Bold"/>
               </a:rPr>
-              <a:t>&lt;&lt;linear regression charts&gt;&gt; &lt;&lt;Richard&gt;&gt;</a:t>
-            </a:r>
-          </a:p>
-          <a:p>
-            <a:r>
-              <a:rPr lang="en-US" dirty="0">
-                <a:solidFill>
-                  <a:srgbClr val="FF0000"/>
-                </a:solidFill>
-              </a:rPr>
-              <a:t>&lt;&lt;linear regression values&gt;&gt; &lt;&lt;Richard&gt;&gt;</a:t>
-            </a:r>
-          </a:p>
-          <a:p>
-            <a:r>
-              <a:rPr lang="en-US" dirty="0">
-                <a:solidFill>
-                  <a:srgbClr val="FF0000"/>
-                </a:solidFill>
-              </a:rPr>
-              <a:t>&lt;&lt;Correlation plot&gt;&gt; &lt;&lt;Richard &amp; Amy&gt;&gt;</a:t>
-            </a:r>
-          </a:p>
-          <a:p>
-            <a:r>
-              <a:rPr lang="en-US" dirty="0">
-                <a:solidFill>
-                  <a:srgbClr val="FF0000"/>
-                </a:solidFill>
-              </a:rPr>
-              <a:t>&lt;&lt;Random Forest/Hierarchy &gt;&gt;  &lt;&lt;Tom&gt;&gt;</a:t>
+              <a:t>Evaluation/Results</a:t>
             </a:r>
           </a:p>
         </p:txBody>
@@ -5029,7 +4960,7 @@
     </p:spTree>
     <p:extLst>
       <p:ext uri="{BB962C8B-B14F-4D97-AF65-F5344CB8AC3E}">
-        <p14:creationId xmlns:p14="http://schemas.microsoft.com/office/powerpoint/2010/main" val="1101633878"/>
+        <p14:creationId xmlns:p14="http://schemas.microsoft.com/office/powerpoint/2010/main" val="913591413"/>
       </p:ext>
     </p:extLst>
   </p:cSld>
@@ -5068,69 +4999,6 @@
         </p:nvSpPr>
         <p:spPr>
           <a:xfrm>
-            <a:off x="448965" y="2970885"/>
-            <a:ext cx="8229600" cy="916230"/>
-          </a:xfrm>
-        </p:spPr>
-        <p:txBody>
-          <a:bodyPr>
-            <a:noAutofit/>
-          </a:bodyPr>
-          <a:lstStyle/>
-          <a:p>
-            <a:pPr algn="ctr"/>
-            <a:r>
-              <a:rPr lang="en-US" sz="6000" dirty="0">
-                <a:latin typeface="Arial Rounded MT Bold"/>
-                <a:cs typeface="Arial Rounded MT Bold"/>
-              </a:rPr>
-              <a:t>Evaluation/Results</a:t>
-            </a:r>
-          </a:p>
-        </p:txBody>
-      </p:sp>
-    </p:spTree>
-    <p:extLst>
-      <p:ext uri="{BB962C8B-B14F-4D97-AF65-F5344CB8AC3E}">
-        <p14:creationId xmlns:p14="http://schemas.microsoft.com/office/powerpoint/2010/main" val="913591413"/>
-      </p:ext>
-    </p:extLst>
-  </p:cSld>
-  <p:clrMapOvr>
-    <a:masterClrMapping/>
-  </p:clrMapOvr>
-</p:sld>
-</file>
-
-<file path=ppt/slides/slide13.xml><?xml version="1.0" encoding="utf-8"?>
-<p:sld xmlns:a="http://schemas.openxmlformats.org/drawingml/2006/main" xmlns:r="http://schemas.openxmlformats.org/officeDocument/2006/relationships" xmlns:p="http://schemas.openxmlformats.org/presentationml/2006/main">
-  <p:cSld>
-    <p:spTree>
-      <p:nvGrpSpPr>
-        <p:cNvPr id="1" name=""/>
-        <p:cNvGrpSpPr/>
-        <p:nvPr/>
-      </p:nvGrpSpPr>
-      <p:grpSpPr>
-        <a:xfrm>
-          <a:off x="0" y="0"/>
-          <a:ext cx="0" cy="0"/>
-          <a:chOff x="0" y="0"/>
-          <a:chExt cx="0" cy="0"/>
-        </a:xfrm>
-      </p:grpSpPr>
-      <p:sp>
-        <p:nvSpPr>
-          <p:cNvPr id="4" name="Title 3"/>
-          <p:cNvSpPr>
-            <a:spLocks noGrp="1"/>
-          </p:cNvSpPr>
-          <p:nvPr>
-            <p:ph type="title"/>
-          </p:nvPr>
-        </p:nvSpPr>
-        <p:spPr>
-          <a:xfrm>
             <a:off x="448965" y="527605"/>
             <a:ext cx="8229600" cy="610820"/>
           </a:xfrm>
@@ -5162,7 +5030,7 @@
           <p:cNvPr id="8" name="Picture 7">
             <a:extLst>
               <a:ext uri="{FF2B5EF4-FFF2-40B4-BE49-F238E27FC236}">
-                <a16:creationId xmlns:a16="http://schemas.microsoft.com/office/drawing/2014/main" xmlns="" id="{DB2C3199-C409-464D-B38D-D9D6AE877970}"/>
+                <a16:creationId xmlns="" xmlns:a16="http://schemas.microsoft.com/office/drawing/2014/main" id="{DB2C3199-C409-464D-B38D-D9D6AE877970}"/>
               </a:ext>
             </a:extLst>
           </p:cNvPr>
@@ -5208,7 +5076,7 @@
           <p:cNvPr id="15" name="Picture 14">
             <a:extLst>
               <a:ext uri="{FF2B5EF4-FFF2-40B4-BE49-F238E27FC236}">
-                <a16:creationId xmlns:a16="http://schemas.microsoft.com/office/drawing/2014/main" xmlns="" id="{FA7EBE22-8578-472B-8A15-1D66317CA7EB}"/>
+                <a16:creationId xmlns="" xmlns:a16="http://schemas.microsoft.com/office/drawing/2014/main" id="{FA7EBE22-8578-472B-8A15-1D66317CA7EB}"/>
               </a:ext>
             </a:extLst>
           </p:cNvPr>
@@ -5262,7 +5130,7 @@
 </p:sld>
 </file>
 
-<file path=ppt/slides/slide14.xml><?xml version="1.0" encoding="utf-8"?>
+<file path=ppt/slides/slide13.xml><?xml version="1.0" encoding="utf-8"?>
 <p:sld xmlns:a="http://schemas.openxmlformats.org/drawingml/2006/main" xmlns:r="http://schemas.openxmlformats.org/officeDocument/2006/relationships" xmlns:p="http://schemas.openxmlformats.org/presentationml/2006/main">
   <p:cSld>
     <p:spTree>
@@ -5322,7 +5190,7 @@
           <p:cNvPr id="3" name="Picture 2">
             <a:extLst>
               <a:ext uri="{FF2B5EF4-FFF2-40B4-BE49-F238E27FC236}">
-                <a16:creationId xmlns:a16="http://schemas.microsoft.com/office/drawing/2014/main" xmlns="" id="{58CB6DB6-4899-433C-9588-E105827CCFD2}"/>
+                <a16:creationId xmlns="" xmlns:a16="http://schemas.microsoft.com/office/drawing/2014/main" id="{58CB6DB6-4899-433C-9588-E105827CCFD2}"/>
               </a:ext>
             </a:extLst>
           </p:cNvPr>
@@ -5368,7 +5236,7 @@
           <p:cNvPr id="7" name="Picture 6">
             <a:extLst>
               <a:ext uri="{FF2B5EF4-FFF2-40B4-BE49-F238E27FC236}">
-                <a16:creationId xmlns:a16="http://schemas.microsoft.com/office/drawing/2014/main" xmlns="" id="{4020E95C-9F46-4C7B-8360-ECDABE602960}"/>
+                <a16:creationId xmlns="" xmlns:a16="http://schemas.microsoft.com/office/drawing/2014/main" id="{4020E95C-9F46-4C7B-8360-ECDABE602960}"/>
               </a:ext>
             </a:extLst>
           </p:cNvPr>
@@ -5422,7 +5290,7 @@
 </p:sld>
 </file>
 
-<file path=ppt/slides/slide15.xml><?xml version="1.0" encoding="utf-8"?>
+<file path=ppt/slides/slide14.xml><?xml version="1.0" encoding="utf-8"?>
 <p:sld xmlns:a="http://schemas.openxmlformats.org/drawingml/2006/main" xmlns:r="http://schemas.openxmlformats.org/officeDocument/2006/relationships" xmlns:p="http://schemas.openxmlformats.org/presentationml/2006/main">
   <p:cSld>
     <p:spTree>
@@ -5482,7 +5350,7 @@
           <p:cNvPr id="5" name="Picture 4">
             <a:extLst>
               <a:ext uri="{FF2B5EF4-FFF2-40B4-BE49-F238E27FC236}">
-                <a16:creationId xmlns:a16="http://schemas.microsoft.com/office/drawing/2014/main" xmlns="" id="{1F7771D5-DD24-47CC-8EA2-6FFF445661B9}"/>
+                <a16:creationId xmlns="" xmlns:a16="http://schemas.microsoft.com/office/drawing/2014/main" id="{1F7771D5-DD24-47CC-8EA2-6FFF445661B9}"/>
               </a:ext>
             </a:extLst>
           </p:cNvPr>
@@ -5528,7 +5396,7 @@
           <p:cNvPr id="8" name="Picture 7">
             <a:extLst>
               <a:ext uri="{FF2B5EF4-FFF2-40B4-BE49-F238E27FC236}">
-                <a16:creationId xmlns:a16="http://schemas.microsoft.com/office/drawing/2014/main" xmlns="" id="{E10743F2-03B0-4ACF-9B29-2AD23530A025}"/>
+                <a16:creationId xmlns="" xmlns:a16="http://schemas.microsoft.com/office/drawing/2014/main" id="{E10743F2-03B0-4ACF-9B29-2AD23530A025}"/>
               </a:ext>
             </a:extLst>
           </p:cNvPr>
@@ -5582,7 +5450,7 @@
 </p:sld>
 </file>
 
-<file path=ppt/slides/slide16.xml><?xml version="1.0" encoding="utf-8"?>
+<file path=ppt/slides/slide15.xml><?xml version="1.0" encoding="utf-8"?>
 <p:sld xmlns:a="http://schemas.openxmlformats.org/drawingml/2006/main" xmlns:r="http://schemas.openxmlformats.org/officeDocument/2006/relationships" xmlns:p="http://schemas.openxmlformats.org/presentationml/2006/main">
   <p:cSld>
     <p:spTree>
@@ -5642,7 +5510,7 @@
           <p:cNvPr id="3" name="Picture 2">
             <a:extLst>
               <a:ext uri="{FF2B5EF4-FFF2-40B4-BE49-F238E27FC236}">
-                <a16:creationId xmlns:a16="http://schemas.microsoft.com/office/drawing/2014/main" xmlns="" id="{60D93743-C519-4097-A066-530F9F9176A3}"/>
+                <a16:creationId xmlns="" xmlns:a16="http://schemas.microsoft.com/office/drawing/2014/main" id="{60D93743-C519-4097-A066-530F9F9176A3}"/>
               </a:ext>
             </a:extLst>
           </p:cNvPr>
@@ -5696,7 +5564,7 @@
 </p:sld>
 </file>
 
-<file path=ppt/slides/slide17.xml><?xml version="1.0" encoding="utf-8"?>
+<file path=ppt/slides/slide16.xml><?xml version="1.0" encoding="utf-8"?>
 <p:sld xmlns:a="http://schemas.openxmlformats.org/drawingml/2006/main" xmlns:r="http://schemas.openxmlformats.org/officeDocument/2006/relationships" xmlns:p="http://schemas.openxmlformats.org/presentationml/2006/main">
   <p:cSld>
     <p:spTree>
@@ -5756,7 +5624,7 @@
           <p:cNvPr id="5" name="Picture 4">
             <a:extLst>
               <a:ext uri="{FF2B5EF4-FFF2-40B4-BE49-F238E27FC236}">
-                <a16:creationId xmlns:a16="http://schemas.microsoft.com/office/drawing/2014/main" xmlns="" id="{89BB4C68-10AA-462C-88D1-E13850378523}"/>
+                <a16:creationId xmlns="" xmlns:a16="http://schemas.microsoft.com/office/drawing/2014/main" id="{89BB4C68-10AA-462C-88D1-E13850378523}"/>
               </a:ext>
             </a:extLst>
           </p:cNvPr>
@@ -5810,7 +5678,7 @@
 </p:sld>
 </file>
 
-<file path=ppt/slides/slide18.xml><?xml version="1.0" encoding="utf-8"?>
+<file path=ppt/slides/slide17.xml><?xml version="1.0" encoding="utf-8"?>
 <p:sld xmlns:a="http://schemas.openxmlformats.org/drawingml/2006/main" xmlns:r="http://schemas.openxmlformats.org/officeDocument/2006/relationships" xmlns:p="http://schemas.openxmlformats.org/presentationml/2006/main">
   <p:cSld>
     <p:spTree>
@@ -5870,7 +5738,7 @@
           <p:cNvPr id="6" name="Title 3">
             <a:extLst>
               <a:ext uri="{FF2B5EF4-FFF2-40B4-BE49-F238E27FC236}">
-                <a16:creationId xmlns:a16="http://schemas.microsoft.com/office/drawing/2014/main" xmlns="" id="{9583A6A4-2D21-4507-B328-95C927702653}"/>
+                <a16:creationId xmlns="" xmlns:a16="http://schemas.microsoft.com/office/drawing/2014/main" id="{9583A6A4-2D21-4507-B328-95C927702653}"/>
               </a:ext>
             </a:extLst>
           </p:cNvPr>
@@ -5925,7 +5793,7 @@
           <p:cNvPr id="9" name="Table 8">
             <a:extLst>
               <a:ext uri="{FF2B5EF4-FFF2-40B4-BE49-F238E27FC236}">
-                <a16:creationId xmlns:a16="http://schemas.microsoft.com/office/drawing/2014/main" xmlns="" id="{AA79B504-A602-45A0-BBBB-BAF4AEF19100}"/>
+                <a16:creationId xmlns="" xmlns:a16="http://schemas.microsoft.com/office/drawing/2014/main" id="{AA79B504-A602-45A0-BBBB-BAF4AEF19100}"/>
               </a:ext>
             </a:extLst>
           </p:cNvPr>
@@ -5950,14 +5818,14 @@
                 <a:gridCol w="1246487">
                   <a:extLst>
                     <a:ext uri="{9D8B030D-6E8A-4147-A177-3AD203B41FA5}">
-                      <a16:colId xmlns:a16="http://schemas.microsoft.com/office/drawing/2014/main" xmlns="" val="2465482271"/>
+                      <a16:colId xmlns="" xmlns:a16="http://schemas.microsoft.com/office/drawing/2014/main" val="2465482271"/>
                     </a:ext>
                   </a:extLst>
                 </a:gridCol>
                 <a:gridCol w="1826913">
                   <a:extLst>
                     <a:ext uri="{9D8B030D-6E8A-4147-A177-3AD203B41FA5}">
-                      <a16:colId xmlns:a16="http://schemas.microsoft.com/office/drawing/2014/main" xmlns="" val="459322838"/>
+                      <a16:colId xmlns="" xmlns:a16="http://schemas.microsoft.com/office/drawing/2014/main" val="459322838"/>
                     </a:ext>
                   </a:extLst>
                 </a:gridCol>
@@ -6023,7 +5891,7 @@
                 </a:tc>
                 <a:extLst>
                   <a:ext uri="{0D108BD9-81ED-4DB2-BD59-A6C34878D82A}">
-                    <a16:rowId xmlns:a16="http://schemas.microsoft.com/office/drawing/2014/main" xmlns="" val="2821046416"/>
+                    <a16:rowId xmlns="" xmlns:a16="http://schemas.microsoft.com/office/drawing/2014/main" val="2821046416"/>
                   </a:ext>
                 </a:extLst>
               </a:tr>
@@ -6076,7 +5944,7 @@
                 </a:tc>
                 <a:extLst>
                   <a:ext uri="{0D108BD9-81ED-4DB2-BD59-A6C34878D82A}">
-                    <a16:rowId xmlns:a16="http://schemas.microsoft.com/office/drawing/2014/main" xmlns="" val="259125149"/>
+                    <a16:rowId xmlns="" xmlns:a16="http://schemas.microsoft.com/office/drawing/2014/main" val="259125149"/>
                   </a:ext>
                 </a:extLst>
               </a:tr>
@@ -6129,7 +5997,7 @@
                 </a:tc>
                 <a:extLst>
                   <a:ext uri="{0D108BD9-81ED-4DB2-BD59-A6C34878D82A}">
-                    <a16:rowId xmlns:a16="http://schemas.microsoft.com/office/drawing/2014/main" xmlns="" val="599798767"/>
+                    <a16:rowId xmlns="" xmlns:a16="http://schemas.microsoft.com/office/drawing/2014/main" val="599798767"/>
                   </a:ext>
                 </a:extLst>
               </a:tr>
@@ -6142,7 +6010,7 @@
           <p:cNvPr id="7" name="Table 6">
             <a:extLst>
               <a:ext uri="{FF2B5EF4-FFF2-40B4-BE49-F238E27FC236}">
-                <a16:creationId xmlns:a16="http://schemas.microsoft.com/office/drawing/2014/main" xmlns="" id="{6CC8A5B3-A829-4073-83A7-8DEEB204CB10}"/>
+                <a16:creationId xmlns="" xmlns:a16="http://schemas.microsoft.com/office/drawing/2014/main" id="{6CC8A5B3-A829-4073-83A7-8DEEB204CB10}"/>
               </a:ext>
             </a:extLst>
           </p:cNvPr>
@@ -6171,35 +6039,35 @@
                 <a:gridCol w="953385">
                   <a:extLst>
                     <a:ext uri="{9D8B030D-6E8A-4147-A177-3AD203B41FA5}">
-                      <a16:colId xmlns:a16="http://schemas.microsoft.com/office/drawing/2014/main" xmlns="" val="880838215"/>
+                      <a16:colId xmlns="" xmlns:a16="http://schemas.microsoft.com/office/drawing/2014/main" val="880838215"/>
                     </a:ext>
                   </a:extLst>
                 </a:gridCol>
                 <a:gridCol w="635590">
                   <a:extLst>
                     <a:ext uri="{9D8B030D-6E8A-4147-A177-3AD203B41FA5}">
-                      <a16:colId xmlns:a16="http://schemas.microsoft.com/office/drawing/2014/main" xmlns="" val="2529509929"/>
+                      <a16:colId xmlns="" xmlns:a16="http://schemas.microsoft.com/office/drawing/2014/main" val="2529509929"/>
                     </a:ext>
                   </a:extLst>
                 </a:gridCol>
                 <a:gridCol w="635590">
                   <a:extLst>
                     <a:ext uri="{9D8B030D-6E8A-4147-A177-3AD203B41FA5}">
-                      <a16:colId xmlns:a16="http://schemas.microsoft.com/office/drawing/2014/main" xmlns="" val="895837762"/>
+                      <a16:colId xmlns="" xmlns:a16="http://schemas.microsoft.com/office/drawing/2014/main" val="895837762"/>
                     </a:ext>
                   </a:extLst>
                 </a:gridCol>
                 <a:gridCol w="635590">
                   <a:extLst>
                     <a:ext uri="{9D8B030D-6E8A-4147-A177-3AD203B41FA5}">
-                      <a16:colId xmlns:a16="http://schemas.microsoft.com/office/drawing/2014/main" xmlns="" val="3414946318"/>
+                      <a16:colId xmlns="" xmlns:a16="http://schemas.microsoft.com/office/drawing/2014/main" val="3414946318"/>
                     </a:ext>
                   </a:extLst>
                 </a:gridCol>
                 <a:gridCol w="635590">
                   <a:extLst>
                     <a:ext uri="{9D8B030D-6E8A-4147-A177-3AD203B41FA5}">
-                      <a16:colId xmlns:a16="http://schemas.microsoft.com/office/drawing/2014/main" xmlns="" val="3746756332"/>
+                      <a16:colId xmlns="" xmlns:a16="http://schemas.microsoft.com/office/drawing/2014/main" val="3746756332"/>
                     </a:ext>
                   </a:extLst>
                 </a:gridCol>
@@ -6328,7 +6196,7 @@
                 </a:tc>
                 <a:extLst>
                   <a:ext uri="{0D108BD9-81ED-4DB2-BD59-A6C34878D82A}">
-                    <a16:rowId xmlns:a16="http://schemas.microsoft.com/office/drawing/2014/main" xmlns="" val="1329674258"/>
+                    <a16:rowId xmlns="" xmlns:a16="http://schemas.microsoft.com/office/drawing/2014/main" val="1329674258"/>
                   </a:ext>
                 </a:extLst>
               </a:tr>
@@ -6450,7 +6318,7 @@
                 </a:tc>
                 <a:extLst>
                   <a:ext uri="{0D108BD9-81ED-4DB2-BD59-A6C34878D82A}">
-                    <a16:rowId xmlns:a16="http://schemas.microsoft.com/office/drawing/2014/main" xmlns="" val="4240691640"/>
+                    <a16:rowId xmlns="" xmlns:a16="http://schemas.microsoft.com/office/drawing/2014/main" val="4240691640"/>
                   </a:ext>
                 </a:extLst>
               </a:tr>
@@ -6572,7 +6440,7 @@
                 </a:tc>
                 <a:extLst>
                   <a:ext uri="{0D108BD9-81ED-4DB2-BD59-A6C34878D82A}">
-                    <a16:rowId xmlns:a16="http://schemas.microsoft.com/office/drawing/2014/main" xmlns="" val="1732450860"/>
+                    <a16:rowId xmlns="" xmlns:a16="http://schemas.microsoft.com/office/drawing/2014/main" val="1732450860"/>
                   </a:ext>
                 </a:extLst>
               </a:tr>
@@ -6694,7 +6562,7 @@
                 </a:tc>
                 <a:extLst>
                   <a:ext uri="{0D108BD9-81ED-4DB2-BD59-A6C34878D82A}">
-                    <a16:rowId xmlns:a16="http://schemas.microsoft.com/office/drawing/2014/main" xmlns="" val="3678558747"/>
+                    <a16:rowId xmlns="" xmlns:a16="http://schemas.microsoft.com/office/drawing/2014/main" val="3678558747"/>
                   </a:ext>
                 </a:extLst>
               </a:tr>
@@ -6816,7 +6684,7 @@
                 </a:tc>
                 <a:extLst>
                   <a:ext uri="{0D108BD9-81ED-4DB2-BD59-A6C34878D82A}">
-                    <a16:rowId xmlns:a16="http://schemas.microsoft.com/office/drawing/2014/main" xmlns="" val="2004686189"/>
+                    <a16:rowId xmlns="" xmlns:a16="http://schemas.microsoft.com/office/drawing/2014/main" val="2004686189"/>
                   </a:ext>
                 </a:extLst>
               </a:tr>
@@ -6938,7 +6806,7 @@
                 </a:tc>
                 <a:extLst>
                   <a:ext uri="{0D108BD9-81ED-4DB2-BD59-A6C34878D82A}">
-                    <a16:rowId xmlns:a16="http://schemas.microsoft.com/office/drawing/2014/main" xmlns="" val="279164385"/>
+                    <a16:rowId xmlns="" xmlns:a16="http://schemas.microsoft.com/office/drawing/2014/main" val="279164385"/>
                   </a:ext>
                 </a:extLst>
               </a:tr>
@@ -7060,7 +6928,7 @@
                 </a:tc>
                 <a:extLst>
                   <a:ext uri="{0D108BD9-81ED-4DB2-BD59-A6C34878D82A}">
-                    <a16:rowId xmlns:a16="http://schemas.microsoft.com/office/drawing/2014/main" xmlns="" val="487630636"/>
+                    <a16:rowId xmlns="" xmlns:a16="http://schemas.microsoft.com/office/drawing/2014/main" val="487630636"/>
                   </a:ext>
                 </a:extLst>
               </a:tr>
@@ -7182,7 +7050,7 @@
                 </a:tc>
                 <a:extLst>
                   <a:ext uri="{0D108BD9-81ED-4DB2-BD59-A6C34878D82A}">
-                    <a16:rowId xmlns:a16="http://schemas.microsoft.com/office/drawing/2014/main" xmlns="" val="3565446120"/>
+                    <a16:rowId xmlns="" xmlns:a16="http://schemas.microsoft.com/office/drawing/2014/main" val="3565446120"/>
                   </a:ext>
                 </a:extLst>
               </a:tr>
@@ -7304,7 +7172,7 @@
                 </a:tc>
                 <a:extLst>
                   <a:ext uri="{0D108BD9-81ED-4DB2-BD59-A6C34878D82A}">
-                    <a16:rowId xmlns:a16="http://schemas.microsoft.com/office/drawing/2014/main" xmlns="" val="352114911"/>
+                    <a16:rowId xmlns="" xmlns:a16="http://schemas.microsoft.com/office/drawing/2014/main" val="352114911"/>
                   </a:ext>
                 </a:extLst>
               </a:tr>
@@ -7426,7 +7294,7 @@
                 </a:tc>
                 <a:extLst>
                   <a:ext uri="{0D108BD9-81ED-4DB2-BD59-A6C34878D82A}">
-                    <a16:rowId xmlns:a16="http://schemas.microsoft.com/office/drawing/2014/main" xmlns="" val="386690825"/>
+                    <a16:rowId xmlns="" xmlns:a16="http://schemas.microsoft.com/office/drawing/2014/main" val="386690825"/>
                   </a:ext>
                 </a:extLst>
               </a:tr>
@@ -7548,7 +7416,7 @@
                 </a:tc>
                 <a:extLst>
                   <a:ext uri="{0D108BD9-81ED-4DB2-BD59-A6C34878D82A}">
-                    <a16:rowId xmlns:a16="http://schemas.microsoft.com/office/drawing/2014/main" xmlns="" val="1000163892"/>
+                    <a16:rowId xmlns="" xmlns:a16="http://schemas.microsoft.com/office/drawing/2014/main" val="1000163892"/>
                   </a:ext>
                 </a:extLst>
               </a:tr>
@@ -7670,7 +7538,7 @@
                 </a:tc>
                 <a:extLst>
                   <a:ext uri="{0D108BD9-81ED-4DB2-BD59-A6C34878D82A}">
-                    <a16:rowId xmlns:a16="http://schemas.microsoft.com/office/drawing/2014/main" xmlns="" val="3113454548"/>
+                    <a16:rowId xmlns="" xmlns:a16="http://schemas.microsoft.com/office/drawing/2014/main" val="3113454548"/>
                   </a:ext>
                 </a:extLst>
               </a:tr>
@@ -7792,7 +7660,7 @@
                 </a:tc>
                 <a:extLst>
                   <a:ext uri="{0D108BD9-81ED-4DB2-BD59-A6C34878D82A}">
-                    <a16:rowId xmlns:a16="http://schemas.microsoft.com/office/drawing/2014/main" xmlns="" val="3103038098"/>
+                    <a16:rowId xmlns="" xmlns:a16="http://schemas.microsoft.com/office/drawing/2014/main" val="3103038098"/>
                   </a:ext>
                 </a:extLst>
               </a:tr>
@@ -7914,7 +7782,7 @@
                 </a:tc>
                 <a:extLst>
                   <a:ext uri="{0D108BD9-81ED-4DB2-BD59-A6C34878D82A}">
-                    <a16:rowId xmlns:a16="http://schemas.microsoft.com/office/drawing/2014/main" xmlns="" val="1068511064"/>
+                    <a16:rowId xmlns="" xmlns:a16="http://schemas.microsoft.com/office/drawing/2014/main" val="1068511064"/>
                   </a:ext>
                 </a:extLst>
               </a:tr>
@@ -8036,7 +7904,7 @@
                 </a:tc>
                 <a:extLst>
                   <a:ext uri="{0D108BD9-81ED-4DB2-BD59-A6C34878D82A}">
-                    <a16:rowId xmlns:a16="http://schemas.microsoft.com/office/drawing/2014/main" xmlns="" val="347837285"/>
+                    <a16:rowId xmlns="" xmlns:a16="http://schemas.microsoft.com/office/drawing/2014/main" val="347837285"/>
                   </a:ext>
                 </a:extLst>
               </a:tr>
@@ -8158,7 +8026,7 @@
                 </a:tc>
                 <a:extLst>
                   <a:ext uri="{0D108BD9-81ED-4DB2-BD59-A6C34878D82A}">
-                    <a16:rowId xmlns:a16="http://schemas.microsoft.com/office/drawing/2014/main" xmlns="" val="1551749157"/>
+                    <a16:rowId xmlns="" xmlns:a16="http://schemas.microsoft.com/office/drawing/2014/main" val="1551749157"/>
                   </a:ext>
                 </a:extLst>
               </a:tr>
@@ -8280,7 +8148,7 @@
                 </a:tc>
                 <a:extLst>
                   <a:ext uri="{0D108BD9-81ED-4DB2-BD59-A6C34878D82A}">
-                    <a16:rowId xmlns:a16="http://schemas.microsoft.com/office/drawing/2014/main" xmlns="" val="1221700048"/>
+                    <a16:rowId xmlns="" xmlns:a16="http://schemas.microsoft.com/office/drawing/2014/main" val="1221700048"/>
                   </a:ext>
                 </a:extLst>
               </a:tr>
@@ -8402,7 +8270,7 @@
                 </a:tc>
                 <a:extLst>
                   <a:ext uri="{0D108BD9-81ED-4DB2-BD59-A6C34878D82A}">
-                    <a16:rowId xmlns:a16="http://schemas.microsoft.com/office/drawing/2014/main" xmlns="" val="992461386"/>
+                    <a16:rowId xmlns="" xmlns:a16="http://schemas.microsoft.com/office/drawing/2014/main" val="992461386"/>
                   </a:ext>
                 </a:extLst>
               </a:tr>
@@ -8524,7 +8392,7 @@
                 </a:tc>
                 <a:extLst>
                   <a:ext uri="{0D108BD9-81ED-4DB2-BD59-A6C34878D82A}">
-                    <a16:rowId xmlns:a16="http://schemas.microsoft.com/office/drawing/2014/main" xmlns="" val="2240546293"/>
+                    <a16:rowId xmlns="" xmlns:a16="http://schemas.microsoft.com/office/drawing/2014/main" val="2240546293"/>
                   </a:ext>
                 </a:extLst>
               </a:tr>
@@ -8646,7 +8514,7 @@
                 </a:tc>
                 <a:extLst>
                   <a:ext uri="{0D108BD9-81ED-4DB2-BD59-A6C34878D82A}">
-                    <a16:rowId xmlns:a16="http://schemas.microsoft.com/office/drawing/2014/main" xmlns="" val="1881982183"/>
+                    <a16:rowId xmlns="" xmlns:a16="http://schemas.microsoft.com/office/drawing/2014/main" val="1881982183"/>
                   </a:ext>
                 </a:extLst>
               </a:tr>
@@ -8768,7 +8636,7 @@
                 </a:tc>
                 <a:extLst>
                   <a:ext uri="{0D108BD9-81ED-4DB2-BD59-A6C34878D82A}">
-                    <a16:rowId xmlns:a16="http://schemas.microsoft.com/office/drawing/2014/main" xmlns="" val="3506898974"/>
+                    <a16:rowId xmlns="" xmlns:a16="http://schemas.microsoft.com/office/drawing/2014/main" val="3506898974"/>
                   </a:ext>
                 </a:extLst>
               </a:tr>
@@ -8890,7 +8758,7 @@
                 </a:tc>
                 <a:extLst>
                   <a:ext uri="{0D108BD9-81ED-4DB2-BD59-A6C34878D82A}">
-                    <a16:rowId xmlns:a16="http://schemas.microsoft.com/office/drawing/2014/main" xmlns="" val="503462108"/>
+                    <a16:rowId xmlns="" xmlns:a16="http://schemas.microsoft.com/office/drawing/2014/main" val="503462108"/>
                   </a:ext>
                 </a:extLst>
               </a:tr>
@@ -9012,7 +8880,7 @@
                 </a:tc>
                 <a:extLst>
                   <a:ext uri="{0D108BD9-81ED-4DB2-BD59-A6C34878D82A}">
-                    <a16:rowId xmlns:a16="http://schemas.microsoft.com/office/drawing/2014/main" xmlns="" val="3289877154"/>
+                    <a16:rowId xmlns="" xmlns:a16="http://schemas.microsoft.com/office/drawing/2014/main" val="3289877154"/>
                   </a:ext>
                 </a:extLst>
               </a:tr>
@@ -9134,7 +9002,7 @@
                 </a:tc>
                 <a:extLst>
                   <a:ext uri="{0D108BD9-81ED-4DB2-BD59-A6C34878D82A}">
-                    <a16:rowId xmlns:a16="http://schemas.microsoft.com/office/drawing/2014/main" xmlns="" val="1837071868"/>
+                    <a16:rowId xmlns="" xmlns:a16="http://schemas.microsoft.com/office/drawing/2014/main" val="1837071868"/>
                   </a:ext>
                 </a:extLst>
               </a:tr>
@@ -9155,7 +9023,310 @@
 </p:sld>
 </file>
 
+<file path=ppt/slides/slide18.xml><?xml version="1.0" encoding="utf-8"?>
+<p:sld xmlns:a="http://schemas.openxmlformats.org/drawingml/2006/main" xmlns:r="http://schemas.openxmlformats.org/officeDocument/2006/relationships" xmlns:p="http://schemas.openxmlformats.org/presentationml/2006/main">
+  <p:cSld>
+    <p:spTree>
+      <p:nvGrpSpPr>
+        <p:cNvPr id="1" name=""/>
+        <p:cNvGrpSpPr/>
+        <p:nvPr/>
+      </p:nvGrpSpPr>
+      <p:grpSpPr>
+        <a:xfrm>
+          <a:off x="0" y="0"/>
+          <a:ext cx="0" cy="0"/>
+          <a:chOff x="0" y="0"/>
+          <a:chExt cx="0" cy="0"/>
+        </a:xfrm>
+      </p:grpSpPr>
+      <p:sp>
+        <p:nvSpPr>
+          <p:cNvPr id="4" name="Title 3"/>
+          <p:cNvSpPr>
+            <a:spLocks noGrp="1"/>
+          </p:cNvSpPr>
+          <p:nvPr>
+            <p:ph type="title"/>
+          </p:nvPr>
+        </p:nvSpPr>
+        <p:spPr>
+          <a:xfrm>
+            <a:off x="1517900" y="222195"/>
+            <a:ext cx="7016195" cy="610820"/>
+          </a:xfrm>
+        </p:spPr>
+        <p:txBody>
+          <a:bodyPr>
+            <a:normAutofit fontScale="90000"/>
+          </a:bodyPr>
+          <a:lstStyle/>
+          <a:p>
+            <a:pPr algn="ctr"/>
+            <a:r>
+              <a:rPr lang="en-US" dirty="0" err="1" smtClean="0">
+                <a:solidFill>
+                  <a:schemeClr val="bg1"/>
+                </a:solidFill>
+              </a:rPr>
+              <a:t>Comparitive</a:t>
+            </a:r>
+            <a:r>
+              <a:rPr lang="en-US" dirty="0" smtClean="0">
+                <a:solidFill>
+                  <a:schemeClr val="bg1"/>
+                </a:solidFill>
+              </a:rPr>
+              <a:t> Analysis  </a:t>
+            </a:r>
+            <a:br>
+              <a:rPr lang="en-US" dirty="0" smtClean="0">
+                <a:solidFill>
+                  <a:schemeClr val="bg1"/>
+                </a:solidFill>
+              </a:rPr>
+            </a:br>
+            <a:r>
+              <a:rPr lang="en-US" dirty="0" smtClean="0">
+                <a:solidFill>
+                  <a:schemeClr val="bg1"/>
+                </a:solidFill>
+              </a:rPr>
+              <a:t>Variable Importance</a:t>
+            </a:r>
+            <a:endParaRPr lang="en-US" sz="2000" dirty="0">
+              <a:solidFill>
+                <a:schemeClr val="bg1"/>
+              </a:solidFill>
+            </a:endParaRPr>
+          </a:p>
+        </p:txBody>
+      </p:sp>
+      <p:pic>
+        <p:nvPicPr>
+          <p:cNvPr id="3" name="Picture 2"/>
+          <p:cNvPicPr>
+            <a:picLocks noChangeAspect="1"/>
+          </p:cNvPicPr>
+          <p:nvPr/>
+        </p:nvPicPr>
+        <p:blipFill>
+          <a:blip r:embed="rId2"/>
+          <a:stretch>
+            <a:fillRect/>
+          </a:stretch>
+        </p:blipFill>
+        <p:spPr>
+          <a:xfrm>
+            <a:off x="448965" y="1138425"/>
+            <a:ext cx="7931510" cy="5440822"/>
+          </a:xfrm>
+          <a:prstGeom prst="rect">
+            <a:avLst/>
+          </a:prstGeom>
+        </p:spPr>
+      </p:pic>
+    </p:spTree>
+    <p:extLst>
+      <p:ext uri="{BB962C8B-B14F-4D97-AF65-F5344CB8AC3E}">
+        <p14:creationId xmlns:p14="http://schemas.microsoft.com/office/powerpoint/2010/main" val="1365004091"/>
+      </p:ext>
+    </p:extLst>
+  </p:cSld>
+  <p:clrMapOvr>
+    <a:masterClrMapping/>
+  </p:clrMapOvr>
+</p:sld>
+</file>
+
 <file path=ppt/slides/slide19.xml><?xml version="1.0" encoding="utf-8"?>
+<p:sld xmlns:a="http://schemas.openxmlformats.org/drawingml/2006/main" xmlns:r="http://schemas.openxmlformats.org/officeDocument/2006/relationships" xmlns:p="http://schemas.openxmlformats.org/presentationml/2006/main">
+  <p:cSld>
+    <p:spTree>
+      <p:nvGrpSpPr>
+        <p:cNvPr id="1" name=""/>
+        <p:cNvGrpSpPr/>
+        <p:nvPr/>
+      </p:nvGrpSpPr>
+      <p:grpSpPr>
+        <a:xfrm>
+          <a:off x="0" y="0"/>
+          <a:ext cx="0" cy="0"/>
+          <a:chOff x="0" y="0"/>
+          <a:chExt cx="0" cy="0"/>
+        </a:xfrm>
+      </p:grpSpPr>
+      <p:sp>
+        <p:nvSpPr>
+          <p:cNvPr id="4" name="Title 3"/>
+          <p:cNvSpPr>
+            <a:spLocks noGrp="1"/>
+          </p:cNvSpPr>
+          <p:nvPr>
+            <p:ph type="title"/>
+          </p:nvPr>
+        </p:nvSpPr>
+        <p:spPr>
+          <a:xfrm>
+            <a:off x="1823310" y="222195"/>
+            <a:ext cx="7016195" cy="610820"/>
+          </a:xfrm>
+        </p:spPr>
+        <p:txBody>
+          <a:bodyPr>
+            <a:normAutofit fontScale="90000"/>
+          </a:bodyPr>
+          <a:lstStyle/>
+          <a:p>
+            <a:pPr algn="ctr"/>
+            <a:r>
+              <a:rPr lang="en-US" dirty="0">
+                <a:solidFill>
+                  <a:srgbClr val="FFFFFF"/>
+                </a:solidFill>
+              </a:rPr>
+              <a:t>Comparative </a:t>
+            </a:r>
+            <a:r>
+              <a:rPr lang="en-US" dirty="0" smtClean="0">
+                <a:solidFill>
+                  <a:srgbClr val="FFFFFF"/>
+                </a:solidFill>
+              </a:rPr>
+              <a:t>Analysis</a:t>
+            </a:r>
+            <a:br>
+              <a:rPr lang="en-US" dirty="0" smtClean="0">
+                <a:solidFill>
+                  <a:srgbClr val="FFFFFF"/>
+                </a:solidFill>
+              </a:rPr>
+            </a:br>
+            <a:r>
+              <a:rPr lang="en-US" dirty="0" smtClean="0">
+                <a:solidFill>
+                  <a:srgbClr val="FFFFFF"/>
+                </a:solidFill>
+              </a:rPr>
+              <a:t>Attrition </a:t>
+            </a:r>
+            <a:r>
+              <a:rPr lang="en-US" dirty="0" smtClean="0">
+                <a:solidFill>
+                  <a:srgbClr val="FFFFFF"/>
+                </a:solidFill>
+              </a:rPr>
+              <a:t>Decision Tree</a:t>
+            </a:r>
+            <a:endParaRPr lang="en-US" dirty="0">
+              <a:solidFill>
+                <a:srgbClr val="FFFFFF"/>
+              </a:solidFill>
+            </a:endParaRPr>
+          </a:p>
+        </p:txBody>
+      </p:sp>
+      <p:pic>
+        <p:nvPicPr>
+          <p:cNvPr id="2" name="Picture 1"/>
+          <p:cNvPicPr>
+            <a:picLocks noChangeAspect="1"/>
+          </p:cNvPicPr>
+          <p:nvPr/>
+        </p:nvPicPr>
+        <p:blipFill>
+          <a:blip r:embed="rId2"/>
+          <a:stretch>
+            <a:fillRect/>
+          </a:stretch>
+        </p:blipFill>
+        <p:spPr>
+          <a:xfrm>
+            <a:off x="907080" y="1291130"/>
+            <a:ext cx="8083689" cy="4581150"/>
+          </a:xfrm>
+          <a:prstGeom prst="rect">
+            <a:avLst/>
+          </a:prstGeom>
+        </p:spPr>
+      </p:pic>
+    </p:spTree>
+    <p:extLst>
+      <p:ext uri="{BB962C8B-B14F-4D97-AF65-F5344CB8AC3E}">
+        <p14:creationId xmlns:p14="http://schemas.microsoft.com/office/powerpoint/2010/main" val="4223722603"/>
+      </p:ext>
+    </p:extLst>
+  </p:cSld>
+  <p:clrMapOvr>
+    <a:masterClrMapping/>
+  </p:clrMapOvr>
+</p:sld>
+</file>
+
+<file path=ppt/slides/slide2.xml><?xml version="1.0" encoding="utf-8"?>
+<p:sld xmlns:a="http://schemas.openxmlformats.org/drawingml/2006/main" xmlns:r="http://schemas.openxmlformats.org/officeDocument/2006/relationships" xmlns:p="http://schemas.openxmlformats.org/presentationml/2006/main">
+  <p:cSld>
+    <p:spTree>
+      <p:nvGrpSpPr>
+        <p:cNvPr id="1" name=""/>
+        <p:cNvGrpSpPr/>
+        <p:nvPr/>
+      </p:nvGrpSpPr>
+      <p:grpSpPr>
+        <a:xfrm>
+          <a:off x="0" y="0"/>
+          <a:ext cx="0" cy="0"/>
+          <a:chOff x="0" y="0"/>
+          <a:chExt cx="0" cy="0"/>
+        </a:xfrm>
+      </p:grpSpPr>
+      <p:sp>
+        <p:nvSpPr>
+          <p:cNvPr id="4" name="Title 3"/>
+          <p:cNvSpPr>
+            <a:spLocks noGrp="1"/>
+          </p:cNvSpPr>
+          <p:nvPr>
+            <p:ph type="title"/>
+          </p:nvPr>
+        </p:nvSpPr>
+        <p:spPr>
+          <a:xfrm>
+            <a:off x="448965" y="2970885"/>
+            <a:ext cx="8229600" cy="916230"/>
+          </a:xfrm>
+        </p:spPr>
+        <p:txBody>
+          <a:bodyPr>
+            <a:noAutofit/>
+          </a:bodyPr>
+          <a:lstStyle/>
+          <a:p>
+            <a:pPr algn="ctr"/>
+            <a:r>
+              <a:rPr lang="en-US" sz="6000" dirty="0">
+                <a:latin typeface="Arial Rounded MT Bold"/>
+                <a:cs typeface="Arial Rounded MT Bold"/>
+              </a:rPr>
+              <a:t>Business Objectives</a:t>
+            </a:r>
+          </a:p>
+        </p:txBody>
+      </p:sp>
+    </p:spTree>
+    <p:extLst>
+      <p:ext uri="{BB962C8B-B14F-4D97-AF65-F5344CB8AC3E}">
+        <p14:creationId xmlns:p14="http://schemas.microsoft.com/office/powerpoint/2010/main" val="4170783713"/>
+      </p:ext>
+    </p:extLst>
+  </p:cSld>
+  <p:clrMapOvr>
+    <a:masterClrMapping/>
+  </p:clrMapOvr>
+</p:sld>
+</file>
+
+<file path=ppt/slides/slide20.xml><?xml version="1.0" encoding="utf-8"?>
 <p:sld xmlns:a="http://schemas.openxmlformats.org/drawingml/2006/main" xmlns:r="http://schemas.openxmlformats.org/officeDocument/2006/relationships" xmlns:p="http://schemas.openxmlformats.org/presentationml/2006/main">
   <p:cSld>
     <p:bg>
@@ -9196,7 +9367,12 @@
             <p:ph type="title"/>
           </p:nvPr>
         </p:nvSpPr>
-        <p:spPr/>
+        <p:spPr>
+          <a:xfrm>
+            <a:off x="1670605" y="374900"/>
+            <a:ext cx="7016195" cy="610820"/>
+          </a:xfrm>
+        </p:spPr>
         <p:txBody>
           <a:bodyPr>
             <a:normAutofit fontScale="90000"/>
@@ -9205,120 +9381,240 @@
           <a:p>
             <a:pPr algn="ctr"/>
             <a:r>
-              <a:rPr lang="en-US" dirty="0"/>
-              <a:t>Cost of Turnover </a:t>
-            </a:r>
-            <a:r>
-              <a:rPr lang="mr-IN" dirty="0"/>
-              <a:t>–</a:t>
-            </a:r>
-            <a:r>
-              <a:rPr lang="en-US" dirty="0"/>
-              <a:t> Industry </a:t>
-            </a:r>
-            <a:r>
-              <a:rPr lang="en-US" dirty="0" err="1"/>
-              <a:t>Average</a:t>
-            </a:r>
-            <a:r>
-              <a:rPr lang="en-US" sz="2000" baseline="30000" dirty="0" err="1"/>
-              <a:t>Ϯ</a:t>
+              <a:rPr lang="en-US" dirty="0" smtClean="0"/>
+              <a:t>Employee Prediction Analysis</a:t>
             </a:r>
             <a:endParaRPr lang="en-US" sz="2000" dirty="0"/>
           </a:p>
         </p:txBody>
       </p:sp>
-      <p:sp>
-        <p:nvSpPr>
-          <p:cNvPr id="5" name="Content Placeholder 4"/>
-          <p:cNvSpPr>
-            <a:spLocks noGrp="1"/>
-          </p:cNvSpPr>
-          <p:nvPr>
-            <p:ph idx="1"/>
-          </p:nvPr>
-        </p:nvSpPr>
+      <p:pic>
+        <p:nvPicPr>
+          <p:cNvPr id="3" name="Picture 2"/>
+          <p:cNvPicPr>
+            <a:picLocks noChangeAspect="1"/>
+          </p:cNvPicPr>
+          <p:nvPr/>
+        </p:nvPicPr>
+        <p:blipFill>
+          <a:blip r:embed="rId3"/>
+          <a:stretch>
+            <a:fillRect/>
+          </a:stretch>
+        </p:blipFill>
         <p:spPr>
           <a:xfrm>
-            <a:off x="1823310" y="1596540"/>
-            <a:ext cx="7016195" cy="3206805"/>
-          </a:xfrm>
-        </p:spPr>
-        <p:txBody>
-          <a:bodyPr>
-            <a:normAutofit/>
-          </a:bodyPr>
-          <a:lstStyle/>
-          <a:p>
-            <a:r>
-              <a:rPr lang="en-US" dirty="0">
-                <a:solidFill>
-                  <a:srgbClr val="FF0000"/>
-                </a:solidFill>
-              </a:rPr>
-              <a:t>&lt;&lt;Random Forest&gt;&gt; &lt;&lt;Tom&gt;&gt;</a:t>
-            </a:r>
-          </a:p>
-          <a:p>
-            <a:r>
-              <a:rPr lang="en-US" dirty="0">
-                <a:solidFill>
-                  <a:srgbClr val="FF0000"/>
-                </a:solidFill>
-              </a:rPr>
-              <a:t>&lt;&lt;correlation / probability </a:t>
-            </a:r>
-            <a:r>
-              <a:rPr lang="en-US" dirty="0" err="1">
-                <a:solidFill>
-                  <a:srgbClr val="FF0000"/>
-                </a:solidFill>
-              </a:rPr>
-              <a:t>empl</a:t>
-            </a:r>
-            <a:r>
-              <a:rPr lang="en-US" dirty="0">
-                <a:solidFill>
-                  <a:srgbClr val="FF0000"/>
-                </a:solidFill>
-              </a:rPr>
-              <a:t> will leave&gt;&gt;  &lt;&lt;false negative/false model prediction&gt;&gt;  &lt;&lt;Tom&gt;&gt;</a:t>
-            </a:r>
-          </a:p>
-        </p:txBody>
-      </p:sp>
-      <p:sp>
-        <p:nvSpPr>
-          <p:cNvPr id="6" name="TextBox 5"/>
-          <p:cNvSpPr txBox="1"/>
-          <p:nvPr/>
-        </p:nvSpPr>
-        <p:spPr>
-          <a:xfrm>
-            <a:off x="8153956" y="6568481"/>
-            <a:ext cx="963725" cy="276999"/>
+            <a:off x="4724705" y="1291130"/>
+            <a:ext cx="4106517" cy="4733855"/>
           </a:xfrm>
           <a:prstGeom prst="rect">
             <a:avLst/>
           </a:prstGeom>
-          <a:solidFill>
-            <a:schemeClr val="bg1"/>
-          </a:solidFill>
+        </p:spPr>
+      </p:pic>
+      <p:sp>
+        <p:nvSpPr>
+          <p:cNvPr id="7" name="Content Placeholder 4"/>
+          <p:cNvSpPr txBox="1">
+            <a:spLocks/>
+          </p:cNvSpPr>
+          <p:nvPr/>
+        </p:nvSpPr>
+        <p:spPr>
+          <a:xfrm>
+            <a:off x="1365196" y="1901949"/>
+            <a:ext cx="3359510" cy="1985165"/>
+          </a:xfrm>
+          <a:prstGeom prst="rect">
+            <a:avLst/>
+          </a:prstGeom>
         </p:spPr>
         <p:txBody>
-          <a:bodyPr wrap="none" rtlCol="0">
-            <a:spAutoFit/>
+          <a:bodyPr vert="horz" lIns="91440" tIns="45720" rIns="91440" bIns="45720" rtlCol="0">
+            <a:normAutofit fontScale="92500"/>
           </a:bodyPr>
-          <a:lstStyle/>
-          <a:p>
-            <a:r>
-              <a:rPr lang="en-US" sz="1200" baseline="30000" dirty="0"/>
-              <a:t>Ϯ</a:t>
-            </a:r>
-            <a:r>
-              <a:rPr lang="en-US" sz="1200" dirty="0"/>
-              <a:t>2017 SHRM</a:t>
-            </a:r>
+          <a:lstStyle>
+            <a:lvl1pPr marL="342900" indent="-342900" algn="l" defTabSz="914400" rtl="0" eaLnBrk="1" latinLnBrk="0" hangingPunct="1">
+              <a:spcBef>
+                <a:spcPct val="20000"/>
+              </a:spcBef>
+              <a:buFont typeface="Arial" pitchFamily="34" charset="0"/>
+              <a:buChar char="•"/>
+              <a:defRPr sz="2800" kern="1200">
+                <a:solidFill>
+                  <a:schemeClr val="accent1">
+                    <a:lumMod val="75000"/>
+                  </a:schemeClr>
+                </a:solidFill>
+                <a:latin typeface="+mn-lt"/>
+                <a:ea typeface="+mn-ea"/>
+                <a:cs typeface="+mn-cs"/>
+              </a:defRPr>
+            </a:lvl1pPr>
+            <a:lvl2pPr marL="742950" indent="-285750" algn="l" defTabSz="914400" rtl="0" eaLnBrk="1" latinLnBrk="0" hangingPunct="1">
+              <a:spcBef>
+                <a:spcPct val="20000"/>
+              </a:spcBef>
+              <a:buFont typeface="Arial" pitchFamily="34" charset="0"/>
+              <a:buChar char="–"/>
+              <a:defRPr sz="2800" kern="1200">
+                <a:solidFill>
+                  <a:schemeClr val="accent1">
+                    <a:lumMod val="75000"/>
+                  </a:schemeClr>
+                </a:solidFill>
+                <a:latin typeface="+mn-lt"/>
+                <a:ea typeface="+mn-ea"/>
+                <a:cs typeface="+mn-cs"/>
+              </a:defRPr>
+            </a:lvl2pPr>
+            <a:lvl3pPr marL="1143000" indent="-228600" algn="l" defTabSz="914400" rtl="0" eaLnBrk="1" latinLnBrk="0" hangingPunct="1">
+              <a:spcBef>
+                <a:spcPct val="20000"/>
+              </a:spcBef>
+              <a:buFont typeface="Arial" pitchFamily="34" charset="0"/>
+              <a:buChar char="•"/>
+              <a:defRPr sz="2400" kern="1200">
+                <a:solidFill>
+                  <a:schemeClr val="accent1">
+                    <a:lumMod val="75000"/>
+                  </a:schemeClr>
+                </a:solidFill>
+                <a:latin typeface="+mn-lt"/>
+                <a:ea typeface="+mn-ea"/>
+                <a:cs typeface="+mn-cs"/>
+              </a:defRPr>
+            </a:lvl3pPr>
+            <a:lvl4pPr marL="1600200" indent="-228600" algn="l" defTabSz="914400" rtl="0" eaLnBrk="1" latinLnBrk="0" hangingPunct="1">
+              <a:spcBef>
+                <a:spcPct val="20000"/>
+              </a:spcBef>
+              <a:buFont typeface="Arial" pitchFamily="34" charset="0"/>
+              <a:buChar char="–"/>
+              <a:defRPr sz="2000" kern="1200">
+                <a:solidFill>
+                  <a:schemeClr val="accent1">
+                    <a:lumMod val="75000"/>
+                  </a:schemeClr>
+                </a:solidFill>
+                <a:latin typeface="+mn-lt"/>
+                <a:ea typeface="+mn-ea"/>
+                <a:cs typeface="+mn-cs"/>
+              </a:defRPr>
+            </a:lvl4pPr>
+            <a:lvl5pPr marL="2057400" indent="-228600" algn="l" defTabSz="914400" rtl="0" eaLnBrk="1" latinLnBrk="0" hangingPunct="1">
+              <a:spcBef>
+                <a:spcPct val="20000"/>
+              </a:spcBef>
+              <a:buFont typeface="Arial" pitchFamily="34" charset="0"/>
+              <a:buChar char="»"/>
+              <a:defRPr sz="2000" kern="1200">
+                <a:solidFill>
+                  <a:schemeClr val="accent1">
+                    <a:lumMod val="75000"/>
+                  </a:schemeClr>
+                </a:solidFill>
+                <a:latin typeface="+mn-lt"/>
+                <a:ea typeface="+mn-ea"/>
+                <a:cs typeface="+mn-cs"/>
+              </a:defRPr>
+            </a:lvl5pPr>
+            <a:lvl6pPr marL="2514600" indent="-228600" algn="l" defTabSz="914400" rtl="0" eaLnBrk="1" latinLnBrk="0" hangingPunct="1">
+              <a:spcBef>
+                <a:spcPct val="20000"/>
+              </a:spcBef>
+              <a:buFont typeface="Arial" pitchFamily="34" charset="0"/>
+              <a:buChar char="•"/>
+              <a:defRPr sz="2000" kern="1200">
+                <a:solidFill>
+                  <a:schemeClr val="tx1"/>
+                </a:solidFill>
+                <a:latin typeface="+mn-lt"/>
+                <a:ea typeface="+mn-ea"/>
+                <a:cs typeface="+mn-cs"/>
+              </a:defRPr>
+            </a:lvl6pPr>
+            <a:lvl7pPr marL="2971800" indent="-228600" algn="l" defTabSz="914400" rtl="0" eaLnBrk="1" latinLnBrk="0" hangingPunct="1">
+              <a:spcBef>
+                <a:spcPct val="20000"/>
+              </a:spcBef>
+              <a:buFont typeface="Arial" pitchFamily="34" charset="0"/>
+              <a:buChar char="•"/>
+              <a:defRPr sz="2000" kern="1200">
+                <a:solidFill>
+                  <a:schemeClr val="tx1"/>
+                </a:solidFill>
+                <a:latin typeface="+mn-lt"/>
+                <a:ea typeface="+mn-ea"/>
+                <a:cs typeface="+mn-cs"/>
+              </a:defRPr>
+            </a:lvl7pPr>
+            <a:lvl8pPr marL="3429000" indent="-228600" algn="l" defTabSz="914400" rtl="0" eaLnBrk="1" latinLnBrk="0" hangingPunct="1">
+              <a:spcBef>
+                <a:spcPct val="20000"/>
+              </a:spcBef>
+              <a:buFont typeface="Arial" pitchFamily="34" charset="0"/>
+              <a:buChar char="•"/>
+              <a:defRPr sz="2000" kern="1200">
+                <a:solidFill>
+                  <a:schemeClr val="tx1"/>
+                </a:solidFill>
+                <a:latin typeface="+mn-lt"/>
+                <a:ea typeface="+mn-ea"/>
+                <a:cs typeface="+mn-cs"/>
+              </a:defRPr>
+            </a:lvl8pPr>
+            <a:lvl9pPr marL="3886200" indent="-228600" algn="l" defTabSz="914400" rtl="0" eaLnBrk="1" latinLnBrk="0" hangingPunct="1">
+              <a:spcBef>
+                <a:spcPct val="20000"/>
+              </a:spcBef>
+              <a:buFont typeface="Arial" pitchFamily="34" charset="0"/>
+              <a:buChar char="•"/>
+              <a:defRPr sz="2000" kern="1200">
+                <a:solidFill>
+                  <a:schemeClr val="tx1"/>
+                </a:solidFill>
+                <a:latin typeface="+mn-lt"/>
+                <a:ea typeface="+mn-ea"/>
+                <a:cs typeface="+mn-cs"/>
+              </a:defRPr>
+            </a:lvl9pPr>
+          </a:lstStyle>
+          <a:p>
+            <a:r>
+              <a:rPr lang="en-US" sz="1800" dirty="0" smtClean="0"/>
+              <a:t>Utilized </a:t>
+            </a:r>
+            <a:r>
+              <a:rPr lang="en-US" sz="1800" dirty="0" smtClean="0"/>
+              <a:t>statistical models </a:t>
+            </a:r>
+            <a:r>
+              <a:rPr lang="en-US" sz="1800" dirty="0" smtClean="0"/>
+              <a:t>to </a:t>
+            </a:r>
+            <a:r>
+              <a:rPr lang="en-US" sz="1800" dirty="0" smtClean="0"/>
+              <a:t>determine </a:t>
+            </a:r>
+            <a:r>
+              <a:rPr lang="en-US" sz="1800" dirty="0" smtClean="0"/>
+              <a:t>employees </a:t>
+            </a:r>
+            <a:r>
+              <a:rPr lang="en-US" sz="1800" dirty="0" smtClean="0"/>
+              <a:t>that are at high risk of leaving company.  </a:t>
+            </a:r>
+            <a:endParaRPr lang="en-US" sz="1800" dirty="0"/>
+          </a:p>
+          <a:p>
+            <a:r>
+              <a:rPr lang="en-US" sz="1800" dirty="0" smtClean="0"/>
+              <a:t>Refining model will allow for creation of strategies to improve retention of high performers</a:t>
+            </a:r>
+          </a:p>
+          <a:p>
+            <a:endParaRPr lang="en-US" dirty="0" smtClean="0"/>
           </a:p>
         </p:txBody>
       </p:sp>
@@ -9335,70 +9631,7 @@
 </p:sld>
 </file>
 
-<file path=ppt/slides/slide2.xml><?xml version="1.0" encoding="utf-8"?>
-<p:sld xmlns:a="http://schemas.openxmlformats.org/drawingml/2006/main" xmlns:r="http://schemas.openxmlformats.org/officeDocument/2006/relationships" xmlns:p="http://schemas.openxmlformats.org/presentationml/2006/main">
-  <p:cSld>
-    <p:spTree>
-      <p:nvGrpSpPr>
-        <p:cNvPr id="1" name=""/>
-        <p:cNvGrpSpPr/>
-        <p:nvPr/>
-      </p:nvGrpSpPr>
-      <p:grpSpPr>
-        <a:xfrm>
-          <a:off x="0" y="0"/>
-          <a:ext cx="0" cy="0"/>
-          <a:chOff x="0" y="0"/>
-          <a:chExt cx="0" cy="0"/>
-        </a:xfrm>
-      </p:grpSpPr>
-      <p:sp>
-        <p:nvSpPr>
-          <p:cNvPr id="4" name="Title 3"/>
-          <p:cNvSpPr>
-            <a:spLocks noGrp="1"/>
-          </p:cNvSpPr>
-          <p:nvPr>
-            <p:ph type="title"/>
-          </p:nvPr>
-        </p:nvSpPr>
-        <p:spPr>
-          <a:xfrm>
-            <a:off x="448965" y="2970885"/>
-            <a:ext cx="8229600" cy="916230"/>
-          </a:xfrm>
-        </p:spPr>
-        <p:txBody>
-          <a:bodyPr>
-            <a:noAutofit/>
-          </a:bodyPr>
-          <a:lstStyle/>
-          <a:p>
-            <a:pPr algn="ctr"/>
-            <a:r>
-              <a:rPr lang="en-US" sz="6000" dirty="0">
-                <a:latin typeface="Arial Rounded MT Bold"/>
-                <a:cs typeface="Arial Rounded MT Bold"/>
-              </a:rPr>
-              <a:t>Business Objectives</a:t>
-            </a:r>
-          </a:p>
-        </p:txBody>
-      </p:sp>
-    </p:spTree>
-    <p:extLst>
-      <p:ext uri="{BB962C8B-B14F-4D97-AF65-F5344CB8AC3E}">
-        <p14:creationId xmlns:p14="http://schemas.microsoft.com/office/powerpoint/2010/main" val="4170783713"/>
-      </p:ext>
-    </p:extLst>
-  </p:cSld>
-  <p:clrMapOvr>
-    <a:masterClrMapping/>
-  </p:clrMapOvr>
-</p:sld>
-</file>
-
-<file path=ppt/slides/slide20.xml><?xml version="1.0" encoding="utf-8"?>
+<file path=ppt/slides/slide21.xml><?xml version="1.0" encoding="utf-8"?>
 <p:sld xmlns:a="http://schemas.openxmlformats.org/drawingml/2006/main" xmlns:r="http://schemas.openxmlformats.org/officeDocument/2006/relationships" xmlns:p="http://schemas.openxmlformats.org/presentationml/2006/main">
   <p:cSld>
     <p:spTree>
@@ -10013,7 +10246,7 @@
           <p:cNvPr id="8" name="Picture 8" descr="A close up of a logo&#10;&#10;Description generated with high confidence">
             <a:extLst>
               <a:ext uri="{FF2B5EF4-FFF2-40B4-BE49-F238E27FC236}">
-                <a16:creationId xmlns:a16="http://schemas.microsoft.com/office/drawing/2014/main" xmlns="" id="{1FDADF91-0F72-4800-96BE-94BA90290CBA}"/>
+                <a16:creationId xmlns="" xmlns:a16="http://schemas.microsoft.com/office/drawing/2014/main" id="{1FDADF91-0F72-4800-96BE-94BA90290CBA}"/>
               </a:ext>
             </a:extLst>
           </p:cNvPr>
@@ -10045,7 +10278,7 @@
           <p:cNvPr id="12" name="TextBox 11">
             <a:extLst>
               <a:ext uri="{FF2B5EF4-FFF2-40B4-BE49-F238E27FC236}">
-                <a16:creationId xmlns:a16="http://schemas.microsoft.com/office/drawing/2014/main" xmlns="" id="{442F14DA-96A7-49B4-BA6F-4D49AEFD60D5}"/>
+                <a16:creationId xmlns="" xmlns:a16="http://schemas.microsoft.com/office/drawing/2014/main" id="{442F14DA-96A7-49B4-BA6F-4D49AEFD60D5}"/>
               </a:ext>
             </a:extLst>
           </p:cNvPr>
@@ -10085,7 +10318,7 @@
           <p:cNvPr id="2" name="TextBox 1">
             <a:extLst>
               <a:ext uri="{FF2B5EF4-FFF2-40B4-BE49-F238E27FC236}">
-                <a16:creationId xmlns:a16="http://schemas.microsoft.com/office/drawing/2014/main" xmlns="" id="{7369C0BA-886B-41DF-BE53-C32D963020EA}"/>
+                <a16:creationId xmlns="" xmlns:a16="http://schemas.microsoft.com/office/drawing/2014/main" id="{7369C0BA-886B-41DF-BE53-C32D963020EA}"/>
               </a:ext>
             </a:extLst>
           </p:cNvPr>
@@ -10437,7 +10670,7 @@
           <p:cNvPr id="4" name="TextBox 3">
             <a:extLst>
               <a:ext uri="{FF2B5EF4-FFF2-40B4-BE49-F238E27FC236}">
-                <a16:creationId xmlns:a16="http://schemas.microsoft.com/office/drawing/2014/main" xmlns="" id="{25643C26-B664-4441-8FFA-6E923C378C68}"/>
+                <a16:creationId xmlns="" xmlns:a16="http://schemas.microsoft.com/office/drawing/2014/main" id="{25643C26-B664-4441-8FFA-6E923C378C68}"/>
               </a:ext>
             </a:extLst>
           </p:cNvPr>
@@ -10507,7 +10740,7 @@
           <p:cNvPr id="2" name="Picture 2" descr="A close up of text on a black background&#10;&#10;Description generated with high confidence">
             <a:extLst>
               <a:ext uri="{FF2B5EF4-FFF2-40B4-BE49-F238E27FC236}">
-                <a16:creationId xmlns:a16="http://schemas.microsoft.com/office/drawing/2014/main" xmlns="" id="{8D16B65E-B7B9-4B27-97C4-85C52748C5C4}"/>
+                <a16:creationId xmlns="" xmlns:a16="http://schemas.microsoft.com/office/drawing/2014/main" id="{8D16B65E-B7B9-4B27-97C4-85C52748C5C4}"/>
               </a:ext>
             </a:extLst>
           </p:cNvPr>
@@ -10567,7 +10800,7 @@
           <p:cNvPr id="2" name="Picture 2" descr="A close up of text on a white background&#10;&#10;Description generated with high confidence">
             <a:extLst>
               <a:ext uri="{FF2B5EF4-FFF2-40B4-BE49-F238E27FC236}">
-                <a16:creationId xmlns:a16="http://schemas.microsoft.com/office/drawing/2014/main" xmlns="" id="{19436EB7-EF2B-4C72-84A6-87E60CC3D502}"/>
+                <a16:creationId xmlns="" xmlns:a16="http://schemas.microsoft.com/office/drawing/2014/main" id="{19436EB7-EF2B-4C72-84A6-87E60CC3D502}"/>
               </a:ext>
             </a:extLst>
           </p:cNvPr>
@@ -10597,7 +10830,7 @@
           <p:cNvPr id="3" name="TextBox 2">
             <a:extLst>
               <a:ext uri="{FF2B5EF4-FFF2-40B4-BE49-F238E27FC236}">
-                <a16:creationId xmlns:a16="http://schemas.microsoft.com/office/drawing/2014/main" xmlns="" id="{88A4D58E-77C7-4954-9FE1-FEFB02FD25EF}"/>
+                <a16:creationId xmlns="" xmlns:a16="http://schemas.microsoft.com/office/drawing/2014/main" id="{88A4D58E-77C7-4954-9FE1-FEFB02FD25EF}"/>
               </a:ext>
             </a:extLst>
           </p:cNvPr>
@@ -10636,7 +10869,7 @@
           <p:cNvPr id="4" name="TextBox 3">
             <a:extLst>
               <a:ext uri="{FF2B5EF4-FFF2-40B4-BE49-F238E27FC236}">
-                <a16:creationId xmlns:a16="http://schemas.microsoft.com/office/drawing/2014/main" xmlns="" id="{5A13CDDF-02C2-4ACC-8EE9-698E455696C0}"/>
+                <a16:creationId xmlns="" xmlns:a16="http://schemas.microsoft.com/office/drawing/2014/main" id="{5A13CDDF-02C2-4ACC-8EE9-698E455696C0}"/>
               </a:ext>
             </a:extLst>
           </p:cNvPr>
@@ -12107,7 +12340,7 @@
     </a:clrScheme>
     <a:fontScheme name="Office">
       <a:majorFont>
-        <a:latin typeface="Calibri Light" panose="020F0302020204030204"/>
+        <a:latin typeface="Calibri Light"/>
         <a:ea typeface=""/>
         <a:cs typeface=""/>
         <a:font script="Jpan" typeface="Yu Gothic Light"/>
@@ -12142,7 +12375,7 @@
         <a:font script="Geor" typeface="Sylfaen"/>
       </a:majorFont>
       <a:minorFont>
-        <a:latin typeface="Calibri" panose="020F0502020204030204"/>
+        <a:latin typeface="Calibri"/>
         <a:ea typeface=""/>
         <a:cs typeface=""/>
         <a:font script="Jpan" typeface="Yu Gothic"/>
@@ -12319,7 +12552,7 @@
   <a:extraClrSchemeLst/>
   <a:extLst>
     <a:ext uri="{05A4C25C-085E-4340-85A3-A5531E510DB2}">
-      <thm15:themeFamily xmlns:thm15="http://schemas.microsoft.com/office/thememl/2012/main" name="Office Theme" id="{62F939B6-93AF-4DB8-9C6B-D6C7DFDC589F}" vid="{4A3C46E8-61CC-4603-A589-7422A47A8E4A}"/>
+      <thm15:themeFamily xmlns:thm15="http://schemas.microsoft.com/office/thememl/2012/main" xmlns="" name="Office Theme" id="{62F939B6-93AF-4DB8-9C6B-D6C7DFDC589F}" vid="{4A3C46E8-61CC-4603-A589-7422A47A8E4A}"/>
     </a:ext>
   </a:extLst>
 </a:theme>
